--- a/slides/11_Automated_Planning.pptx
+++ b/slides/11_Automated_Planning.pptx
@@ -2389,6 +2389,57 @@
         </a:p>
       </dgm:t>
     </dgm:pt>
+    <dgm:pt modelId="{0F3ACFAE-A9F8-4272-B114-5C09BA337050}">
+      <dgm:prSet phldrT="[Text]">
+        <dgm:style>
+          <a:lnRef idx="3">
+            <a:schemeClr val="lt1"/>
+          </a:lnRef>
+          <a:fillRef idx="1">
+            <a:schemeClr val="accent6"/>
+          </a:fillRef>
+          <a:effectRef idx="1">
+            <a:schemeClr val="accent6"/>
+          </a:effectRef>
+          <a:fontRef idx="minor">
+            <a:schemeClr val="lt1"/>
+          </a:fontRef>
+        </dgm:style>
+      </dgm:prSet>
+      <dgm:spPr/>
+      <dgm:t>
+        <a:bodyPr/>
+        <a:lstStyle/>
+        <a:p>
+          <a:r>
+            <a:rPr lang="en-US" dirty="0"/>
+            <a:t>Goal</a:t>
+          </a:r>
+        </a:p>
+      </dgm:t>
+    </dgm:pt>
+    <dgm:pt modelId="{09FA9053-DCF2-405F-84CC-3976F8D3A6CE}" type="parTrans" cxnId="{7B690919-6C7B-4205-88A6-BB3474688010}">
+      <dgm:prSet/>
+      <dgm:spPr/>
+      <dgm:t>
+        <a:bodyPr/>
+        <a:lstStyle/>
+        <a:p>
+          <a:endParaRPr lang="en-US"/>
+        </a:p>
+      </dgm:t>
+    </dgm:pt>
+    <dgm:pt modelId="{B54E67F2-0F8B-4A13-A0BA-7BE996B34580}" type="sibTrans" cxnId="{7B690919-6C7B-4205-88A6-BB3474688010}">
+      <dgm:prSet/>
+      <dgm:spPr/>
+      <dgm:t>
+        <a:bodyPr/>
+        <a:lstStyle/>
+        <a:p>
+          <a:endParaRPr lang="en-US"/>
+        </a:p>
+      </dgm:t>
+    </dgm:pt>
     <dgm:pt modelId="{4E7D953F-460B-4CFD-AF4D-6135CCD53761}" type="pres">
       <dgm:prSet presAssocID="{E4D822CB-6ACD-460A-B0FC-0CAFCDF0DEE0}" presName="Name0" presStyleCnt="0">
         <dgm:presLayoutVars>
@@ -2400,7 +2451,7 @@
       <dgm:spPr/>
     </dgm:pt>
     <dgm:pt modelId="{201D0ADC-86C8-4FEB-A73C-D5249AD8DF3F}" type="pres">
-      <dgm:prSet presAssocID="{C0A1EF1F-F691-4EDC-B47D-9F5928C1E110}" presName="parTxOnly" presStyleLbl="node1" presStyleIdx="0" presStyleCnt="6">
+      <dgm:prSet presAssocID="{C0A1EF1F-F691-4EDC-B47D-9F5928C1E110}" presName="parTxOnly" presStyleLbl="node1" presStyleIdx="0" presStyleCnt="7">
         <dgm:presLayoutVars>
           <dgm:chMax val="0"/>
           <dgm:chPref val="0"/>
@@ -2414,7 +2465,7 @@
       <dgm:spPr/>
     </dgm:pt>
     <dgm:pt modelId="{2FA94983-A935-42C2-96A2-8700167A3F13}" type="pres">
-      <dgm:prSet presAssocID="{9D8652E9-B02D-4552-A9F3-3873AEF6A867}" presName="parTxOnly" presStyleLbl="node1" presStyleIdx="1" presStyleCnt="6">
+      <dgm:prSet presAssocID="{9D8652E9-B02D-4552-A9F3-3873AEF6A867}" presName="parTxOnly" presStyleLbl="node1" presStyleIdx="1" presStyleCnt="7">
         <dgm:presLayoutVars>
           <dgm:chMax val="0"/>
           <dgm:chPref val="0"/>
@@ -2428,7 +2479,7 @@
       <dgm:spPr/>
     </dgm:pt>
     <dgm:pt modelId="{DA4613D2-A6DE-4BE7-8EE1-76246A606501}" type="pres">
-      <dgm:prSet presAssocID="{13F6C7B3-529D-4768-8C92-DCE918CA1B5A}" presName="parTxOnly" presStyleLbl="node1" presStyleIdx="2" presStyleCnt="6">
+      <dgm:prSet presAssocID="{13F6C7B3-529D-4768-8C92-DCE918CA1B5A}" presName="parTxOnly" presStyleLbl="node1" presStyleIdx="2" presStyleCnt="7">
         <dgm:presLayoutVars>
           <dgm:chMax val="0"/>
           <dgm:chPref val="0"/>
@@ -2442,7 +2493,7 @@
       <dgm:spPr/>
     </dgm:pt>
     <dgm:pt modelId="{11C6A9F8-ED9F-450C-B9CD-D28089ADEEE4}" type="pres">
-      <dgm:prSet presAssocID="{CFC98AD5-0442-4923-A281-2752493789ED}" presName="parTxOnly" presStyleLbl="node1" presStyleIdx="3" presStyleCnt="6">
+      <dgm:prSet presAssocID="{CFC98AD5-0442-4923-A281-2752493789ED}" presName="parTxOnly" presStyleLbl="node1" presStyleIdx="3" presStyleCnt="7">
         <dgm:presLayoutVars>
           <dgm:chMax val="0"/>
           <dgm:chPref val="0"/>
@@ -2456,7 +2507,7 @@
       <dgm:spPr/>
     </dgm:pt>
     <dgm:pt modelId="{7676D92C-9E73-47BA-90D2-4FDC7B9BFEB6}" type="pres">
-      <dgm:prSet presAssocID="{F4C8B2D1-0923-4F1C-8104-7E77E52E4F63}" presName="parTxOnly" presStyleLbl="node1" presStyleIdx="4" presStyleCnt="6">
+      <dgm:prSet presAssocID="{F4C8B2D1-0923-4F1C-8104-7E77E52E4F63}" presName="parTxOnly" presStyleLbl="node1" presStyleIdx="4" presStyleCnt="7">
         <dgm:presLayoutVars>
           <dgm:chMax val="0"/>
           <dgm:chPref val="0"/>
@@ -2470,7 +2521,21 @@
       <dgm:spPr/>
     </dgm:pt>
     <dgm:pt modelId="{6603D2B1-844E-4804-8A8A-AE9CD716AFAB}" type="pres">
-      <dgm:prSet presAssocID="{B576D270-BFDF-4EE7-9F45-0798BEA1449E}" presName="parTxOnly" presStyleLbl="node1" presStyleIdx="5" presStyleCnt="6">
+      <dgm:prSet presAssocID="{B576D270-BFDF-4EE7-9F45-0798BEA1449E}" presName="parTxOnly" presStyleLbl="node1" presStyleIdx="5" presStyleCnt="7">
+        <dgm:presLayoutVars>
+          <dgm:chMax val="0"/>
+          <dgm:chPref val="0"/>
+          <dgm:bulletEnabled val="1"/>
+        </dgm:presLayoutVars>
+      </dgm:prSet>
+      <dgm:spPr/>
+    </dgm:pt>
+    <dgm:pt modelId="{B09CB882-AF8A-4B20-BF8C-323CFBEF09B3}" type="pres">
+      <dgm:prSet presAssocID="{90C738DA-EC28-472D-B593-E8F23AAFD384}" presName="parTxOnlySpace" presStyleCnt="0"/>
+      <dgm:spPr/>
+    </dgm:pt>
+    <dgm:pt modelId="{03CBB1FD-5E0C-417B-90DD-8E46DA4470FF}" type="pres">
+      <dgm:prSet presAssocID="{0F3ACFAE-A9F8-4272-B114-5C09BA337050}" presName="parTxOnly" presStyleLbl="node1" presStyleIdx="6" presStyleCnt="7">
         <dgm:presLayoutVars>
           <dgm:chMax val="0"/>
           <dgm:chPref val="0"/>
@@ -2481,6 +2546,7 @@
     </dgm:pt>
   </dgm:ptLst>
   <dgm:cxnLst>
+    <dgm:cxn modelId="{7B690919-6C7B-4205-88A6-BB3474688010}" srcId="{E4D822CB-6ACD-460A-B0FC-0CAFCDF0DEE0}" destId="{0F3ACFAE-A9F8-4272-B114-5C09BA337050}" srcOrd="6" destOrd="0" parTransId="{09FA9053-DCF2-405F-84CC-3976F8D3A6CE}" sibTransId="{B54E67F2-0F8B-4A13-A0BA-7BE996B34580}"/>
     <dgm:cxn modelId="{E0D7632D-6C49-4E65-AE80-73462A7E4AB2}" srcId="{E4D822CB-6ACD-460A-B0FC-0CAFCDF0DEE0}" destId="{13F6C7B3-529D-4768-8C92-DCE918CA1B5A}" srcOrd="2" destOrd="0" parTransId="{C3E253E7-8781-4831-8994-8C7DF9C9BF87}" sibTransId="{965F99EC-168B-463D-A31D-B1B974C75F88}"/>
     <dgm:cxn modelId="{0B35DA32-676B-4E67-8255-EAA9F1D0E491}" srcId="{E4D822CB-6ACD-460A-B0FC-0CAFCDF0DEE0}" destId="{CFC98AD5-0442-4923-A281-2752493789ED}" srcOrd="3" destOrd="0" parTransId="{BA96FCFB-3B55-4C05-BFFD-ADBF63086E25}" sibTransId="{41D916EB-A88A-4C79-B40D-9E8CF6828FBD}"/>
     <dgm:cxn modelId="{B1206F36-3292-4CC8-AADA-C07A726CF86D}" srcId="{E4D822CB-6ACD-460A-B0FC-0CAFCDF0DEE0}" destId="{B576D270-BFDF-4EE7-9F45-0798BEA1449E}" srcOrd="5" destOrd="0" parTransId="{FC2540DE-0785-4DC8-A152-C1E30FACD815}" sibTransId="{90C738DA-EC28-472D-B593-E8F23AAFD384}"/>
@@ -2488,6 +2554,7 @@
     <dgm:cxn modelId="{3823C53E-D53F-4450-938D-D46782A15686}" srcId="{E4D822CB-6ACD-460A-B0FC-0CAFCDF0DEE0}" destId="{F4C8B2D1-0923-4F1C-8104-7E77E52E4F63}" srcOrd="4" destOrd="0" parTransId="{D681102E-81F3-442D-8FD4-A19F80208B3E}" sibTransId="{1E5E7454-EE17-4911-B92B-D0973EBC8701}"/>
     <dgm:cxn modelId="{68759D61-5B6F-460B-AF43-0975A65D49F5}" srcId="{E4D822CB-6ACD-460A-B0FC-0CAFCDF0DEE0}" destId="{C0A1EF1F-F691-4EDC-B47D-9F5928C1E110}" srcOrd="0" destOrd="0" parTransId="{4AC27718-D76B-4CF7-9CC7-F00FD3043AFA}" sibTransId="{6303C809-875B-4646-A50C-9FD18FA0B755}"/>
     <dgm:cxn modelId="{5BD81855-DBD0-4519-872A-0152C0B65B20}" type="presOf" srcId="{B576D270-BFDF-4EE7-9F45-0798BEA1449E}" destId="{6603D2B1-844E-4804-8A8A-AE9CD716AFAB}" srcOrd="0" destOrd="0" presId="urn:microsoft.com/office/officeart/2005/8/layout/chevron1"/>
+    <dgm:cxn modelId="{FC47FA7D-BAB6-4880-A395-7DDBEB7C5833}" type="presOf" srcId="{0F3ACFAE-A9F8-4272-B114-5C09BA337050}" destId="{03CBB1FD-5E0C-417B-90DD-8E46DA4470FF}" srcOrd="0" destOrd="0" presId="urn:microsoft.com/office/officeart/2005/8/layout/chevron1"/>
     <dgm:cxn modelId="{8088F182-E370-4CCA-B48E-95F62E32BF21}" type="presOf" srcId="{13F6C7B3-529D-4768-8C92-DCE918CA1B5A}" destId="{DA4613D2-A6DE-4BE7-8EE1-76246A606501}" srcOrd="0" destOrd="0" presId="urn:microsoft.com/office/officeart/2005/8/layout/chevron1"/>
     <dgm:cxn modelId="{0C59D186-22D3-4B8B-AC3F-61D5D0D59526}" type="presOf" srcId="{9D8652E9-B02D-4552-A9F3-3873AEF6A867}" destId="{2FA94983-A935-42C2-96A2-8700167A3F13}" srcOrd="0" destOrd="0" presId="urn:microsoft.com/office/officeart/2005/8/layout/chevron1"/>
     <dgm:cxn modelId="{136072A2-B37D-4353-AE26-BEB557AB502F}" srcId="{E4D822CB-6ACD-460A-B0FC-0CAFCDF0DEE0}" destId="{9D8652E9-B02D-4552-A9F3-3873AEF6A867}" srcOrd="1" destOrd="0" parTransId="{361A3FF4-8AF7-48D4-899B-852C12A263F3}" sibTransId="{289003DE-B714-42EA-BBFB-CE755CA197B4}"/>
@@ -2505,6 +2572,8 @@
     <dgm:cxn modelId="{3C158A7A-E16E-45B2-AE61-B6FD972E637A}" type="presParOf" srcId="{4E7D953F-460B-4CFD-AF4D-6135CCD53761}" destId="{7676D92C-9E73-47BA-90D2-4FDC7B9BFEB6}" srcOrd="8" destOrd="0" presId="urn:microsoft.com/office/officeart/2005/8/layout/chevron1"/>
     <dgm:cxn modelId="{841DC049-B5F3-4C90-83EC-783FA0585445}" type="presParOf" srcId="{4E7D953F-460B-4CFD-AF4D-6135CCD53761}" destId="{62C2230D-C0FA-4105-ADD6-078EB3220829}" srcOrd="9" destOrd="0" presId="urn:microsoft.com/office/officeart/2005/8/layout/chevron1"/>
     <dgm:cxn modelId="{D16190F5-1204-4379-ADFE-CDD7D04700BF}" type="presParOf" srcId="{4E7D953F-460B-4CFD-AF4D-6135CCD53761}" destId="{6603D2B1-844E-4804-8A8A-AE9CD716AFAB}" srcOrd="10" destOrd="0" presId="urn:microsoft.com/office/officeart/2005/8/layout/chevron1"/>
+    <dgm:cxn modelId="{BDBD9653-5AA5-4B1E-BF6A-90968AFDA6CA}" type="presParOf" srcId="{4E7D953F-460B-4CFD-AF4D-6135CCD53761}" destId="{B09CB882-AF8A-4B20-BF8C-323CFBEF09B3}" srcOrd="11" destOrd="0" presId="urn:microsoft.com/office/officeart/2005/8/layout/chevron1"/>
+    <dgm:cxn modelId="{5089EAA8-5737-4E12-B6D2-F8E5965D636E}" type="presParOf" srcId="{4E7D953F-460B-4CFD-AF4D-6135CCD53761}" destId="{03CBB1FD-5E0C-417B-90DD-8E46DA4470FF}" srcOrd="12" destOrd="0" presId="urn:microsoft.com/office/officeart/2005/8/layout/chevron1"/>
   </dgm:cxnLst>
   <dgm:bg/>
   <dgm:whole/>
@@ -2951,8 +3020,8 @@
       </dsp:nvSpPr>
       <dsp:spPr>
         <a:xfrm>
-          <a:off x="2976" y="667543"/>
-          <a:ext cx="1107281" cy="442912"/>
+          <a:off x="0" y="698500"/>
+          <a:ext cx="952499" cy="380999"/>
         </a:xfrm>
         <a:prstGeom prst="chevron">
           <a:avLst/>
@@ -2994,12 +3063,12 @@
         </a:fontRef>
       </dsp:style>
       <dsp:txBody>
-        <a:bodyPr spcFirstLastPara="0" vert="horz" wrap="square" lIns="56007" tIns="18669" rIns="18669" bIns="18669" numCol="1" spcCol="1270" anchor="ctr" anchorCtr="0">
+        <a:bodyPr spcFirstLastPara="0" vert="horz" wrap="square" lIns="48006" tIns="16002" rIns="16002" bIns="16002" numCol="1" spcCol="1270" anchor="ctr" anchorCtr="0">
           <a:noAutofit/>
         </a:bodyPr>
         <a:lstStyle/>
         <a:p>
-          <a:pPr marL="0" lvl="0" indent="0" algn="ctr" defTabSz="622300">
+          <a:pPr marL="0" lvl="0" indent="0" algn="ctr" defTabSz="533400">
             <a:lnSpc>
               <a:spcPct val="90000"/>
             </a:lnSpc>
@@ -3012,14 +3081,14 @@
             <a:buNone/>
           </a:pPr>
           <a:r>
-            <a:rPr lang="en-US" sz="1400" kern="1200" dirty="0"/>
+            <a:rPr lang="en-US" sz="1200" kern="1200" dirty="0"/>
             <a:t>Plan</a:t>
           </a:r>
         </a:p>
       </dsp:txBody>
       <dsp:txXfrm>
-        <a:off x="224432" y="667543"/>
-        <a:ext cx="664369" cy="442912"/>
+        <a:off x="190500" y="698500"/>
+        <a:ext cx="571500" cy="380999"/>
       </dsp:txXfrm>
     </dsp:sp>
     <dsp:sp modelId="{2FA94983-A935-42C2-96A2-8700167A3F13}">
@@ -3029,8 +3098,8 @@
       </dsp:nvSpPr>
       <dsp:spPr>
         <a:xfrm>
-          <a:off x="999529" y="667543"/>
-          <a:ext cx="1107281" cy="442912"/>
+          <a:off x="857250" y="698500"/>
+          <a:ext cx="952499" cy="380999"/>
         </a:xfrm>
         <a:prstGeom prst="chevron">
           <a:avLst/>
@@ -3062,12 +3131,12 @@
         </a:fontRef>
       </dsp:style>
       <dsp:txBody>
-        <a:bodyPr spcFirstLastPara="0" vert="horz" wrap="square" lIns="56007" tIns="18669" rIns="18669" bIns="18669" numCol="1" spcCol="1270" anchor="ctr" anchorCtr="0">
+        <a:bodyPr spcFirstLastPara="0" vert="horz" wrap="square" lIns="48006" tIns="16002" rIns="16002" bIns="16002" numCol="1" spcCol="1270" anchor="ctr" anchorCtr="0">
           <a:noAutofit/>
         </a:bodyPr>
         <a:lstStyle/>
         <a:p>
-          <a:pPr marL="0" lvl="0" indent="0" algn="ctr" defTabSz="622300">
+          <a:pPr marL="0" lvl="0" indent="0" algn="ctr" defTabSz="533400">
             <a:lnSpc>
               <a:spcPct val="90000"/>
             </a:lnSpc>
@@ -3080,14 +3149,14 @@
             <a:buNone/>
           </a:pPr>
           <a:r>
-            <a:rPr lang="en-US" sz="1400" kern="1200" dirty="0"/>
+            <a:rPr lang="en-US" sz="1200" kern="1200" dirty="0"/>
             <a:t>Execute</a:t>
           </a:r>
         </a:p>
       </dsp:txBody>
       <dsp:txXfrm>
-        <a:off x="1220985" y="667543"/>
-        <a:ext cx="664369" cy="442912"/>
+        <a:off x="1047750" y="698500"/>
+        <a:ext cx="571500" cy="380999"/>
       </dsp:txXfrm>
     </dsp:sp>
     <dsp:sp modelId="{DA4613D2-A6DE-4BE7-8EE1-76246A606501}">
@@ -3097,8 +3166,8 @@
       </dsp:nvSpPr>
       <dsp:spPr>
         <a:xfrm>
-          <a:off x="1996082" y="667543"/>
-          <a:ext cx="1107281" cy="442912"/>
+          <a:off x="1714500" y="698500"/>
+          <a:ext cx="952499" cy="380999"/>
         </a:xfrm>
         <a:prstGeom prst="chevron">
           <a:avLst/>
@@ -3140,12 +3209,12 @@
         </a:fontRef>
       </dsp:style>
       <dsp:txBody>
-        <a:bodyPr spcFirstLastPara="0" vert="horz" wrap="square" lIns="56007" tIns="18669" rIns="18669" bIns="18669" numCol="1" spcCol="1270" anchor="ctr" anchorCtr="0">
+        <a:bodyPr spcFirstLastPara="0" vert="horz" wrap="square" lIns="48006" tIns="16002" rIns="16002" bIns="16002" numCol="1" spcCol="1270" anchor="ctr" anchorCtr="0">
           <a:noAutofit/>
         </a:bodyPr>
         <a:lstStyle/>
         <a:p>
-          <a:pPr marL="0" lvl="0" indent="0" algn="ctr" defTabSz="622300">
+          <a:pPr marL="0" lvl="0" indent="0" algn="ctr" defTabSz="533400">
             <a:lnSpc>
               <a:spcPct val="90000"/>
             </a:lnSpc>
@@ -3158,14 +3227,14 @@
             <a:buNone/>
           </a:pPr>
           <a:r>
-            <a:rPr lang="en-US" sz="1400" kern="1200" dirty="0"/>
+            <a:rPr lang="en-US" sz="1200" kern="1200" dirty="0"/>
             <a:t>Check</a:t>
           </a:r>
         </a:p>
       </dsp:txBody>
       <dsp:txXfrm>
-        <a:off x="2217538" y="667543"/>
-        <a:ext cx="664369" cy="442912"/>
+        <a:off x="1905000" y="698500"/>
+        <a:ext cx="571500" cy="380999"/>
       </dsp:txXfrm>
     </dsp:sp>
     <dsp:sp modelId="{11C6A9F8-ED9F-450C-B9CD-D28089ADEEE4}">
@@ -3175,8 +3244,8 @@
       </dsp:nvSpPr>
       <dsp:spPr>
         <a:xfrm>
-          <a:off x="2992635" y="667543"/>
-          <a:ext cx="1107281" cy="442912"/>
+          <a:off x="2571750" y="698500"/>
+          <a:ext cx="952499" cy="380999"/>
         </a:xfrm>
         <a:prstGeom prst="chevron">
           <a:avLst/>
@@ -3208,12 +3277,12 @@
         </a:fontRef>
       </dsp:style>
       <dsp:txBody>
-        <a:bodyPr spcFirstLastPara="0" vert="horz" wrap="square" lIns="56007" tIns="18669" rIns="18669" bIns="18669" numCol="1" spcCol="1270" anchor="ctr" anchorCtr="0">
+        <a:bodyPr spcFirstLastPara="0" vert="horz" wrap="square" lIns="48006" tIns="16002" rIns="16002" bIns="16002" numCol="1" spcCol="1270" anchor="ctr" anchorCtr="0">
           <a:noAutofit/>
         </a:bodyPr>
         <a:lstStyle/>
         <a:p>
-          <a:pPr marL="0" lvl="0" indent="0" algn="ctr" defTabSz="622300">
+          <a:pPr marL="0" lvl="0" indent="0" algn="ctr" defTabSz="533400">
             <a:lnSpc>
               <a:spcPct val="90000"/>
             </a:lnSpc>
@@ -3226,14 +3295,14 @@
             <a:buNone/>
           </a:pPr>
           <a:r>
-            <a:rPr lang="en-US" sz="1400" kern="1200" dirty="0"/>
+            <a:rPr lang="en-US" sz="1200" kern="1200" dirty="0"/>
             <a:t>Replan</a:t>
           </a:r>
         </a:p>
       </dsp:txBody>
       <dsp:txXfrm>
-        <a:off x="3214091" y="667543"/>
-        <a:ext cx="664369" cy="442912"/>
+        <a:off x="2762250" y="698500"/>
+        <a:ext cx="571500" cy="380999"/>
       </dsp:txXfrm>
     </dsp:sp>
     <dsp:sp modelId="{7676D92C-9E73-47BA-90D2-4FDC7B9BFEB6}">
@@ -3243,8 +3312,8 @@
       </dsp:nvSpPr>
       <dsp:spPr>
         <a:xfrm>
-          <a:off x="3989189" y="667543"/>
-          <a:ext cx="1107281" cy="442912"/>
+          <a:off x="3429000" y="698500"/>
+          <a:ext cx="952499" cy="380999"/>
         </a:xfrm>
         <a:prstGeom prst="chevron">
           <a:avLst/>
@@ -3276,12 +3345,12 @@
         </a:fontRef>
       </dsp:style>
       <dsp:txBody>
-        <a:bodyPr spcFirstLastPara="0" vert="horz" wrap="square" lIns="56007" tIns="18669" rIns="18669" bIns="18669" numCol="1" spcCol="1270" anchor="ctr" anchorCtr="0">
+        <a:bodyPr spcFirstLastPara="0" vert="horz" wrap="square" lIns="48006" tIns="16002" rIns="16002" bIns="16002" numCol="1" spcCol="1270" anchor="ctr" anchorCtr="0">
           <a:noAutofit/>
         </a:bodyPr>
         <a:lstStyle/>
         <a:p>
-          <a:pPr marL="0" lvl="0" indent="0" algn="ctr" defTabSz="622300">
+          <a:pPr marL="0" lvl="0" indent="0" algn="ctr" defTabSz="533400">
             <a:lnSpc>
               <a:spcPct val="90000"/>
             </a:lnSpc>
@@ -3294,14 +3363,14 @@
             <a:buNone/>
           </a:pPr>
           <a:r>
-            <a:rPr lang="en-US" sz="1400" kern="1200" dirty="0"/>
+            <a:rPr lang="en-US" sz="1200" kern="1200" dirty="0"/>
             <a:t>Execute</a:t>
           </a:r>
         </a:p>
       </dsp:txBody>
       <dsp:txXfrm>
-        <a:off x="4210645" y="667543"/>
-        <a:ext cx="664369" cy="442912"/>
+        <a:off x="3619500" y="698500"/>
+        <a:ext cx="571500" cy="380999"/>
       </dsp:txXfrm>
     </dsp:sp>
     <dsp:sp modelId="{6603D2B1-844E-4804-8A8A-AE9CD716AFAB}">
@@ -3311,8 +3380,8 @@
       </dsp:nvSpPr>
       <dsp:spPr>
         <a:xfrm>
-          <a:off x="4985742" y="667543"/>
-          <a:ext cx="1107281" cy="442912"/>
+          <a:off x="4286250" y="698500"/>
+          <a:ext cx="952499" cy="380999"/>
         </a:xfrm>
         <a:prstGeom prst="chevron">
           <a:avLst/>
@@ -3344,12 +3413,12 @@
         </a:fontRef>
       </dsp:style>
       <dsp:txBody>
-        <a:bodyPr spcFirstLastPara="0" vert="horz" wrap="square" lIns="56007" tIns="18669" rIns="18669" bIns="18669" numCol="1" spcCol="1270" anchor="ctr" anchorCtr="0">
+        <a:bodyPr spcFirstLastPara="0" vert="horz" wrap="square" lIns="48006" tIns="16002" rIns="16002" bIns="16002" numCol="1" spcCol="1270" anchor="ctr" anchorCtr="0">
           <a:noAutofit/>
         </a:bodyPr>
         <a:lstStyle/>
         <a:p>
-          <a:pPr marL="0" lvl="0" indent="0" algn="ctr" defTabSz="622300">
+          <a:pPr marL="0" lvl="0" indent="0" algn="ctr" defTabSz="533400">
             <a:lnSpc>
               <a:spcPct val="90000"/>
             </a:lnSpc>
@@ -3362,14 +3431,82 @@
             <a:buNone/>
           </a:pPr>
           <a:r>
-            <a:rPr lang="en-US" sz="1400" kern="1200" dirty="0"/>
+            <a:rPr lang="en-US" sz="1200" kern="1200" dirty="0"/>
             <a:t>…</a:t>
           </a:r>
         </a:p>
       </dsp:txBody>
       <dsp:txXfrm>
-        <a:off x="5207198" y="667543"/>
-        <a:ext cx="664369" cy="442912"/>
+        <a:off x="4476750" y="698500"/>
+        <a:ext cx="571500" cy="380999"/>
+      </dsp:txXfrm>
+    </dsp:sp>
+    <dsp:sp modelId="{03CBB1FD-5E0C-417B-90DD-8E46DA4470FF}">
+      <dsp:nvSpPr>
+        <dsp:cNvPr id="0" name=""/>
+        <dsp:cNvSpPr/>
+      </dsp:nvSpPr>
+      <dsp:spPr>
+        <a:xfrm>
+          <a:off x="5143500" y="698500"/>
+          <a:ext cx="952499" cy="380999"/>
+        </a:xfrm>
+        <a:prstGeom prst="chevron">
+          <a:avLst/>
+        </a:prstGeom>
+        <a:solidFill>
+          <a:schemeClr val="accent6"/>
+        </a:solidFill>
+        <a:ln w="19050" cap="flat" cmpd="sng" algn="ctr">
+          <a:solidFill>
+            <a:schemeClr val="lt1"/>
+          </a:solidFill>
+          <a:prstDash val="solid"/>
+          <a:miter lim="800000"/>
+        </a:ln>
+        <a:effectLst/>
+      </dsp:spPr>
+      <dsp:style>
+        <a:lnRef idx="3">
+          <a:schemeClr val="lt1"/>
+        </a:lnRef>
+        <a:fillRef idx="1">
+          <a:schemeClr val="accent6"/>
+        </a:fillRef>
+        <a:effectRef idx="1">
+          <a:schemeClr val="accent6"/>
+        </a:effectRef>
+        <a:fontRef idx="minor">
+          <a:schemeClr val="lt1"/>
+        </a:fontRef>
+      </dsp:style>
+      <dsp:txBody>
+        <a:bodyPr spcFirstLastPara="0" vert="horz" wrap="square" lIns="48006" tIns="16002" rIns="16002" bIns="16002" numCol="1" spcCol="1270" anchor="ctr" anchorCtr="0">
+          <a:noAutofit/>
+        </a:bodyPr>
+        <a:lstStyle/>
+        <a:p>
+          <a:pPr marL="0" lvl="0" indent="0" algn="ctr" defTabSz="533400">
+            <a:lnSpc>
+              <a:spcPct val="90000"/>
+            </a:lnSpc>
+            <a:spcBef>
+              <a:spcPct val="0"/>
+            </a:spcBef>
+            <a:spcAft>
+              <a:spcPct val="35000"/>
+            </a:spcAft>
+            <a:buNone/>
+          </a:pPr>
+          <a:r>
+            <a:rPr lang="en-US" sz="1200" kern="1200" dirty="0"/>
+            <a:t>Goal</a:t>
+          </a:r>
+        </a:p>
+      </dsp:txBody>
+      <dsp:txXfrm>
+        <a:off x="5334000" y="698500"/>
+        <a:ext cx="571500" cy="380999"/>
       </dsp:txXfrm>
     </dsp:sp>
   </dsp:spTree>
@@ -6035,7 +6172,7 @@
             <a:fld id="{7D6F2994-ACE5-4A1A-B35E-4EB264D0F2D5}" type="datetimeFigureOut">
               <a:rPr lang="en-US" smtClean="0"/>
               <a:pPr/>
-              <a:t>5/18/2024</a:t>
+              <a:t>5/19/2024</a:t>
             </a:fld>
             <a:endParaRPr lang="en-US"/>
           </a:p>
@@ -10271,146 +10408,254 @@
           <a:p>
             <a:r>
               <a:rPr lang="en-US" dirty="0"/>
-              <a:t>Example</a:t>
+              <a:t>Example: Refinement</a:t>
             </a:r>
           </a:p>
         </p:txBody>
       </p:sp>
-      <p:sp>
-        <p:nvSpPr>
-          <p:cNvPr id="6" name="Content Placeholder 5">
+      <mc:AlternateContent xmlns:mc="http://schemas.openxmlformats.org/markup-compatibility/2006">
+        <mc:Choice xmlns:a14="http://schemas.microsoft.com/office/drawing/2010/main" Requires="a14">
+          <p:sp>
+            <p:nvSpPr>
+              <p:cNvPr id="6" name="Content Placeholder 5">
+                <a:extLst>
+                  <a:ext uri="{FF2B5EF4-FFF2-40B4-BE49-F238E27FC236}">
+                    <a16:creationId xmlns:a16="http://schemas.microsoft.com/office/drawing/2014/main" id="{90C5711C-BACC-38BF-822C-0D9A14F80033}"/>
+                  </a:ext>
+                </a:extLst>
+              </p:cNvPr>
+              <p:cNvSpPr>
+                <a:spLocks noGrp="1"/>
+              </p:cNvSpPr>
+              <p:nvPr>
+                <p:ph idx="1"/>
+              </p:nvPr>
+            </p:nvSpPr>
+            <p:spPr/>
+            <p:txBody>
+              <a:bodyPr/>
+              <a:lstStyle/>
+              <a:p>
+                <a:r>
+                  <a:rPr lang="en-US" dirty="0"/>
+                  <a:t>Two refinements for the HLA </a:t>
+                </a:r>
+                <a14:m>
+                  <m:oMath xmlns:m="http://schemas.openxmlformats.org/officeDocument/2006/math">
+                    <m:r>
+                      <a:rPr lang="en-US" b="0" i="1" smtClean="0">
+                        <a:latin typeface="Cambria Math" panose="02040503050406030204" pitchFamily="18" charset="0"/>
+                      </a:rPr>
+                      <m:t>𝐺𝑜</m:t>
+                    </m:r>
+                    <m:r>
+                      <a:rPr lang="en-US" b="0" i="1" smtClean="0">
+                        <a:latin typeface="Cambria Math" panose="02040503050406030204" pitchFamily="18" charset="0"/>
+                      </a:rPr>
+                      <m:t>(</m:t>
+                    </m:r>
+                    <m:r>
+                      <a:rPr lang="en-US" b="0" i="1" smtClean="0">
+                        <a:latin typeface="Cambria Math" panose="02040503050406030204" pitchFamily="18" charset="0"/>
+                      </a:rPr>
+                      <m:t>𝐻𝑜𝑚𝑒</m:t>
+                    </m:r>
+                    <m:r>
+                      <a:rPr lang="en-US" b="0" i="1" smtClean="0">
+                        <a:latin typeface="Cambria Math" panose="02040503050406030204" pitchFamily="18" charset="0"/>
+                      </a:rPr>
+                      <m:t>, </m:t>
+                    </m:r>
+                    <m:r>
+                      <a:rPr lang="en-US" b="0" i="1" smtClean="0">
+                        <a:latin typeface="Cambria Math" panose="02040503050406030204" pitchFamily="18" charset="0"/>
+                      </a:rPr>
+                      <m:t>𝑆𝐹𝑂</m:t>
+                    </m:r>
+                    <m:r>
+                      <a:rPr lang="en-US" b="0" i="1" smtClean="0">
+                        <a:latin typeface="Cambria Math" panose="02040503050406030204" pitchFamily="18" charset="0"/>
+                      </a:rPr>
+                      <m:t>)</m:t>
+                    </m:r>
+                  </m:oMath>
+                </a14:m>
+                <a:r>
+                  <a:rPr lang="en-US" dirty="0"/>
+                  <a:t> to go from home to the SFO airport:</a:t>
+                </a:r>
+              </a:p>
+              <a:p>
+                <a:endParaRPr lang="en-US" dirty="0"/>
+              </a:p>
+              <a:p>
+                <a:endParaRPr lang="en-US" dirty="0"/>
+              </a:p>
+              <a:p>
+                <a:endParaRPr lang="en-US" dirty="0"/>
+              </a:p>
+              <a:p>
+                <a:endParaRPr lang="en-US" dirty="0"/>
+              </a:p>
+              <a:p>
+                <a:endParaRPr lang="en-US" dirty="0"/>
+              </a:p>
+              <a:p>
+                <a:endParaRPr lang="en-US" dirty="0"/>
+              </a:p>
+              <a:p>
+                <a:endParaRPr lang="en-US" dirty="0"/>
+              </a:p>
+              <a:p>
+                <a:r>
+                  <a:rPr lang="en-US" dirty="0"/>
+                  <a:t>The agent can choose which implementation of the HLA to use.</a:t>
+                </a:r>
+              </a:p>
+              <a:p>
+                <a:pPr marL="0" indent="0">
+                  <a:buNone/>
+                </a:pPr>
+                <a:endParaRPr lang="en-US" dirty="0"/>
+              </a:p>
+            </p:txBody>
+          </p:sp>
+        </mc:Choice>
+        <mc:Fallback>
+          <p:sp>
+            <p:nvSpPr>
+              <p:cNvPr id="6" name="Content Placeholder 5">
+                <a:extLst>
+                  <a:ext uri="{FF2B5EF4-FFF2-40B4-BE49-F238E27FC236}">
+                    <a16:creationId xmlns:a16="http://schemas.microsoft.com/office/drawing/2014/main" id="{90C5711C-BACC-38BF-822C-0D9A14F80033}"/>
+                  </a:ext>
+                </a:extLst>
+              </p:cNvPr>
+              <p:cNvSpPr>
+                <a:spLocks noGrp="1" noRot="1" noChangeAspect="1" noMove="1" noResize="1" noEditPoints="1" noAdjustHandles="1" noChangeArrowheads="1" noChangeShapeType="1" noTextEdit="1"/>
+              </p:cNvSpPr>
+              <p:nvPr>
+                <p:ph idx="1"/>
+              </p:nvPr>
+            </p:nvSpPr>
+            <p:spPr>
+              <a:blipFill>
+                <a:blip r:embed="rId2"/>
+                <a:stretch>
+                  <a:fillRect l="-773" t="-1541"/>
+                </a:stretch>
+              </a:blipFill>
+            </p:spPr>
+            <p:txBody>
+              <a:bodyPr/>
+              <a:lstStyle/>
+              <a:p>
+                <a:r>
+                  <a:rPr lang="en-US">
+                    <a:noFill/>
+                  </a:rPr>
+                  <a:t> </a:t>
+                </a:r>
+              </a:p>
+            </p:txBody>
+          </p:sp>
+        </mc:Fallback>
+      </mc:AlternateContent>
+      <p:grpSp>
+        <p:nvGrpSpPr>
+          <p:cNvPr id="3" name="Group 2">
             <a:extLst>
               <a:ext uri="{FF2B5EF4-FFF2-40B4-BE49-F238E27FC236}">
-                <a16:creationId xmlns:a16="http://schemas.microsoft.com/office/drawing/2014/main" id="{90C5711C-BACC-38BF-822C-0D9A14F80033}"/>
+                <a16:creationId xmlns:a16="http://schemas.microsoft.com/office/drawing/2014/main" id="{0B7C1D14-7A9E-61B9-AEBB-49B25745EE11}"/>
               </a:ext>
             </a:extLst>
           </p:cNvPr>
-          <p:cNvSpPr>
-            <a:spLocks noGrp="1"/>
-          </p:cNvSpPr>
-          <p:nvPr>
-            <p:ph idx="1"/>
-          </p:nvPr>
-        </p:nvSpPr>
-        <p:spPr/>
-        <p:txBody>
-          <a:bodyPr/>
-          <a:lstStyle/>
-          <a:p>
-            <a:r>
-              <a:rPr lang="en-US" dirty="0"/>
-              <a:t>Two refinements for the HLA to go to the SFO airport:</a:t>
-            </a:r>
-          </a:p>
-          <a:p>
-            <a:endParaRPr lang="en-US" dirty="0"/>
-          </a:p>
-          <a:p>
-            <a:endParaRPr lang="en-US" dirty="0"/>
-          </a:p>
-          <a:p>
-            <a:endParaRPr lang="en-US" dirty="0"/>
-          </a:p>
-          <a:p>
-            <a:endParaRPr lang="en-US" dirty="0"/>
-          </a:p>
-          <a:p>
-            <a:endParaRPr lang="en-US" dirty="0"/>
-          </a:p>
-          <a:p>
-            <a:endParaRPr lang="en-US" dirty="0"/>
-          </a:p>
-          <a:p>
-            <a:endParaRPr lang="en-US" dirty="0"/>
-          </a:p>
-          <a:p>
-            <a:r>
-              <a:rPr lang="en-US" dirty="0"/>
-              <a:t>The agent can choose which implementation of an HLA to use.</a:t>
-            </a:r>
-          </a:p>
-          <a:p>
-            <a:pPr marL="0" indent="0">
-              <a:buNone/>
-            </a:pPr>
-            <a:endParaRPr lang="en-US" dirty="0"/>
-          </a:p>
-        </p:txBody>
-      </p:sp>
-      <p:pic>
-        <p:nvPicPr>
-          <p:cNvPr id="5" name="Picture 4">
-            <a:extLst>
-              <a:ext uri="{FF2B5EF4-FFF2-40B4-BE49-F238E27FC236}">
-                <a16:creationId xmlns:a16="http://schemas.microsoft.com/office/drawing/2014/main" id="{E867757E-10FC-09A7-BC39-A5C66447A88D}"/>
-              </a:ext>
-            </a:extLst>
-          </p:cNvPr>
-          <p:cNvPicPr>
-            <a:picLocks noChangeAspect="1"/>
-          </p:cNvPicPr>
+          <p:cNvGrpSpPr/>
           <p:nvPr/>
-        </p:nvPicPr>
-        <p:blipFill rotWithShape="1">
-          <a:blip r:embed="rId2"/>
-          <a:srcRect t="4952" r="36373" b="68721"/>
-          <a:stretch/>
-        </p:blipFill>
-        <p:spPr>
+        </p:nvGrpSpPr>
+        <p:grpSpPr>
           <a:xfrm>
-            <a:off x="1143000" y="2667000"/>
-            <a:ext cx="6460364" cy="1752600"/>
+            <a:off x="1143000" y="2819400"/>
+            <a:ext cx="6460364" cy="1828800"/>
+            <a:chOff x="1143000" y="2590800"/>
+            <a:chExt cx="6460364" cy="1828800"/>
           </a:xfrm>
-          <a:prstGeom prst="rect">
-            <a:avLst/>
-          </a:prstGeom>
-        </p:spPr>
-      </p:pic>
-      <p:sp>
-        <p:nvSpPr>
-          <p:cNvPr id="9" name="Rectangle 8">
-            <a:extLst>
-              <a:ext uri="{FF2B5EF4-FFF2-40B4-BE49-F238E27FC236}">
-                <a16:creationId xmlns:a16="http://schemas.microsoft.com/office/drawing/2014/main" id="{8EE804DA-6374-4048-62A8-00C17FBB7447}"/>
-              </a:ext>
-            </a:extLst>
-          </p:cNvPr>
-          <p:cNvSpPr/>
-          <p:nvPr/>
-        </p:nvSpPr>
-        <p:spPr>
-          <a:xfrm>
-            <a:off x="1676400" y="2590800"/>
-            <a:ext cx="5638800" cy="1752600"/>
-          </a:xfrm>
-          <a:prstGeom prst="rect">
-            <a:avLst/>
-          </a:prstGeom>
-          <a:noFill/>
-        </p:spPr>
-        <p:style>
-          <a:lnRef idx="2">
-            <a:schemeClr val="accent2"/>
-          </a:lnRef>
-          <a:fillRef idx="1">
-            <a:schemeClr val="lt1"/>
-          </a:fillRef>
-          <a:effectRef idx="0">
-            <a:schemeClr val="accent2"/>
-          </a:effectRef>
-          <a:fontRef idx="minor">
-            <a:schemeClr val="dk1"/>
-          </a:fontRef>
-        </p:style>
-        <p:txBody>
-          <a:bodyPr rtlCol="0" anchor="ctr"/>
-          <a:lstStyle/>
-          <a:p>
-            <a:pPr algn="ctr"/>
-            <a:endParaRPr lang="en-US"/>
-          </a:p>
-        </p:txBody>
-      </p:sp>
+        </p:grpSpPr>
+        <p:pic>
+          <p:nvPicPr>
+            <p:cNvPr id="5" name="Picture 4">
+              <a:extLst>
+                <a:ext uri="{FF2B5EF4-FFF2-40B4-BE49-F238E27FC236}">
+                  <a16:creationId xmlns:a16="http://schemas.microsoft.com/office/drawing/2014/main" id="{E867757E-10FC-09A7-BC39-A5C66447A88D}"/>
+                </a:ext>
+              </a:extLst>
+            </p:cNvPr>
+            <p:cNvPicPr>
+              <a:picLocks noChangeAspect="1"/>
+            </p:cNvPicPr>
+            <p:nvPr/>
+          </p:nvPicPr>
+          <p:blipFill rotWithShape="1">
+            <a:blip r:embed="rId3"/>
+            <a:srcRect t="4952" r="36373" b="68721"/>
+            <a:stretch/>
+          </p:blipFill>
+          <p:spPr>
+            <a:xfrm>
+              <a:off x="1143000" y="2667000"/>
+              <a:ext cx="6460364" cy="1752600"/>
+            </a:xfrm>
+            <a:prstGeom prst="rect">
+              <a:avLst/>
+            </a:prstGeom>
+          </p:spPr>
+        </p:pic>
+        <p:sp>
+          <p:nvSpPr>
+            <p:cNvPr id="9" name="Rectangle 8">
+              <a:extLst>
+                <a:ext uri="{FF2B5EF4-FFF2-40B4-BE49-F238E27FC236}">
+                  <a16:creationId xmlns:a16="http://schemas.microsoft.com/office/drawing/2014/main" id="{8EE804DA-6374-4048-62A8-00C17FBB7447}"/>
+                </a:ext>
+              </a:extLst>
+            </p:cNvPr>
+            <p:cNvSpPr/>
+            <p:nvPr/>
+          </p:nvSpPr>
+          <p:spPr>
+            <a:xfrm>
+              <a:off x="1676400" y="2590800"/>
+              <a:ext cx="5638800" cy="1752600"/>
+            </a:xfrm>
+            <a:prstGeom prst="rect">
+              <a:avLst/>
+            </a:prstGeom>
+            <a:noFill/>
+          </p:spPr>
+          <p:style>
+            <a:lnRef idx="2">
+              <a:schemeClr val="accent2"/>
+            </a:lnRef>
+            <a:fillRef idx="1">
+              <a:schemeClr val="lt1"/>
+            </a:fillRef>
+            <a:effectRef idx="0">
+              <a:schemeClr val="accent2"/>
+            </a:effectRef>
+            <a:fontRef idx="minor">
+              <a:schemeClr val="dk1"/>
+            </a:fontRef>
+          </p:style>
+          <p:txBody>
+            <a:bodyPr rtlCol="0" anchor="ctr"/>
+            <a:lstStyle/>
+            <a:p>
+              <a:pPr algn="ctr"/>
+              <a:endParaRPr lang="en-US"/>
+            </a:p>
+          </p:txBody>
+        </p:sp>
+      </p:grpSp>
     </p:spTree>
     <p:extLst>
       <p:ext uri="{BB962C8B-B14F-4D97-AF65-F5344CB8AC3E}">
@@ -10469,8 +10714,8 @@
           </a:p>
         </p:txBody>
       </p:sp>
-      <mc:AlternateContent xmlns:mc="http://schemas.openxmlformats.org/markup-compatibility/2006" xmlns:a14="http://schemas.microsoft.com/office/drawing/2010/main">
-        <mc:Choice Requires="a14">
+      <mc:AlternateContent xmlns:mc="http://schemas.openxmlformats.org/markup-compatibility/2006">
+        <mc:Choice xmlns:a14="http://schemas.microsoft.com/office/drawing/2010/main" Requires="a14">
           <p:sp>
             <p:nvSpPr>
               <p:cNvPr id="3" name="Content Placeholder 2">
@@ -10490,7 +10735,7 @@
             <p:spPr/>
             <p:txBody>
               <a:bodyPr>
-                <a:normAutofit fontScale="92500" lnSpcReduction="10000"/>
+                <a:normAutofit fontScale="85000" lnSpcReduction="10000"/>
               </a:bodyPr>
               <a:lstStyle/>
               <a:p>
@@ -10512,7 +10757,7 @@
                 <a:pPr lvl="1"/>
                 <a:r>
                   <a:rPr lang="en-US" dirty="0"/>
-                  <a:t>For each primitive action provide on refinement of </a:t>
+                  <a:t>For each primitive action, provide a refinement of </a:t>
                 </a:r>
                 <a14:m>
                   <m:oMath xmlns:m="http://schemas.openxmlformats.org/officeDocument/2006/math">
@@ -10590,7 +10835,7 @@
                 <a:pPr lvl="1"/>
                 <a:r>
                   <a:rPr lang="en-US" dirty="0"/>
-                  <a:t>Recursively builds any sequence of actions.</a:t>
+                  <a:t>This can recursively build any sequence of actions.</a:t>
                 </a:r>
               </a:p>
               <a:p>
@@ -10620,23 +10865,33 @@
                 <a:endParaRPr lang="en-US" dirty="0"/>
               </a:p>
               <a:p>
+                <a:endParaRPr lang="en-US" dirty="0"/>
+              </a:p>
+              <a:p>
+                <a:r>
+                  <a:rPr lang="en-US" b="1" dirty="0"/>
+                  <a:t>Issue</a:t>
+                </a:r>
                 <a:r>
                   <a:rPr lang="en-US" dirty="0"/>
-                  <a:t>Improvements</a:t>
+                  <a:t>: This approach has to search through all possible sequences!</a:t>
+                </a:r>
+              </a:p>
+              <a:p>
+                <a:r>
+                  <a:rPr lang="en-US" b="1" dirty="0"/>
+                  <a:t>Improvement</a:t>
+                </a:r>
+                <a:r>
+                  <a:rPr lang="en-US" dirty="0"/>
+                  <a:t>:</a:t>
                 </a:r>
               </a:p>
               <a:p>
                 <a:pPr lvl="1"/>
                 <a:r>
                   <a:rPr lang="en-US" dirty="0"/>
-                  <a:t>Manually reduce the number of refinements.</a:t>
-                </a:r>
-              </a:p>
-              <a:p>
-                <a:pPr lvl="1"/>
-                <a:r>
-                  <a:rPr lang="en-US" dirty="0"/>
-                  <a:t>Manually increase the number of steps in each refinement.</a:t>
+                  <a:t>Reduce the number of need refinements + increase the number of steps in each refinement.</a:t>
                 </a:r>
               </a:p>
               <a:p>
@@ -10652,7 +10907,7 @@
             </p:txBody>
           </p:sp>
         </mc:Choice>
-        <mc:Fallback xmlns="">
+        <mc:Fallback>
           <p:sp>
             <p:nvSpPr>
               <p:cNvPr id="3" name="Content Placeholder 2">
@@ -10673,7 +10928,7 @@
               <a:blipFill>
                 <a:blip r:embed="rId2"/>
                 <a:stretch>
-                  <a:fillRect l="-541" t="-1821"/>
+                  <a:fillRect l="-464" t="-1821" b="-1120"/>
                 </a:stretch>
               </a:blipFill>
             </p:spPr>
@@ -10692,8 +10947,8 @@
           </p:sp>
         </mc:Fallback>
       </mc:AlternateContent>
-      <mc:AlternateContent xmlns:mc="http://schemas.openxmlformats.org/markup-compatibility/2006" xmlns:a14="http://schemas.microsoft.com/office/drawing/2010/main">
-        <mc:Choice Requires="a14">
+      <mc:AlternateContent xmlns:mc="http://schemas.openxmlformats.org/markup-compatibility/2006">
+        <mc:Choice xmlns:a14="http://schemas.microsoft.com/office/drawing/2010/main" Requires="a14">
           <p:sp>
             <p:nvSpPr>
               <p:cNvPr id="5" name="TextBox 4">
@@ -10708,7 +10963,7 @@
             </p:nvSpPr>
             <p:spPr>
               <a:xfrm>
-                <a:off x="2971800" y="3886200"/>
+                <a:off x="2971800" y="4009761"/>
                 <a:ext cx="2914650" cy="923330"/>
               </a:xfrm>
               <a:prstGeom prst="rect">
@@ -10814,7 +11069,7 @@
             </p:txBody>
           </p:sp>
         </mc:Choice>
-        <mc:Fallback xmlns="">
+        <mc:Fallback>
           <p:sp>
             <p:nvSpPr>
               <p:cNvPr id="5" name="TextBox 4">
@@ -10831,7 +11086,7 @@
             </p:nvSpPr>
             <p:spPr>
               <a:xfrm>
-                <a:off x="2971800" y="3886200"/>
+                <a:off x="2971800" y="4009761"/>
                 <a:ext cx="2914650" cy="923330"/>
               </a:xfrm>
               <a:prstGeom prst="rect">
@@ -10840,7 +11095,7 @@
               <a:blipFill>
                 <a:blip r:embed="rId3"/>
                 <a:stretch>
-                  <a:fillRect l="-417" b="-8497"/>
+                  <a:fillRect l="-417" b="-9150"/>
                 </a:stretch>
               </a:blipFill>
             </p:spPr>
@@ -11055,8 +11310,8 @@
           </a:p>
         </p:txBody>
       </p:sp>
-      <mc:AlternateContent xmlns:mc="http://schemas.openxmlformats.org/markup-compatibility/2006" xmlns:a14="http://schemas.microsoft.com/office/drawing/2010/main">
-        <mc:Choice Requires="a14">
+      <mc:AlternateContent xmlns:mc="http://schemas.openxmlformats.org/markup-compatibility/2006">
+        <mc:Choice xmlns:a14="http://schemas.microsoft.com/office/drawing/2010/main" Requires="a14">
           <p:sp>
             <p:nvSpPr>
               <p:cNvPr id="3" name="Content Placeholder 2">
@@ -11090,8 +11345,12 @@
               </a:p>
               <a:p>
                 <a:r>
+                  <a:rPr lang="en-US" b="1" dirty="0"/>
+                  <a:t>Idea</a:t>
+                </a:r>
+                <a:r>
                   <a:rPr lang="en-US" dirty="0"/>
-                  <a:t>Idea: Determine what HLAs do.</a:t>
+                  <a:t>: Determine what HLAs do.</a:t>
                 </a:r>
               </a:p>
               <a:p>
@@ -11105,7 +11364,7 @@
                 <a:pPr lvl="1"/>
                 <a:r>
                   <a:rPr lang="en-US" dirty="0"/>
-                  <a:t>This would result in an exponential reduction of the search space.</a:t>
+                  <a:t>This results in an exponential reduction of the search space.</a:t>
                 </a:r>
               </a:p>
               <a:p>
@@ -11116,8 +11375,12 @@
               </a:p>
               <a:p>
                 <a:r>
+                  <a:rPr lang="en-US" b="1" dirty="0"/>
+                  <a:t>Reachable set</a:t>
+                </a:r>
+                <a:r>
                   <a:rPr lang="en-US" dirty="0"/>
-                  <a:t>Reachable set: the set of states reachable with a sequence of HLAs </a:t>
+                  <a:t>: the set of states reachable with a sequence of HLAs </a:t>
                 </a:r>
                 <a14:m>
                   <m:oMath xmlns:m="http://schemas.openxmlformats.org/officeDocument/2006/math">
@@ -11491,12 +11754,6 @@
                                 </m:r>
                               </m:sub>
                             </m:sSub>
-                            <m:r>
-                              <a:rPr lang="en-US" i="1" smtClean="0">
-                                <a:latin typeface="Cambria Math" panose="02040503050406030204" pitchFamily="18" charset="0"/>
-                              </a:rPr>
-                              <m:t> </m:t>
-                            </m:r>
                           </m:e>
                         </m:d>
                       </m:e>
@@ -11524,7 +11781,7 @@
                 </a:pPr>
                 <a:r>
                   <a:rPr lang="en-US" dirty="0"/>
-                  <a:t>Use a simplified (optimistic) version of precondition-effect descriptions to find a high-level plan that works</a:t>
+                  <a:t>Use a simplified (optimistic) version of precondition-effect descriptions to find a high-level plan that works.</a:t>
                 </a:r>
               </a:p>
               <a:p>
@@ -11534,13 +11791,13 @@
                 </a:pPr>
                 <a:r>
                   <a:rPr lang="en-US" dirty="0"/>
-                  <a:t>Use that plan to search if a refinement that works really exists.</a:t>
+                  <a:t>Check if a refinement of that plan that works really exists. If not, go back to 1.</a:t>
                 </a:r>
               </a:p>
             </p:txBody>
           </p:sp>
         </mc:Choice>
-        <mc:Fallback xmlns="">
+        <mc:Fallback>
           <p:sp>
             <p:nvSpPr>
               <p:cNvPr id="3" name="Content Placeholder 2">
@@ -11620,7 +11877,7 @@
       </p:grpSpPr>
       <p:sp useBgFill="1">
         <p:nvSpPr>
-          <p:cNvPr id="12" name="Rectangle 11">
+          <p:cNvPr id="29" name="Rectangle 28">
             <a:extLst>
               <a:ext uri="{FF2B5EF4-FFF2-40B4-BE49-F238E27FC236}">
                 <a16:creationId xmlns:a16="http://schemas.microsoft.com/office/drawing/2014/main" id="{5A59F003-E00A-43F9-91DC-CC54E3B87466}"/>
@@ -11680,10 +11937,10 @@
       </p:sp>
       <p:pic>
         <p:nvPicPr>
-          <p:cNvPr id="7" name="Picture 6" descr="Underwater bubble">
+          <p:cNvPr id="19" name="Picture 18" descr="A close-up of a colorful wave&#10;&#10;Description automatically generated">
             <a:extLst>
               <a:ext uri="{FF2B5EF4-FFF2-40B4-BE49-F238E27FC236}">
-                <a16:creationId xmlns:a16="http://schemas.microsoft.com/office/drawing/2014/main" id="{2EF3BFA8-55F1-85BF-E3AF-199E4158AA16}"/>
+                <a16:creationId xmlns:a16="http://schemas.microsoft.com/office/drawing/2014/main" id="{8EE53A6D-56A6-0232-9447-FB41C08988C1}"/>
               </a:ext>
             </a:extLst>
           </p:cNvPr>
@@ -11694,13 +11951,13 @@
         </p:nvPicPr>
         <p:blipFill rotWithShape="1">
           <a:blip r:embed="rId2"/>
-          <a:srcRect l="5537" t="8441" r="12975" b="-1"/>
+          <a:srcRect l="7791" t="9091" r="14026" b="-2"/>
           <a:stretch/>
         </p:blipFill>
         <p:spPr>
           <a:xfrm>
-            <a:off x="20" y="10"/>
-            <a:ext cx="9143980" cy="6857990"/>
+            <a:off x="-2285" y="10"/>
+            <a:ext cx="9143999" cy="6857990"/>
           </a:xfrm>
           <a:prstGeom prst="rect">
             <a:avLst/>
@@ -11709,7 +11966,7 @@
       </p:pic>
       <p:sp>
         <p:nvSpPr>
-          <p:cNvPr id="14" name="Rectangle 13">
+          <p:cNvPr id="31" name="Rectangle 30">
             <a:extLst>
               <a:ext uri="{FF2B5EF4-FFF2-40B4-BE49-F238E27FC236}">
                 <a16:creationId xmlns:a16="http://schemas.microsoft.com/office/drawing/2014/main" id="{D74A4382-E3AD-430A-9A1F-DFA3E0E77A7D}"/>
@@ -11822,7 +12079,7 @@
           <a:p>
             <a:pPr defTabSz="914400"/>
             <a:r>
-              <a:rPr lang="en-US" sz="5700" dirty="0">
+              <a:rPr lang="en-US" sz="5700">
                 <a:solidFill>
                   <a:schemeClr val="bg1"/>
                 </a:solidFill>
@@ -11841,7 +12098,7 @@
       </p:sp>
       <p:sp>
         <p:nvSpPr>
-          <p:cNvPr id="16" name="Rectangle: Rounded Corners 15">
+          <p:cNvPr id="33" name="Rectangle: Rounded Corners 32">
             <a:extLst>
               <a:ext uri="{FF2B5EF4-FFF2-40B4-BE49-F238E27FC236}">
                 <a16:creationId xmlns:a16="http://schemas.microsoft.com/office/drawing/2014/main" id="{79F40191-0F44-4FD1-82CC-ACB507C14BE6}"/>
@@ -12043,6 +12300,31 @@
           <a:p>
             <a:r>
               <a:rPr lang="en-US" dirty="0"/>
+              <a:t>For </a:t>
+            </a:r>
+            <a:r>
+              <a:rPr lang="en-US" b="1" dirty="0"/>
+              <a:t>nondeterministic</a:t>
+            </a:r>
+            <a:r>
+              <a:rPr lang="en-US" dirty="0"/>
+              <a:t> or </a:t>
+            </a:r>
+            <a:r>
+              <a:rPr lang="en-US" b="1" dirty="0"/>
+              <a:t>partially observable </a:t>
+            </a:r>
+            <a:r>
+              <a:rPr lang="en-US" dirty="0"/>
+              <a:t>environments we need belief states.</a:t>
+            </a:r>
+          </a:p>
+          <a:p>
+            <a:endParaRPr lang="en-US" dirty="0"/>
+          </a:p>
+          <a:p>
+            <a:r>
+              <a:rPr lang="en-US" dirty="0"/>
               <a:t>A belief state is a set of possible physical states the agent might be in.</a:t>
             </a:r>
           </a:p>
@@ -12059,7 +12341,7 @@
             <a:pPr lvl="1"/>
             <a:r>
               <a:rPr lang="en-US" dirty="0"/>
-              <a:t>The belief state becomes a set of logical formula of </a:t>
+              <a:t>The belief state becomes a logical formulas of </a:t>
             </a:r>
             <a:r>
               <a:rPr lang="en-US" dirty="0" err="1"/>
@@ -12079,6 +12361,38 @@
             <a:r>
               <a:rPr lang="en-US" dirty="0"/>
               <a:t> that do not appear in the formula are unknow.</a:t>
+            </a:r>
+          </a:p>
+          <a:p>
+            <a:pPr lvl="1"/>
+            <a:endParaRPr lang="en-US" dirty="0"/>
+          </a:p>
+          <a:p>
+            <a:endParaRPr lang="en-US" sz="1800" dirty="0"/>
+          </a:p>
+          <a:p>
+            <a:pPr marL="0" indent="0">
+              <a:buNone/>
+            </a:pPr>
+            <a:r>
+              <a:rPr lang="en-US" sz="1800" dirty="0"/>
+              <a:t>Technical note: If we manage to keep the belief state in 1-CNF (</a:t>
+            </a:r>
+            <a:r>
+              <a:rPr lang="en-US" sz="1800" dirty="0" err="1"/>
+              <a:t>fluents</a:t>
+            </a:r>
+            <a:r>
+              <a:rPr lang="en-US" sz="1800" dirty="0"/>
+              <a:t> are combined with ANDs), then the complexity is reduced from being exponential in the number of </a:t>
+            </a:r>
+            <a:r>
+              <a:rPr lang="en-US" sz="1800" dirty="0" err="1"/>
+              <a:t>fluents</a:t>
+            </a:r>
+            <a:r>
+              <a:rPr lang="en-US" sz="1800" dirty="0"/>
+              <a:t> to linear! </a:t>
             </a:r>
           </a:p>
           <a:p>
@@ -12166,9 +12480,23 @@
         <p:spPr/>
         <p:txBody>
           <a:bodyPr>
-            <a:normAutofit lnSpcReduction="10000"/>
+            <a:normAutofit fontScale="92500" lnSpcReduction="10000"/>
           </a:bodyPr>
           <a:lstStyle/>
+          <a:p>
+            <a:r>
+              <a:rPr lang="en-US" dirty="0"/>
+              <a:t>For </a:t>
+            </a:r>
+            <a:r>
+              <a:rPr lang="en-US" b="1" dirty="0"/>
+              <a:t>partially observable </a:t>
+            </a:r>
+            <a:r>
+              <a:rPr lang="en-US" dirty="0"/>
+              <a:t>environments we need to be able to define what percepts the agent can get when.</a:t>
+            </a:r>
+          </a:p>
           <a:p>
             <a:r>
               <a:rPr lang="en-US" dirty="0"/>
@@ -12197,7 +12525,7 @@
             </a:br>
             <a:r>
               <a:rPr lang="en-US" dirty="0"/>
-              <a:t>The agent can now reason that it needs to get the object </a:t>
+              <a:t>The agent can now reason that it needs to get an object </a:t>
             </a:r>
             <a:r>
               <a:rPr lang="en-US" dirty="0" err="1"/>
@@ -12263,7 +12591,7 @@
             </p:nvSpPr>
             <p:spPr>
               <a:xfrm>
-                <a:off x="2705100" y="3105834"/>
+                <a:off x="2705100" y="3354963"/>
                 <a:ext cx="3733800" cy="646331"/>
               </a:xfrm>
               <a:prstGeom prst="rect">
@@ -12434,7 +12762,7 @@
             </p:nvSpPr>
             <p:spPr>
               <a:xfrm>
-                <a:off x="2705100" y="3105834"/>
+                <a:off x="2705100" y="3354963"/>
                 <a:ext cx="3733800" cy="646331"/>
               </a:xfrm>
               <a:prstGeom prst="rect">
@@ -12443,7 +12771,7 @@
               <a:blipFill>
                 <a:blip r:embed="rId2"/>
                 <a:stretch>
-                  <a:fillRect l="-326" b="-11927"/>
+                  <a:fillRect l="-326" b="-12963"/>
                 </a:stretch>
               </a:blipFill>
             </p:spPr>
@@ -12544,7 +12872,9 @@
             </p:nvSpPr>
             <p:spPr/>
             <p:txBody>
-              <a:bodyPr/>
+              <a:bodyPr>
+                <a:normAutofit/>
+              </a:bodyPr>
               <a:lstStyle/>
               <a:p>
                 <a:r>
@@ -12580,8 +12910,20 @@
                 <a:pPr lvl="1"/>
                 <a:r>
                   <a:rPr lang="en-US" dirty="0"/>
-                  <a:t>Belief state an be represented as a logical formula.</a:t>
+                  <a:t>Belief state is represented as a logical formula where unknown </a:t>
                 </a:r>
+                <a:r>
+                  <a:rPr lang="en-US" dirty="0" err="1"/>
+                  <a:t>fluents</a:t>
+                </a:r>
+                <a:r>
+                  <a:rPr lang="en-US" dirty="0"/>
+                  <a:t> are missing.</a:t>
+                </a:r>
+              </a:p>
+              <a:p>
+                <a:pPr lvl="1"/>
+                <a:endParaRPr lang="en-US" dirty="0"/>
               </a:p>
               <a:p>
                 <a:pPr lvl="1"/>
@@ -12607,7 +12949,7 @@
                       <m:sSup>
                         <m:sSupPr>
                           <m:ctrlPr>
-                            <a:rPr lang="en-US" b="0" i="1" smtClean="0">
+                            <a:rPr lang="en-US" sz="2000" b="0" i="1" smtClean="0">
                               <a:latin typeface="Cambria Math" panose="02040503050406030204" pitchFamily="18" charset="0"/>
                             </a:rPr>
                           </m:ctrlPr>
@@ -12617,7 +12959,7 @@
                             <m:rPr>
                               <m:sty m:val="p"/>
                             </m:rPr>
-                            <a:rPr lang="en-US" b="0" i="0" smtClean="0">
+                            <a:rPr lang="en-US" sz="2000" b="0" i="0" smtClean="0">
                               <a:latin typeface="Cambria Math" panose="02040503050406030204" pitchFamily="18" charset="0"/>
                             </a:rPr>
                             <m:t>b</m:t>
@@ -12625,7 +12967,7 @@
                         </m:e>
                         <m:sup>
                           <m:r>
-                            <a:rPr lang="en-US" b="0" i="0" smtClean="0">
+                            <a:rPr lang="en-US" sz="2000" b="0" i="0" smtClean="0">
                               <a:latin typeface="Cambria Math" panose="02040503050406030204" pitchFamily="18" charset="0"/>
                             </a:rPr>
                             <m:t>′</m:t>
@@ -12633,7 +12975,7 @@
                         </m:sup>
                       </m:sSup>
                       <m:r>
-                        <a:rPr lang="en-US" b="0" i="0" smtClean="0">
+                        <a:rPr lang="en-US" sz="2000" b="0" i="0" smtClean="0">
                           <a:latin typeface="Cambria Math" panose="02040503050406030204" pitchFamily="18" charset="0"/>
                         </a:rPr>
                         <m:t>= </m:t>
@@ -12642,7 +12984,7 @@
                         <m:rPr>
                           <m:sty m:val="p"/>
                         </m:rPr>
-                        <a:rPr lang="en-US" b="0" i="0" smtClean="0">
+                        <a:rPr lang="en-US" sz="2000" b="0" i="0" smtClean="0">
                           <a:latin typeface="Cambria Math" panose="02040503050406030204" pitchFamily="18" charset="0"/>
                         </a:rPr>
                         <m:t>RESULT</m:t>
@@ -12650,26 +12992,26 @@
                       <m:d>
                         <m:dPr>
                           <m:ctrlPr>
-                            <a:rPr lang="en-US" b="0" i="1" smtClean="0">
+                            <a:rPr lang="en-US" sz="2000" b="0" i="1" smtClean="0">
                               <a:latin typeface="Cambria Math" panose="02040503050406030204" pitchFamily="18" charset="0"/>
                             </a:rPr>
                           </m:ctrlPr>
                         </m:dPr>
                         <m:e>
                           <m:r>
-                            <a:rPr lang="en-US" b="0" i="1" smtClean="0">
+                            <a:rPr lang="en-US" sz="2000" b="0" i="1" smtClean="0">
                               <a:latin typeface="Cambria Math" panose="02040503050406030204" pitchFamily="18" charset="0"/>
                             </a:rPr>
                             <m:t>𝑏</m:t>
                           </m:r>
                           <m:r>
-                            <a:rPr lang="en-US" b="0" i="1" smtClean="0">
+                            <a:rPr lang="en-US" sz="2000" b="0" i="1" smtClean="0">
                               <a:latin typeface="Cambria Math" panose="02040503050406030204" pitchFamily="18" charset="0"/>
                             </a:rPr>
                             <m:t>,</m:t>
                           </m:r>
                           <m:r>
-                            <a:rPr lang="en-US" b="0" i="1" smtClean="0">
+                            <a:rPr lang="en-US" sz="2000" b="0" i="1" smtClean="0">
                               <a:latin typeface="Cambria Math" panose="02040503050406030204" pitchFamily="18" charset="0"/>
                             </a:rPr>
                             <m:t>𝑎</m:t>
@@ -12677,7 +13019,7 @@
                         </m:e>
                       </m:d>
                       <m:r>
-                        <a:rPr lang="en-US" b="0" i="1" smtClean="0">
+                        <a:rPr lang="en-US" sz="2000" b="0" i="1" smtClean="0">
                           <a:latin typeface="Cambria Math" panose="02040503050406030204" pitchFamily="18" charset="0"/>
                         </a:rPr>
                         <m:t>={</m:t>
@@ -12685,14 +13027,14 @@
                       <m:sSup>
                         <m:sSupPr>
                           <m:ctrlPr>
-                            <a:rPr lang="en-US" b="0" i="1" smtClean="0">
+                            <a:rPr lang="en-US" sz="2000" b="0" i="1" smtClean="0">
                               <a:latin typeface="Cambria Math" panose="02040503050406030204" pitchFamily="18" charset="0"/>
                             </a:rPr>
                           </m:ctrlPr>
                         </m:sSupPr>
                         <m:e>
                           <m:r>
-                            <a:rPr lang="en-US" b="0" i="1" smtClean="0">
+                            <a:rPr lang="en-US" sz="2000" b="0" i="1" smtClean="0">
                               <a:latin typeface="Cambria Math" panose="02040503050406030204" pitchFamily="18" charset="0"/>
                             </a:rPr>
                             <m:t>𝑠</m:t>
@@ -12700,7 +13042,7 @@
                         </m:e>
                         <m:sup>
                           <m:r>
-                            <a:rPr lang="en-US" b="0" i="1" smtClean="0">
+                            <a:rPr lang="en-US" sz="2000" b="0" i="1" smtClean="0">
                               <a:latin typeface="Cambria Math" panose="02040503050406030204" pitchFamily="18" charset="0"/>
                             </a:rPr>
                             <m:t>′</m:t>
@@ -12708,7 +13050,7 @@
                         </m:sup>
                       </m:sSup>
                       <m:r>
-                        <a:rPr lang="en-US" b="0" i="1" smtClean="0">
+                        <a:rPr lang="en-US" sz="2000" b="0" i="1" smtClean="0">
                           <a:latin typeface="Cambria Math" panose="02040503050406030204" pitchFamily="18" charset="0"/>
                         </a:rPr>
                         <m:t>:</m:t>
@@ -12716,14 +13058,14 @@
                       <m:sSup>
                         <m:sSupPr>
                           <m:ctrlPr>
-                            <a:rPr lang="en-US" b="0" i="1" smtClean="0">
+                            <a:rPr lang="en-US" sz="2000" b="0" i="1" smtClean="0">
                               <a:latin typeface="Cambria Math" panose="02040503050406030204" pitchFamily="18" charset="0"/>
                             </a:rPr>
                           </m:ctrlPr>
                         </m:sSupPr>
                         <m:e>
                           <m:r>
-                            <a:rPr lang="en-US" b="0" i="1" smtClean="0">
+                            <a:rPr lang="en-US" sz="2000" b="0" i="1" smtClean="0">
                               <a:latin typeface="Cambria Math" panose="02040503050406030204" pitchFamily="18" charset="0"/>
                             </a:rPr>
                             <m:t>𝑠</m:t>
@@ -12731,7 +13073,7 @@
                         </m:e>
                         <m:sup>
                           <m:r>
-                            <a:rPr lang="en-US" b="0" i="1" smtClean="0">
+                            <a:rPr lang="en-US" sz="2000" b="0" i="1" smtClean="0">
                               <a:latin typeface="Cambria Math" panose="02040503050406030204" pitchFamily="18" charset="0"/>
                             </a:rPr>
                             <m:t>′</m:t>
@@ -12739,13 +13081,13 @@
                         </m:sup>
                       </m:sSup>
                       <m:r>
-                        <a:rPr lang="en-US" b="0" i="1" smtClean="0">
+                        <a:rPr lang="en-US" sz="2000" b="0" i="1" smtClean="0">
                           <a:latin typeface="Cambria Math" panose="02040503050406030204" pitchFamily="18" charset="0"/>
                         </a:rPr>
                         <m:t>=</m:t>
                       </m:r>
                       <m:r>
-                        <a:rPr lang="en-US" b="0" i="1" smtClean="0">
+                        <a:rPr lang="en-US" sz="2000" b="0" i="1" smtClean="0">
                           <a:latin typeface="Cambria Math" panose="02040503050406030204" pitchFamily="18" charset="0"/>
                         </a:rPr>
                         <m:t>𝑅𝐸𝑆𝑈𝐿</m:t>
@@ -12753,14 +13095,14 @@
                       <m:sSub>
                         <m:sSubPr>
                           <m:ctrlPr>
-                            <a:rPr lang="en-US" b="0" i="1" smtClean="0">
+                            <a:rPr lang="en-US" sz="2000" b="0" i="1" smtClean="0">
                               <a:latin typeface="Cambria Math" panose="02040503050406030204" pitchFamily="18" charset="0"/>
                             </a:rPr>
                           </m:ctrlPr>
                         </m:sSubPr>
                         <m:e>
                           <m:r>
-                            <a:rPr lang="en-US" b="0" i="1" smtClean="0">
+                            <a:rPr lang="en-US" sz="2000" b="0" i="1" smtClean="0">
                               <a:latin typeface="Cambria Math" panose="02040503050406030204" pitchFamily="18" charset="0"/>
                             </a:rPr>
                             <m:t>𝑇</m:t>
@@ -12768,7 +13110,7 @@
                         </m:e>
                         <m:sub>
                           <m:r>
-                            <a:rPr lang="en-US" b="0" i="1" smtClean="0">
+                            <a:rPr lang="en-US" sz="2000" b="0" i="1" smtClean="0">
                               <a:latin typeface="Cambria Math" panose="02040503050406030204" pitchFamily="18" charset="0"/>
                             </a:rPr>
                             <m:t>𝑃</m:t>
@@ -12778,26 +13120,26 @@
                       <m:d>
                         <m:dPr>
                           <m:ctrlPr>
-                            <a:rPr lang="en-US" b="0" i="1" smtClean="0">
+                            <a:rPr lang="en-US" sz="2000" b="0" i="1" smtClean="0">
                               <a:latin typeface="Cambria Math" panose="02040503050406030204" pitchFamily="18" charset="0"/>
                             </a:rPr>
                           </m:ctrlPr>
                         </m:dPr>
                         <m:e>
                           <m:r>
-                            <a:rPr lang="en-US" b="0" i="1" smtClean="0">
+                            <a:rPr lang="en-US" sz="2000" b="0" i="1" smtClean="0">
                               <a:latin typeface="Cambria Math" panose="02040503050406030204" pitchFamily="18" charset="0"/>
                             </a:rPr>
                             <m:t>𝑠</m:t>
                           </m:r>
                           <m:r>
-                            <a:rPr lang="en-US" b="0" i="1" smtClean="0">
+                            <a:rPr lang="en-US" sz="2000" b="0" i="1" smtClean="0">
                               <a:latin typeface="Cambria Math" panose="02040503050406030204" pitchFamily="18" charset="0"/>
                             </a:rPr>
                             <m:t>,</m:t>
                           </m:r>
                           <m:r>
-                            <a:rPr lang="en-US" b="0" i="1" smtClean="0">
+                            <a:rPr lang="en-US" sz="2000" b="0" i="1" smtClean="0">
                               <a:latin typeface="Cambria Math" panose="02040503050406030204" pitchFamily="18" charset="0"/>
                             </a:rPr>
                             <m:t>𝑎</m:t>
@@ -12808,7 +13150,7 @@
                         <m:rPr>
                           <m:nor/>
                         </m:rPr>
-                        <a:rPr lang="en-US" b="0" i="0" smtClean="0">
+                        <a:rPr lang="en-US" sz="2000" b="0" i="0" smtClean="0">
                           <a:latin typeface="Cambria Math" panose="02040503050406030204" pitchFamily="18" charset="0"/>
                         </a:rPr>
                         <m:t> </m:t>
@@ -12817,37 +13159,37 @@
                         <m:rPr>
                           <m:nor/>
                         </m:rPr>
-                        <a:rPr lang="en-US" b="0" i="0" smtClean="0">
+                        <a:rPr lang="en-US" sz="2000" b="0" i="0" smtClean="0">
                           <a:latin typeface="Cambria Math" panose="02040503050406030204" pitchFamily="18" charset="0"/>
                         </a:rPr>
                         <m:t>and</m:t>
                       </m:r>
                       <m:r>
-                        <a:rPr lang="en-US" b="0" i="1" smtClean="0">
+                        <a:rPr lang="en-US" sz="2000" b="0" i="1" smtClean="0">
                           <a:latin typeface="Cambria Math" panose="02040503050406030204" pitchFamily="18" charset="0"/>
                         </a:rPr>
                         <m:t> </m:t>
                       </m:r>
                       <m:r>
-                        <a:rPr lang="en-US" b="0" i="1" smtClean="0">
+                        <a:rPr lang="en-US" sz="2000" b="0" i="1" smtClean="0">
                           <a:latin typeface="Cambria Math" panose="02040503050406030204" pitchFamily="18" charset="0"/>
                         </a:rPr>
                         <m:t>𝑠</m:t>
                       </m:r>
                       <m:r>
-                        <a:rPr lang="en-US" b="0" i="1" smtClean="0">
+                        <a:rPr lang="en-US" sz="2000" b="0" i="1" smtClean="0">
                           <a:latin typeface="Cambria Math" panose="02040503050406030204" pitchFamily="18" charset="0"/>
                         </a:rPr>
                         <m:t>∈</m:t>
                       </m:r>
                       <m:r>
-                        <a:rPr lang="en-US" b="0" i="1" smtClean="0">
+                        <a:rPr lang="en-US" sz="2000" b="0" i="1" smtClean="0">
                           <a:latin typeface="Cambria Math" panose="02040503050406030204" pitchFamily="18" charset="0"/>
                         </a:rPr>
                         <m:t>𝑏</m:t>
                       </m:r>
                       <m:r>
-                        <a:rPr lang="en-US" b="0" i="1" smtClean="0">
+                        <a:rPr lang="en-US" sz="2000" b="0" i="1" smtClean="0">
                           <a:latin typeface="Cambria Math" panose="02040503050406030204" pitchFamily="18" charset="0"/>
                         </a:rPr>
                         <m:t>}</m:t>
@@ -12855,7 +13197,7 @@
                     </m:oMath>
                   </m:oMathPara>
                 </a14:m>
-                <a:endParaRPr lang="en-US" dirty="0"/>
+                <a:endParaRPr lang="en-US" sz="2000" dirty="0"/>
               </a:p>
               <a:p>
                 <a:pPr marL="685800" lvl="2" indent="0">
@@ -12867,16 +13209,35 @@
                 <a:pPr marL="685800" lvl="2" indent="0">
                   <a:buNone/>
                 </a:pPr>
+                <a14:m>
+                  <m:oMath xmlns:m="http://schemas.openxmlformats.org/officeDocument/2006/math">
+                    <m:r>
+                      <a:rPr lang="en-US" i="1" dirty="0" smtClean="0">
+                        <a:latin typeface="Cambria Math" panose="02040503050406030204" pitchFamily="18" charset="0"/>
+                      </a:rPr>
+                      <m:t>𝑅𝐸𝑆𝑈𝐿𝑇</m:t>
+                    </m:r>
+                    <m:r>
+                      <a:rPr lang="en-US" i="1" dirty="0" smtClean="0">
+                        <a:latin typeface="Cambria Math" panose="02040503050406030204" pitchFamily="18" charset="0"/>
+                      </a:rPr>
+                      <m:t>_</m:t>
+                    </m:r>
+                    <m:r>
+                      <a:rPr lang="en-US" i="1" dirty="0" smtClean="0">
+                        <a:latin typeface="Cambria Math" panose="02040503050406030204" pitchFamily="18" charset="0"/>
+                      </a:rPr>
+                      <m:t>𝑃</m:t>
+                    </m:r>
+                  </m:oMath>
+                </a14:m>
                 <a:r>
                   <a:rPr lang="en-US" dirty="0"/>
-                  <a:t>RESULT_P represents the physical transition model which adds positive literals and negative literals to the state description. </a:t>
+                  <a:t> represents the physical transition model which adds positive and negative literals to the state description. The state description becomes more and more complete.</a:t>
                 </a:r>
               </a:p>
               <a:p>
                 <a:pPr lvl="1"/>
-                <a:endParaRPr lang="en-US" dirty="0"/>
-              </a:p>
-              <a:p>
                 <a:endParaRPr lang="en-US" dirty="0"/>
               </a:p>
               <a:p>
@@ -13008,7 +13369,7 @@
           <a:p>
             <a:r>
               <a:rPr lang="en-US" dirty="0"/>
-              <a:t>For partially observable planning problems.</a:t>
+              <a:t>We can create a conditional plan for partially observable planning problems.</a:t>
             </a:r>
           </a:p>
           <a:p>
@@ -13035,7 +13396,7 @@
             <a:pPr lvl="1"/>
             <a:r>
               <a:rPr lang="en-US" dirty="0"/>
-              <a:t>The state has a factored representation as facts in CNF. </a:t>
+              <a:t>The state has a factored representation as facts in 1-CNF. </a:t>
             </a:r>
           </a:p>
           <a:p>
@@ -13045,23 +13406,39 @@
           <a:p>
             <a:r>
               <a:rPr lang="en-US" dirty="0"/>
-              <a:t>Use AND-OR search over belief states. </a:t>
+              <a:t>Use </a:t>
             </a:r>
-          </a:p>
-          <a:p>
-            <a:endParaRPr lang="en-US" dirty="0"/>
-          </a:p>
-          <a:p>
+            <a:r>
+              <a:rPr lang="en-US" b="1" dirty="0"/>
+              <a:t>AND-OR search </a:t>
+            </a:r>
             <a:r>
               <a:rPr lang="en-US" dirty="0"/>
-              <a:t>Issue: Contingency plans become very complicated</a:t>
+              <a:t>over belief states. </a:t>
+            </a:r>
+          </a:p>
+          <a:p>
+            <a:endParaRPr lang="en-US" dirty="0"/>
+          </a:p>
+          <a:p>
+            <a:r>
+              <a:rPr lang="en-US" b="1" dirty="0"/>
+              <a:t>Issues</a:t>
+            </a:r>
+            <a:r>
+              <a:rPr lang="en-US" dirty="0"/>
+              <a:t>:</a:t>
             </a:r>
           </a:p>
           <a:p>
             <a:pPr lvl="1"/>
             <a:r>
+              <a:rPr lang="en-US" dirty="0"/>
+              <a:t>Contingency plans become very complicated with </a:t>
+            </a:r>
+            <a:r>
               <a:rPr lang="en-US" b="1" dirty="0"/>
-              <a:t>Non-deterministic effects </a:t>
+              <a:t>non-deterministic effects </a:t>
             </a:r>
             <a:r>
               <a:rPr lang="en-US" dirty="0"/>
@@ -13071,8 +13448,12 @@
           <a:p>
             <a:pPr lvl="1"/>
             <a:r>
+              <a:rPr lang="en-US" dirty="0"/>
+              <a:t>Plan fails with </a:t>
+            </a:r>
+            <a:r>
               <a:rPr lang="en-US" b="1" dirty="0"/>
-              <a:t>Incorrect model of the world</a:t>
+              <a:t>incorrect model of the world</a:t>
             </a:r>
             <a:r>
               <a:rPr lang="en-US" dirty="0"/>
@@ -13110,7 +13491,7 @@
         </p:nvSpPr>
         <p:spPr>
           <a:xfrm>
-            <a:off x="6096000" y="5715000"/>
+            <a:off x="6417733" y="6191074"/>
             <a:ext cx="2114550" cy="369332"/>
           </a:xfrm>
           <a:prstGeom prst="rect">
@@ -13234,11 +13615,11 @@
           <a:p>
             <a:r>
               <a:rPr lang="en-US" dirty="0"/>
-              <a:t>Online planning </a:t>
+              <a:t>Online planning = </a:t>
             </a:r>
             <a:r>
               <a:rPr lang="en-US" b="1" dirty="0"/>
-              <a:t>replans</a:t>
+              <a:t>replan during execution</a:t>
             </a:r>
             <a:r>
               <a:rPr lang="en-US" dirty="0"/>
@@ -13263,21 +13644,21 @@
             <a:pPr lvl="1"/>
             <a:r>
               <a:rPr lang="en-US" dirty="0"/>
-              <a:t>Action monitoring (verify that the preconditions are met)</a:t>
+              <a:t>Action monitoring: only execute action if the preconditions are met</a:t>
             </a:r>
           </a:p>
           <a:p>
             <a:pPr lvl="1"/>
             <a:r>
               <a:rPr lang="en-US" dirty="0"/>
-              <a:t>Plan monitoring (verify that the remaining plan will still succeed)</a:t>
+              <a:t>Plan monitoring: verify that the remaining plan will still succeed</a:t>
             </a:r>
           </a:p>
           <a:p>
             <a:pPr lvl="1"/>
             <a:r>
               <a:rPr lang="en-US" dirty="0"/>
-              <a:t>Goal monitoring (check if a better set of goals becomes available)</a:t>
+              <a:t>Goal monitoring: check if a better set of goals has become available</a:t>
             </a:r>
           </a:p>
           <a:p>
@@ -13287,7 +13668,7 @@
           <a:p>
             <a:r>
               <a:rPr lang="en-US" dirty="0"/>
-              <a:t>Often contingency plans are made simpler by having some branches that just say “REPLAN”</a:t>
+              <a:t>Often contingency plans can be made simpler by having unlikely branches just say “REPLAN.”</a:t>
             </a:r>
           </a:p>
           <a:p>
@@ -13311,13 +13692,13 @@
           <p:nvPr>
             <p:extLst>
               <p:ext uri="{D42A27DB-BD31-4B8C-83A1-F6EECF244321}">
-                <p14:modId xmlns:p14="http://schemas.microsoft.com/office/powerpoint/2010/main" val="884297669"/>
+                <p14:modId xmlns:p14="http://schemas.microsoft.com/office/powerpoint/2010/main" val="4004873693"/>
               </p:ext>
             </p:extLst>
           </p:nvPr>
         </p:nvGraphicFramePr>
         <p:xfrm>
-          <a:off x="1295400" y="4692296"/>
+          <a:off x="1524000" y="4681007"/>
           <a:ext cx="6096000" cy="1778000"/>
         </p:xfrm>
         <a:graphic>
@@ -13468,7 +13849,7 @@
           <a:p>
             <a:r>
               <a:rPr lang="en-US" dirty="0"/>
-              <a:t>Plan Monitoring Example with Repair</a:t>
+              <a:t>Example: Plan Monitoring with Repair</a:t>
             </a:r>
           </a:p>
         </p:txBody>
@@ -13654,7 +14035,7 @@
             <a:pPr algn="ctr"/>
             <a:r>
               <a:rPr lang="en-US" dirty="0"/>
-              <a:t>2. Remaining plan</a:t>
+              <a:t>Remaining plan</a:t>
             </a:r>
           </a:p>
         </p:txBody>
@@ -13841,6 +14222,58 @@
           </a:p>
         </p:txBody>
       </p:sp>
+      <p:sp>
+        <p:nvSpPr>
+          <p:cNvPr id="3" name="Speech Bubble: Rectangle 2">
+            <a:extLst>
+              <a:ext uri="{FF2B5EF4-FFF2-40B4-BE49-F238E27FC236}">
+                <a16:creationId xmlns:a16="http://schemas.microsoft.com/office/drawing/2014/main" id="{85C369F8-084D-1423-6ACC-754D65956E33}"/>
+              </a:ext>
+            </a:extLst>
+          </p:cNvPr>
+          <p:cNvSpPr/>
+          <p:nvPr/>
+        </p:nvSpPr>
+        <p:spPr>
+          <a:xfrm>
+            <a:off x="4990501" y="4001911"/>
+            <a:ext cx="1292087" cy="724299"/>
+          </a:xfrm>
+          <a:prstGeom prst="wedgeRectCallout">
+            <a:avLst>
+              <a:gd name="adj1" fmla="val -95337"/>
+              <a:gd name="adj2" fmla="val -78645"/>
+            </a:avLst>
+          </a:prstGeom>
+        </p:spPr>
+        <p:style>
+          <a:lnRef idx="2">
+            <a:schemeClr val="accent1">
+              <a:shade val="15000"/>
+            </a:schemeClr>
+          </a:lnRef>
+          <a:fillRef idx="1">
+            <a:schemeClr val="accent1"/>
+          </a:fillRef>
+          <a:effectRef idx="0">
+            <a:schemeClr val="accent1"/>
+          </a:effectRef>
+          <a:fontRef idx="minor">
+            <a:schemeClr val="lt1"/>
+          </a:fontRef>
+        </p:style>
+        <p:txBody>
+          <a:bodyPr rtlCol="0" anchor="ctr"/>
+          <a:lstStyle/>
+          <a:p>
+            <a:pPr algn="ctr"/>
+            <a:r>
+              <a:rPr lang="en-US" dirty="0"/>
+              <a:t>3. Repair and replan</a:t>
+            </a:r>
+          </a:p>
+        </p:txBody>
+      </p:sp>
     </p:spTree>
     <p:extLst>
       <p:ext uri="{BB962C8B-B14F-4D97-AF65-F5344CB8AC3E}">
@@ -13879,6 +14312,181 @@
           <a:chExt cx="0" cy="0"/>
         </a:xfrm>
       </p:grpSpPr>
+      <p:sp useBgFill="1">
+        <p:nvSpPr>
+          <p:cNvPr id="15" name="Rectangle 14">
+            <a:extLst>
+              <a:ext uri="{FF2B5EF4-FFF2-40B4-BE49-F238E27FC236}">
+                <a16:creationId xmlns:a16="http://schemas.microsoft.com/office/drawing/2014/main" id="{04812C46-200A-4DEB-A05E-3ED6C68C2387}"/>
+              </a:ext>
+              <a:ext uri="{C183D7F6-B498-43B3-948B-1728B52AA6E4}">
+                <adec:decorative xmlns:adec="http://schemas.microsoft.com/office/drawing/2017/decorative" val="1"/>
+              </a:ext>
+            </a:extLst>
+          </p:cNvPr>
+          <p:cNvSpPr>
+            <a:spLocks noGrp="1" noRot="1" noChangeAspect="1" noMove="1" noResize="1" noEditPoints="1" noAdjustHandles="1" noChangeArrowheads="1" noChangeShapeType="1" noTextEdit="1"/>
+          </p:cNvSpPr>
+          <p:nvPr>
+            <p:extLst>
+              <p:ext uri="{386F3935-93C4-4BCD-93E2-E3B085C9AB24}">
+                <p16:designElem xmlns:p16="http://schemas.microsoft.com/office/powerpoint/2015/main" val="1"/>
+              </p:ext>
+            </p:extLst>
+          </p:nvPr>
+        </p:nvSpPr>
+        <p:spPr>
+          <a:xfrm>
+            <a:off x="0" y="0"/>
+            <a:ext cx="9141713" cy="6858000"/>
+          </a:xfrm>
+          <a:prstGeom prst="rect">
+            <a:avLst/>
+          </a:prstGeom>
+          <a:ln>
+            <a:noFill/>
+          </a:ln>
+        </p:spPr>
+        <p:style>
+          <a:lnRef idx="2">
+            <a:schemeClr val="accent1">
+              <a:shade val="50000"/>
+            </a:schemeClr>
+          </a:lnRef>
+          <a:fillRef idx="1">
+            <a:schemeClr val="accent1"/>
+          </a:fillRef>
+          <a:effectRef idx="0">
+            <a:schemeClr val="accent1"/>
+          </a:effectRef>
+          <a:fontRef idx="minor">
+            <a:schemeClr val="lt1"/>
+          </a:fontRef>
+        </p:style>
+        <p:txBody>
+          <a:bodyPr rtlCol="0" anchor="ctr"/>
+          <a:lstStyle/>
+          <a:p>
+            <a:pPr algn="ctr"/>
+            <a:endParaRPr lang="en-US"/>
+          </a:p>
+        </p:txBody>
+      </p:sp>
+      <p:pic>
+        <p:nvPicPr>
+          <p:cNvPr id="6" name="Picture 5" descr="Multi-coloured push pins connected by a black wire">
+            <a:extLst>
+              <a:ext uri="{FF2B5EF4-FFF2-40B4-BE49-F238E27FC236}">
+                <a16:creationId xmlns:a16="http://schemas.microsoft.com/office/drawing/2014/main" id="{E9ACFE73-6C07-E0F5-276A-794F32AC51B8}"/>
+              </a:ext>
+            </a:extLst>
+          </p:cNvPr>
+          <p:cNvPicPr>
+            <a:picLocks noChangeAspect="1"/>
+          </p:cNvPicPr>
+          <p:nvPr/>
+        </p:nvPicPr>
+        <p:blipFill rotWithShape="1">
+          <a:blip r:embed="rId2"/>
+          <a:srcRect r="29412" b="-1"/>
+          <a:stretch/>
+        </p:blipFill>
+        <p:spPr>
+          <a:xfrm>
+            <a:off x="20" y="10"/>
+            <a:ext cx="7252212" cy="6857990"/>
+          </a:xfrm>
+          <a:prstGeom prst="rect">
+            <a:avLst/>
+          </a:prstGeom>
+        </p:spPr>
+      </p:pic>
+      <p:sp>
+        <p:nvSpPr>
+          <p:cNvPr id="17" name="Rectangle 16">
+            <a:extLst>
+              <a:ext uri="{FF2B5EF4-FFF2-40B4-BE49-F238E27FC236}">
+                <a16:creationId xmlns:a16="http://schemas.microsoft.com/office/drawing/2014/main" id="{D1EA859B-E555-4109-94F3-6700E046E008}"/>
+              </a:ext>
+              <a:ext uri="{C183D7F6-B498-43B3-948B-1728B52AA6E4}">
+                <adec:decorative xmlns:adec="http://schemas.microsoft.com/office/drawing/2017/decorative" val="1"/>
+              </a:ext>
+            </a:extLst>
+          </p:cNvPr>
+          <p:cNvSpPr>
+            <a:spLocks noGrp="1" noRot="1" noChangeAspect="1" noMove="1" noResize="1" noEditPoints="1" noAdjustHandles="1" noChangeArrowheads="1" noChangeShapeType="1" noTextEdit="1"/>
+          </p:cNvSpPr>
+          <p:nvPr>
+            <p:extLst>
+              <p:ext uri="{386F3935-93C4-4BCD-93E2-E3B085C9AB24}">
+                <p16:designElem xmlns:p16="http://schemas.microsoft.com/office/powerpoint/2015/main" val="1"/>
+              </p:ext>
+            </p:extLst>
+          </p:nvPr>
+        </p:nvSpPr>
+        <p:spPr>
+          <a:xfrm flipH="1">
+            <a:off x="3843764" y="0"/>
+            <a:ext cx="5300233" cy="6858000"/>
+          </a:xfrm>
+          <a:prstGeom prst="rect">
+            <a:avLst/>
+          </a:prstGeom>
+          <a:gradFill>
+            <a:gsLst>
+              <a:gs pos="48000">
+                <a:schemeClr val="bg1"/>
+              </a:gs>
+              <a:gs pos="35000">
+                <a:schemeClr val="bg1">
+                  <a:alpha val="77000"/>
+                </a:schemeClr>
+              </a:gs>
+              <a:gs pos="19000">
+                <a:schemeClr val="bg1">
+                  <a:alpha val="38000"/>
+                </a:schemeClr>
+              </a:gs>
+              <a:gs pos="0">
+                <a:schemeClr val="bg1">
+                  <a:alpha val="0"/>
+                </a:schemeClr>
+              </a:gs>
+              <a:gs pos="100000">
+                <a:schemeClr val="bg1"/>
+              </a:gs>
+            </a:gsLst>
+            <a:lin ang="10800000" scaled="0"/>
+          </a:gradFill>
+          <a:ln>
+            <a:noFill/>
+          </a:ln>
+        </p:spPr>
+        <p:style>
+          <a:lnRef idx="2">
+            <a:schemeClr val="accent1">
+              <a:shade val="50000"/>
+            </a:schemeClr>
+          </a:lnRef>
+          <a:fillRef idx="1">
+            <a:schemeClr val="accent1"/>
+          </a:fillRef>
+          <a:effectRef idx="0">
+            <a:schemeClr val="accent1"/>
+          </a:effectRef>
+          <a:fontRef idx="minor">
+            <a:schemeClr val="lt1"/>
+          </a:fontRef>
+        </p:style>
+        <p:txBody>
+          <a:bodyPr rtlCol="0" anchor="ctr"/>
+          <a:lstStyle/>
+          <a:p>
+            <a:pPr algn="ctr"/>
+            <a:endParaRPr lang="en-US" dirty="0"/>
+          </a:p>
+        </p:txBody>
+      </p:sp>
       <p:sp>
         <p:nvSpPr>
           <p:cNvPr id="2" name="Title 1">
@@ -13897,227 +14505,23 @@
         </p:nvSpPr>
         <p:spPr>
           <a:xfrm>
-            <a:off x="5117908" y="741391"/>
-            <a:ext cx="3368866" cy="706409"/>
+            <a:off x="5257800" y="262644"/>
+            <a:ext cx="2866642" cy="1158875"/>
           </a:xfrm>
         </p:spPr>
         <p:txBody>
-          <a:bodyPr anchor="b">
+          <a:bodyPr>
             <a:normAutofit/>
           </a:bodyPr>
           <a:lstStyle/>
           <a:p>
             <a:r>
-              <a:rPr lang="en-US" sz="2800" dirty="0"/>
+              <a:rPr lang="en-US" sz="3500" dirty="0"/>
               <a:t>Summary</a:t>
             </a:r>
           </a:p>
         </p:txBody>
       </p:sp>
-      <p:pic>
-        <p:nvPicPr>
-          <p:cNvPr id="6" name="Picture 5" descr="Multi-coloured push pins connected by a black wire">
-            <a:extLst>
-              <a:ext uri="{FF2B5EF4-FFF2-40B4-BE49-F238E27FC236}">
-                <a16:creationId xmlns:a16="http://schemas.microsoft.com/office/drawing/2014/main" id="{E9ACFE73-6C07-E0F5-276A-794F32AC51B8}"/>
-              </a:ext>
-            </a:extLst>
-          </p:cNvPr>
-          <p:cNvPicPr>
-            <a:picLocks noChangeAspect="1"/>
-          </p:cNvPicPr>
-          <p:nvPr/>
-        </p:nvPicPr>
-        <p:blipFill rotWithShape="1">
-          <a:blip r:embed="rId2"/>
-          <a:srcRect l="6654" r="48846" b="-1"/>
-          <a:stretch/>
-        </p:blipFill>
-        <p:spPr>
-          <a:xfrm>
-            <a:off x="20" y="10"/>
-            <a:ext cx="4571980" cy="6857990"/>
-          </a:xfrm>
-          <a:prstGeom prst="rect">
-            <a:avLst/>
-          </a:prstGeom>
-        </p:spPr>
-      </p:pic>
-      <p:grpSp>
-        <p:nvGrpSpPr>
-          <p:cNvPr id="7" name="Group 6">
-            <a:extLst>
-              <a:ext uri="{FF2B5EF4-FFF2-40B4-BE49-F238E27FC236}">
-                <a16:creationId xmlns:a16="http://schemas.microsoft.com/office/drawing/2014/main" id="{5EFBDE31-BB3E-6CFC-23CD-B5976DA38438}"/>
-              </a:ext>
-              <a:ext uri="{C183D7F6-B498-43B3-948B-1728B52AA6E4}">
-                <adec:decorative xmlns:adec="http://schemas.microsoft.com/office/drawing/2017/decorative" val="1"/>
-              </a:ext>
-            </a:extLst>
-          </p:cNvPr>
-          <p:cNvGrpSpPr>
-            <a:grpSpLocks noGrp="1" noUngrp="1" noRot="1" noChangeAspect="1" noMove="1" noResize="1"/>
-          </p:cNvGrpSpPr>
-          <p:nvPr>
-            <p:extLst>
-              <p:ext uri="{386F3935-93C4-4BCD-93E2-E3B085C9AB24}">
-                <p16:designElem xmlns:p16="http://schemas.microsoft.com/office/powerpoint/2015/main" val="1"/>
-              </p:ext>
-            </p:extLst>
-          </p:nvPr>
-        </p:nvGrpSpPr>
-        <p:grpSpPr>
-          <a:xfrm>
-            <a:off x="0" y="0"/>
-            <a:ext cx="92521" cy="6858000"/>
-            <a:chOff x="12068638" y="0"/>
-            <a:chExt cx="123362" cy="6858000"/>
-          </a:xfrm>
-        </p:grpSpPr>
-        <p:sp>
-          <p:nvSpPr>
-            <p:cNvPr id="10" name="Rectangle 9">
-              <a:extLst>
-                <a:ext uri="{FF2B5EF4-FFF2-40B4-BE49-F238E27FC236}">
-                  <a16:creationId xmlns:a16="http://schemas.microsoft.com/office/drawing/2014/main" id="{180A60EC-72BB-121F-556A-E2837FD99A87}"/>
-                </a:ext>
-                <a:ext uri="{C183D7F6-B498-43B3-948B-1728B52AA6E4}">
-                  <adec:decorative xmlns:adec="http://schemas.microsoft.com/office/drawing/2017/decorative" val="1"/>
-                </a:ext>
-              </a:extLst>
-            </p:cNvPr>
-            <p:cNvSpPr/>
-            <p:nvPr>
-              <p:extLst>
-                <p:ext uri="{386F3935-93C4-4BCD-93E2-E3B085C9AB24}">
-                  <p16:designElem xmlns:p16="http://schemas.microsoft.com/office/powerpoint/2015/main" val="1"/>
-                </p:ext>
-              </p:extLst>
-            </p:nvPr>
-          </p:nvSpPr>
-          <p:spPr>
-            <a:xfrm>
-              <a:off x="12068638" y="0"/>
-              <a:ext cx="123362" cy="6858000"/>
-            </a:xfrm>
-            <a:prstGeom prst="rect">
-              <a:avLst/>
-            </a:prstGeom>
-            <a:gradFill>
-              <a:gsLst>
-                <a:gs pos="0">
-                  <a:schemeClr val="accent2"/>
-                </a:gs>
-                <a:gs pos="100000">
-                  <a:schemeClr val="accent5"/>
-                </a:gs>
-              </a:gsLst>
-              <a:lin ang="1800000" scaled="0"/>
-            </a:gradFill>
-            <a:ln>
-              <a:noFill/>
-            </a:ln>
-          </p:spPr>
-          <p:style>
-            <a:lnRef idx="2">
-              <a:schemeClr val="accent1">
-                <a:shade val="50000"/>
-              </a:schemeClr>
-            </a:lnRef>
-            <a:fillRef idx="1">
-              <a:schemeClr val="accent1"/>
-            </a:fillRef>
-            <a:effectRef idx="0">
-              <a:schemeClr val="accent1"/>
-            </a:effectRef>
-            <a:fontRef idx="minor">
-              <a:schemeClr val="lt1"/>
-            </a:fontRef>
-          </p:style>
-          <p:txBody>
-            <a:bodyPr rtlCol="0" anchor="ctr"/>
-            <a:lstStyle/>
-            <a:p>
-              <a:pPr algn="ctr"/>
-              <a:endParaRPr lang="en-US"/>
-            </a:p>
-          </p:txBody>
-        </p:sp>
-        <p:sp>
-          <p:nvSpPr>
-            <p:cNvPr id="8" name="Rectangle 7">
-              <a:extLst>
-                <a:ext uri="{FF2B5EF4-FFF2-40B4-BE49-F238E27FC236}">
-                  <a16:creationId xmlns:a16="http://schemas.microsoft.com/office/drawing/2014/main" id="{F91A2FAE-D41C-FF5D-B0A0-7808248EDC94}"/>
-                </a:ext>
-                <a:ext uri="{C183D7F6-B498-43B3-948B-1728B52AA6E4}">
-                  <adec:decorative xmlns:adec="http://schemas.microsoft.com/office/drawing/2017/decorative" val="1"/>
-                </a:ext>
-              </a:extLst>
-            </p:cNvPr>
-            <p:cNvSpPr/>
-            <p:nvPr>
-              <p:extLst>
-                <p:ext uri="{386F3935-93C4-4BCD-93E2-E3B085C9AB24}">
-                  <p16:designElem xmlns:p16="http://schemas.microsoft.com/office/powerpoint/2015/main" val="1"/>
-                </p:ext>
-              </p:extLst>
-            </p:nvPr>
-          </p:nvSpPr>
-          <p:spPr>
-            <a:xfrm>
-              <a:off x="12068638" y="4139706"/>
-              <a:ext cx="123362" cy="2718294"/>
-            </a:xfrm>
-            <a:prstGeom prst="rect">
-              <a:avLst/>
-            </a:prstGeom>
-            <a:gradFill>
-              <a:gsLst>
-                <a:gs pos="19000">
-                  <a:schemeClr val="accent5">
-                    <a:alpha val="0"/>
-                  </a:schemeClr>
-                </a:gs>
-                <a:gs pos="100000">
-                  <a:schemeClr val="accent5">
-                    <a:lumMod val="60000"/>
-                    <a:lumOff val="40000"/>
-                  </a:schemeClr>
-                </a:gs>
-              </a:gsLst>
-              <a:lin ang="600000" scaled="0"/>
-            </a:gradFill>
-            <a:ln>
-              <a:noFill/>
-            </a:ln>
-          </p:spPr>
-          <p:style>
-            <a:lnRef idx="2">
-              <a:schemeClr val="accent1">
-                <a:shade val="50000"/>
-              </a:schemeClr>
-            </a:lnRef>
-            <a:fillRef idx="1">
-              <a:schemeClr val="accent1"/>
-            </a:fillRef>
-            <a:effectRef idx="0">
-              <a:schemeClr val="accent1"/>
-            </a:effectRef>
-            <a:fontRef idx="minor">
-              <a:schemeClr val="lt1"/>
-            </a:fontRef>
-          </p:style>
-          <p:txBody>
-            <a:bodyPr rtlCol="0" anchor="ctr"/>
-            <a:lstStyle/>
-            <a:p>
-              <a:pPr algn="ctr"/>
-              <a:endParaRPr lang="en-US"/>
-            </a:p>
-          </p:txBody>
-        </p:sp>
-      </p:grpSp>
       <p:sp>
         <p:nvSpPr>
           <p:cNvPr id="3" name="Content Placeholder 2">
@@ -14136,13 +14540,13 @@
         </p:nvSpPr>
         <p:spPr>
           <a:xfrm>
-            <a:off x="5117908" y="1676399"/>
-            <a:ext cx="3368865" cy="4440209"/>
+            <a:off x="5257800" y="1676400"/>
+            <a:ext cx="3257549" cy="4816475"/>
           </a:xfrm>
         </p:spPr>
         <p:txBody>
-          <a:bodyPr anchor="t">
-            <a:normAutofit fontScale="92500"/>
+          <a:bodyPr>
+            <a:normAutofit lnSpcReduction="10000"/>
           </a:bodyPr>
           <a:lstStyle/>
           <a:p>
@@ -14634,30 +15038,37 @@
           <a:p>
             <a:r>
               <a:rPr lang="en-US" dirty="0"/>
-              <a:t>Options:</a:t>
+              <a:t>Options we have already discussed:</a:t>
             </a:r>
           </a:p>
           <a:p>
             <a:pPr lvl="1"/>
             <a:r>
               <a:rPr lang="en-US" dirty="0"/>
-              <a:t>Search with a custom heuristic evaluation function (Chapter 3)</a:t>
+              <a:t>Chapter 3 : </a:t>
+            </a:r>
+            <a:r>
+              <a:rPr lang="en-US" b="1" dirty="0"/>
+              <a:t>Search</a:t>
+            </a:r>
+            <a:r>
+              <a:rPr lang="en-US" dirty="0"/>
+              <a:t> with a custom heuristic evaluation function. </a:t>
             </a:r>
           </a:p>
           <a:p>
             <a:pPr lvl="1"/>
             <a:r>
               <a:rPr lang="en-US" dirty="0"/>
-              <a:t>Propositional logic with custom code (Chapter 7)</a:t>
+              <a:t>Chapter 7: Propositional </a:t>
             </a:r>
-          </a:p>
-          <a:p>
-            <a:endParaRPr lang="en-US" dirty="0"/>
-          </a:p>
-          <a:p>
+            <a:r>
+              <a:rPr lang="en-US" b="1" dirty="0"/>
+              <a:t>logic</a:t>
+            </a:r>
             <a:r>
               <a:rPr lang="en-US" dirty="0"/>
-              <a:t>Issue: state space is exponentially large state</a:t>
+              <a:t> with custom code.</a:t>
             </a:r>
           </a:p>
           <a:p>
@@ -14666,7 +15077,16 @@
           <a:p>
             <a:r>
               <a:rPr lang="en-US" dirty="0"/>
-              <a:t>Solution: factored state representation using a Planning Domain Definition Language (PDDL)</a:t>
+              <a:t>Issue: Large state space.</a:t>
+            </a:r>
+          </a:p>
+          <a:p>
+            <a:endParaRPr lang="en-US" dirty="0"/>
+          </a:p>
+          <a:p>
+            <a:r>
+              <a:rPr lang="en-US" dirty="0"/>
+              <a:t>Solution: Factored state representation using a Planning Domain Definition Language (PDDL)</a:t>
             </a:r>
           </a:p>
         </p:txBody>
@@ -14717,7 +15137,12 @@
             <p:ph type="title"/>
           </p:nvPr>
         </p:nvSpPr>
-        <p:spPr/>
+        <p:spPr>
+          <a:xfrm>
+            <a:off x="628650" y="365127"/>
+            <a:ext cx="7886700" cy="625474"/>
+          </a:xfrm>
+        </p:spPr>
         <p:txBody>
           <a:bodyPr/>
           <a:lstStyle/>
@@ -14747,16 +15172,25 @@
                 <p:ph idx="1"/>
               </p:nvPr>
             </p:nvSpPr>
-            <p:spPr/>
+            <p:spPr>
+              <a:xfrm>
+                <a:off x="628650" y="1524000"/>
+                <a:ext cx="7886700" cy="4968873"/>
+              </a:xfrm>
+            </p:spPr>
             <p:txBody>
               <a:bodyPr>
-                <a:normAutofit fontScale="77500" lnSpcReduction="20000"/>
+                <a:normAutofit fontScale="85000" lnSpcReduction="20000"/>
               </a:bodyPr>
               <a:lstStyle/>
               <a:p>
                 <a:r>
+                  <a:rPr lang="en-US" b="1" dirty="0"/>
+                  <a:t>State</a:t>
+                </a:r>
+                <a:r>
                   <a:rPr lang="en-US" dirty="0"/>
-                  <a:t>State: a conjunction of ground atomic </a:t>
+                  <a:t>: a conjunction of ground atomic </a:t>
                 </a:r>
                 <a:r>
                   <a:rPr lang="en-US" dirty="0" err="1"/>
@@ -14764,19 +15198,17 @@
                 </a:r>
                 <a:r>
                   <a:rPr lang="en-US" dirty="0"/>
-                  <a:t> (in Conjunctive Normal Form; CNF).</a:t>
+                  <a:t> (in 1-conjunctive normal form; 1-CNF).</a:t>
                 </a:r>
               </a:p>
               <a:p>
                 <a:r>
-                  <a:rPr lang="en-US" dirty="0"/>
-                  <a:t>Fluent: an aspect of the world that changes over time.</a:t>
+                  <a:rPr lang="en-US" b="1" dirty="0"/>
+                  <a:t>Action Schema </a:t>
                 </a:r>
-              </a:p>
-              <a:p>
                 <a:r>
                   <a:rPr lang="en-US" dirty="0"/>
-                  <a:t>Action Schema (=precondition-effect description)</a:t>
+                  <a:t>(=precondition-effect description)</a:t>
                 </a:r>
               </a:p>
               <a:p>
@@ -14868,7 +15300,7 @@
               <a:p>
                 <a:r>
                   <a:rPr lang="en-US" dirty="0"/>
-                  <a:t>The result of </a:t>
+                  <a:t>The effect of </a:t>
                 </a:r>
                 <a14:m>
                   <m:oMath xmlns:m="http://schemas.openxmlformats.org/officeDocument/2006/math">
@@ -14896,27 +15328,7 @@
                 </a14:m>
                 <a:r>
                   <a:rPr lang="en-US" dirty="0"/>
-                  <a:t> is </a:t>
-                </a:r>
-                <a14:m>
-                  <m:oMath xmlns:m="http://schemas.openxmlformats.org/officeDocument/2006/math">
-                    <m:r>
-                      <a:rPr lang="en-US" b="0" i="1" smtClean="0">
-                        <a:latin typeface="Cambria Math" panose="02040503050406030204" pitchFamily="18" charset="0"/>
-                      </a:rPr>
-                      <m:t>𝑠</m:t>
-                    </m:r>
-                    <m:r>
-                      <a:rPr lang="en-US" b="0" i="1" smtClean="0">
-                        <a:latin typeface="Cambria Math" panose="02040503050406030204" pitchFamily="18" charset="0"/>
-                      </a:rPr>
-                      <m:t>′</m:t>
-                    </m:r>
-                  </m:oMath>
-                </a14:m>
-                <a:r>
-                  <a:rPr lang="en-US" dirty="0"/>
-                  <a:t> which removes the negated </a:t>
+                  <a:t> is to remove the negated </a:t>
                 </a:r>
                 <a:r>
                   <a:rPr lang="en-US" dirty="0" err="1"/>
@@ -15077,10 +15489,153 @@
                 <a:endParaRPr lang="en-US" dirty="0"/>
               </a:p>
               <a:p>
+                <a:endParaRPr lang="en-US" dirty="0"/>
+              </a:p>
+              <a:p>
                 <a:r>
                   <a:rPr lang="en-US" dirty="0"/>
-                  <a:t>Goal is just like a precondition.</a:t>
+                  <a:t>The </a:t>
                 </a:r>
+                <a:r>
+                  <a:rPr lang="en-US" b="1" dirty="0"/>
+                  <a:t>goal</a:t>
+                </a:r>
+                <a:r>
+                  <a:rPr lang="en-US" dirty="0"/>
+                  <a:t> is just like a precondition. E.g., </a:t>
+                </a:r>
+                <a14:m>
+                  <m:oMath xmlns:m="http://schemas.openxmlformats.org/officeDocument/2006/math">
+                    <m:r>
+                      <a:rPr lang="en-US" b="0" i="1" smtClean="0">
+                        <a:latin typeface="Cambria Math" panose="02040503050406030204" pitchFamily="18" charset="0"/>
+                      </a:rPr>
+                      <m:t>𝐴𝑡</m:t>
+                    </m:r>
+                    <m:d>
+                      <m:dPr>
+                        <m:ctrlPr>
+                          <a:rPr lang="en-US" b="0" i="1" smtClean="0">
+                            <a:latin typeface="Cambria Math" panose="02040503050406030204" pitchFamily="18" charset="0"/>
+                          </a:rPr>
+                        </m:ctrlPr>
+                      </m:dPr>
+                      <m:e>
+                        <m:r>
+                          <a:rPr lang="en-US" b="0" i="1" smtClean="0">
+                            <a:latin typeface="Cambria Math" panose="02040503050406030204" pitchFamily="18" charset="0"/>
+                          </a:rPr>
+                          <m:t>𝑃𝑙𝑎𝑛</m:t>
+                        </m:r>
+                        <m:sSub>
+                          <m:sSubPr>
+                            <m:ctrlPr>
+                              <a:rPr lang="en-US" b="0" i="1" smtClean="0">
+                                <a:latin typeface="Cambria Math" panose="02040503050406030204" pitchFamily="18" charset="0"/>
+                              </a:rPr>
+                            </m:ctrlPr>
+                          </m:sSubPr>
+                          <m:e>
+                            <m:r>
+                              <a:rPr lang="en-US" b="0" i="1" smtClean="0">
+                                <a:latin typeface="Cambria Math" panose="02040503050406030204" pitchFamily="18" charset="0"/>
+                              </a:rPr>
+                              <m:t>𝑒</m:t>
+                            </m:r>
+                          </m:e>
+                          <m:sub>
+                            <m:r>
+                              <a:rPr lang="en-US" b="0" i="1" smtClean="0">
+                                <a:latin typeface="Cambria Math" panose="02040503050406030204" pitchFamily="18" charset="0"/>
+                              </a:rPr>
+                              <m:t>1</m:t>
+                            </m:r>
+                          </m:sub>
+                        </m:sSub>
+                        <m:r>
+                          <a:rPr lang="en-US" b="0" i="1" smtClean="0">
+                            <a:latin typeface="Cambria Math" panose="02040503050406030204" pitchFamily="18" charset="0"/>
+                          </a:rPr>
+                          <m:t>, </m:t>
+                        </m:r>
+                        <m:r>
+                          <a:rPr lang="en-US" b="0" i="1" smtClean="0">
+                            <a:latin typeface="Cambria Math" panose="02040503050406030204" pitchFamily="18" charset="0"/>
+                          </a:rPr>
+                          <m:t>𝑆𝐹𝑂</m:t>
+                        </m:r>
+                      </m:e>
+                    </m:d>
+                    <m:r>
+                      <a:rPr lang="en-US" b="0" i="1" smtClean="0">
+                        <a:latin typeface="Cambria Math" panose="02040503050406030204" pitchFamily="18" charset="0"/>
+                      </a:rPr>
+                      <m:t>∧</m:t>
+                    </m:r>
+                    <m:r>
+                      <a:rPr lang="en-US" b="0" i="1" smtClean="0">
+                        <a:latin typeface="Cambria Math" panose="02040503050406030204" pitchFamily="18" charset="0"/>
+                      </a:rPr>
+                      <m:t>𝐴𝑡</m:t>
+                    </m:r>
+                    <m:r>
+                      <a:rPr lang="en-US" b="0" i="1" smtClean="0">
+                        <a:latin typeface="Cambria Math" panose="02040503050406030204" pitchFamily="18" charset="0"/>
+                      </a:rPr>
+                      <m:t>(</m:t>
+                    </m:r>
+                    <m:r>
+                      <a:rPr lang="en-US" b="0" i="1" smtClean="0">
+                        <a:latin typeface="Cambria Math" panose="02040503050406030204" pitchFamily="18" charset="0"/>
+                      </a:rPr>
+                      <m:t>𝑃𝑙𝑎𝑛</m:t>
+                    </m:r>
+                    <m:sSub>
+                      <m:sSubPr>
+                        <m:ctrlPr>
+                          <a:rPr lang="en-US" b="0" i="1" smtClean="0">
+                            <a:latin typeface="Cambria Math" panose="02040503050406030204" pitchFamily="18" charset="0"/>
+                          </a:rPr>
+                        </m:ctrlPr>
+                      </m:sSubPr>
+                      <m:e>
+                        <m:r>
+                          <a:rPr lang="en-US" b="0" i="1" smtClean="0">
+                            <a:latin typeface="Cambria Math" panose="02040503050406030204" pitchFamily="18" charset="0"/>
+                          </a:rPr>
+                          <m:t>𝑒</m:t>
+                        </m:r>
+                      </m:e>
+                      <m:sub>
+                        <m:r>
+                          <a:rPr lang="en-US" b="0" i="1" smtClean="0">
+                            <a:latin typeface="Cambria Math" panose="02040503050406030204" pitchFamily="18" charset="0"/>
+                          </a:rPr>
+                          <m:t>2</m:t>
+                        </m:r>
+                      </m:sub>
+                    </m:sSub>
+                    <m:r>
+                      <a:rPr lang="en-US" b="0" i="1" smtClean="0">
+                        <a:latin typeface="Cambria Math" panose="02040503050406030204" pitchFamily="18" charset="0"/>
+                      </a:rPr>
+                      <m:t>, </m:t>
+                    </m:r>
+                    <m:r>
+                      <a:rPr lang="en-US" b="0" i="1" smtClean="0">
+                        <a:latin typeface="Cambria Math" panose="02040503050406030204" pitchFamily="18" charset="0"/>
+                      </a:rPr>
+                      <m:t>𝐽𝐹𝐾</m:t>
+                    </m:r>
+                    <m:r>
+                      <a:rPr lang="en-US" b="0" i="1" smtClean="0">
+                        <a:latin typeface="Cambria Math" panose="02040503050406030204" pitchFamily="18" charset="0"/>
+                      </a:rPr>
+                      <m:t>)</m:t>
+                    </m:r>
+                  </m:oMath>
+                </a14:m>
+                <a:endParaRPr lang="en-US" dirty="0"/>
               </a:p>
               <a:p>
                 <a:endParaRPr lang="en-US" dirty="0"/>
@@ -15106,10 +15661,14 @@
               </p:nvPr>
             </p:nvSpPr>
             <p:spPr>
+              <a:xfrm>
+                <a:off x="628650" y="1524000"/>
+                <a:ext cx="7886700" cy="4968873"/>
+              </a:xfrm>
               <a:blipFill>
                 <a:blip r:embed="rId2"/>
                 <a:stretch>
-                  <a:fillRect l="-309" t="-1821"/>
+                  <a:fillRect l="-464" t="-1963"/>
                 </a:stretch>
               </a:blipFill>
             </p:spPr>
@@ -15142,14 +15701,14 @@
         </p:nvGrpSpPr>
         <p:grpSpPr>
           <a:xfrm>
-            <a:off x="2133600" y="2928132"/>
+            <a:off x="2209800" y="2590800"/>
             <a:ext cx="4495800" cy="1720068"/>
             <a:chOff x="2133600" y="2928132"/>
             <a:chExt cx="4495800" cy="1720068"/>
           </a:xfrm>
         </p:grpSpPr>
-        <mc:AlternateContent xmlns:mc="http://schemas.openxmlformats.org/markup-compatibility/2006" xmlns:a14="http://schemas.microsoft.com/office/drawing/2010/main">
-          <mc:Choice Requires="a14">
+        <mc:AlternateContent xmlns:mc="http://schemas.openxmlformats.org/markup-compatibility/2006">
+          <mc:Choice xmlns:a14="http://schemas.microsoft.com/office/drawing/2010/main" Requires="a14">
             <p:sp>
               <p:nvSpPr>
                 <p:cNvPr id="4" name="TextBox 3">
@@ -15271,47 +15830,6 @@
                   <a14:m>
                     <m:oMath xmlns:m="http://schemas.openxmlformats.org/officeDocument/2006/math">
                       <m:r>
-                        <a:rPr lang="en-US" i="1" dirty="0" smtClean="0">
-                          <a:latin typeface="Cambria Math" panose="02040503050406030204" pitchFamily="18" charset="0"/>
-                        </a:rPr>
-                        <m:t>𝐴𝑡</m:t>
-                      </m:r>
-                      <m:d>
-                        <m:dPr>
-                          <m:ctrlPr>
-                            <a:rPr lang="en-US" i="1" dirty="0" smtClean="0">
-                              <a:latin typeface="Cambria Math" panose="02040503050406030204" pitchFamily="18" charset="0"/>
-                            </a:rPr>
-                          </m:ctrlPr>
-                        </m:dPr>
-                        <m:e>
-                          <m:r>
-                            <a:rPr lang="en-US" i="1" dirty="0" smtClean="0">
-                              <a:latin typeface="Cambria Math" panose="02040503050406030204" pitchFamily="18" charset="0"/>
-                            </a:rPr>
-                            <m:t>𝑓</m:t>
-                          </m:r>
-                          <m:r>
-                            <a:rPr lang="en-US" i="1" dirty="0" smtClean="0">
-                              <a:latin typeface="Cambria Math" panose="02040503050406030204" pitchFamily="18" charset="0"/>
-                            </a:rPr>
-                            <m:t>, </m:t>
-                          </m:r>
-                          <m:r>
-                            <a:rPr lang="en-US" i="1" dirty="0" smtClean="0">
-                              <a:latin typeface="Cambria Math" panose="02040503050406030204" pitchFamily="18" charset="0"/>
-                            </a:rPr>
-                            <m:t>𝑓𝑟𝑜𝑚</m:t>
-                          </m:r>
-                        </m:e>
-                      </m:d>
-                      <m:r>
-                        <a:rPr lang="en-US" b="0" i="1" dirty="0" smtClean="0">
-                          <a:latin typeface="Cambria Math" panose="02040503050406030204" pitchFamily="18" charset="0"/>
-                        </a:rPr>
-                        <m:t>∧</m:t>
-                      </m:r>
-                      <m:r>
                         <a:rPr lang="en-US" b="0" i="1" dirty="0" smtClean="0">
                           <a:latin typeface="Cambria Math" panose="02040503050406030204" pitchFamily="18" charset="0"/>
                         </a:rPr>
@@ -15340,21 +15858,12 @@
                         </a:rPr>
                         <m:t>∧</m:t>
                       </m:r>
-                    </m:oMath>
-                  </a14:m>
-                  <a:br>
-                    <a:rPr lang="en-US" b="0" i="1" dirty="0">
-                      <a:latin typeface="Cambria Math" panose="02040503050406030204" pitchFamily="18" charset="0"/>
-                    </a:rPr>
-                  </a:br>
-                  <a:r>
-                    <a:rPr lang="en-US" b="0" i="1" dirty="0">
-                      <a:latin typeface="Cambria Math" panose="02040503050406030204" pitchFamily="18" charset="0"/>
-                    </a:rPr>
-                    <a:t>	    </a:t>
-                  </a:r>
-                  <a14:m>
-                    <m:oMath xmlns:m="http://schemas.openxmlformats.org/officeDocument/2006/math">
+                      <m:r>
+                        <a:rPr lang="en-US" b="0" i="1" dirty="0" smtClean="0">
+                          <a:latin typeface="Cambria Math" panose="02040503050406030204" pitchFamily="18" charset="0"/>
+                        </a:rPr>
+                        <m:t> </m:t>
+                      </m:r>
                       <m:r>
                         <a:rPr lang="en-US" b="0" i="1" dirty="0" smtClean="0">
                           <a:latin typeface="Cambria Math" panose="02040503050406030204" pitchFamily="18" charset="0"/>
@@ -15384,6 +15893,21 @@
                         </a:rPr>
                         <m:t>∧</m:t>
                       </m:r>
+                    </m:oMath>
+                  </a14:m>
+                  <a:br>
+                    <a:rPr lang="en-US" b="0" i="1" dirty="0">
+                      <a:latin typeface="Cambria Math" panose="02040503050406030204" pitchFamily="18" charset="0"/>
+                    </a:rPr>
+                  </a:br>
+                  <a:r>
+                    <a:rPr lang="en-US" b="0" i="1" dirty="0">
+                      <a:latin typeface="Cambria Math" panose="02040503050406030204" pitchFamily="18" charset="0"/>
+                    </a:rPr>
+                    <a:t>	      </a:t>
+                  </a:r>
+                  <a14:m>
+                    <m:oMath xmlns:m="http://schemas.openxmlformats.org/officeDocument/2006/math">
                       <m:r>
                         <a:rPr lang="en-US" b="0" i="1" dirty="0" smtClean="0">
                           <a:latin typeface="Cambria Math" panose="02040503050406030204" pitchFamily="18" charset="0"/>
@@ -15404,6 +15928,47 @@
                               <a:latin typeface="Cambria Math" panose="02040503050406030204" pitchFamily="18" charset="0"/>
                             </a:rPr>
                             <m:t>𝑡𝑜</m:t>
+                          </m:r>
+                        </m:e>
+                      </m:d>
+                      <m:r>
+                        <a:rPr lang="en-US" i="1" dirty="0">
+                          <a:latin typeface="Cambria Math" panose="02040503050406030204" pitchFamily="18" charset="0"/>
+                        </a:rPr>
+                        <m:t>∧</m:t>
+                      </m:r>
+                      <m:r>
+                        <a:rPr lang="en-US" i="1" dirty="0">
+                          <a:latin typeface="Cambria Math" panose="02040503050406030204" pitchFamily="18" charset="0"/>
+                        </a:rPr>
+                        <m:t>𝐴𝑡</m:t>
+                      </m:r>
+                      <m:d>
+                        <m:dPr>
+                          <m:ctrlPr>
+                            <a:rPr lang="en-US" i="1" dirty="0">
+                              <a:latin typeface="Cambria Math" panose="02040503050406030204" pitchFamily="18" charset="0"/>
+                            </a:rPr>
+                          </m:ctrlPr>
+                        </m:dPr>
+                        <m:e>
+                          <m:r>
+                            <a:rPr lang="en-US" i="1" dirty="0">
+                              <a:latin typeface="Cambria Math" panose="02040503050406030204" pitchFamily="18" charset="0"/>
+                            </a:rPr>
+                            <m:t>𝑝</m:t>
+                          </m:r>
+                          <m:r>
+                            <a:rPr lang="en-US" i="1" dirty="0">
+                              <a:latin typeface="Cambria Math" panose="02040503050406030204" pitchFamily="18" charset="0"/>
+                            </a:rPr>
+                            <m:t>, </m:t>
+                          </m:r>
+                          <m:r>
+                            <a:rPr lang="en-US" i="1" dirty="0">
+                              <a:latin typeface="Cambria Math" panose="02040503050406030204" pitchFamily="18" charset="0"/>
+                            </a:rPr>
+                            <m:t>𝑓𝑟𝑜𝑚</m:t>
                           </m:r>
                         </m:e>
                       </m:d>
@@ -15523,7 +16088,7 @@
               </p:txBody>
             </p:sp>
           </mc:Choice>
-          <mc:Fallback xmlns="">
+          <mc:Fallback>
             <p:sp>
               <p:nvSpPr>
                 <p:cNvPr id="4" name="TextBox 3">
@@ -15656,8 +16221,8 @@
             </a:p>
           </p:txBody>
         </p:sp>
-        <mc:AlternateContent xmlns:mc="http://schemas.openxmlformats.org/markup-compatibility/2006" xmlns:a14="http://schemas.microsoft.com/office/drawing/2010/main">
-          <mc:Choice Requires="a14">
+        <mc:AlternateContent xmlns:mc="http://schemas.openxmlformats.org/markup-compatibility/2006">
+          <mc:Choice xmlns:a14="http://schemas.microsoft.com/office/drawing/2010/main" Requires="a14">
             <p:sp>
               <p:nvSpPr>
                 <p:cNvPr id="7" name="TextBox 6">
@@ -15673,7 +16238,7 @@
               <p:spPr>
                 <a:xfrm>
                   <a:off x="3423046" y="4278868"/>
-                  <a:ext cx="996555" cy="369332"/>
+                  <a:ext cx="1185709" cy="369332"/>
                 </a:xfrm>
                 <a:prstGeom prst="rect">
                   <a:avLst/>
@@ -15709,10 +16274,10 @@
                           <m:t>(</m:t>
                         </m:r>
                         <m:r>
-                          <a:rPr lang="en-US" i="1" dirty="0" smtClean="0">
+                          <a:rPr lang="en-US" b="0" i="1" dirty="0" smtClean="0">
                             <a:latin typeface="Cambria Math" panose="02040503050406030204" pitchFamily="18" charset="0"/>
                           </a:rPr>
-                          <m:t>𝑎</m:t>
+                          <m:t>𝐹𝑙𝑦</m:t>
                         </m:r>
                         <m:r>
                           <a:rPr lang="en-US" i="1" dirty="0">
@@ -15728,7 +16293,7 @@
               </p:txBody>
             </p:sp>
           </mc:Choice>
-          <mc:Fallback xmlns="">
+          <mc:Fallback>
             <p:sp>
               <p:nvSpPr>
                 <p:cNvPr id="7" name="TextBox 6">
@@ -15746,7 +16311,7 @@
               <p:spPr>
                 <a:xfrm>
                   <a:off x="3423046" y="4278868"/>
-                  <a:ext cx="996555" cy="369332"/>
+                  <a:ext cx="1185709" cy="369332"/>
                 </a:xfrm>
                 <a:prstGeom prst="rect">
                   <a:avLst/>
@@ -15754,7 +16319,7 @@
                 <a:blipFill>
                   <a:blip r:embed="rId4"/>
                   <a:stretch>
-                    <a:fillRect b="-11475"/>
+                    <a:fillRect b="-13333"/>
                   </a:stretch>
                 </a:blipFill>
               </p:spPr>
@@ -15773,8 +16338,8 @@
             </p:sp>
           </mc:Fallback>
         </mc:AlternateContent>
-        <mc:AlternateContent xmlns:mc="http://schemas.openxmlformats.org/markup-compatibility/2006" xmlns:a14="http://schemas.microsoft.com/office/drawing/2010/main">
-          <mc:Choice Requires="a14">
+        <mc:AlternateContent xmlns:mc="http://schemas.openxmlformats.org/markup-compatibility/2006">
+          <mc:Choice xmlns:a14="http://schemas.microsoft.com/office/drawing/2010/main" Requires="a14">
             <p:sp>
               <p:nvSpPr>
                 <p:cNvPr id="8" name="TextBox 7">
@@ -15789,8 +16354,8 @@
               </p:nvSpPr>
               <p:spPr>
                 <a:xfrm>
-                  <a:off x="4748610" y="4278868"/>
-                  <a:ext cx="1012650" cy="369332"/>
+                  <a:off x="4608755" y="4278868"/>
+                  <a:ext cx="1225785" cy="369332"/>
                 </a:xfrm>
                 <a:prstGeom prst="rect">
                   <a:avLst/>
@@ -15826,10 +16391,10 @@
                           <m:t>(</m:t>
                         </m:r>
                         <m:r>
-                          <a:rPr lang="en-US" i="1" dirty="0" smtClean="0">
+                          <a:rPr lang="en-US" b="0" i="1" dirty="0" smtClean="0">
                             <a:latin typeface="Cambria Math" panose="02040503050406030204" pitchFamily="18" charset="0"/>
                           </a:rPr>
-                          <m:t>𝑎</m:t>
+                          <m:t>𝐹𝑙𝑦</m:t>
                         </m:r>
                         <m:r>
                           <a:rPr lang="en-US" i="1" dirty="0">
@@ -15845,7 +16410,7 @@
               </p:txBody>
             </p:sp>
           </mc:Choice>
-          <mc:Fallback xmlns="">
+          <mc:Fallback>
             <p:sp>
               <p:nvSpPr>
                 <p:cNvPr id="8" name="TextBox 7">
@@ -15862,8 +16427,8 @@
               </p:nvSpPr>
               <p:spPr>
                 <a:xfrm>
-                  <a:off x="4748610" y="4278868"/>
-                  <a:ext cx="1012650" cy="369332"/>
+                  <a:off x="4608755" y="4278868"/>
+                  <a:ext cx="1225785" cy="369332"/>
                 </a:xfrm>
                 <a:prstGeom prst="rect">
                   <a:avLst/>
@@ -15871,7 +16436,7 @@
                 <a:blipFill>
                   <a:blip r:embed="rId5"/>
                   <a:stretch>
-                    <a:fillRect b="-11475"/>
+                    <a:fillRect b="-13333"/>
                   </a:stretch>
                 </a:blipFill>
               </p:spPr>
@@ -15891,6 +16456,58 @@
           </mc:Fallback>
         </mc:AlternateContent>
       </p:grpSp>
+      <p:sp>
+        <p:nvSpPr>
+          <p:cNvPr id="10" name="Speech Bubble: Rectangle 9">
+            <a:extLst>
+              <a:ext uri="{FF2B5EF4-FFF2-40B4-BE49-F238E27FC236}">
+                <a16:creationId xmlns:a16="http://schemas.microsoft.com/office/drawing/2014/main" id="{50FBF06B-FC30-F2D4-E658-642F70511104}"/>
+              </a:ext>
+            </a:extLst>
+          </p:cNvPr>
+          <p:cNvSpPr/>
+          <p:nvPr/>
+        </p:nvSpPr>
+        <p:spPr>
+          <a:xfrm>
+            <a:off x="4457700" y="907571"/>
+            <a:ext cx="2286000" cy="485663"/>
+          </a:xfrm>
+          <a:prstGeom prst="wedgeRectCallout">
+            <a:avLst>
+              <a:gd name="adj1" fmla="val -32191"/>
+              <a:gd name="adj2" fmla="val 78771"/>
+            </a:avLst>
+          </a:prstGeom>
+        </p:spPr>
+        <p:style>
+          <a:lnRef idx="2">
+            <a:schemeClr val="accent6">
+              <a:shade val="15000"/>
+            </a:schemeClr>
+          </a:lnRef>
+          <a:fillRef idx="1">
+            <a:schemeClr val="accent6"/>
+          </a:fillRef>
+          <a:effectRef idx="0">
+            <a:schemeClr val="accent6"/>
+          </a:effectRef>
+          <a:fontRef idx="minor">
+            <a:schemeClr val="lt1"/>
+          </a:fontRef>
+        </p:style>
+        <p:txBody>
+          <a:bodyPr rtlCol="0" anchor="ctr"/>
+          <a:lstStyle/>
+          <a:p>
+            <a:pPr algn="ctr"/>
+            <a:r>
+              <a:rPr lang="en-US" sz="1400" dirty="0"/>
+              <a:t>an aspect of the world that can change over time</a:t>
+            </a:r>
+          </a:p>
+        </p:txBody>
+      </p:sp>
     </p:spTree>
     <p:extLst>
       <p:ext uri="{BB962C8B-B14F-4D97-AF65-F5344CB8AC3E}">
@@ -16003,7 +16620,7 @@
           <a:p>
             <a:r>
               <a:rPr lang="en-US" dirty="0"/>
-              <a:t>Example</a:t>
+              <a:t>Example: Block World</a:t>
             </a:r>
           </a:p>
         </p:txBody>
@@ -16145,20 +16762,32 @@
           <a:lstStyle/>
           <a:p>
             <a:r>
-              <a:rPr lang="en-US" dirty="0"/>
-              <a:t>Forward state-space search: Needs heuristics to deal with the state space.</a:t>
+              <a:rPr lang="en-US" b="1" dirty="0"/>
+              <a:t>Forward state-space search</a:t>
             </a:r>
-          </a:p>
-          <a:p>
             <a:r>
               <a:rPr lang="en-US" dirty="0"/>
-              <a:t>Backward search (= regression search): keeps the branching factor low. But how do we define heuristics?</a:t>
+              <a:t>: Needs heuristics* to deal with the state space.</a:t>
             </a:r>
           </a:p>
           <a:p>
+            <a:r>
+              <a:rPr lang="en-US" b="1" dirty="0"/>
+              <a:t>Backward search </a:t>
+            </a:r>
             <a:r>
               <a:rPr lang="en-US" dirty="0"/>
-              <a:t>Convert the PDDL description into propositional form and use one of th4 efficient solvers for the Boolean satisfiability problem (SAT).</a:t>
+              <a:t>(= regression search): keeps the branching factor low. Issue: How do we define heuristics?</a:t>
+            </a:r>
+          </a:p>
+          <a:p>
+            <a:r>
+              <a:rPr lang="en-US" dirty="0"/>
+              <a:t>Convert the PDDL description into propositional form and use an efficient solvers for the </a:t>
+            </a:r>
+            <a:r>
+              <a:rPr lang="en-US" b="1" dirty="0"/>
+              <a:t>Boolean satisfiability problem (SAT).</a:t>
             </a:r>
           </a:p>
           <a:p>
@@ -16170,60 +16799,176 @@
           </a:p>
         </p:txBody>
       </p:sp>
-      <p:sp>
-        <p:nvSpPr>
-          <p:cNvPr id="4" name="TextBox 3">
-            <a:extLst>
-              <a:ext uri="{FF2B5EF4-FFF2-40B4-BE49-F238E27FC236}">
-                <a16:creationId xmlns:a16="http://schemas.microsoft.com/office/drawing/2014/main" id="{C798971F-3732-A176-6993-BFE5E4317FA4}"/>
-              </a:ext>
-            </a:extLst>
-          </p:cNvPr>
-          <p:cNvSpPr txBox="1"/>
-          <p:nvPr/>
-        </p:nvSpPr>
-        <p:spPr>
-          <a:xfrm>
-            <a:off x="6697839" y="3203217"/>
-            <a:ext cx="1828800" cy="1569660"/>
-          </a:xfrm>
-          <a:prstGeom prst="rect">
-            <a:avLst/>
-          </a:prstGeom>
-        </p:spPr>
-        <p:style>
-          <a:lnRef idx="2">
-            <a:schemeClr val="accent6">
-              <a:shade val="15000"/>
-            </a:schemeClr>
-          </a:lnRef>
-          <a:fillRef idx="1">
-            <a:schemeClr val="accent6"/>
-          </a:fillRef>
-          <a:effectRef idx="0">
-            <a:schemeClr val="accent6"/>
-          </a:effectRef>
-          <a:fontRef idx="minor">
-            <a:schemeClr val="lt1"/>
-          </a:fontRef>
-        </p:style>
-        <p:txBody>
-          <a:bodyPr wrap="square" rtlCol="0">
-            <a:spAutoFit/>
-          </a:bodyPr>
-          <a:lstStyle/>
-          <a:p>
-            <a:r>
-              <a:rPr lang="en-US" sz="1600" b="1" dirty="0"/>
-              <a:t>Remember the maze</a:t>
-            </a:r>
-            <a:r>
-              <a:rPr lang="en-US" sz="1600" dirty="0"/>
-              <a:t>: We used x and y coordinates to calculate the distance to the goal.</a:t>
-            </a:r>
-          </a:p>
-        </p:txBody>
-      </p:sp>
+      <mc:AlternateContent xmlns:mc="http://schemas.openxmlformats.org/markup-compatibility/2006">
+        <mc:Choice xmlns:a14="http://schemas.microsoft.com/office/drawing/2010/main" Requires="a14">
+          <p:sp>
+            <p:nvSpPr>
+              <p:cNvPr id="4" name="TextBox 3">
+                <a:extLst>
+                  <a:ext uri="{FF2B5EF4-FFF2-40B4-BE49-F238E27FC236}">
+                    <a16:creationId xmlns:a16="http://schemas.microsoft.com/office/drawing/2014/main" id="{C798971F-3732-A176-6993-BFE5E4317FA4}"/>
+                  </a:ext>
+                </a:extLst>
+              </p:cNvPr>
+              <p:cNvSpPr txBox="1"/>
+              <p:nvPr/>
+            </p:nvSpPr>
+            <p:spPr>
+              <a:xfrm>
+                <a:off x="6172905" y="2907276"/>
+                <a:ext cx="2895600" cy="1323439"/>
+              </a:xfrm>
+              <a:prstGeom prst="rect">
+                <a:avLst/>
+              </a:prstGeom>
+            </p:spPr>
+            <p:style>
+              <a:lnRef idx="2">
+                <a:schemeClr val="accent2">
+                  <a:shade val="15000"/>
+                </a:schemeClr>
+              </a:lnRef>
+              <a:fillRef idx="1">
+                <a:schemeClr val="accent2"/>
+              </a:fillRef>
+              <a:effectRef idx="0">
+                <a:schemeClr val="accent2"/>
+              </a:effectRef>
+              <a:fontRef idx="minor">
+                <a:schemeClr val="lt1"/>
+              </a:fontRef>
+            </p:style>
+            <p:txBody>
+              <a:bodyPr wrap="square" rtlCol="0">
+                <a:spAutoFit/>
+              </a:bodyPr>
+              <a:lstStyle/>
+              <a:p>
+                <a:r>
+                  <a:rPr lang="en-US" sz="1600" b="1" dirty="0"/>
+                  <a:t>Example: maze</a:t>
+                </a:r>
+              </a:p>
+              <a:p>
+                <a:r>
+                  <a:rPr lang="en-US" sz="1600" dirty="0"/>
+                  <a:t>State: </a:t>
+                </a:r>
+                <a14:m>
+                  <m:oMath xmlns:m="http://schemas.openxmlformats.org/officeDocument/2006/math">
+                    <m:r>
+                      <a:rPr lang="en-US" sz="1600" b="0" i="1" smtClean="0">
+                        <a:latin typeface="Cambria Math" panose="02040503050406030204" pitchFamily="18" charset="0"/>
+                      </a:rPr>
+                      <m:t>𝑃𝑜𝑠𝑋</m:t>
+                    </m:r>
+                    <m:d>
+                      <m:dPr>
+                        <m:ctrlPr>
+                          <a:rPr lang="en-US" sz="1600" b="0" i="1" smtClean="0">
+                            <a:latin typeface="Cambria Math" panose="02040503050406030204" pitchFamily="18" charset="0"/>
+                          </a:rPr>
+                        </m:ctrlPr>
+                      </m:dPr>
+                      <m:e>
+                        <m:r>
+                          <a:rPr lang="en-US" sz="1600" b="0" i="1" smtClean="0">
+                            <a:latin typeface="Cambria Math" panose="02040503050406030204" pitchFamily="18" charset="0"/>
+                          </a:rPr>
+                          <m:t>𝑥</m:t>
+                        </m:r>
+                      </m:e>
+                    </m:d>
+                    <m:r>
+                      <a:rPr lang="en-US" sz="1600" b="0" i="1" smtClean="0">
+                        <a:latin typeface="Cambria Math" panose="02040503050406030204" pitchFamily="18" charset="0"/>
+                      </a:rPr>
+                      <m:t>∧</m:t>
+                    </m:r>
+                    <m:r>
+                      <a:rPr lang="en-US" sz="1600" b="0" i="1" smtClean="0">
+                        <a:latin typeface="Cambria Math" panose="02040503050406030204" pitchFamily="18" charset="0"/>
+                      </a:rPr>
+                      <m:t>𝑃𝑜𝑠𝑌</m:t>
+                    </m:r>
+                    <m:d>
+                      <m:dPr>
+                        <m:ctrlPr>
+                          <a:rPr lang="en-US" sz="1600" b="0" i="1" smtClean="0">
+                            <a:latin typeface="Cambria Math" panose="02040503050406030204" pitchFamily="18" charset="0"/>
+                          </a:rPr>
+                        </m:ctrlPr>
+                      </m:dPr>
+                      <m:e>
+                        <m:r>
+                          <a:rPr lang="en-US" sz="1600" b="0" i="1" smtClean="0">
+                            <a:latin typeface="Cambria Math" panose="02040503050406030204" pitchFamily="18" charset="0"/>
+                          </a:rPr>
+                          <m:t>𝑦</m:t>
+                        </m:r>
+                      </m:e>
+                    </m:d>
+                  </m:oMath>
+                </a14:m>
+                <a:endParaRPr lang="en-US" sz="1600" b="0" dirty="0"/>
+              </a:p>
+              <a:p>
+                <a:endParaRPr lang="en-US" sz="1600" dirty="0"/>
+              </a:p>
+              <a:p>
+                <a:r>
+                  <a:rPr lang="en-US" sz="1600" dirty="0"/>
+                  <a:t>Ignore-precondition that checks for walls</a:t>
+                </a:r>
+              </a:p>
+            </p:txBody>
+          </p:sp>
+        </mc:Choice>
+        <mc:Fallback>
+          <p:sp>
+            <p:nvSpPr>
+              <p:cNvPr id="4" name="TextBox 3">
+                <a:extLst>
+                  <a:ext uri="{FF2B5EF4-FFF2-40B4-BE49-F238E27FC236}">
+                    <a16:creationId xmlns:a16="http://schemas.microsoft.com/office/drawing/2014/main" id="{C798971F-3732-A176-6993-BFE5E4317FA4}"/>
+                  </a:ext>
+                </a:extLst>
+              </p:cNvPr>
+              <p:cNvSpPr txBox="1">
+                <a:spLocks noRot="1" noChangeAspect="1" noMove="1" noResize="1" noEditPoints="1" noAdjustHandles="1" noChangeArrowheads="1" noChangeShapeType="1" noTextEdit="1"/>
+              </p:cNvSpPr>
+              <p:nvPr/>
+            </p:nvSpPr>
+            <p:spPr>
+              <a:xfrm>
+                <a:off x="6172905" y="2907276"/>
+                <a:ext cx="2895600" cy="1323439"/>
+              </a:xfrm>
+              <a:prstGeom prst="rect">
+                <a:avLst/>
+              </a:prstGeom>
+              <a:blipFill>
+                <a:blip r:embed="rId2"/>
+                <a:stretch>
+                  <a:fillRect l="-1048" t="-913" b="-4566"/>
+                </a:stretch>
+              </a:blipFill>
+            </p:spPr>
+            <p:txBody>
+              <a:bodyPr/>
+              <a:lstStyle/>
+              <a:p>
+                <a:r>
+                  <a:rPr lang="en-US">
+                    <a:noFill/>
+                  </a:rPr>
+                  <a:t> </a:t>
+                </a:r>
+              </a:p>
+            </p:txBody>
+          </p:sp>
+        </mc:Fallback>
+      </mc:AlternateContent>
       <mc:AlternateContent xmlns:mc="http://schemas.openxmlformats.org/markup-compatibility/2006">
         <mc:Choice xmlns:a14="http://schemas.microsoft.com/office/drawing/2010/main" Requires="a14">
           <p:sp>
@@ -16240,57 +16985,69 @@
             </p:nvSpPr>
             <p:spPr>
               <a:xfrm>
-                <a:off x="617361" y="3033940"/>
-                <a:ext cx="6012039" cy="3477875"/>
+                <a:off x="628650" y="2907276"/>
+                <a:ext cx="5495572" cy="3585597"/>
               </a:xfrm>
               <a:prstGeom prst="rect">
                 <a:avLst/>
               </a:prstGeom>
-              <a:noFill/>
             </p:spPr>
+            <p:style>
+              <a:lnRef idx="2">
+                <a:schemeClr val="accent6">
+                  <a:shade val="15000"/>
+                </a:schemeClr>
+              </a:lnRef>
+              <a:fillRef idx="1">
+                <a:schemeClr val="accent6"/>
+              </a:fillRef>
+              <a:effectRef idx="0">
+                <a:schemeClr val="accent6"/>
+              </a:effectRef>
+              <a:fontRef idx="minor">
+                <a:schemeClr val="lt1"/>
+              </a:fontRef>
+            </p:style>
             <p:txBody>
               <a:bodyPr wrap="square">
                 <a:spAutoFit/>
               </a:bodyPr>
               <a:lstStyle/>
               <a:p>
-                <a:pPr marL="285750" indent="-285750">
-                  <a:buFont typeface="Arial" panose="020B0604020202020204" pitchFamily="34" charset="0"/>
-                  <a:buChar char="•"/>
-                </a:pPr>
+                <a:pPr lvl="1" indent="-457200"/>
                 <a:r>
-                  <a:rPr lang="en-US" dirty="0"/>
-                  <a:t>Heuristics for Planning</a:t>
+                  <a:rPr lang="en-US" sz="1900" b="1" dirty="0"/>
+                  <a:t>*Heuristics for Planning</a:t>
                 </a:r>
                 <a:br>
-                  <a:rPr lang="en-US" dirty="0"/>
+                  <a:rPr lang="en-US" sz="1900" dirty="0"/>
                 </a:br>
                 <a:r>
-                  <a:rPr lang="en-US" dirty="0"/>
-                  <a:t>Use the factored state space description to calculate a heuristic function </a:t>
+                  <a:rPr lang="en-US" sz="1600" dirty="0"/>
+                  <a:t>Use the factored state description to calculate a heuristic function </a:t>
                 </a:r>
                 <a14:m>
                   <m:oMath xmlns:m="http://schemas.openxmlformats.org/officeDocument/2006/math">
                     <m:r>
-                      <a:rPr lang="en-US" i="1" dirty="0" smtClean="0">
+                      <a:rPr lang="en-US" sz="1600" i="1" dirty="0" smtClean="0">
                         <a:latin typeface="Cambria Math" panose="02040503050406030204" pitchFamily="18" charset="0"/>
                       </a:rPr>
                       <m:t>h</m:t>
                     </m:r>
                     <m:r>
-                      <a:rPr lang="en-US" i="1" dirty="0" smtClean="0">
+                      <a:rPr lang="en-US" sz="1600" i="1" dirty="0" smtClean="0">
                         <a:latin typeface="Cambria Math" panose="02040503050406030204" pitchFamily="18" charset="0"/>
                       </a:rPr>
                       <m:t>(</m:t>
                     </m:r>
                     <m:r>
-                      <a:rPr lang="en-US" i="1" dirty="0" smtClean="0">
+                      <a:rPr lang="en-US" sz="1600" i="1" dirty="0" smtClean="0">
                         <a:latin typeface="Cambria Math" panose="02040503050406030204" pitchFamily="18" charset="0"/>
                       </a:rPr>
                       <m:t>𝑠</m:t>
                     </m:r>
                     <m:r>
-                      <a:rPr lang="en-US" i="1" dirty="0" smtClean="0">
+                      <a:rPr lang="en-US" sz="1600" i="1" dirty="0" smtClean="0">
                         <a:latin typeface="Cambria Math" panose="02040503050406030204" pitchFamily="18" charset="0"/>
                       </a:rPr>
                       <m:t>)</m:t>
@@ -16298,13 +17055,13 @@
                   </m:oMath>
                 </a14:m>
                 <a:r>
-                  <a:rPr lang="en-US" dirty="0"/>
+                  <a:rPr lang="en-US" sz="1600" dirty="0"/>
                   <a:t> that estimates the distance from </a:t>
                 </a:r>
                 <a14:m>
                   <m:oMath xmlns:m="http://schemas.openxmlformats.org/officeDocument/2006/math">
                     <m:r>
-                      <a:rPr lang="en-US" i="1" dirty="0" smtClean="0">
+                      <a:rPr lang="en-US" sz="1600" i="1" dirty="0" smtClean="0">
                         <a:latin typeface="Cambria Math" panose="02040503050406030204" pitchFamily="18" charset="0"/>
                       </a:rPr>
                       <m:t>𝑠</m:t>
@@ -16312,18 +17069,14 @@
                   </m:oMath>
                 </a14:m>
                 <a:r>
-                  <a:rPr lang="en-US" dirty="0"/>
+                  <a:rPr lang="en-US" sz="1600" dirty="0"/>
                   <a:t> to the goal. If it is admissible (does not overestimate the distance) then A* can be used.</a:t>
                 </a:r>
               </a:p>
               <a:p>
-                <a:pPr marL="285750" indent="-285750">
-                  <a:buFont typeface="Arial" panose="020B0604020202020204" pitchFamily="34" charset="0"/>
-                  <a:buChar char="•"/>
-                </a:pPr>
                 <a:r>
-                  <a:rPr lang="en-US" dirty="0"/>
-                  <a:t>Apply relaxations:</a:t>
+                  <a:rPr lang="en-US" sz="1600" dirty="0"/>
+                  <a:t>Example relaxations to create a heuristic:</a:t>
                 </a:r>
               </a:p>
               <a:p>
@@ -16394,16 +17147,16 @@
             </p:nvSpPr>
             <p:spPr>
               <a:xfrm>
-                <a:off x="617361" y="3033940"/>
-                <a:ext cx="6012039" cy="3477875"/>
+                <a:off x="628650" y="2907276"/>
+                <a:ext cx="5495572" cy="3585597"/>
               </a:xfrm>
               <a:prstGeom prst="rect">
                 <a:avLst/>
               </a:prstGeom>
               <a:blipFill>
-                <a:blip r:embed="rId2"/>
+                <a:blip r:embed="rId3"/>
                 <a:stretch>
-                  <a:fillRect l="-608" t="-1053" r="-203" b="-1404"/>
+                  <a:fillRect l="-885" t="-678" b="-1186"/>
                 </a:stretch>
               </a:blipFill>
             </p:spPr>
@@ -16860,13 +17613,21 @@
         <p:spPr/>
         <p:txBody>
           <a:bodyPr>
-            <a:normAutofit fontScale="92500"/>
+            <a:normAutofit lnSpcReduction="10000"/>
           </a:bodyPr>
           <a:lstStyle/>
           <a:p>
             <a:r>
               <a:rPr lang="en-US" dirty="0"/>
-              <a:t>A high-level action (HLA) have one or several refinements into a sequence of HLAs or primitive actions. </a:t>
+              <a:t>A </a:t>
+            </a:r>
+            <a:r>
+              <a:rPr lang="en-US" b="1" dirty="0"/>
+              <a:t>high-level action (HLA) </a:t>
+            </a:r>
+            <a:r>
+              <a:rPr lang="en-US" dirty="0"/>
+              <a:t>have one or several refinements into a sequence of HLAs or primitive actions. </a:t>
             </a:r>
           </a:p>
           <a:p>
@@ -16897,12 +17658,6 @@
             <a:r>
               <a:rPr lang="en-US" dirty="0"/>
               <a:t>An HLA achieves the goal if at least one implementation achieves the goal.</a:t>
-            </a:r>
-          </a:p>
-          <a:p>
-            <a:r>
-              <a:rPr lang="en-US" dirty="0"/>
-              <a:t>The agent can reason with HLAs.</a:t>
             </a:r>
           </a:p>
         </p:txBody>

--- a/slides/11_Automated_Planning.pptx
+++ b/slides/11_Automated_Planning.pptx
@@ -6172,7 +6172,7 @@
             <a:fld id="{7D6F2994-ACE5-4A1A-B35E-4EB264D0F2D5}" type="datetimeFigureOut">
               <a:rPr lang="en-US" smtClean="0"/>
               <a:pPr/>
-              <a:t>5/19/2024</a:t>
+              <a:t>11/7/2024</a:t>
             </a:fld>
             <a:endParaRPr lang="en-US"/>
           </a:p>
@@ -10413,8 +10413,8 @@
           </a:p>
         </p:txBody>
       </p:sp>
-      <mc:AlternateContent xmlns:mc="http://schemas.openxmlformats.org/markup-compatibility/2006">
-        <mc:Choice xmlns:a14="http://schemas.microsoft.com/office/drawing/2010/main" Requires="a14">
+      <mc:AlternateContent xmlns:mc="http://schemas.openxmlformats.org/markup-compatibility/2006" xmlns:a14="http://schemas.microsoft.com/office/drawing/2010/main">
+        <mc:Choice Requires="a14">
           <p:sp>
             <p:nvSpPr>
               <p:cNvPr id="6" name="Content Placeholder 5">
@@ -10521,7 +10521,7 @@
             </p:txBody>
           </p:sp>
         </mc:Choice>
-        <mc:Fallback>
+        <mc:Fallback xmlns="">
           <p:sp>
             <p:nvSpPr>
               <p:cNvPr id="6" name="Content Placeholder 5">
@@ -10735,7 +10735,7 @@
             <p:spPr/>
             <p:txBody>
               <a:bodyPr>
-                <a:normAutofit fontScale="85000" lnSpcReduction="10000"/>
+                <a:normAutofit fontScale="85000" lnSpcReduction="20000"/>
               </a:bodyPr>
               <a:lstStyle/>
               <a:p>
@@ -10891,7 +10891,7 @@
                 <a:pPr lvl="1"/>
                 <a:r>
                   <a:rPr lang="en-US" dirty="0"/>
-                  <a:t>Reduce the number of need refinements + increase the number of steps in each refinement.</a:t>
+                  <a:t>Reduce the number of needed refinements + increase the number of steps in each refinement.</a:t>
                 </a:r>
               </a:p>
               <a:p>
@@ -10928,7 +10928,7 @@
               <a:blipFill>
                 <a:blip r:embed="rId2"/>
                 <a:stretch>
-                  <a:fillRect l="-464" t="-1821" b="-1120"/>
+                  <a:fillRect l="-464" t="-2241"/>
                 </a:stretch>
               </a:blipFill>
             </p:spPr>
@@ -10963,7 +10963,7 @@
             </p:nvSpPr>
             <p:spPr>
               <a:xfrm>
-                <a:off x="2971800" y="4009761"/>
+                <a:off x="2971800" y="3733800"/>
                 <a:ext cx="2914650" cy="923330"/>
               </a:xfrm>
               <a:prstGeom prst="rect">
@@ -11086,7 +11086,7 @@
             </p:nvSpPr>
             <p:spPr>
               <a:xfrm>
-                <a:off x="2971800" y="4009761"/>
+                <a:off x="2971800" y="3733800"/>
                 <a:ext cx="2914650" cy="923330"/>
               </a:xfrm>
               <a:prstGeom prst="rect">
@@ -11095,7 +11095,7 @@
               <a:blipFill>
                 <a:blip r:embed="rId3"/>
                 <a:stretch>
-                  <a:fillRect l="-417" b="-9150"/>
+                  <a:fillRect l="-417" b="-8497"/>
                 </a:stretch>
               </a:blipFill>
             </p:spPr>
@@ -11172,7 +11172,7 @@
           <a:p>
             <a:r>
               <a:rPr lang="en-US" dirty="0"/>
-              <a:t>Implementation: Search for Primitive Solutions</a:t>
+              <a:t>Search for Primitive Solutions - Implementation</a:t>
             </a:r>
           </a:p>
         </p:txBody>
@@ -11199,7 +11199,7 @@
         </p:blipFill>
         <p:spPr>
           <a:xfrm>
-            <a:off x="599673" y="1579458"/>
+            <a:off x="599673" y="1824677"/>
             <a:ext cx="7934727" cy="4499923"/>
           </a:xfrm>
           <a:prstGeom prst="rect">
@@ -11221,7 +11221,7 @@
         </p:nvSpPr>
         <p:spPr>
           <a:xfrm>
-            <a:off x="577582" y="1447800"/>
+            <a:off x="577582" y="1748477"/>
             <a:ext cx="7784337" cy="3408258"/>
           </a:xfrm>
           <a:prstGeom prst="rect">
@@ -11310,8 +11310,8 @@
           </a:p>
         </p:txBody>
       </p:sp>
-      <mc:AlternateContent xmlns:mc="http://schemas.openxmlformats.org/markup-compatibility/2006">
-        <mc:Choice xmlns:a14="http://schemas.microsoft.com/office/drawing/2010/main" Requires="a14">
+      <mc:AlternateContent xmlns:mc="http://schemas.openxmlformats.org/markup-compatibility/2006" xmlns:a14="http://schemas.microsoft.com/office/drawing/2010/main">
+        <mc:Choice Requires="a14">
           <p:sp>
             <p:nvSpPr>
               <p:cNvPr id="3" name="Content Placeholder 2">
@@ -11797,7 +11797,7 @@
             </p:txBody>
           </p:sp>
         </mc:Choice>
-        <mc:Fallback>
+        <mc:Fallback xmlns="">
           <p:sp>
             <p:nvSpPr>
               <p:cNvPr id="3" name="Content Placeholder 2">
@@ -12270,6 +12270,13 @@
           <a:p>
             <a:r>
               <a:rPr lang="en-US" dirty="0"/>
+              <a:t>Determinism &amp; Observability - </a:t>
+            </a:r>
+            <a:br>
+              <a:rPr lang="en-US" dirty="0"/>
+            </a:br>
+            <a:r>
+              <a:rPr lang="en-US" dirty="0"/>
               <a:t>Belief States</a:t>
             </a:r>
           </a:p>
@@ -12294,7 +12301,7 @@
         <p:spPr/>
         <p:txBody>
           <a:bodyPr>
-            <a:normAutofit/>
+            <a:normAutofit fontScale="92500" lnSpcReduction="10000"/>
           </a:bodyPr>
           <a:lstStyle/>
           <a:p>
@@ -12325,7 +12332,7 @@
           <a:p>
             <a:r>
               <a:rPr lang="en-US" dirty="0"/>
-              <a:t>A belief state is a set of possible physical states the agent might be in.</a:t>
+              <a:t>A belief state is a set of possible physical states the agent might be in given its current knowledge.</a:t>
             </a:r>
           </a:p>
           <a:p>
@@ -12334,14 +12341,14 @@
           <a:p>
             <a:r>
               <a:rPr lang="en-US" dirty="0"/>
-              <a:t>Belief states need to be extended for factored state representation.</a:t>
+              <a:t>The belief state concept needs to be extended to the factored state representation.</a:t>
             </a:r>
           </a:p>
           <a:p>
             <a:pPr lvl="1"/>
             <a:r>
               <a:rPr lang="en-US" dirty="0"/>
-              <a:t>The belief state becomes a logical formulas of </a:t>
+              <a:t>A belief state becomes a logical formula of </a:t>
             </a:r>
             <a:r>
               <a:rPr lang="en-US" dirty="0" err="1"/>
@@ -12376,7 +12383,7 @@
             </a:pPr>
             <a:r>
               <a:rPr lang="en-US" sz="1800" dirty="0"/>
-              <a:t>Technical note: If we manage to keep the belief state in 1-CNF (</a:t>
+              <a:t>Technical note: If we manage to keep the belief state in 1-CNF (1-conjunctive normal form, i.e., </a:t>
             </a:r>
             <a:r>
               <a:rPr lang="en-US" sz="1800" dirty="0" err="1"/>
@@ -12456,6 +12463,13 @@
           <a:p>
             <a:r>
               <a:rPr lang="en-US" dirty="0"/>
+              <a:t>Observability -</a:t>
+            </a:r>
+            <a:br>
+              <a:rPr lang="en-US" dirty="0"/>
+            </a:br>
+            <a:r>
+              <a:rPr lang="en-US" dirty="0"/>
               <a:t>Percept Schema</a:t>
             </a:r>
           </a:p>
@@ -12575,8 +12589,8 @@
           </a:p>
         </p:txBody>
       </p:sp>
-      <mc:AlternateContent xmlns:mc="http://schemas.openxmlformats.org/markup-compatibility/2006">
-        <mc:Choice xmlns:a14="http://schemas.microsoft.com/office/drawing/2010/main" Requires="a14">
+      <mc:AlternateContent xmlns:mc="http://schemas.openxmlformats.org/markup-compatibility/2006" xmlns:a14="http://schemas.microsoft.com/office/drawing/2010/main">
+        <mc:Choice Requires="a14">
           <p:sp>
             <p:nvSpPr>
               <p:cNvPr id="6" name="TextBox 5">
@@ -12745,7 +12759,7 @@
             </p:txBody>
           </p:sp>
         </mc:Choice>
-        <mc:Fallback>
+        <mc:Fallback xmlns="">
           <p:sp>
             <p:nvSpPr>
               <p:cNvPr id="6" name="TextBox 5">
@@ -12842,6 +12856,13 @@
           <a:lstStyle/>
           <a:p>
             <a:r>
+              <a:rPr lang="en-US" dirty="0"/>
+              <a:t>Observability -</a:t>
+            </a:r>
+            <a:br>
+              <a:rPr lang="en-US" dirty="0"/>
+            </a:br>
+            <a:r>
               <a:rPr lang="en-US" dirty="0" err="1"/>
               <a:t>Sensorless</a:t>
             </a:r>
@@ -12852,8 +12873,8 @@
           </a:p>
         </p:txBody>
       </p:sp>
-      <mc:AlternateContent xmlns:mc="http://schemas.openxmlformats.org/markup-compatibility/2006">
-        <mc:Choice xmlns:a14="http://schemas.microsoft.com/office/drawing/2010/main" Requires="a14">
+      <mc:AlternateContent xmlns:mc="http://schemas.openxmlformats.org/markup-compatibility/2006" xmlns:a14="http://schemas.microsoft.com/office/drawing/2010/main">
+        <mc:Choice Requires="a14">
           <p:sp>
             <p:nvSpPr>
               <p:cNvPr id="3" name="Content Placeholder 2">
@@ -13246,7 +13267,7 @@
             </p:txBody>
           </p:sp>
         </mc:Choice>
-        <mc:Fallback>
+        <mc:Fallback xmlns="">
           <p:sp>
             <p:nvSpPr>
               <p:cNvPr id="3" name="Content Placeholder 2">
@@ -13339,6 +13360,13 @@
           <a:p>
             <a:r>
               <a:rPr lang="en-US" dirty="0"/>
+              <a:t>Determinism &amp; Observability -</a:t>
+            </a:r>
+            <a:br>
+              <a:rPr lang="en-US" dirty="0"/>
+            </a:br>
+            <a:r>
+              <a:rPr lang="en-US" dirty="0"/>
               <a:t>Contingency Planning</a:t>
             </a:r>
           </a:p>
@@ -13369,7 +13397,7 @@
           <a:p>
             <a:r>
               <a:rPr lang="en-US" dirty="0"/>
-              <a:t>We can create a conditional plan for partially observable planning problems.</a:t>
+              <a:t>We can create a conditional plan for partially observable planning problems and non-deterministic problems.</a:t>
             </a:r>
           </a:p>
           <a:p>
@@ -13580,7 +13608,7 @@
           <a:p>
             <a:r>
               <a:rPr lang="en-US" dirty="0"/>
-              <a:t>Online Planning</a:t>
+              <a:t>Execution Monitoring and Replanning</a:t>
             </a:r>
           </a:p>
         </p:txBody>
@@ -13637,28 +13665,28 @@
             </a:r>
             <a:r>
               <a:rPr lang="en-US" dirty="0"/>
-              <a:t>to determine the need for replanning. The agent can perform</a:t>
+              <a:t>to determine the need for replanning. The agent can perform:</a:t>
             </a:r>
           </a:p>
           <a:p>
             <a:pPr lvl="1"/>
             <a:r>
               <a:rPr lang="en-US" dirty="0"/>
-              <a:t>Action monitoring: only execute action if the preconditions are met</a:t>
+              <a:t>Action monitoring: Only execute action if the preconditions are met.</a:t>
             </a:r>
           </a:p>
           <a:p>
             <a:pPr lvl="1"/>
             <a:r>
               <a:rPr lang="en-US" dirty="0"/>
-              <a:t>Plan monitoring: verify that the remaining plan will still succeed</a:t>
+              <a:t>Plan monitoring: Verify that the remaining plan will still succeed.</a:t>
             </a:r>
           </a:p>
           <a:p>
             <a:pPr lvl="1"/>
             <a:r>
               <a:rPr lang="en-US" dirty="0"/>
-              <a:t>Goal monitoring: check if a better set of goals has become available</a:t>
+              <a:t>Goal monitoring: Check if a better set of goals has become available.</a:t>
             </a:r>
           </a:p>
           <a:p>
@@ -13668,7 +13696,7 @@
           <a:p>
             <a:r>
               <a:rPr lang="en-US" dirty="0"/>
-              <a:t>Often contingency plans can be made simpler by having unlikely branches just say “REPLAN.”</a:t>
+              <a:t>Contingency plans can often be made simpler by having unlikely branches just say “REPLAN.”</a:t>
             </a:r>
           </a:p>
           <a:p>
@@ -14002,13 +14030,13 @@
         </p:nvSpPr>
         <p:spPr>
           <a:xfrm>
-            <a:off x="5691000" y="1824666"/>
-            <a:ext cx="1852800" cy="388937"/>
+            <a:off x="6466636" y="4038600"/>
+            <a:ext cx="1292087" cy="388937"/>
           </a:xfrm>
           <a:prstGeom prst="wedgeRectCallout">
             <a:avLst>
-              <a:gd name="adj1" fmla="val -35274"/>
-              <a:gd name="adj2" fmla="val 158283"/>
+              <a:gd name="adj1" fmla="val -74756"/>
+              <a:gd name="adj2" fmla="val -356467"/>
             </a:avLst>
           </a:prstGeom>
         </p:spPr>
@@ -14035,7 +14063,7 @@
             <a:pPr algn="ctr"/>
             <a:r>
               <a:rPr lang="en-US" dirty="0"/>
-              <a:t>Remaining plan</a:t>
+              <a:t>+ Replan</a:t>
             </a:r>
           </a:p>
         </p:txBody>
@@ -14133,97 +14161,6 @@
       </p:sp>
       <p:sp>
         <p:nvSpPr>
-          <p:cNvPr id="17" name="Freeform: Shape 16">
-            <a:extLst>
-              <a:ext uri="{FF2B5EF4-FFF2-40B4-BE49-F238E27FC236}">
-                <a16:creationId xmlns:a16="http://schemas.microsoft.com/office/drawing/2014/main" id="{EC89AA5C-2ADA-A8E2-CEB7-CF9C3CBACD86}"/>
-              </a:ext>
-            </a:extLst>
-          </p:cNvPr>
-          <p:cNvSpPr/>
-          <p:nvPr/>
-        </p:nvSpPr>
-        <p:spPr>
-          <a:xfrm>
-            <a:off x="4138512" y="3488131"/>
-            <a:ext cx="2996066" cy="1354802"/>
-          </a:xfrm>
-          <a:custGeom>
-            <a:avLst/>
-            <a:gdLst>
-              <a:gd name="connsiteX0" fmla="*/ 60955 w 2996066"/>
-              <a:gd name="connsiteY0" fmla="*/ 1354802 h 1354802"/>
-              <a:gd name="connsiteX1" fmla="*/ 388332 w 2996066"/>
-              <a:gd name="connsiteY1" fmla="*/ 169469 h 1354802"/>
-              <a:gd name="connsiteX2" fmla="*/ 2996066 w 2996066"/>
-              <a:gd name="connsiteY2" fmla="*/ 34002 h 1354802"/>
-            </a:gdLst>
-            <a:ahLst/>
-            <a:cxnLst>
-              <a:cxn ang="0">
-                <a:pos x="connsiteX0" y="connsiteY0"/>
-              </a:cxn>
-              <a:cxn ang="0">
-                <a:pos x="connsiteX1" y="connsiteY1"/>
-              </a:cxn>
-              <a:cxn ang="0">
-                <a:pos x="connsiteX2" y="connsiteY2"/>
-              </a:cxn>
-            </a:cxnLst>
-            <a:rect l="l" t="t" r="r" b="b"/>
-            <a:pathLst>
-              <a:path w="2996066" h="1354802">
-                <a:moveTo>
-                  <a:pt x="60955" y="1354802"/>
-                </a:moveTo>
-                <a:cubicBezTo>
-                  <a:pt x="-19949" y="872202"/>
-                  <a:pt x="-100853" y="389602"/>
-                  <a:pt x="388332" y="169469"/>
-                </a:cubicBezTo>
-                <a:cubicBezTo>
-                  <a:pt x="877517" y="-50664"/>
-                  <a:pt x="1936791" y="-8331"/>
-                  <a:pt x="2996066" y="34002"/>
-                </a:cubicBezTo>
-              </a:path>
-            </a:pathLst>
-          </a:custGeom>
-          <a:ln w="19050" cap="flat" cmpd="sng" algn="ctr">
-            <a:solidFill>
-              <a:schemeClr val="accent6"/>
-            </a:solidFill>
-            <a:prstDash val="solid"/>
-            <a:round/>
-            <a:headEnd type="none" w="med" len="med"/>
-            <a:tailEnd type="arrow" w="med" len="med"/>
-          </a:ln>
-        </p:spPr>
-        <p:style>
-          <a:lnRef idx="0">
-            <a:scrgbClr r="0" g="0" b="0"/>
-          </a:lnRef>
-          <a:fillRef idx="0">
-            <a:scrgbClr r="0" g="0" b="0"/>
-          </a:fillRef>
-          <a:effectRef idx="0">
-            <a:scrgbClr r="0" g="0" b="0"/>
-          </a:effectRef>
-          <a:fontRef idx="minor">
-            <a:schemeClr val="tx1"/>
-          </a:fontRef>
-        </p:style>
-        <p:txBody>
-          <a:bodyPr rtlCol="0" anchor="ctr"/>
-          <a:lstStyle/>
-          <a:p>
-            <a:pPr algn="ctr"/>
-            <a:endParaRPr lang="en-US"/>
-          </a:p>
-        </p:txBody>
-      </p:sp>
-      <p:sp>
-        <p:nvSpPr>
           <p:cNvPr id="3" name="Speech Bubble: Rectangle 2">
             <a:extLst>
               <a:ext uri="{FF2B5EF4-FFF2-40B4-BE49-F238E27FC236}">
@@ -14236,13 +14173,13 @@
         </p:nvSpPr>
         <p:spPr>
           <a:xfrm>
-            <a:off x="4990501" y="4001911"/>
-            <a:ext cx="1292087" cy="724299"/>
+            <a:off x="5029201" y="4038600"/>
+            <a:ext cx="1292087" cy="388938"/>
           </a:xfrm>
           <a:prstGeom prst="wedgeRectCallout">
             <a:avLst>
-              <a:gd name="adj1" fmla="val -95337"/>
-              <a:gd name="adj2" fmla="val -78645"/>
+              <a:gd name="adj1" fmla="val -111725"/>
+              <a:gd name="adj2" fmla="val -65355"/>
             </a:avLst>
           </a:prstGeom>
         </p:spPr>
@@ -14269,7 +14206,127 @@
             <a:pPr algn="ctr"/>
             <a:r>
               <a:rPr lang="en-US" dirty="0"/>
-              <a:t>3. Repair and replan</a:t>
+              <a:t>3. Repair</a:t>
+            </a:r>
+          </a:p>
+        </p:txBody>
+      </p:sp>
+      <p:cxnSp>
+        <p:nvCxnSpPr>
+          <p:cNvPr id="5" name="Straight Arrow Connector 4">
+            <a:extLst>
+              <a:ext uri="{FF2B5EF4-FFF2-40B4-BE49-F238E27FC236}">
+                <a16:creationId xmlns:a16="http://schemas.microsoft.com/office/drawing/2014/main" id="{0C11A0C4-D5EC-9B02-C499-70EF567D6524}"/>
+              </a:ext>
+            </a:extLst>
+          </p:cNvPr>
+          <p:cNvCxnSpPr/>
+          <p:nvPr/>
+        </p:nvCxnSpPr>
+        <p:spPr>
+          <a:xfrm flipV="1">
+            <a:off x="4114800" y="3505200"/>
+            <a:ext cx="0" cy="1289093"/>
+          </a:xfrm>
+          <a:prstGeom prst="straightConnector1">
+            <a:avLst/>
+          </a:prstGeom>
+          <a:ln>
+            <a:tailEnd type="triangle"/>
+          </a:ln>
+        </p:spPr>
+        <p:style>
+          <a:lnRef idx="3">
+            <a:schemeClr val="accent6"/>
+          </a:lnRef>
+          <a:fillRef idx="0">
+            <a:schemeClr val="accent6"/>
+          </a:fillRef>
+          <a:effectRef idx="2">
+            <a:schemeClr val="accent6"/>
+          </a:effectRef>
+          <a:fontRef idx="minor">
+            <a:schemeClr val="tx1"/>
+          </a:fontRef>
+        </p:style>
+      </p:cxnSp>
+      <p:cxnSp>
+        <p:nvCxnSpPr>
+          <p:cNvPr id="6" name="Straight Arrow Connector 5">
+            <a:extLst>
+              <a:ext uri="{FF2B5EF4-FFF2-40B4-BE49-F238E27FC236}">
+                <a16:creationId xmlns:a16="http://schemas.microsoft.com/office/drawing/2014/main" id="{BC00F77E-B3C8-8014-A3E5-E321259D922A}"/>
+              </a:ext>
+            </a:extLst>
+          </p:cNvPr>
+          <p:cNvCxnSpPr>
+            <a:cxnSpLocks/>
+          </p:cNvCxnSpPr>
+          <p:nvPr/>
+        </p:nvCxnSpPr>
+        <p:spPr>
+          <a:xfrm>
+            <a:off x="4114800" y="3429000"/>
+            <a:ext cx="2819400" cy="0"/>
+          </a:xfrm>
+          <a:prstGeom prst="straightConnector1">
+            <a:avLst/>
+          </a:prstGeom>
+          <a:ln>
+            <a:tailEnd type="triangle"/>
+          </a:ln>
+        </p:spPr>
+        <p:style>
+          <a:lnRef idx="3">
+            <a:schemeClr val="accent6"/>
+          </a:lnRef>
+          <a:fillRef idx="0">
+            <a:schemeClr val="accent6"/>
+          </a:fillRef>
+          <a:effectRef idx="2">
+            <a:schemeClr val="accent6"/>
+          </a:effectRef>
+          <a:fontRef idx="minor">
+            <a:schemeClr val="tx1"/>
+          </a:fontRef>
+        </p:style>
+      </p:cxnSp>
+      <p:sp>
+        <p:nvSpPr>
+          <p:cNvPr id="14" name="TextBox 13">
+            <a:extLst>
+              <a:ext uri="{FF2B5EF4-FFF2-40B4-BE49-F238E27FC236}">
+                <a16:creationId xmlns:a16="http://schemas.microsoft.com/office/drawing/2014/main" id="{9090568D-67FD-4F58-6083-56168E3C1037}"/>
+              </a:ext>
+            </a:extLst>
+          </p:cNvPr>
+          <p:cNvSpPr txBox="1"/>
+          <p:nvPr/>
+        </p:nvSpPr>
+        <p:spPr>
+          <a:xfrm>
+            <a:off x="678771" y="3104137"/>
+            <a:ext cx="1226229" cy="646331"/>
+          </a:xfrm>
+          <a:prstGeom prst="rect">
+            <a:avLst/>
+          </a:prstGeom>
+          <a:noFill/>
+        </p:spPr>
+        <p:txBody>
+          <a:bodyPr wrap="square" rtlCol="0">
+            <a:spAutoFit/>
+          </a:bodyPr>
+          <a:lstStyle/>
+          <a:p>
+            <a:pPr algn="ctr"/>
+            <a:r>
+              <a:rPr lang="en-US" dirty="0">
+                <a:solidFill>
+                  <a:schemeClr val="accent6"/>
+                </a:solidFill>
+              </a:rPr>
+              <a:t>Actual path taken</a:t>
             </a:r>
           </a:p>
         </p:txBody>
@@ -14284,6 +14341,304 @@
   <p:clrMapOvr>
     <a:masterClrMapping/>
   </p:clrMapOvr>
+  <p:timing>
+    <p:tnLst>
+      <p:par>
+        <p:cTn id="1" dur="indefinite" restart="never" nodeType="tmRoot">
+          <p:childTnLst>
+            <p:seq concurrent="1" nextAc="seek">
+              <p:cTn id="2" dur="indefinite" nodeType="mainSeq">
+                <p:childTnLst>
+                  <p:par>
+                    <p:cTn id="3" fill="hold">
+                      <p:stCondLst>
+                        <p:cond delay="indefinite"/>
+                      </p:stCondLst>
+                      <p:childTnLst>
+                        <p:par>
+                          <p:cTn id="4" fill="hold">
+                            <p:stCondLst>
+                              <p:cond delay="0"/>
+                            </p:stCondLst>
+                            <p:childTnLst>
+                              <p:par>
+                                <p:cTn id="5" presetID="1" presetClass="entr" presetSubtype="0" fill="hold" grpId="0" nodeType="clickEffect">
+                                  <p:stCondLst>
+                                    <p:cond delay="0"/>
+                                  </p:stCondLst>
+                                  <p:childTnLst>
+                                    <p:set>
+                                      <p:cBhvr>
+                                        <p:cTn id="6" dur="1" fill="hold">
+                                          <p:stCondLst>
+                                            <p:cond delay="0"/>
+                                          </p:stCondLst>
+                                        </p:cTn>
+                                        <p:tgtEl>
+                                          <p:spTgt spid="13"/>
+                                        </p:tgtEl>
+                                        <p:attrNameLst>
+                                          <p:attrName>style.visibility</p:attrName>
+                                        </p:attrNameLst>
+                                      </p:cBhvr>
+                                      <p:to>
+                                        <p:strVal val="visible"/>
+                                      </p:to>
+                                    </p:set>
+                                  </p:childTnLst>
+                                </p:cTn>
+                              </p:par>
+                              <p:par>
+                                <p:cTn id="7" presetID="1" presetClass="entr" presetSubtype="0" fill="hold" grpId="0" nodeType="withEffect">
+                                  <p:stCondLst>
+                                    <p:cond delay="0"/>
+                                  </p:stCondLst>
+                                  <p:childTnLst>
+                                    <p:set>
+                                      <p:cBhvr>
+                                        <p:cTn id="8" dur="1" fill="hold">
+                                          <p:stCondLst>
+                                            <p:cond delay="0"/>
+                                          </p:stCondLst>
+                                        </p:cTn>
+                                        <p:tgtEl>
+                                          <p:spTgt spid="14"/>
+                                        </p:tgtEl>
+                                        <p:attrNameLst>
+                                          <p:attrName>style.visibility</p:attrName>
+                                        </p:attrNameLst>
+                                      </p:cBhvr>
+                                      <p:to>
+                                        <p:strVal val="visible"/>
+                                      </p:to>
+                                    </p:set>
+                                  </p:childTnLst>
+                                </p:cTn>
+                              </p:par>
+                            </p:childTnLst>
+                          </p:cTn>
+                        </p:par>
+                      </p:childTnLst>
+                    </p:cTn>
+                  </p:par>
+                  <p:par>
+                    <p:cTn id="9" fill="hold">
+                      <p:stCondLst>
+                        <p:cond delay="indefinite"/>
+                      </p:stCondLst>
+                      <p:childTnLst>
+                        <p:par>
+                          <p:cTn id="10" fill="hold">
+                            <p:stCondLst>
+                              <p:cond delay="0"/>
+                            </p:stCondLst>
+                            <p:childTnLst>
+                              <p:par>
+                                <p:cTn id="11" presetID="1" presetClass="entr" presetSubtype="0" fill="hold" grpId="0" nodeType="clickEffect">
+                                  <p:stCondLst>
+                                    <p:cond delay="0"/>
+                                  </p:stCondLst>
+                                  <p:childTnLst>
+                                    <p:set>
+                                      <p:cBhvr>
+                                        <p:cTn id="12" dur="1" fill="hold">
+                                          <p:stCondLst>
+                                            <p:cond delay="0"/>
+                                          </p:stCondLst>
+                                        </p:cTn>
+                                        <p:tgtEl>
+                                          <p:spTgt spid="9"/>
+                                        </p:tgtEl>
+                                        <p:attrNameLst>
+                                          <p:attrName>style.visibility</p:attrName>
+                                        </p:attrNameLst>
+                                      </p:cBhvr>
+                                      <p:to>
+                                        <p:strVal val="visible"/>
+                                      </p:to>
+                                    </p:set>
+                                  </p:childTnLst>
+                                </p:cTn>
+                              </p:par>
+                            </p:childTnLst>
+                          </p:cTn>
+                        </p:par>
+                      </p:childTnLst>
+                    </p:cTn>
+                  </p:par>
+                  <p:par>
+                    <p:cTn id="13" fill="hold">
+                      <p:stCondLst>
+                        <p:cond delay="indefinite"/>
+                      </p:stCondLst>
+                      <p:childTnLst>
+                        <p:par>
+                          <p:cTn id="14" fill="hold">
+                            <p:stCondLst>
+                              <p:cond delay="0"/>
+                            </p:stCondLst>
+                            <p:childTnLst>
+                              <p:par>
+                                <p:cTn id="15" presetID="1" presetClass="entr" presetSubtype="0" fill="hold" nodeType="clickEffect">
+                                  <p:stCondLst>
+                                    <p:cond delay="0"/>
+                                  </p:stCondLst>
+                                  <p:childTnLst>
+                                    <p:set>
+                                      <p:cBhvr>
+                                        <p:cTn id="16" dur="1" fill="hold">
+                                          <p:stCondLst>
+                                            <p:cond delay="0"/>
+                                          </p:stCondLst>
+                                        </p:cTn>
+                                        <p:tgtEl>
+                                          <p:spTgt spid="5"/>
+                                        </p:tgtEl>
+                                        <p:attrNameLst>
+                                          <p:attrName>style.visibility</p:attrName>
+                                        </p:attrNameLst>
+                                      </p:cBhvr>
+                                      <p:to>
+                                        <p:strVal val="visible"/>
+                                      </p:to>
+                                    </p:set>
+                                  </p:childTnLst>
+                                </p:cTn>
+                              </p:par>
+                              <p:par>
+                                <p:cTn id="17" presetID="1" presetClass="entr" presetSubtype="0" fill="hold" grpId="0" nodeType="withEffect">
+                                  <p:stCondLst>
+                                    <p:cond delay="0"/>
+                                  </p:stCondLst>
+                                  <p:childTnLst>
+                                    <p:set>
+                                      <p:cBhvr>
+                                        <p:cTn id="18" dur="1" fill="hold">
+                                          <p:stCondLst>
+                                            <p:cond delay="0"/>
+                                          </p:stCondLst>
+                                        </p:cTn>
+                                        <p:tgtEl>
+                                          <p:spTgt spid="3"/>
+                                        </p:tgtEl>
+                                        <p:attrNameLst>
+                                          <p:attrName>style.visibility</p:attrName>
+                                        </p:attrNameLst>
+                                      </p:cBhvr>
+                                      <p:to>
+                                        <p:strVal val="visible"/>
+                                      </p:to>
+                                    </p:set>
+                                  </p:childTnLst>
+                                </p:cTn>
+                              </p:par>
+                              <p:par>
+                                <p:cTn id="19" presetID="1" presetClass="entr" presetSubtype="0" fill="hold" grpId="0" nodeType="withEffect">
+                                  <p:stCondLst>
+                                    <p:cond delay="0"/>
+                                  </p:stCondLst>
+                                  <p:childTnLst>
+                                    <p:set>
+                                      <p:cBhvr>
+                                        <p:cTn id="20" dur="1" fill="hold">
+                                          <p:stCondLst>
+                                            <p:cond delay="0"/>
+                                          </p:stCondLst>
+                                        </p:cTn>
+                                        <p:tgtEl>
+                                          <p:spTgt spid="10"/>
+                                        </p:tgtEl>
+                                        <p:attrNameLst>
+                                          <p:attrName>style.visibility</p:attrName>
+                                        </p:attrNameLst>
+                                      </p:cBhvr>
+                                      <p:to>
+                                        <p:strVal val="visible"/>
+                                      </p:to>
+                                    </p:set>
+                                  </p:childTnLst>
+                                </p:cTn>
+                              </p:par>
+                            </p:childTnLst>
+                          </p:cTn>
+                        </p:par>
+                      </p:childTnLst>
+                    </p:cTn>
+                  </p:par>
+                  <p:par>
+                    <p:cTn id="21" fill="hold">
+                      <p:stCondLst>
+                        <p:cond delay="indefinite"/>
+                      </p:stCondLst>
+                      <p:childTnLst>
+                        <p:par>
+                          <p:cTn id="22" fill="hold">
+                            <p:stCondLst>
+                              <p:cond delay="0"/>
+                            </p:stCondLst>
+                            <p:childTnLst>
+                              <p:par>
+                                <p:cTn id="23" presetID="1" presetClass="entr" presetSubtype="0" fill="hold" nodeType="clickEffect">
+                                  <p:stCondLst>
+                                    <p:cond delay="0"/>
+                                  </p:stCondLst>
+                                  <p:childTnLst>
+                                    <p:set>
+                                      <p:cBhvr>
+                                        <p:cTn id="24" dur="1" fill="hold">
+                                          <p:stCondLst>
+                                            <p:cond delay="0"/>
+                                          </p:stCondLst>
+                                        </p:cTn>
+                                        <p:tgtEl>
+                                          <p:spTgt spid="6"/>
+                                        </p:tgtEl>
+                                        <p:attrNameLst>
+                                          <p:attrName>style.visibility</p:attrName>
+                                        </p:attrNameLst>
+                                      </p:cBhvr>
+                                      <p:to>
+                                        <p:strVal val="visible"/>
+                                      </p:to>
+                                    </p:set>
+                                  </p:childTnLst>
+                                </p:cTn>
+                              </p:par>
+                            </p:childTnLst>
+                          </p:cTn>
+                        </p:par>
+                      </p:childTnLst>
+                    </p:cTn>
+                  </p:par>
+                </p:childTnLst>
+              </p:cTn>
+              <p:prevCondLst>
+                <p:cond evt="onPrev" delay="0">
+                  <p:tgtEl>
+                    <p:sldTgt/>
+                  </p:tgtEl>
+                </p:cond>
+              </p:prevCondLst>
+              <p:nextCondLst>
+                <p:cond evt="onNext" delay="0">
+                  <p:tgtEl>
+                    <p:sldTgt/>
+                  </p:tgtEl>
+                </p:cond>
+              </p:nextCondLst>
+            </p:seq>
+          </p:childTnLst>
+        </p:cTn>
+      </p:par>
+    </p:tnLst>
+    <p:bldLst>
+      <p:bldP spid="9" grpId="0" animBg="1"/>
+      <p:bldP spid="10" grpId="0" animBg="1"/>
+      <p:bldP spid="13" grpId="0" animBg="1"/>
+      <p:bldP spid="3" grpId="0" animBg="1"/>
+      <p:bldP spid="14" grpId="0"/>
+    </p:bldLst>
+  </p:timing>
 </p:sld>
 </file>
 
@@ -14546,7 +14901,7 @@
         </p:spPr>
         <p:txBody>
           <a:bodyPr>
-            <a:normAutofit lnSpcReduction="10000"/>
+            <a:normAutofit fontScale="92500" lnSpcReduction="10000"/>
           </a:bodyPr>
           <a:lstStyle/>
           <a:p>
@@ -14582,7 +14937,28 @@
             </a:r>
             <a:r>
               <a:rPr lang="en-US" sz="1800" dirty="0"/>
-              <a:t>is very flexible and can deal with many types of issues (sensor/actuator failure, imperfect models of the environment)  </a:t>
+              <a:t>is </a:t>
+            </a:r>
+          </a:p>
+          <a:p>
+            <a:pPr lvl="1"/>
+            <a:r>
+              <a:rPr lang="en-US" sz="1500" dirty="0"/>
+              <a:t>very flexible</a:t>
+            </a:r>
+          </a:p>
+          <a:p>
+            <a:pPr lvl="1"/>
+            <a:r>
+              <a:rPr lang="en-US" sz="1500" dirty="0"/>
+              <a:t>can deal with many types of issues (sensor/actuator failure, imperfect models of the environment)</a:t>
+            </a:r>
+          </a:p>
+          <a:p>
+            <a:pPr lvl="1"/>
+            <a:r>
+              <a:rPr lang="en-US" sz="1500" dirty="0"/>
+              <a:t>Can make conditional plans smaller by omitting unlikely paths and leaving them for later replanning.  </a:t>
             </a:r>
           </a:p>
         </p:txBody>
@@ -15086,7 +15462,7 @@
           <a:p>
             <a:r>
               <a:rPr lang="en-US" dirty="0"/>
-              <a:t>Solution: Factored state representation using a Planning Domain Definition Language (PDDL)</a:t>
+              <a:t>Solution: Factored state representation using a Planning Domain Definition Language (PDDL) + Action schemas</a:t>
             </a:r>
           </a:p>
         </p:txBody>
@@ -15154,8 +15530,8 @@
           </a:p>
         </p:txBody>
       </p:sp>
-      <mc:AlternateContent xmlns:mc="http://schemas.openxmlformats.org/markup-compatibility/2006">
-        <mc:Choice xmlns:a14="http://schemas.microsoft.com/office/drawing/2010/main" Requires="a14">
+      <mc:AlternateContent xmlns:mc="http://schemas.openxmlformats.org/markup-compatibility/2006" xmlns:a14="http://schemas.microsoft.com/office/drawing/2010/main">
+        <mc:Choice Requires="a14">
           <p:sp>
             <p:nvSpPr>
               <p:cNvPr id="3" name="Content Placeholder 2">
@@ -15643,7 +16019,7 @@
             </p:txBody>
           </p:sp>
         </mc:Choice>
-        <mc:Fallback>
+        <mc:Fallback xmlns="">
           <p:sp>
             <p:nvSpPr>
               <p:cNvPr id="3" name="Content Placeholder 2">
@@ -15702,13 +16078,13 @@
         <p:grpSpPr>
           <a:xfrm>
             <a:off x="2209800" y="2590800"/>
-            <a:ext cx="4495800" cy="1720068"/>
+            <a:ext cx="4495800" cy="1700427"/>
             <a:chOff x="2133600" y="2928132"/>
-            <a:chExt cx="4495800" cy="1720068"/>
+            <a:chExt cx="4495800" cy="1700427"/>
           </a:xfrm>
         </p:grpSpPr>
-        <mc:AlternateContent xmlns:mc="http://schemas.openxmlformats.org/markup-compatibility/2006">
-          <mc:Choice xmlns:a14="http://schemas.microsoft.com/office/drawing/2010/main" Requires="a14">
+        <mc:AlternateContent xmlns:mc="http://schemas.openxmlformats.org/markup-compatibility/2006" xmlns:a14="http://schemas.microsoft.com/office/drawing/2010/main">
+          <mc:Choice Requires="a14">
             <p:sp>
               <p:nvSpPr>
                 <p:cNvPr id="4" name="TextBox 3">
@@ -15856,13 +16232,7 @@
                         <a:rPr lang="en-US" b="0" i="1" dirty="0" smtClean="0">
                           <a:latin typeface="Cambria Math" panose="02040503050406030204" pitchFamily="18" charset="0"/>
                         </a:rPr>
-                        <m:t>∧</m:t>
-                      </m:r>
-                      <m:r>
-                        <a:rPr lang="en-US" b="0" i="1" dirty="0" smtClean="0">
-                          <a:latin typeface="Cambria Math" panose="02040503050406030204" pitchFamily="18" charset="0"/>
-                        </a:rPr>
-                        <m:t> </m:t>
+                        <m:t>∧ </m:t>
                       </m:r>
                       <m:r>
                         <a:rPr lang="en-US" b="0" i="1" dirty="0" smtClean="0">
@@ -16088,7 +16458,7 @@
               </p:txBody>
             </p:sp>
           </mc:Choice>
-          <mc:Fallback>
+          <mc:Fallback xmlns="">
             <p:sp>
               <p:nvSpPr>
                 <p:cNvPr id="4" name="TextBox 3">
@@ -16237,8 +16607,8 @@
               </p:nvSpPr>
               <p:spPr>
                 <a:xfrm>
-                  <a:off x="3423046" y="4278868"/>
-                  <a:ext cx="1185709" cy="369332"/>
+                  <a:off x="3550588" y="4259227"/>
+                  <a:ext cx="838691" cy="369332"/>
                 </a:xfrm>
                 <a:prstGeom prst="rect">
                   <a:avLst/>
@@ -16274,12 +16644,6 @@
                           <m:t>(</m:t>
                         </m:r>
                         <m:r>
-                          <a:rPr lang="en-US" b="0" i="1" dirty="0" smtClean="0">
-                            <a:latin typeface="Cambria Math" panose="02040503050406030204" pitchFamily="18" charset="0"/>
-                          </a:rPr>
-                          <m:t>𝐹𝑙𝑦</m:t>
-                        </m:r>
-                        <m:r>
                           <a:rPr lang="en-US" i="1" dirty="0">
                             <a:latin typeface="Cambria Math" panose="02040503050406030204" pitchFamily="18" charset="0"/>
                           </a:rPr>
@@ -16310,8 +16674,8 @@
               </p:nvSpPr>
               <p:spPr>
                 <a:xfrm>
-                  <a:off x="3423046" y="4278868"/>
-                  <a:ext cx="1185709" cy="369332"/>
+                  <a:off x="3550588" y="4259227"/>
+                  <a:ext cx="838691" cy="369332"/>
                 </a:xfrm>
                 <a:prstGeom prst="rect">
                   <a:avLst/>
@@ -16319,7 +16683,7 @@
                 <a:blipFill>
                   <a:blip r:embed="rId4"/>
                   <a:stretch>
-                    <a:fillRect b="-13333"/>
+                    <a:fillRect b="-13115"/>
                   </a:stretch>
                 </a:blipFill>
               </p:spPr>
@@ -16354,8 +16718,8 @@
               </p:nvSpPr>
               <p:spPr>
                 <a:xfrm>
-                  <a:off x="4608755" y="4278868"/>
-                  <a:ext cx="1225785" cy="369332"/>
+                  <a:off x="4816646" y="4252396"/>
+                  <a:ext cx="878767" cy="369332"/>
                 </a:xfrm>
                 <a:prstGeom prst="rect">
                   <a:avLst/>
@@ -16391,12 +16755,6 @@
                           <m:t>(</m:t>
                         </m:r>
                         <m:r>
-                          <a:rPr lang="en-US" b="0" i="1" dirty="0" smtClean="0">
-                            <a:latin typeface="Cambria Math" panose="02040503050406030204" pitchFamily="18" charset="0"/>
-                          </a:rPr>
-                          <m:t>𝐹𝑙𝑦</m:t>
-                        </m:r>
-                        <m:r>
                           <a:rPr lang="en-US" i="1" dirty="0">
                             <a:latin typeface="Cambria Math" panose="02040503050406030204" pitchFamily="18" charset="0"/>
                           </a:rPr>
@@ -16427,8 +16785,8 @@
               </p:nvSpPr>
               <p:spPr>
                 <a:xfrm>
-                  <a:off x="4608755" y="4278868"/>
-                  <a:ext cx="1225785" cy="369332"/>
+                  <a:off x="4816646" y="4252396"/>
+                  <a:ext cx="878767" cy="369332"/>
                 </a:xfrm>
                 <a:prstGeom prst="rect">
                   <a:avLst/>
@@ -16436,7 +16794,7 @@
                 <a:blipFill>
                   <a:blip r:embed="rId5"/>
                   <a:stretch>
-                    <a:fillRect b="-13333"/>
+                    <a:fillRect b="-13115"/>
                   </a:stretch>
                 </a:blipFill>
               </p:spPr>
@@ -16816,7 +17174,7 @@
             <p:spPr>
               <a:xfrm>
                 <a:off x="6172905" y="2907276"/>
-                <a:ext cx="2895600" cy="1323439"/>
+                <a:ext cx="2437695" cy="1323439"/>
               </a:xfrm>
               <a:prstGeom prst="rect">
                 <a:avLst/>
@@ -16942,7 +17300,7 @@
             <p:spPr>
               <a:xfrm>
                 <a:off x="6172905" y="2907276"/>
-                <a:ext cx="2895600" cy="1323439"/>
+                <a:ext cx="2437695" cy="1323439"/>
               </a:xfrm>
               <a:prstGeom prst="rect">
                 <a:avLst/>
@@ -16950,7 +17308,7 @@
               <a:blipFill>
                 <a:blip r:embed="rId2"/>
                 <a:stretch>
-                  <a:fillRect l="-1048" t="-913" b="-4566"/>
+                  <a:fillRect l="-1244" t="-913" b="-4566"/>
                 </a:stretch>
               </a:blipFill>
             </p:spPr>
@@ -16969,8 +17327,8 @@
           </p:sp>
         </mc:Fallback>
       </mc:AlternateContent>
-      <mc:AlternateContent xmlns:mc="http://schemas.openxmlformats.org/markup-compatibility/2006">
-        <mc:Choice xmlns:a14="http://schemas.microsoft.com/office/drawing/2010/main" Requires="a14">
+      <mc:AlternateContent xmlns:mc="http://schemas.openxmlformats.org/markup-compatibility/2006" xmlns:a14="http://schemas.microsoft.com/office/drawing/2010/main">
+        <mc:Choice Requires="a14">
           <p:sp>
             <p:nvSpPr>
               <p:cNvPr id="6" name="TextBox 5">
@@ -17130,7 +17488,7 @@
             </p:txBody>
           </p:sp>
         </mc:Choice>
-        <mc:Fallback>
+        <mc:Fallback xmlns="">
           <p:sp>
             <p:nvSpPr>
               <p:cNvPr id="6" name="TextBox 5">

--- a/slides/11_Automated_Planning.pptx
+++ b/slides/11_Automated_Planning.pptx
@@ -128,6 +128,47 @@
     </a:lvl9pPr>
   </p:defaultTextStyle>
   <p:extLst>
+    <p:ext uri="{521415D9-36F7-43E2-AB2F-B90AF26B5E84}">
+      <p14:sectionLst xmlns:p14="http://schemas.microsoft.com/office/powerpoint/2010/main">
+        <p14:section name="Introduction" id="{AD8C3096-EE3B-4EE9-86CB-68D168FD9A80}">
+          <p14:sldIdLst>
+            <p14:sldId id="256"/>
+            <p14:sldId id="277"/>
+          </p14:sldIdLst>
+        </p14:section>
+        <p14:section name="Classical Planning" id="{620C2C4E-CD3E-4B37-85B7-942CB642F37F}">
+          <p14:sldIdLst>
+            <p14:sldId id="259"/>
+            <p14:sldId id="257"/>
+            <p14:sldId id="258"/>
+            <p14:sldId id="263"/>
+            <p14:sldId id="260"/>
+          </p14:sldIdLst>
+        </p14:section>
+        <p14:section name="Hierarchical Planning" id="{BA9E1061-9980-423A-BF16-D22F87BF00A3}">
+          <p14:sldIdLst>
+            <p14:sldId id="261"/>
+            <p14:sldId id="262"/>
+            <p14:sldId id="264"/>
+            <p14:sldId id="265"/>
+            <p14:sldId id="267"/>
+            <p14:sldId id="266"/>
+          </p14:sldIdLst>
+        </p14:section>
+        <p14:section name="Monitoring and Replanning" id="{3731A2A3-93A5-4176-93C7-13309F1B13CF}">
+          <p14:sldIdLst>
+            <p14:sldId id="268"/>
+            <p14:sldId id="269"/>
+            <p14:sldId id="271"/>
+            <p14:sldId id="270"/>
+            <p14:sldId id="272"/>
+            <p14:sldId id="273"/>
+            <p14:sldId id="275"/>
+            <p14:sldId id="276"/>
+          </p14:sldIdLst>
+        </p14:section>
+      </p14:sectionLst>
+    </p:ext>
     <p:ext uri="{EFAFB233-063F-42B5-8137-9DF3F51BA10A}">
       <p15:sldGuideLst xmlns:p15="http://schemas.microsoft.com/office/powerpoint/2012/main">
         <p15:guide id="1" orient="horz" pos="2160">
@@ -6172,7 +6213,7 @@
             <a:fld id="{7D6F2994-ACE5-4A1A-B35E-4EB264D0F2D5}" type="datetimeFigureOut">
               <a:rPr lang="en-US" smtClean="0"/>
               <a:pPr/>
-              <a:t>11/7/2024</a:t>
+              <a:t>12/7/2024</a:t>
             </a:fld>
             <a:endParaRPr lang="en-US"/>
           </a:p>
@@ -10158,172 +10199,193 @@
           </a:p>
         </p:txBody>
       </p:sp>
-      <p:pic>
-        <p:nvPicPr>
-          <p:cNvPr id="4" name="Picture 4" descr="Creative Commons License">
+      <p:grpSp>
+        <p:nvGrpSpPr>
+          <p:cNvPr id="11" name="Group 10">
             <a:extLst>
               <a:ext uri="{FF2B5EF4-FFF2-40B4-BE49-F238E27FC236}">
-                <a16:creationId xmlns:a16="http://schemas.microsoft.com/office/drawing/2014/main" id="{59275241-1F06-4C10-3F81-4E4B24120A82}"/>
+                <a16:creationId xmlns:a16="http://schemas.microsoft.com/office/drawing/2014/main" id="{05636B44-9B85-F3C7-A7D5-20DB22A001CF}"/>
               </a:ext>
             </a:extLst>
           </p:cNvPr>
-          <p:cNvPicPr>
-            <a:picLocks noChangeAspect="1" noChangeArrowheads="1"/>
-          </p:cNvPicPr>
+          <p:cNvGrpSpPr/>
           <p:nvPr/>
-        </p:nvPicPr>
-        <p:blipFill>
-          <a:blip r:embed="rId4">
+        </p:nvGrpSpPr>
+        <p:grpSpPr>
+          <a:xfrm>
+            <a:off x="418994" y="6324600"/>
+            <a:ext cx="3817727" cy="430887"/>
+            <a:chOff x="418994" y="6324600"/>
+            <a:chExt cx="3817727" cy="430887"/>
+          </a:xfrm>
+        </p:grpSpPr>
+        <p:pic>
+          <p:nvPicPr>
+            <p:cNvPr id="4" name="Picture 4" descr="Creative Commons License">
+              <a:extLst>
+                <a:ext uri="{FF2B5EF4-FFF2-40B4-BE49-F238E27FC236}">
+                  <a16:creationId xmlns:a16="http://schemas.microsoft.com/office/drawing/2014/main" id="{59275241-1F06-4C10-3F81-4E4B24120A82}"/>
+                </a:ext>
+              </a:extLst>
+            </p:cNvPr>
+            <p:cNvPicPr>
+              <a:picLocks noChangeAspect="1" noChangeArrowheads="1"/>
+            </p:cNvPicPr>
+            <p:nvPr/>
+          </p:nvPicPr>
+          <p:blipFill>
+            <a:blip r:embed="rId4">
+              <a:extLst>
+                <a:ext uri="{28A0092B-C50C-407E-A947-70E740481C1C}">
+                  <a14:useLocalDpi xmlns:a14="http://schemas.microsoft.com/office/drawing/2010/main" val="0"/>
+                </a:ext>
+              </a:extLst>
+            </a:blip>
+            <a:srcRect/>
+            <a:stretch>
+              <a:fillRect/>
+            </a:stretch>
+          </p:blipFill>
+          <p:spPr bwMode="auto">
+            <a:xfrm>
+              <a:off x="418994" y="6433889"/>
+              <a:ext cx="838200" cy="295275"/>
+            </a:xfrm>
+            <a:prstGeom prst="rect">
+              <a:avLst/>
+            </a:prstGeom>
+            <a:noFill/>
             <a:extLst>
-              <a:ext uri="{28A0092B-C50C-407E-A947-70E740481C1C}">
-                <a14:useLocalDpi xmlns:a14="http://schemas.microsoft.com/office/drawing/2010/main" val="0"/>
+              <a:ext uri="{909E8E84-426E-40DD-AFC4-6F175D3DCCD1}">
+                <a14:hiddenFill xmlns:a14="http://schemas.microsoft.com/office/drawing/2010/main">
+                  <a:solidFill>
+                    <a:srgbClr val="FFFFFF"/>
+                  </a:solidFill>
+                </a14:hiddenFill>
               </a:ext>
             </a:extLst>
-          </a:blip>
-          <a:srcRect/>
-          <a:stretch>
-            <a:fillRect/>
-          </a:stretch>
-        </p:blipFill>
-        <p:spPr bwMode="auto">
-          <a:xfrm>
-            <a:off x="418994" y="6433889"/>
-            <a:ext cx="838200" cy="295275"/>
-          </a:xfrm>
-          <a:prstGeom prst="rect">
-            <a:avLst/>
-          </a:prstGeom>
-          <a:noFill/>
-          <a:extLst>
-            <a:ext uri="{909E8E84-426E-40DD-AFC4-6F175D3DCCD1}">
-              <a14:hiddenFill xmlns:a14="http://schemas.microsoft.com/office/drawing/2010/main">
-                <a:solidFill>
-                  <a:srgbClr val="FFFFFF"/>
-                </a:solidFill>
-              </a14:hiddenFill>
-            </a:ext>
-          </a:extLst>
-        </p:spPr>
-      </p:pic>
-      <p:sp>
-        <p:nvSpPr>
-          <p:cNvPr id="6" name="TextBox 5">
-            <a:extLst>
-              <a:ext uri="{FF2B5EF4-FFF2-40B4-BE49-F238E27FC236}">
-                <a16:creationId xmlns:a16="http://schemas.microsoft.com/office/drawing/2014/main" id="{C7B4619D-0FEC-CD14-2529-EE8ABD0600A7}"/>
-              </a:ext>
-            </a:extLst>
-          </p:cNvPr>
-          <p:cNvSpPr txBox="1"/>
-          <p:nvPr/>
-        </p:nvSpPr>
-        <p:spPr>
-          <a:xfrm>
-            <a:off x="1219200" y="6324600"/>
-            <a:ext cx="3017521" cy="430887"/>
-          </a:xfrm>
-          <a:prstGeom prst="rect">
-            <a:avLst/>
-          </a:prstGeom>
-          <a:noFill/>
-        </p:spPr>
-        <p:txBody>
-          <a:bodyPr wrap="square">
-            <a:spAutoFit/>
-          </a:bodyPr>
-          <a:lstStyle/>
-          <a:p>
-            <a:r>
-              <a:rPr lang="en-US" sz="1100" b="0" i="0" dirty="0">
+          </p:spPr>
+        </p:pic>
+        <p:sp>
+          <p:nvSpPr>
+            <p:cNvPr id="6" name="TextBox 5">
+              <a:extLst>
+                <a:ext uri="{FF2B5EF4-FFF2-40B4-BE49-F238E27FC236}">
+                  <a16:creationId xmlns:a16="http://schemas.microsoft.com/office/drawing/2014/main" id="{C7B4619D-0FEC-CD14-2529-EE8ABD0600A7}"/>
+                </a:ext>
+              </a:extLst>
+            </p:cNvPr>
+            <p:cNvSpPr txBox="1"/>
+            <p:nvPr/>
+          </p:nvSpPr>
+          <p:spPr>
+            <a:xfrm>
+              <a:off x="1219200" y="6324600"/>
+              <a:ext cx="3017521" cy="430887"/>
+            </a:xfrm>
+            <a:prstGeom prst="rect">
+              <a:avLst/>
+            </a:prstGeom>
+            <a:noFill/>
+          </p:spPr>
+          <p:txBody>
+            <a:bodyPr wrap="square">
+              <a:spAutoFit/>
+            </a:bodyPr>
+            <a:lstStyle/>
+            <a:p>
+              <a:r>
+                <a:rPr lang="en-US" sz="1100" b="0" i="0" dirty="0">
+                  <a:solidFill>
+                    <a:schemeClr val="tx1">
+                      <a:lumMod val="50000"/>
+                    </a:schemeClr>
+                  </a:solidFill>
+                  <a:effectLst/>
+                  <a:latin typeface="source sans pro" panose="020B0503030403020204" pitchFamily="34" charset="0"/>
+                </a:rPr>
+                <a:t>This work is licensed under a </a:t>
+              </a:r>
+              <a:r>
+                <a:rPr lang="en-US" sz="1100" b="0" i="0" strike="noStrike" dirty="0">
+                  <a:solidFill>
+                    <a:schemeClr val="tx1">
+                      <a:lumMod val="50000"/>
+                    </a:schemeClr>
+                  </a:solidFill>
+                  <a:effectLst/>
+                  <a:latin typeface="source sans pro" panose="020B0503030403020204" pitchFamily="34" charset="0"/>
+                  <a:hlinkClick r:id="rId5">
+                    <a:extLst>
+                      <a:ext uri="{A12FA001-AC4F-418D-AE19-62706E023703}">
+                        <ahyp:hlinkClr xmlns:ahyp="http://schemas.microsoft.com/office/drawing/2018/hyperlinkcolor" val="tx"/>
+                      </a:ext>
+                    </a:extLst>
+                  </a:hlinkClick>
+                </a:rPr>
+                <a:t>Creative Commons Attribution-</a:t>
+              </a:r>
+              <a:r>
+                <a:rPr lang="en-US" sz="1100" b="0" i="0" strike="noStrike" dirty="0" err="1">
+                  <a:solidFill>
+                    <a:schemeClr val="tx1">
+                      <a:lumMod val="50000"/>
+                    </a:schemeClr>
+                  </a:solidFill>
+                  <a:effectLst/>
+                  <a:latin typeface="source sans pro" panose="020B0503030403020204" pitchFamily="34" charset="0"/>
+                  <a:hlinkClick r:id="rId5">
+                    <a:extLst>
+                      <a:ext uri="{A12FA001-AC4F-418D-AE19-62706E023703}">
+                        <ahyp:hlinkClr xmlns:ahyp="http://schemas.microsoft.com/office/drawing/2018/hyperlinkcolor" val="tx"/>
+                      </a:ext>
+                    </a:extLst>
+                  </a:hlinkClick>
+                </a:rPr>
+                <a:t>ShareAlike</a:t>
+              </a:r>
+              <a:r>
+                <a:rPr lang="en-US" sz="1100" b="0" i="0" strike="noStrike" dirty="0">
+                  <a:solidFill>
+                    <a:schemeClr val="tx1">
+                      <a:lumMod val="50000"/>
+                    </a:schemeClr>
+                  </a:solidFill>
+                  <a:effectLst/>
+                  <a:latin typeface="source sans pro" panose="020B0503030403020204" pitchFamily="34" charset="0"/>
+                  <a:hlinkClick r:id="rId5">
+                    <a:extLst>
+                      <a:ext uri="{A12FA001-AC4F-418D-AE19-62706E023703}">
+                        <ahyp:hlinkClr xmlns:ahyp="http://schemas.microsoft.com/office/drawing/2018/hyperlinkcolor" val="tx"/>
+                      </a:ext>
+                    </a:extLst>
+                  </a:hlinkClick>
+                </a:rPr>
+                <a:t> 4.0 International License</a:t>
+              </a:r>
+              <a:r>
+                <a:rPr lang="en-US" sz="1100" b="0" i="0" dirty="0">
+                  <a:solidFill>
+                    <a:schemeClr val="tx1">
+                      <a:lumMod val="50000"/>
+                    </a:schemeClr>
+                  </a:solidFill>
+                  <a:effectLst/>
+                  <a:latin typeface="source sans pro" panose="020B0503030403020204" pitchFamily="34" charset="0"/>
+                </a:rPr>
+                <a:t>.</a:t>
+              </a:r>
+              <a:endParaRPr lang="en-US" sz="1100" dirty="0">
                 <a:solidFill>
                   <a:schemeClr val="tx1">
                     <a:lumMod val="50000"/>
                   </a:schemeClr>
                 </a:solidFill>
-                <a:effectLst/>
-                <a:latin typeface="source sans pro" panose="020B0503030403020204" pitchFamily="34" charset="0"/>
-              </a:rPr>
-              <a:t>This work is licensed under a </a:t>
-            </a:r>
-            <a:r>
-              <a:rPr lang="en-US" sz="1100" b="0" i="0" strike="noStrike" dirty="0">
-                <a:solidFill>
-                  <a:schemeClr val="tx1">
-                    <a:lumMod val="50000"/>
-                  </a:schemeClr>
-                </a:solidFill>
-                <a:effectLst/>
-                <a:latin typeface="source sans pro" panose="020B0503030403020204" pitchFamily="34" charset="0"/>
-                <a:hlinkClick r:id="rId5">
-                  <a:extLst>
-                    <a:ext uri="{A12FA001-AC4F-418D-AE19-62706E023703}">
-                      <ahyp:hlinkClr xmlns:ahyp="http://schemas.microsoft.com/office/drawing/2018/hyperlinkcolor" val="tx"/>
-                    </a:ext>
-                  </a:extLst>
-                </a:hlinkClick>
-              </a:rPr>
-              <a:t>Creative Commons Attribution-</a:t>
-            </a:r>
-            <a:r>
-              <a:rPr lang="en-US" sz="1100" b="0" i="0" strike="noStrike" dirty="0" err="1">
-                <a:solidFill>
-                  <a:schemeClr val="tx1">
-                    <a:lumMod val="50000"/>
-                  </a:schemeClr>
-                </a:solidFill>
-                <a:effectLst/>
-                <a:latin typeface="source sans pro" panose="020B0503030403020204" pitchFamily="34" charset="0"/>
-                <a:hlinkClick r:id="rId5">
-                  <a:extLst>
-                    <a:ext uri="{A12FA001-AC4F-418D-AE19-62706E023703}">
-                      <ahyp:hlinkClr xmlns:ahyp="http://schemas.microsoft.com/office/drawing/2018/hyperlinkcolor" val="tx"/>
-                    </a:ext>
-                  </a:extLst>
-                </a:hlinkClick>
-              </a:rPr>
-              <a:t>ShareAlike</a:t>
-            </a:r>
-            <a:r>
-              <a:rPr lang="en-US" sz="1100" b="0" i="0" strike="noStrike" dirty="0">
-                <a:solidFill>
-                  <a:schemeClr val="tx1">
-                    <a:lumMod val="50000"/>
-                  </a:schemeClr>
-                </a:solidFill>
-                <a:effectLst/>
-                <a:latin typeface="source sans pro" panose="020B0503030403020204" pitchFamily="34" charset="0"/>
-                <a:hlinkClick r:id="rId5">
-                  <a:extLst>
-                    <a:ext uri="{A12FA001-AC4F-418D-AE19-62706E023703}">
-                      <ahyp:hlinkClr xmlns:ahyp="http://schemas.microsoft.com/office/drawing/2018/hyperlinkcolor" val="tx"/>
-                    </a:ext>
-                  </a:extLst>
-                </a:hlinkClick>
-              </a:rPr>
-              <a:t> 4.0 International License</a:t>
-            </a:r>
-            <a:r>
-              <a:rPr lang="en-US" sz="1100" b="0" i="0" dirty="0">
-                <a:solidFill>
-                  <a:schemeClr val="tx1">
-                    <a:lumMod val="50000"/>
-                  </a:schemeClr>
-                </a:solidFill>
-                <a:effectLst/>
-                <a:latin typeface="source sans pro" panose="020B0503030403020204" pitchFamily="34" charset="0"/>
-              </a:rPr>
-              <a:t>.</a:t>
-            </a:r>
-            <a:endParaRPr lang="en-US" sz="1100" dirty="0">
-              <a:solidFill>
-                <a:schemeClr val="tx1">
-                  <a:lumMod val="50000"/>
-                </a:schemeClr>
-              </a:solidFill>
-            </a:endParaRPr>
-          </a:p>
-        </p:txBody>
-      </p:sp>
+              </a:endParaRPr>
+            </a:p>
+          </p:txBody>
+        </p:sp>
+      </p:grpSp>
       <p:cxnSp>
         <p:nvCxnSpPr>
           <p:cNvPr id="8" name="Straight Connector 7">
@@ -10360,6 +10422,160 @@
           </a:fontRef>
         </p:style>
       </p:cxnSp>
+      <p:grpSp>
+        <p:nvGrpSpPr>
+          <p:cNvPr id="2" name="Group 1">
+            <a:extLst>
+              <a:ext uri="{FF2B5EF4-FFF2-40B4-BE49-F238E27FC236}">
+                <a16:creationId xmlns:a16="http://schemas.microsoft.com/office/drawing/2014/main" id="{2CA31147-FE59-5A54-59B5-B68C8360A45E}"/>
+              </a:ext>
+              <a:ext uri="{C183D7F6-B498-43B3-948B-1728B52AA6E4}">
+                <adec:decorative xmlns:adec="http://schemas.microsoft.com/office/drawing/2017/decorative" val="1"/>
+              </a:ext>
+            </a:extLst>
+          </p:cNvPr>
+          <p:cNvGrpSpPr/>
+          <p:nvPr/>
+        </p:nvGrpSpPr>
+        <p:grpSpPr>
+          <a:xfrm>
+            <a:off x="7656393" y="5243763"/>
+            <a:ext cx="1218146" cy="1440289"/>
+            <a:chOff x="7151029" y="4191000"/>
+            <a:chExt cx="1688171" cy="1981200"/>
+          </a:xfrm>
+        </p:grpSpPr>
+        <p:sp>
+          <p:nvSpPr>
+            <p:cNvPr id="7" name="Rectangle 6">
+              <a:extLst>
+                <a:ext uri="{FF2B5EF4-FFF2-40B4-BE49-F238E27FC236}">
+                  <a16:creationId xmlns:a16="http://schemas.microsoft.com/office/drawing/2014/main" id="{15A10852-984E-84C0-E1F9-0438CCF64AC7}"/>
+                </a:ext>
+              </a:extLst>
+            </p:cNvPr>
+            <p:cNvSpPr/>
+            <p:nvPr/>
+          </p:nvSpPr>
+          <p:spPr>
+            <a:xfrm>
+              <a:off x="7162800" y="4191000"/>
+              <a:ext cx="1676400" cy="1981200"/>
+            </a:xfrm>
+            <a:prstGeom prst="rect">
+              <a:avLst/>
+            </a:prstGeom>
+            <a:ln/>
+          </p:spPr>
+          <p:style>
+            <a:lnRef idx="2">
+              <a:schemeClr val="dk1"/>
+            </a:lnRef>
+            <a:fillRef idx="1">
+              <a:schemeClr val="lt1"/>
+            </a:fillRef>
+            <a:effectRef idx="0">
+              <a:schemeClr val="dk1"/>
+            </a:effectRef>
+            <a:fontRef idx="minor">
+              <a:schemeClr val="dk1"/>
+            </a:fontRef>
+          </p:style>
+          <p:txBody>
+            <a:bodyPr rtlCol="0" anchor="ctr"/>
+            <a:lstStyle/>
+            <a:p>
+              <a:pPr algn="ctr"/>
+              <a:endParaRPr lang="en-US"/>
+            </a:p>
+          </p:txBody>
+        </p:sp>
+        <p:pic>
+          <p:nvPicPr>
+            <p:cNvPr id="9" name="Picture 8" descr="A qr code with black dots&#10;&#10;Description automatically generated">
+              <a:extLst>
+                <a:ext uri="{FF2B5EF4-FFF2-40B4-BE49-F238E27FC236}">
+                  <a16:creationId xmlns:a16="http://schemas.microsoft.com/office/drawing/2014/main" id="{BB6359F7-35AE-C296-326D-166035EC7203}"/>
+                </a:ext>
+              </a:extLst>
+            </p:cNvPr>
+            <p:cNvPicPr>
+              <a:picLocks noChangeAspect="1"/>
+            </p:cNvPicPr>
+            <p:nvPr/>
+          </p:nvPicPr>
+          <p:blipFill>
+            <a:blip r:embed="rId6">
+              <a:extLst>
+                <a:ext uri="{28A0092B-C50C-407E-A947-70E740481C1C}">
+                  <a14:useLocalDpi xmlns:a14="http://schemas.microsoft.com/office/drawing/2010/main" val="0"/>
+                </a:ext>
+              </a:extLst>
+            </a:blip>
+            <a:stretch>
+              <a:fillRect/>
+            </a:stretch>
+          </p:blipFill>
+          <p:spPr>
+            <a:xfrm>
+              <a:off x="7184684" y="4213372"/>
+              <a:ext cx="1632631" cy="1632630"/>
+            </a:xfrm>
+            <a:prstGeom prst="rect">
+              <a:avLst/>
+            </a:prstGeom>
+          </p:spPr>
+        </p:pic>
+        <p:sp>
+          <p:nvSpPr>
+            <p:cNvPr id="10" name="Rectangle 9">
+              <a:extLst>
+                <a:ext uri="{FF2B5EF4-FFF2-40B4-BE49-F238E27FC236}">
+                  <a16:creationId xmlns:a16="http://schemas.microsoft.com/office/drawing/2014/main" id="{BB0F99C8-7255-B02A-7DCC-FCB25772D1B1}"/>
+                </a:ext>
+              </a:extLst>
+            </p:cNvPr>
+            <p:cNvSpPr/>
+            <p:nvPr/>
+          </p:nvSpPr>
+          <p:spPr>
+            <a:xfrm>
+              <a:off x="7151029" y="5812970"/>
+              <a:ext cx="1676400" cy="359230"/>
+            </a:xfrm>
+            <a:prstGeom prst="rect">
+              <a:avLst/>
+            </a:prstGeom>
+          </p:spPr>
+          <p:style>
+            <a:lnRef idx="2">
+              <a:schemeClr val="dk1">
+                <a:shade val="15000"/>
+              </a:schemeClr>
+            </a:lnRef>
+            <a:fillRef idx="1">
+              <a:schemeClr val="dk1"/>
+            </a:fillRef>
+            <a:effectRef idx="0">
+              <a:schemeClr val="dk1"/>
+            </a:effectRef>
+            <a:fontRef idx="minor">
+              <a:schemeClr val="lt1"/>
+            </a:fontRef>
+          </p:style>
+          <p:txBody>
+            <a:bodyPr rtlCol="0" anchor="ctr"/>
+            <a:lstStyle/>
+            <a:p>
+              <a:pPr algn="ctr"/>
+              <a:r>
+                <a:rPr lang="en-US" sz="1200" dirty="0"/>
+                <a:t>Online Material</a:t>
+              </a:r>
+            </a:p>
+          </p:txBody>
+        </p:sp>
+      </p:grpSp>
     </p:spTree>
   </p:cSld>
   <p:clrMapOvr>
@@ -10714,8 +10930,8 @@
           </a:p>
         </p:txBody>
       </p:sp>
-      <mc:AlternateContent xmlns:mc="http://schemas.openxmlformats.org/markup-compatibility/2006">
-        <mc:Choice xmlns:a14="http://schemas.microsoft.com/office/drawing/2010/main" Requires="a14">
+      <mc:AlternateContent xmlns:mc="http://schemas.openxmlformats.org/markup-compatibility/2006" xmlns:a14="http://schemas.microsoft.com/office/drawing/2010/main">
+        <mc:Choice Requires="a14">
           <p:sp>
             <p:nvSpPr>
               <p:cNvPr id="3" name="Content Placeholder 2">
@@ -10907,7 +11123,7 @@
             </p:txBody>
           </p:sp>
         </mc:Choice>
-        <mc:Fallback>
+        <mc:Fallback xmlns="">
           <p:sp>
             <p:nvSpPr>
               <p:cNvPr id="3" name="Content Placeholder 2">
@@ -10947,8 +11163,8 @@
           </p:sp>
         </mc:Fallback>
       </mc:AlternateContent>
-      <mc:AlternateContent xmlns:mc="http://schemas.openxmlformats.org/markup-compatibility/2006">
-        <mc:Choice xmlns:a14="http://schemas.microsoft.com/office/drawing/2010/main" Requires="a14">
+      <mc:AlternateContent xmlns:mc="http://schemas.openxmlformats.org/markup-compatibility/2006" xmlns:a14="http://schemas.microsoft.com/office/drawing/2010/main">
+        <mc:Choice Requires="a14">
           <p:sp>
             <p:nvSpPr>
               <p:cNvPr id="5" name="TextBox 4">
@@ -11069,7 +11285,7 @@
             </p:txBody>
           </p:sp>
         </mc:Choice>
-        <mc:Fallback>
+        <mc:Fallback xmlns="">
           <p:sp>
             <p:nvSpPr>
               <p:cNvPr id="5" name="TextBox 4">
@@ -16591,8 +16807,8 @@
             </a:p>
           </p:txBody>
         </p:sp>
-        <mc:AlternateContent xmlns:mc="http://schemas.openxmlformats.org/markup-compatibility/2006">
-          <mc:Choice xmlns:a14="http://schemas.microsoft.com/office/drawing/2010/main" Requires="a14">
+        <mc:AlternateContent xmlns:mc="http://schemas.openxmlformats.org/markup-compatibility/2006" xmlns:a14="http://schemas.microsoft.com/office/drawing/2010/main">
+          <mc:Choice Requires="a14">
             <p:sp>
               <p:nvSpPr>
                 <p:cNvPr id="7" name="TextBox 6">
@@ -16657,7 +16873,7 @@
               </p:txBody>
             </p:sp>
           </mc:Choice>
-          <mc:Fallback>
+          <mc:Fallback xmlns="">
             <p:sp>
               <p:nvSpPr>
                 <p:cNvPr id="7" name="TextBox 6">
@@ -16702,8 +16918,8 @@
             </p:sp>
           </mc:Fallback>
         </mc:AlternateContent>
-        <mc:AlternateContent xmlns:mc="http://schemas.openxmlformats.org/markup-compatibility/2006">
-          <mc:Choice xmlns:a14="http://schemas.microsoft.com/office/drawing/2010/main" Requires="a14">
+        <mc:AlternateContent xmlns:mc="http://schemas.openxmlformats.org/markup-compatibility/2006" xmlns:a14="http://schemas.microsoft.com/office/drawing/2010/main">
+          <mc:Choice Requires="a14">
             <p:sp>
               <p:nvSpPr>
                 <p:cNvPr id="8" name="TextBox 7">
@@ -16768,7 +16984,7 @@
               </p:txBody>
             </p:sp>
           </mc:Choice>
-          <mc:Fallback>
+          <mc:Fallback xmlns="">
             <p:sp>
               <p:nvSpPr>
                 <p:cNvPr id="8" name="TextBox 7">
@@ -17157,8 +17373,8 @@
           </a:p>
         </p:txBody>
       </p:sp>
-      <mc:AlternateContent xmlns:mc="http://schemas.openxmlformats.org/markup-compatibility/2006">
-        <mc:Choice xmlns:a14="http://schemas.microsoft.com/office/drawing/2010/main" Requires="a14">
+      <mc:AlternateContent xmlns:mc="http://schemas.openxmlformats.org/markup-compatibility/2006" xmlns:a14="http://schemas.microsoft.com/office/drawing/2010/main">
+        <mc:Choice Requires="a14">
           <p:sp>
             <p:nvSpPr>
               <p:cNvPr id="4" name="TextBox 3">
@@ -17282,7 +17498,7 @@
             </p:txBody>
           </p:sp>
         </mc:Choice>
-        <mc:Fallback>
+        <mc:Fallback xmlns="">
           <p:sp>
             <p:nvSpPr>
               <p:cNvPr id="4" name="TextBox 3">
@@ -19336,7 +19552,7 @@
 <file path=ppt/theme/theme1.xml><?xml version="1.0" encoding="utf-8"?>
 <a:theme xmlns:a="http://schemas.openxmlformats.org/drawingml/2006/main" name="Office Theme">
   <a:themeElements>
-    <a:clrScheme name="Office">
+    <a:clrScheme name="Custom 3">
       <a:dk1>
         <a:sysClr val="windowText" lastClr="000000"/>
       </a:dk1>
@@ -19344,34 +19560,34 @@
         <a:sysClr val="window" lastClr="FFFFFF"/>
       </a:lt1>
       <a:dk2>
-        <a:srgbClr val="44546A"/>
+        <a:srgbClr val="0E2841"/>
       </a:dk2>
       <a:lt2>
-        <a:srgbClr val="E7E6E6"/>
+        <a:srgbClr val="E8E8E8"/>
       </a:lt2>
       <a:accent1>
-        <a:srgbClr val="4472C4"/>
+        <a:srgbClr val="156082"/>
       </a:accent1>
       <a:accent2>
-        <a:srgbClr val="ED7D31"/>
+        <a:srgbClr val="BE4D14"/>
       </a:accent2>
       <a:accent3>
-        <a:srgbClr val="A5A5A5"/>
+        <a:srgbClr val="196B24"/>
       </a:accent3>
       <a:accent4>
-        <a:srgbClr val="FFC000"/>
+        <a:srgbClr val="0B769F"/>
       </a:accent4>
       <a:accent5>
-        <a:srgbClr val="5B9BD5"/>
+        <a:srgbClr val="A02B93"/>
       </a:accent5>
       <a:accent6>
-        <a:srgbClr val="70AD47"/>
+        <a:srgbClr val="377620"/>
       </a:accent6>
       <a:hlink>
-        <a:srgbClr val="0563C1"/>
+        <a:srgbClr val="467886"/>
       </a:hlink>
       <a:folHlink>
-        <a:srgbClr val="954F72"/>
+        <a:srgbClr val="96607D"/>
       </a:folHlink>
     </a:clrScheme>
     <a:fontScheme name="Office">

--- a/slides/11_Automated_Planning.pptx
+++ b/slides/11_Automated_Planning.pptx
@@ -164,6 +164,10 @@
             <p14:sldId id="272"/>
             <p14:sldId id="273"/>
             <p14:sldId id="275"/>
+          </p14:sldIdLst>
+        </p14:section>
+        <p14:section name="Wrap up" id="{F9767E08-D081-4895-B464-59DD6A160249}">
+          <p14:sldIdLst>
             <p14:sldId id="276"/>
           </p14:sldIdLst>
         </p14:section>
@@ -6213,7 +6217,7 @@
             <a:fld id="{7D6F2994-ACE5-4A1A-B35E-4EB264D0F2D5}" type="datetimeFigureOut">
               <a:rPr lang="en-US" smtClean="0"/>
               <a:pPr/>
-              <a:t>12/7/2024</a:t>
+              <a:t>2/11/2025</a:t>
             </a:fld>
             <a:endParaRPr lang="en-US"/>
           </a:p>

--- a/slides/11_Automated_Planning.pptx
+++ b/slides/11_Automated_Planning.pptx
@@ -6217,7 +6217,7 @@
             <a:fld id="{7D6F2994-ACE5-4A1A-B35E-4EB264D0F2D5}" type="datetimeFigureOut">
               <a:rPr lang="en-US" smtClean="0"/>
               <a:pPr/>
-              <a:t>2/11/2025</a:t>
+              <a:t>4/7/2025</a:t>
             </a:fld>
             <a:endParaRPr lang="en-US"/>
           </a:p>
@@ -10203,12 +10203,51 @@
           </a:p>
         </p:txBody>
       </p:sp>
+      <p:cxnSp>
+        <p:nvCxnSpPr>
+          <p:cNvPr id="8" name="Straight Connector 7">
+            <a:extLst>
+              <a:ext uri="{FF2B5EF4-FFF2-40B4-BE49-F238E27FC236}">
+                <a16:creationId xmlns:a16="http://schemas.microsoft.com/office/drawing/2014/main" id="{A86DDCF8-2563-2619-B723-DA695120824D}"/>
+              </a:ext>
+            </a:extLst>
+          </p:cNvPr>
+          <p:cNvCxnSpPr/>
+          <p:nvPr/>
+        </p:nvCxnSpPr>
+        <p:spPr>
+          <a:xfrm>
+            <a:off x="815770" y="3962400"/>
+            <a:ext cx="2980041" cy="0"/>
+          </a:xfrm>
+          <a:prstGeom prst="line">
+            <a:avLst/>
+          </a:prstGeom>
+        </p:spPr>
+        <p:style>
+          <a:lnRef idx="2">
+            <a:schemeClr val="dk1"/>
+          </a:lnRef>
+          <a:fillRef idx="0">
+            <a:schemeClr val="dk1"/>
+          </a:fillRef>
+          <a:effectRef idx="1">
+            <a:schemeClr val="dk1"/>
+          </a:effectRef>
+          <a:fontRef idx="minor">
+            <a:schemeClr val="tx1"/>
+          </a:fontRef>
+        </p:style>
+      </p:cxnSp>
       <p:grpSp>
         <p:nvGrpSpPr>
-          <p:cNvPr id="11" name="Group 10">
+          <p:cNvPr id="2" name="Group 1">
             <a:extLst>
               <a:ext uri="{FF2B5EF4-FFF2-40B4-BE49-F238E27FC236}">
-                <a16:creationId xmlns:a16="http://schemas.microsoft.com/office/drawing/2014/main" id="{05636B44-9B85-F3C7-A7D5-20DB22A001CF}"/>
+                <a16:creationId xmlns:a16="http://schemas.microsoft.com/office/drawing/2014/main" id="{2CA31147-FE59-5A54-59B5-B68C8360A45E}"/>
+              </a:ext>
+              <a:ext uri="{C183D7F6-B498-43B3-948B-1728B52AA6E4}">
+                <adec:decorative xmlns:adec="http://schemas.microsoft.com/office/drawing/2017/decorative" val="1"/>
               </a:ext>
             </a:extLst>
           </p:cNvPr>
@@ -10217,23 +10256,68 @@
         </p:nvGrpSpPr>
         <p:grpSpPr>
           <a:xfrm>
-            <a:off x="418994" y="6324600"/>
-            <a:ext cx="3817727" cy="430887"/>
-            <a:chOff x="418994" y="6324600"/>
-            <a:chExt cx="3817727" cy="430887"/>
+            <a:off x="7719157" y="5317788"/>
+            <a:ext cx="1218146" cy="1440289"/>
+            <a:chOff x="7151029" y="4191000"/>
+            <a:chExt cx="1688171" cy="1981200"/>
           </a:xfrm>
         </p:grpSpPr>
+        <p:sp>
+          <p:nvSpPr>
+            <p:cNvPr id="7" name="Rectangle 6">
+              <a:extLst>
+                <a:ext uri="{FF2B5EF4-FFF2-40B4-BE49-F238E27FC236}">
+                  <a16:creationId xmlns:a16="http://schemas.microsoft.com/office/drawing/2014/main" id="{15A10852-984E-84C0-E1F9-0438CCF64AC7}"/>
+                </a:ext>
+              </a:extLst>
+            </p:cNvPr>
+            <p:cNvSpPr/>
+            <p:nvPr/>
+          </p:nvSpPr>
+          <p:spPr>
+            <a:xfrm>
+              <a:off x="7162800" y="4191000"/>
+              <a:ext cx="1676400" cy="1981200"/>
+            </a:xfrm>
+            <a:prstGeom prst="rect">
+              <a:avLst/>
+            </a:prstGeom>
+            <a:ln/>
+          </p:spPr>
+          <p:style>
+            <a:lnRef idx="2">
+              <a:schemeClr val="dk1"/>
+            </a:lnRef>
+            <a:fillRef idx="1">
+              <a:schemeClr val="lt1"/>
+            </a:fillRef>
+            <a:effectRef idx="0">
+              <a:schemeClr val="dk1"/>
+            </a:effectRef>
+            <a:fontRef idx="minor">
+              <a:schemeClr val="dk1"/>
+            </a:fontRef>
+          </p:style>
+          <p:txBody>
+            <a:bodyPr rtlCol="0" anchor="ctr"/>
+            <a:lstStyle/>
+            <a:p>
+              <a:pPr algn="ctr"/>
+              <a:endParaRPr lang="en-US"/>
+            </a:p>
+          </p:txBody>
+        </p:sp>
         <p:pic>
           <p:nvPicPr>
-            <p:cNvPr id="4" name="Picture 4" descr="Creative Commons License">
+            <p:cNvPr id="9" name="Picture 8" descr="A qr code with black dots&#10;&#10;Description automatically generated">
               <a:extLst>
                 <a:ext uri="{FF2B5EF4-FFF2-40B4-BE49-F238E27FC236}">
-                  <a16:creationId xmlns:a16="http://schemas.microsoft.com/office/drawing/2014/main" id="{59275241-1F06-4C10-3F81-4E4B24120A82}"/>
+                  <a16:creationId xmlns:a16="http://schemas.microsoft.com/office/drawing/2014/main" id="{BB6359F7-35AE-C296-326D-166035EC7203}"/>
                 </a:ext>
               </a:extLst>
             </p:cNvPr>
             <p:cNvPicPr>
-              <a:picLocks noChangeAspect="1" noChangeArrowheads="1"/>
+              <a:picLocks noChangeAspect="1"/>
             </p:cNvPicPr>
             <p:nvPr/>
           </p:nvPicPr>
@@ -10245,37 +10329,96 @@
                 </a:ext>
               </a:extLst>
             </a:blip>
-            <a:srcRect/>
             <a:stretch>
               <a:fillRect/>
             </a:stretch>
           </p:blipFill>
-          <p:spPr bwMode="auto">
+          <p:spPr>
             <a:xfrm>
-              <a:off x="418994" y="6433889"/>
-              <a:ext cx="838200" cy="295275"/>
+              <a:off x="7184684" y="4213372"/>
+              <a:ext cx="1632631" cy="1632630"/>
             </a:xfrm>
             <a:prstGeom prst="rect">
               <a:avLst/>
             </a:prstGeom>
-            <a:noFill/>
-            <a:extLst>
-              <a:ext uri="{909E8E84-426E-40DD-AFC4-6F175D3DCCD1}">
-                <a14:hiddenFill xmlns:a14="http://schemas.microsoft.com/office/drawing/2010/main">
-                  <a:solidFill>
-                    <a:srgbClr val="FFFFFF"/>
-                  </a:solidFill>
-                </a14:hiddenFill>
-              </a:ext>
-            </a:extLst>
           </p:spPr>
         </p:pic>
         <p:sp>
           <p:nvSpPr>
-            <p:cNvPr id="6" name="TextBox 5">
+            <p:cNvPr id="10" name="Rectangle 9">
               <a:extLst>
                 <a:ext uri="{FF2B5EF4-FFF2-40B4-BE49-F238E27FC236}">
-                  <a16:creationId xmlns:a16="http://schemas.microsoft.com/office/drawing/2014/main" id="{C7B4619D-0FEC-CD14-2529-EE8ABD0600A7}"/>
+                  <a16:creationId xmlns:a16="http://schemas.microsoft.com/office/drawing/2014/main" id="{BB0F99C8-7255-B02A-7DCC-FCB25772D1B1}"/>
+                </a:ext>
+              </a:extLst>
+            </p:cNvPr>
+            <p:cNvSpPr/>
+            <p:nvPr/>
+          </p:nvSpPr>
+          <p:spPr>
+            <a:xfrm>
+              <a:off x="7151029" y="5812970"/>
+              <a:ext cx="1676400" cy="359230"/>
+            </a:xfrm>
+            <a:prstGeom prst="rect">
+              <a:avLst/>
+            </a:prstGeom>
+          </p:spPr>
+          <p:style>
+            <a:lnRef idx="2">
+              <a:schemeClr val="dk1">
+                <a:shade val="15000"/>
+              </a:schemeClr>
+            </a:lnRef>
+            <a:fillRef idx="1">
+              <a:schemeClr val="dk1"/>
+            </a:fillRef>
+            <a:effectRef idx="0">
+              <a:schemeClr val="dk1"/>
+            </a:effectRef>
+            <a:fontRef idx="minor">
+              <a:schemeClr val="lt1"/>
+            </a:fontRef>
+          </p:style>
+          <p:txBody>
+            <a:bodyPr rtlCol="0" anchor="ctr"/>
+            <a:lstStyle/>
+            <a:p>
+              <a:pPr algn="ctr"/>
+              <a:r>
+                <a:rPr lang="en-US" sz="1200" dirty="0"/>
+                <a:t>Online Material</a:t>
+              </a:r>
+            </a:p>
+          </p:txBody>
+        </p:sp>
+      </p:grpSp>
+      <p:grpSp>
+        <p:nvGrpSpPr>
+          <p:cNvPr id="12" name="Group 11">
+            <a:extLst>
+              <a:ext uri="{FF2B5EF4-FFF2-40B4-BE49-F238E27FC236}">
+                <a16:creationId xmlns:a16="http://schemas.microsoft.com/office/drawing/2014/main" id="{08285988-02B0-B57E-0B32-A1A5414B54A5}"/>
+              </a:ext>
+            </a:extLst>
+          </p:cNvPr>
+          <p:cNvGrpSpPr/>
+          <p:nvPr/>
+        </p:nvGrpSpPr>
+        <p:grpSpPr>
+          <a:xfrm>
+            <a:off x="815770" y="6327190"/>
+            <a:ext cx="3967260" cy="430887"/>
+            <a:chOff x="269461" y="6324600"/>
+            <a:chExt cx="3967260" cy="430887"/>
+          </a:xfrm>
+        </p:grpSpPr>
+        <p:sp>
+          <p:nvSpPr>
+            <p:cNvPr id="13" name="TextBox 12">
+              <a:extLst>
+                <a:ext uri="{FF2B5EF4-FFF2-40B4-BE49-F238E27FC236}">
+                  <a16:creationId xmlns:a16="http://schemas.microsoft.com/office/drawing/2014/main" id="{D46FF6CF-68D7-8563-D306-C09C23A83165}"/>
                 </a:ext>
               </a:extLst>
             </p:cNvPr>
@@ -10389,196 +10532,53 @@
             </a:p>
           </p:txBody>
         </p:sp>
-      </p:grpSp>
-      <p:cxnSp>
-        <p:nvCxnSpPr>
-          <p:cNvPr id="8" name="Straight Connector 7">
-            <a:extLst>
-              <a:ext uri="{FF2B5EF4-FFF2-40B4-BE49-F238E27FC236}">
-                <a16:creationId xmlns:a16="http://schemas.microsoft.com/office/drawing/2014/main" id="{A86DDCF8-2563-2619-B723-DA695120824D}"/>
-              </a:ext>
-            </a:extLst>
-          </p:cNvPr>
-          <p:cNvCxnSpPr/>
-          <p:nvPr/>
-        </p:nvCxnSpPr>
-        <p:spPr>
-          <a:xfrm>
-            <a:off x="815770" y="3962400"/>
-            <a:ext cx="2980041" cy="0"/>
-          </a:xfrm>
-          <a:prstGeom prst="line">
-            <a:avLst/>
-          </a:prstGeom>
-        </p:spPr>
-        <p:style>
-          <a:lnRef idx="2">
-            <a:schemeClr val="dk1"/>
-          </a:lnRef>
-          <a:fillRef idx="0">
-            <a:schemeClr val="dk1"/>
-          </a:fillRef>
-          <a:effectRef idx="1">
-            <a:schemeClr val="dk1"/>
-          </a:effectRef>
-          <a:fontRef idx="minor">
-            <a:schemeClr val="tx1"/>
-          </a:fontRef>
-        </p:style>
-      </p:cxnSp>
-      <p:grpSp>
-        <p:nvGrpSpPr>
-          <p:cNvPr id="2" name="Group 1">
-            <a:extLst>
-              <a:ext uri="{FF2B5EF4-FFF2-40B4-BE49-F238E27FC236}">
-                <a16:creationId xmlns:a16="http://schemas.microsoft.com/office/drawing/2014/main" id="{2CA31147-FE59-5A54-59B5-B68C8360A45E}"/>
-              </a:ext>
-              <a:ext uri="{C183D7F6-B498-43B3-948B-1728B52AA6E4}">
-                <adec:decorative xmlns:adec="http://schemas.microsoft.com/office/drawing/2017/decorative" val="1"/>
-              </a:ext>
-            </a:extLst>
-          </p:cNvPr>
-          <p:cNvGrpSpPr/>
-          <p:nvPr/>
-        </p:nvGrpSpPr>
-        <p:grpSpPr>
-          <a:xfrm>
-            <a:off x="7656393" y="5243763"/>
-            <a:ext cx="1218146" cy="1440289"/>
-            <a:chOff x="7151029" y="4191000"/>
-            <a:chExt cx="1688171" cy="1981200"/>
-          </a:xfrm>
-        </p:grpSpPr>
-        <p:sp>
-          <p:nvSpPr>
-            <p:cNvPr id="7" name="Rectangle 6">
+        <p:pic>
+          <p:nvPicPr>
+            <p:cNvPr id="14" name="Picture 2">
               <a:extLst>
                 <a:ext uri="{FF2B5EF4-FFF2-40B4-BE49-F238E27FC236}">
-                  <a16:creationId xmlns:a16="http://schemas.microsoft.com/office/drawing/2014/main" id="{15A10852-984E-84C0-E1F9-0438CCF64AC7}"/>
-                </a:ext>
-              </a:extLst>
-            </p:cNvPr>
-            <p:cNvSpPr/>
-            <p:nvPr/>
-          </p:nvSpPr>
-          <p:spPr>
-            <a:xfrm>
-              <a:off x="7162800" y="4191000"/>
-              <a:ext cx="1676400" cy="1981200"/>
-            </a:xfrm>
-            <a:prstGeom prst="rect">
-              <a:avLst/>
-            </a:prstGeom>
-            <a:ln/>
-          </p:spPr>
-          <p:style>
-            <a:lnRef idx="2">
-              <a:schemeClr val="dk1"/>
-            </a:lnRef>
-            <a:fillRef idx="1">
-              <a:schemeClr val="lt1"/>
-            </a:fillRef>
-            <a:effectRef idx="0">
-              <a:schemeClr val="dk1"/>
-            </a:effectRef>
-            <a:fontRef idx="minor">
-              <a:schemeClr val="dk1"/>
-            </a:fontRef>
-          </p:style>
-          <p:txBody>
-            <a:bodyPr rtlCol="0" anchor="ctr"/>
-            <a:lstStyle/>
-            <a:p>
-              <a:pPr algn="ctr"/>
-              <a:endParaRPr lang="en-US"/>
-            </a:p>
-          </p:txBody>
-        </p:sp>
-        <p:pic>
-          <p:nvPicPr>
-            <p:cNvPr id="9" name="Picture 8" descr="A qr code with black dots&#10;&#10;Description automatically generated">
-              <a:extLst>
-                <a:ext uri="{FF2B5EF4-FFF2-40B4-BE49-F238E27FC236}">
-                  <a16:creationId xmlns:a16="http://schemas.microsoft.com/office/drawing/2014/main" id="{BB6359F7-35AE-C296-326D-166035EC7203}"/>
+                  <a16:creationId xmlns:a16="http://schemas.microsoft.com/office/drawing/2014/main" id="{58EF6D57-5072-84F6-69E2-EC98D9F800A2}"/>
                 </a:ext>
               </a:extLst>
             </p:cNvPr>
             <p:cNvPicPr>
-              <a:picLocks noChangeAspect="1"/>
+              <a:picLocks noChangeAspect="1" noChangeArrowheads="1"/>
             </p:cNvPicPr>
             <p:nvPr/>
           </p:nvPicPr>
           <p:blipFill>
-            <a:blip r:embed="rId6">
+            <a:blip r:embed="rId6" cstate="print">
               <a:extLst>
                 <a:ext uri="{28A0092B-C50C-407E-A947-70E740481C1C}">
                   <a14:useLocalDpi xmlns:a14="http://schemas.microsoft.com/office/drawing/2010/main" val="0"/>
                 </a:ext>
               </a:extLst>
             </a:blip>
+            <a:srcRect/>
             <a:stretch>
               <a:fillRect/>
             </a:stretch>
           </p:blipFill>
-          <p:spPr>
+          <p:spPr bwMode="auto">
             <a:xfrm>
-              <a:off x="7184684" y="4213372"/>
-              <a:ext cx="1632631" cy="1632630"/>
+              <a:off x="269461" y="6372959"/>
+              <a:ext cx="888838" cy="311093"/>
             </a:xfrm>
             <a:prstGeom prst="rect">
               <a:avLst/>
             </a:prstGeom>
+            <a:noFill/>
+            <a:extLst>
+              <a:ext uri="{909E8E84-426E-40DD-AFC4-6F175D3DCCD1}">
+                <a14:hiddenFill xmlns:a14="http://schemas.microsoft.com/office/drawing/2010/main">
+                  <a:solidFill>
+                    <a:srgbClr val="FFFFFF"/>
+                  </a:solidFill>
+                </a14:hiddenFill>
+              </a:ext>
+            </a:extLst>
           </p:spPr>
         </p:pic>
-        <p:sp>
-          <p:nvSpPr>
-            <p:cNvPr id="10" name="Rectangle 9">
-              <a:extLst>
-                <a:ext uri="{FF2B5EF4-FFF2-40B4-BE49-F238E27FC236}">
-                  <a16:creationId xmlns:a16="http://schemas.microsoft.com/office/drawing/2014/main" id="{BB0F99C8-7255-B02A-7DCC-FCB25772D1B1}"/>
-                </a:ext>
-              </a:extLst>
-            </p:cNvPr>
-            <p:cNvSpPr/>
-            <p:nvPr/>
-          </p:nvSpPr>
-          <p:spPr>
-            <a:xfrm>
-              <a:off x="7151029" y="5812970"/>
-              <a:ext cx="1676400" cy="359230"/>
-            </a:xfrm>
-            <a:prstGeom prst="rect">
-              <a:avLst/>
-            </a:prstGeom>
-          </p:spPr>
-          <p:style>
-            <a:lnRef idx="2">
-              <a:schemeClr val="dk1">
-                <a:shade val="15000"/>
-              </a:schemeClr>
-            </a:lnRef>
-            <a:fillRef idx="1">
-              <a:schemeClr val="dk1"/>
-            </a:fillRef>
-            <a:effectRef idx="0">
-              <a:schemeClr val="dk1"/>
-            </a:effectRef>
-            <a:fontRef idx="minor">
-              <a:schemeClr val="lt1"/>
-            </a:fontRef>
-          </p:style>
-          <p:txBody>
-            <a:bodyPr rtlCol="0" anchor="ctr"/>
-            <a:lstStyle/>
-            <a:p>
-              <a:pPr algn="ctr"/>
-              <a:r>
-                <a:rPr lang="en-US" sz="1200" dirty="0"/>
-                <a:t>Online Material</a:t>
-              </a:r>
-            </a:p>
-          </p:txBody>
-        </p:sp>
       </p:grpSp>
     </p:spTree>
   </p:cSld>

--- a/slides/11_Automated_Planning.pptx
+++ b/slides/11_Automated_Planning.pptx
@@ -6217,7 +6217,7 @@
             <a:fld id="{7D6F2994-ACE5-4A1A-B35E-4EB264D0F2D5}" type="datetimeFigureOut">
               <a:rPr lang="en-US" smtClean="0"/>
               <a:pPr/>
-              <a:t>4/7/2025</a:t>
+              <a:t>4/10/2025</a:t>
             </a:fld>
             <a:endParaRPr lang="en-US"/>
           </a:p>
@@ -10256,10 +10256,10 @@
         </p:nvGrpSpPr>
         <p:grpSpPr>
           <a:xfrm>
-            <a:off x="7719157" y="5317788"/>
-            <a:ext cx="1218146" cy="1440289"/>
-            <a:chOff x="7151029" y="4191000"/>
-            <a:chExt cx="1688171" cy="1981200"/>
+            <a:off x="7727649" y="5317788"/>
+            <a:ext cx="1209652" cy="1440289"/>
+            <a:chOff x="7162800" y="4191000"/>
+            <a:chExt cx="1676400" cy="1981200"/>
           </a:xfrm>
         </p:grpSpPr>
         <p:sp>
@@ -10357,8 +10357,8 @@
           </p:nvSpPr>
           <p:spPr>
             <a:xfrm>
-              <a:off x="7151029" y="5812970"/>
-              <a:ext cx="1676400" cy="359230"/>
+              <a:off x="7162800" y="5812970"/>
+              <a:ext cx="1664628" cy="359230"/>
             </a:xfrm>
             <a:prstGeom prst="rect">
               <a:avLst/>
@@ -10449,7 +10449,7 @@
                     </a:schemeClr>
                   </a:solidFill>
                   <a:effectLst/>
-                  <a:latin typeface="source sans pro" panose="020B0503030403020204" pitchFamily="34" charset="0"/>
+                  <a:latin typeface="Calibri" panose="020F0502020204030204" pitchFamily="34" charset="0"/>
                 </a:rPr>
                 <a:t>This work is licensed under a </a:t>
               </a:r>
@@ -10461,7 +10461,7 @@
                     </a:schemeClr>
                   </a:solidFill>
                   <a:effectLst/>
-                  <a:latin typeface="source sans pro" panose="020B0503030403020204" pitchFamily="34" charset="0"/>
+                  <a:latin typeface="Calibri" panose="020F0502020204030204" pitchFamily="34" charset="0"/>
                   <a:hlinkClick r:id="rId5">
                     <a:extLst>
                       <a:ext uri="{A12FA001-AC4F-418D-AE19-62706E023703}">
@@ -10480,7 +10480,7 @@
                     </a:schemeClr>
                   </a:solidFill>
                   <a:effectLst/>
-                  <a:latin typeface="source sans pro" panose="020B0503030403020204" pitchFamily="34" charset="0"/>
+                  <a:latin typeface="Calibri" panose="020F0502020204030204" pitchFamily="34" charset="0"/>
                   <a:hlinkClick r:id="rId5">
                     <a:extLst>
                       <a:ext uri="{A12FA001-AC4F-418D-AE19-62706E023703}">
@@ -10499,7 +10499,7 @@
                     </a:schemeClr>
                   </a:solidFill>
                   <a:effectLst/>
-                  <a:latin typeface="source sans pro" panose="020B0503030403020204" pitchFamily="34" charset="0"/>
+                  <a:latin typeface="Calibri" panose="020F0502020204030204" pitchFamily="34" charset="0"/>
                   <a:hlinkClick r:id="rId5">
                     <a:extLst>
                       <a:ext uri="{A12FA001-AC4F-418D-AE19-62706E023703}">
@@ -10518,7 +10518,7 @@
                     </a:schemeClr>
                   </a:solidFill>
                   <a:effectLst/>
-                  <a:latin typeface="source sans pro" panose="020B0503030403020204" pitchFamily="34" charset="0"/>
+                  <a:latin typeface="Calibri" panose="020F0502020204030204" pitchFamily="34" charset="0"/>
                 </a:rPr>
                 <a:t>.</a:t>
               </a:r>

--- a/slides/11_Automated_Planning.pptx
+++ b/slides/11_Automated_Planning.pptx
@@ -5,7 +5,7 @@
     <p:sldMasterId id="2147483660" r:id="rId1"/>
   </p:sldMasterIdLst>
   <p:notesMasterIdLst>
-    <p:notesMasterId r:id="rId23"/>
+    <p:notesMasterId r:id="rId24"/>
   </p:notesMasterIdLst>
   <p:sldIdLst>
     <p:sldId id="256" r:id="rId2"/>
@@ -21,14 +21,15 @@
     <p:sldId id="265" r:id="rId12"/>
     <p:sldId id="267" r:id="rId13"/>
     <p:sldId id="266" r:id="rId14"/>
-    <p:sldId id="268" r:id="rId15"/>
-    <p:sldId id="269" r:id="rId16"/>
-    <p:sldId id="271" r:id="rId17"/>
-    <p:sldId id="270" r:id="rId18"/>
-    <p:sldId id="272" r:id="rId19"/>
-    <p:sldId id="273" r:id="rId20"/>
-    <p:sldId id="275" r:id="rId21"/>
-    <p:sldId id="276" r:id="rId22"/>
+    <p:sldId id="278" r:id="rId15"/>
+    <p:sldId id="268" r:id="rId16"/>
+    <p:sldId id="269" r:id="rId17"/>
+    <p:sldId id="271" r:id="rId18"/>
+    <p:sldId id="270" r:id="rId19"/>
+    <p:sldId id="272" r:id="rId20"/>
+    <p:sldId id="273" r:id="rId21"/>
+    <p:sldId id="275" r:id="rId22"/>
+    <p:sldId id="276" r:id="rId23"/>
   </p:sldIdLst>
   <p:sldSz cx="9144000" cy="6858000" type="screen4x3"/>
   <p:notesSz cx="7315200" cy="9601200"/>
@@ -153,6 +154,7 @@
             <p14:sldId id="265"/>
             <p14:sldId id="267"/>
             <p14:sldId id="266"/>
+            <p14:sldId id="278"/>
           </p14:sldIdLst>
         </p14:section>
         <p14:section name="Monitoring and Replanning" id="{3731A2A3-93A5-4176-93C7-13309F1B13CF}">
@@ -938,925 +940,6 @@
 </dgm:colorsDef>
 </file>
 
-<file path=ppt/diagrams/colors2.xml><?xml version="1.0" encoding="utf-8"?>
-<dgm:colorsDef xmlns:dgm="http://schemas.openxmlformats.org/drawingml/2006/diagram" xmlns:a="http://schemas.openxmlformats.org/drawingml/2006/main" uniqueId="urn:microsoft.com/office/officeart/2005/8/colors/colorful1">
-  <dgm:title val=""/>
-  <dgm:desc val=""/>
-  <dgm:catLst>
-    <dgm:cat type="colorful" pri="10100"/>
-  </dgm:catLst>
-  <dgm:styleLbl name="node0">
-    <dgm:fillClrLst meth="repeat">
-      <a:schemeClr val="accent1"/>
-    </dgm:fillClrLst>
-    <dgm:linClrLst meth="repeat">
-      <a:schemeClr val="lt1"/>
-    </dgm:linClrLst>
-    <dgm:effectClrLst/>
-    <dgm:txLinClrLst/>
-    <dgm:txFillClrLst/>
-    <dgm:txEffectClrLst/>
-  </dgm:styleLbl>
-  <dgm:styleLbl name="node1">
-    <dgm:fillClrLst meth="repeat">
-      <a:schemeClr val="accent2"/>
-      <a:schemeClr val="accent3"/>
-      <a:schemeClr val="accent4"/>
-      <a:schemeClr val="accent5"/>
-      <a:schemeClr val="accent6"/>
-    </dgm:fillClrLst>
-    <dgm:linClrLst meth="repeat">
-      <a:schemeClr val="lt1"/>
-    </dgm:linClrLst>
-    <dgm:effectClrLst/>
-    <dgm:txLinClrLst/>
-    <dgm:txFillClrLst/>
-    <dgm:txEffectClrLst/>
-  </dgm:styleLbl>
-  <dgm:styleLbl name="alignNode1">
-    <dgm:fillClrLst meth="repeat">
-      <a:schemeClr val="accent2"/>
-      <a:schemeClr val="accent3"/>
-      <a:schemeClr val="accent4"/>
-      <a:schemeClr val="accent5"/>
-      <a:schemeClr val="accent6"/>
-    </dgm:fillClrLst>
-    <dgm:linClrLst meth="repeat">
-      <a:schemeClr val="accent2"/>
-      <a:schemeClr val="accent3"/>
-      <a:schemeClr val="accent4"/>
-      <a:schemeClr val="accent5"/>
-      <a:schemeClr val="accent6"/>
-    </dgm:linClrLst>
-    <dgm:effectClrLst/>
-    <dgm:txLinClrLst/>
-    <dgm:txFillClrLst/>
-    <dgm:txEffectClrLst/>
-  </dgm:styleLbl>
-  <dgm:styleLbl name="lnNode1">
-    <dgm:fillClrLst meth="repeat">
-      <a:schemeClr val="accent2"/>
-      <a:schemeClr val="accent3"/>
-      <a:schemeClr val="accent4"/>
-      <a:schemeClr val="accent5"/>
-      <a:schemeClr val="accent6"/>
-    </dgm:fillClrLst>
-    <dgm:linClrLst meth="repeat">
-      <a:schemeClr val="lt1"/>
-    </dgm:linClrLst>
-    <dgm:effectClrLst/>
-    <dgm:txLinClrLst/>
-    <dgm:txFillClrLst/>
-    <dgm:txEffectClrLst/>
-  </dgm:styleLbl>
-  <dgm:styleLbl name="vennNode1">
-    <dgm:fillClrLst meth="repeat">
-      <a:schemeClr val="accent2">
-        <a:alpha val="50000"/>
-      </a:schemeClr>
-      <a:schemeClr val="accent3">
-        <a:alpha val="50000"/>
-      </a:schemeClr>
-      <a:schemeClr val="accent4">
-        <a:alpha val="50000"/>
-      </a:schemeClr>
-      <a:schemeClr val="accent5">
-        <a:alpha val="50000"/>
-      </a:schemeClr>
-      <a:schemeClr val="accent6">
-        <a:alpha val="50000"/>
-      </a:schemeClr>
-    </dgm:fillClrLst>
-    <dgm:linClrLst meth="repeat">
-      <a:schemeClr val="lt1"/>
-    </dgm:linClrLst>
-    <dgm:effectClrLst/>
-    <dgm:txLinClrLst/>
-    <dgm:txFillClrLst/>
-    <dgm:txEffectClrLst/>
-  </dgm:styleLbl>
-  <dgm:styleLbl name="node2">
-    <dgm:fillClrLst>
-      <a:schemeClr val="accent2"/>
-    </dgm:fillClrLst>
-    <dgm:linClrLst meth="repeat">
-      <a:schemeClr val="lt1"/>
-    </dgm:linClrLst>
-    <dgm:effectClrLst/>
-    <dgm:txLinClrLst/>
-    <dgm:txFillClrLst/>
-    <dgm:txEffectClrLst/>
-  </dgm:styleLbl>
-  <dgm:styleLbl name="node3">
-    <dgm:fillClrLst>
-      <a:schemeClr val="accent3"/>
-    </dgm:fillClrLst>
-    <dgm:linClrLst meth="repeat">
-      <a:schemeClr val="lt1"/>
-    </dgm:linClrLst>
-    <dgm:effectClrLst/>
-    <dgm:txLinClrLst/>
-    <dgm:txFillClrLst/>
-    <dgm:txEffectClrLst/>
-  </dgm:styleLbl>
-  <dgm:styleLbl name="node4">
-    <dgm:fillClrLst>
-      <a:schemeClr val="accent4"/>
-    </dgm:fillClrLst>
-    <dgm:linClrLst meth="repeat">
-      <a:schemeClr val="lt1"/>
-    </dgm:linClrLst>
-    <dgm:effectClrLst/>
-    <dgm:txLinClrLst/>
-    <dgm:txFillClrLst/>
-    <dgm:txEffectClrLst/>
-  </dgm:styleLbl>
-  <dgm:styleLbl name="fgImgPlace1">
-    <dgm:fillClrLst meth="repeat">
-      <a:schemeClr val="accent2">
-        <a:tint val="50000"/>
-      </a:schemeClr>
-      <a:schemeClr val="accent3">
-        <a:tint val="50000"/>
-      </a:schemeClr>
-      <a:schemeClr val="accent4">
-        <a:tint val="50000"/>
-      </a:schemeClr>
-      <a:schemeClr val="accent5">
-        <a:tint val="50000"/>
-      </a:schemeClr>
-      <a:schemeClr val="accent6">
-        <a:tint val="50000"/>
-      </a:schemeClr>
-    </dgm:fillClrLst>
-    <dgm:linClrLst meth="repeat">
-      <a:schemeClr val="lt1"/>
-    </dgm:linClrLst>
-    <dgm:effectClrLst/>
-    <dgm:txLinClrLst/>
-    <dgm:txFillClrLst meth="repeat">
-      <a:schemeClr val="lt1"/>
-    </dgm:txFillClrLst>
-    <dgm:txEffectClrLst/>
-  </dgm:styleLbl>
-  <dgm:styleLbl name="alignImgPlace1">
-    <dgm:fillClrLst>
-      <a:schemeClr val="accent1">
-        <a:tint val="50000"/>
-      </a:schemeClr>
-      <a:schemeClr val="accent2">
-        <a:tint val="20000"/>
-      </a:schemeClr>
-    </dgm:fillClrLst>
-    <dgm:linClrLst meth="repeat">
-      <a:schemeClr val="lt1"/>
-    </dgm:linClrLst>
-    <dgm:effectClrLst/>
-    <dgm:txLinClrLst/>
-    <dgm:txFillClrLst meth="repeat">
-      <a:schemeClr val="lt1"/>
-    </dgm:txFillClrLst>
-    <dgm:txEffectClrLst/>
-  </dgm:styleLbl>
-  <dgm:styleLbl name="bgImgPlace1">
-    <dgm:fillClrLst>
-      <a:schemeClr val="accent1">
-        <a:tint val="50000"/>
-      </a:schemeClr>
-      <a:schemeClr val="accent2">
-        <a:tint val="20000"/>
-      </a:schemeClr>
-    </dgm:fillClrLst>
-    <dgm:linClrLst meth="repeat">
-      <a:schemeClr val="lt1"/>
-    </dgm:linClrLst>
-    <dgm:effectClrLst/>
-    <dgm:txLinClrLst/>
-    <dgm:txFillClrLst meth="repeat">
-      <a:schemeClr val="lt1"/>
-    </dgm:txFillClrLst>
-    <dgm:txEffectClrLst/>
-  </dgm:styleLbl>
-  <dgm:styleLbl name="sibTrans2D1">
-    <dgm:fillClrLst meth="repeat">
-      <a:schemeClr val="accent2"/>
-      <a:schemeClr val="accent3"/>
-      <a:schemeClr val="accent4"/>
-      <a:schemeClr val="accent5"/>
-      <a:schemeClr val="accent6"/>
-    </dgm:fillClrLst>
-    <dgm:linClrLst meth="cycle">
-      <a:schemeClr val="lt1"/>
-    </dgm:linClrLst>
-    <dgm:effectClrLst/>
-    <dgm:txLinClrLst/>
-    <dgm:txFillClrLst/>
-    <dgm:txEffectClrLst/>
-  </dgm:styleLbl>
-  <dgm:styleLbl name="fgSibTrans2D1">
-    <dgm:fillClrLst meth="repeat">
-      <a:schemeClr val="accent2"/>
-      <a:schemeClr val="accent3"/>
-      <a:schemeClr val="accent4"/>
-      <a:schemeClr val="accent5"/>
-      <a:schemeClr val="accent6"/>
-    </dgm:fillClrLst>
-    <dgm:linClrLst meth="cycle">
-      <a:schemeClr val="lt1"/>
-    </dgm:linClrLst>
-    <dgm:effectClrLst/>
-    <dgm:txLinClrLst/>
-    <dgm:txFillClrLst meth="repeat">
-      <a:schemeClr val="lt1"/>
-    </dgm:txFillClrLst>
-    <dgm:txEffectClrLst/>
-  </dgm:styleLbl>
-  <dgm:styleLbl name="bgSibTrans2D1">
-    <dgm:fillClrLst meth="repeat">
-      <a:schemeClr val="accent2"/>
-      <a:schemeClr val="accent3"/>
-      <a:schemeClr val="accent4"/>
-      <a:schemeClr val="accent5"/>
-      <a:schemeClr val="accent6"/>
-    </dgm:fillClrLst>
-    <dgm:linClrLst meth="cycle">
-      <a:schemeClr val="lt1"/>
-    </dgm:linClrLst>
-    <dgm:effectClrLst/>
-    <dgm:txLinClrLst/>
-    <dgm:txFillClrLst meth="repeat">
-      <a:schemeClr val="lt1"/>
-    </dgm:txFillClrLst>
-    <dgm:txEffectClrLst/>
-  </dgm:styleLbl>
-  <dgm:styleLbl name="sibTrans1D1">
-    <dgm:fillClrLst meth="repeat">
-      <a:schemeClr val="accent2"/>
-      <a:schemeClr val="accent3"/>
-      <a:schemeClr val="accent4"/>
-      <a:schemeClr val="accent5"/>
-      <a:schemeClr val="accent6"/>
-    </dgm:fillClrLst>
-    <dgm:linClrLst meth="repeat">
-      <a:schemeClr val="accent2"/>
-      <a:schemeClr val="accent3"/>
-      <a:schemeClr val="accent4"/>
-      <a:schemeClr val="accent5"/>
-      <a:schemeClr val="accent6"/>
-    </dgm:linClrLst>
-    <dgm:effectClrLst/>
-    <dgm:txLinClrLst/>
-    <dgm:txFillClrLst meth="repeat">
-      <a:schemeClr val="tx1"/>
-    </dgm:txFillClrLst>
-    <dgm:txEffectClrLst/>
-  </dgm:styleLbl>
-  <dgm:styleLbl name="callout">
-    <dgm:fillClrLst meth="repeat">
-      <a:schemeClr val="accent2"/>
-    </dgm:fillClrLst>
-    <dgm:linClrLst meth="repeat">
-      <a:schemeClr val="accent2">
-        <a:tint val="50000"/>
-      </a:schemeClr>
-    </dgm:linClrLst>
-    <dgm:effectClrLst/>
-    <dgm:txLinClrLst/>
-    <dgm:txFillClrLst meth="repeat">
-      <a:schemeClr val="tx1"/>
-    </dgm:txFillClrLst>
-    <dgm:txEffectClrLst/>
-  </dgm:styleLbl>
-  <dgm:styleLbl name="asst0">
-    <dgm:fillClrLst meth="repeat">
-      <a:schemeClr val="accent1"/>
-    </dgm:fillClrLst>
-    <dgm:linClrLst meth="repeat">
-      <a:schemeClr val="lt1"/>
-    </dgm:linClrLst>
-    <dgm:effectClrLst/>
-    <dgm:txLinClrLst/>
-    <dgm:txFillClrLst/>
-    <dgm:txEffectClrLst/>
-  </dgm:styleLbl>
-  <dgm:styleLbl name="asst1">
-    <dgm:fillClrLst meth="repeat">
-      <a:schemeClr val="accent2"/>
-    </dgm:fillClrLst>
-    <dgm:linClrLst meth="repeat">
-      <a:schemeClr val="lt1"/>
-    </dgm:linClrLst>
-    <dgm:effectClrLst/>
-    <dgm:txLinClrLst/>
-    <dgm:txFillClrLst/>
-    <dgm:txEffectClrLst/>
-  </dgm:styleLbl>
-  <dgm:styleLbl name="asst2">
-    <dgm:fillClrLst>
-      <a:schemeClr val="accent3"/>
-    </dgm:fillClrLst>
-    <dgm:linClrLst meth="repeat">
-      <a:schemeClr val="lt1"/>
-    </dgm:linClrLst>
-    <dgm:effectClrLst/>
-    <dgm:txLinClrLst/>
-    <dgm:txFillClrLst/>
-    <dgm:txEffectClrLst/>
-  </dgm:styleLbl>
-  <dgm:styleLbl name="asst3">
-    <dgm:fillClrLst>
-      <a:schemeClr val="accent4"/>
-    </dgm:fillClrLst>
-    <dgm:linClrLst meth="repeat">
-      <a:schemeClr val="lt1"/>
-    </dgm:linClrLst>
-    <dgm:effectClrLst/>
-    <dgm:txLinClrLst/>
-    <dgm:txFillClrLst/>
-    <dgm:txEffectClrLst/>
-  </dgm:styleLbl>
-  <dgm:styleLbl name="asst4">
-    <dgm:fillClrLst>
-      <a:schemeClr val="accent5"/>
-    </dgm:fillClrLst>
-    <dgm:linClrLst meth="repeat">
-      <a:schemeClr val="lt1"/>
-    </dgm:linClrLst>
-    <dgm:effectClrLst/>
-    <dgm:txLinClrLst/>
-    <dgm:txFillClrLst/>
-    <dgm:txEffectClrLst/>
-  </dgm:styleLbl>
-  <dgm:styleLbl name="parChTrans2D1">
-    <dgm:fillClrLst meth="repeat">
-      <a:schemeClr val="accent2"/>
-    </dgm:fillClrLst>
-    <dgm:linClrLst meth="repeat">
-      <a:schemeClr val="lt1"/>
-    </dgm:linClrLst>
-    <dgm:effectClrLst/>
-    <dgm:txLinClrLst/>
-    <dgm:txFillClrLst meth="repeat">
-      <a:schemeClr val="lt1"/>
-    </dgm:txFillClrLst>
-    <dgm:txEffectClrLst/>
-  </dgm:styleLbl>
-  <dgm:styleLbl name="parChTrans2D2">
-    <dgm:fillClrLst meth="repeat">
-      <a:schemeClr val="accent3"/>
-    </dgm:fillClrLst>
-    <dgm:linClrLst meth="repeat">
-      <a:schemeClr val="lt1"/>
-    </dgm:linClrLst>
-    <dgm:effectClrLst/>
-    <dgm:txLinClrLst/>
-    <dgm:txFillClrLst/>
-    <dgm:txEffectClrLst/>
-  </dgm:styleLbl>
-  <dgm:styleLbl name="parChTrans2D3">
-    <dgm:fillClrLst meth="repeat">
-      <a:schemeClr val="accent4"/>
-    </dgm:fillClrLst>
-    <dgm:linClrLst meth="repeat">
-      <a:schemeClr val="lt1"/>
-    </dgm:linClrLst>
-    <dgm:effectClrLst/>
-    <dgm:txLinClrLst/>
-    <dgm:txFillClrLst/>
-    <dgm:txEffectClrLst/>
-  </dgm:styleLbl>
-  <dgm:styleLbl name="parChTrans2D4">
-    <dgm:fillClrLst meth="repeat">
-      <a:schemeClr val="accent5"/>
-    </dgm:fillClrLst>
-    <dgm:linClrLst meth="repeat">
-      <a:schemeClr val="lt1"/>
-    </dgm:linClrLst>
-    <dgm:effectClrLst/>
-    <dgm:txLinClrLst/>
-    <dgm:txFillClrLst meth="repeat">
-      <a:schemeClr val="lt1"/>
-    </dgm:txFillClrLst>
-    <dgm:txEffectClrLst/>
-  </dgm:styleLbl>
-  <dgm:styleLbl name="parChTrans1D1">
-    <dgm:fillClrLst meth="repeat">
-      <a:schemeClr val="accent2"/>
-    </dgm:fillClrLst>
-    <dgm:linClrLst meth="repeat">
-      <a:schemeClr val="accent1"/>
-    </dgm:linClrLst>
-    <dgm:effectClrLst/>
-    <dgm:txLinClrLst/>
-    <dgm:txFillClrLst meth="repeat">
-      <a:schemeClr val="tx1"/>
-    </dgm:txFillClrLst>
-    <dgm:txEffectClrLst/>
-  </dgm:styleLbl>
-  <dgm:styleLbl name="parChTrans1D2">
-    <dgm:fillClrLst meth="repeat">
-      <a:schemeClr val="accent3">
-        <a:tint val="90000"/>
-      </a:schemeClr>
-    </dgm:fillClrLst>
-    <dgm:linClrLst meth="repeat">
-      <a:schemeClr val="accent2"/>
-    </dgm:linClrLst>
-    <dgm:effectClrLst/>
-    <dgm:txLinClrLst/>
-    <dgm:txFillClrLst meth="repeat">
-      <a:schemeClr val="tx1"/>
-    </dgm:txFillClrLst>
-    <dgm:txEffectClrLst/>
-  </dgm:styleLbl>
-  <dgm:styleLbl name="parChTrans1D3">
-    <dgm:fillClrLst meth="repeat">
-      <a:schemeClr val="accent4">
-        <a:tint val="70000"/>
-      </a:schemeClr>
-    </dgm:fillClrLst>
-    <dgm:linClrLst meth="repeat">
-      <a:schemeClr val="accent3"/>
-    </dgm:linClrLst>
-    <dgm:effectClrLst/>
-    <dgm:txLinClrLst/>
-    <dgm:txFillClrLst meth="repeat">
-      <a:schemeClr val="tx1"/>
-    </dgm:txFillClrLst>
-    <dgm:txEffectClrLst/>
-  </dgm:styleLbl>
-  <dgm:styleLbl name="parChTrans1D4">
-    <dgm:fillClrLst meth="repeat">
-      <a:schemeClr val="accent5">
-        <a:tint val="50000"/>
-      </a:schemeClr>
-    </dgm:fillClrLst>
-    <dgm:linClrLst meth="repeat">
-      <a:schemeClr val="accent4"/>
-    </dgm:linClrLst>
-    <dgm:effectClrLst/>
-    <dgm:txLinClrLst/>
-    <dgm:txFillClrLst meth="repeat">
-      <a:schemeClr val="tx1"/>
-    </dgm:txFillClrLst>
-    <dgm:txEffectClrLst/>
-  </dgm:styleLbl>
-  <dgm:styleLbl name="fgAcc1">
-    <dgm:fillClrLst meth="repeat">
-      <a:schemeClr val="lt1">
-        <a:alpha val="90000"/>
-      </a:schemeClr>
-    </dgm:fillClrLst>
-    <dgm:linClrLst meth="repeat">
-      <a:schemeClr val="accent2"/>
-      <a:schemeClr val="accent3"/>
-      <a:schemeClr val="accent4"/>
-      <a:schemeClr val="accent5"/>
-      <a:schemeClr val="accent6"/>
-    </dgm:linClrLst>
-    <dgm:effectClrLst/>
-    <dgm:txLinClrLst/>
-    <dgm:txFillClrLst meth="repeat">
-      <a:schemeClr val="dk1"/>
-    </dgm:txFillClrLst>
-    <dgm:txEffectClrLst/>
-  </dgm:styleLbl>
-  <dgm:styleLbl name="conFgAcc1">
-    <dgm:fillClrLst meth="repeat">
-      <a:schemeClr val="lt1">
-        <a:alpha val="90000"/>
-      </a:schemeClr>
-    </dgm:fillClrLst>
-    <dgm:linClrLst meth="repeat">
-      <a:schemeClr val="accent2"/>
-      <a:schemeClr val="accent3"/>
-      <a:schemeClr val="accent4"/>
-      <a:schemeClr val="accent5"/>
-      <a:schemeClr val="accent6"/>
-    </dgm:linClrLst>
-    <dgm:effectClrLst/>
-    <dgm:txLinClrLst/>
-    <dgm:txFillClrLst meth="repeat">
-      <a:schemeClr val="dk1"/>
-    </dgm:txFillClrLst>
-    <dgm:txEffectClrLst/>
-  </dgm:styleLbl>
-  <dgm:styleLbl name="alignAcc1">
-    <dgm:fillClrLst meth="repeat">
-      <a:schemeClr val="lt1">
-        <a:alpha val="90000"/>
-      </a:schemeClr>
-    </dgm:fillClrLst>
-    <dgm:linClrLst meth="repeat">
-      <a:schemeClr val="accent2"/>
-      <a:schemeClr val="accent3"/>
-      <a:schemeClr val="accent4"/>
-      <a:schemeClr val="accent5"/>
-      <a:schemeClr val="accent6"/>
-    </dgm:linClrLst>
-    <dgm:effectClrLst/>
-    <dgm:txLinClrLst/>
-    <dgm:txFillClrLst meth="repeat">
-      <a:schemeClr val="dk1"/>
-    </dgm:txFillClrLst>
-    <dgm:txEffectClrLst/>
-  </dgm:styleLbl>
-  <dgm:styleLbl name="trAlignAcc1">
-    <dgm:fillClrLst meth="repeat">
-      <a:schemeClr val="lt1">
-        <a:alpha val="40000"/>
-      </a:schemeClr>
-    </dgm:fillClrLst>
-    <dgm:linClrLst meth="repeat">
-      <a:schemeClr val="accent1"/>
-    </dgm:linClrLst>
-    <dgm:effectClrLst/>
-    <dgm:txLinClrLst/>
-    <dgm:txFillClrLst meth="repeat">
-      <a:schemeClr val="dk1"/>
-    </dgm:txFillClrLst>
-    <dgm:txEffectClrLst/>
-  </dgm:styleLbl>
-  <dgm:styleLbl name="bgAcc1">
-    <dgm:fillClrLst meth="repeat">
-      <a:schemeClr val="lt1">
-        <a:alpha val="90000"/>
-      </a:schemeClr>
-    </dgm:fillClrLst>
-    <dgm:linClrLst meth="repeat">
-      <a:schemeClr val="accent2"/>
-      <a:schemeClr val="accent3"/>
-      <a:schemeClr val="accent4"/>
-      <a:schemeClr val="accent5"/>
-      <a:schemeClr val="accent6"/>
-    </dgm:linClrLst>
-    <dgm:effectClrLst/>
-    <dgm:txLinClrLst/>
-    <dgm:txFillClrLst meth="repeat">
-      <a:schemeClr val="dk1"/>
-    </dgm:txFillClrLst>
-    <dgm:txEffectClrLst/>
-  </dgm:styleLbl>
-  <dgm:styleLbl name="solidFgAcc1">
-    <dgm:fillClrLst meth="repeat">
-      <a:schemeClr val="lt1"/>
-    </dgm:fillClrLst>
-    <dgm:linClrLst meth="repeat">
-      <a:schemeClr val="accent2"/>
-      <a:schemeClr val="accent3"/>
-      <a:schemeClr val="accent4"/>
-      <a:schemeClr val="accent5"/>
-      <a:schemeClr val="accent6"/>
-    </dgm:linClrLst>
-    <dgm:effectClrLst/>
-    <dgm:txLinClrLst/>
-    <dgm:txFillClrLst meth="repeat">
-      <a:schemeClr val="dk1"/>
-    </dgm:txFillClrLst>
-    <dgm:txEffectClrLst/>
-  </dgm:styleLbl>
-  <dgm:styleLbl name="solidAlignAcc1">
-    <dgm:fillClrLst meth="repeat">
-      <a:schemeClr val="lt1"/>
-    </dgm:fillClrLst>
-    <dgm:linClrLst meth="repeat">
-      <a:schemeClr val="accent2"/>
-      <a:schemeClr val="accent3"/>
-      <a:schemeClr val="accent4"/>
-      <a:schemeClr val="accent5"/>
-      <a:schemeClr val="accent6"/>
-    </dgm:linClrLst>
-    <dgm:effectClrLst/>
-    <dgm:txLinClrLst/>
-    <dgm:txFillClrLst meth="repeat">
-      <a:schemeClr val="dk1"/>
-    </dgm:txFillClrLst>
-    <dgm:txEffectClrLst/>
-  </dgm:styleLbl>
-  <dgm:styleLbl name="solidBgAcc1">
-    <dgm:fillClrLst meth="repeat">
-      <a:schemeClr val="lt1"/>
-    </dgm:fillClrLst>
-    <dgm:linClrLst meth="repeat">
-      <a:schemeClr val="accent2"/>
-      <a:schemeClr val="accent3"/>
-      <a:schemeClr val="accent4"/>
-      <a:schemeClr val="accent5"/>
-      <a:schemeClr val="accent6"/>
-    </dgm:linClrLst>
-    <dgm:effectClrLst/>
-    <dgm:txLinClrLst/>
-    <dgm:txFillClrLst meth="repeat">
-      <a:schemeClr val="dk1"/>
-    </dgm:txFillClrLst>
-    <dgm:txEffectClrLst/>
-  </dgm:styleLbl>
-  <dgm:styleLbl name="fgAccFollowNode1">
-    <dgm:fillClrLst meth="repeat">
-      <a:schemeClr val="accent2">
-        <a:tint val="40000"/>
-        <a:alpha val="90000"/>
-      </a:schemeClr>
-      <a:schemeClr val="accent3">
-        <a:tint val="40000"/>
-        <a:alpha val="90000"/>
-      </a:schemeClr>
-      <a:schemeClr val="accent4">
-        <a:tint val="40000"/>
-        <a:alpha val="90000"/>
-      </a:schemeClr>
-      <a:schemeClr val="accent5">
-        <a:tint val="40000"/>
-        <a:alpha val="90000"/>
-      </a:schemeClr>
-      <a:schemeClr val="accent6">
-        <a:tint val="40000"/>
-        <a:alpha val="90000"/>
-      </a:schemeClr>
-    </dgm:fillClrLst>
-    <dgm:linClrLst meth="repeat">
-      <a:schemeClr val="accent2">
-        <a:tint val="40000"/>
-        <a:alpha val="90000"/>
-      </a:schemeClr>
-      <a:schemeClr val="accent3">
-        <a:tint val="40000"/>
-        <a:alpha val="90000"/>
-      </a:schemeClr>
-      <a:schemeClr val="accent4">
-        <a:tint val="40000"/>
-        <a:alpha val="90000"/>
-      </a:schemeClr>
-      <a:schemeClr val="accent5">
-        <a:tint val="40000"/>
-        <a:alpha val="90000"/>
-      </a:schemeClr>
-      <a:schemeClr val="accent6">
-        <a:tint val="40000"/>
-        <a:alpha val="90000"/>
-      </a:schemeClr>
-    </dgm:linClrLst>
-    <dgm:effectClrLst/>
-    <dgm:txLinClrLst/>
-    <dgm:txFillClrLst meth="repeat">
-      <a:schemeClr val="dk1"/>
-    </dgm:txFillClrLst>
-    <dgm:txEffectClrLst/>
-  </dgm:styleLbl>
-  <dgm:styleLbl name="alignAccFollowNode1">
-    <dgm:fillClrLst meth="repeat">
-      <a:schemeClr val="accent2">
-        <a:tint val="40000"/>
-        <a:alpha val="90000"/>
-      </a:schemeClr>
-      <a:schemeClr val="accent3">
-        <a:tint val="40000"/>
-        <a:alpha val="90000"/>
-      </a:schemeClr>
-      <a:schemeClr val="accent4">
-        <a:tint val="40000"/>
-        <a:alpha val="90000"/>
-      </a:schemeClr>
-      <a:schemeClr val="accent5">
-        <a:tint val="40000"/>
-        <a:alpha val="90000"/>
-      </a:schemeClr>
-      <a:schemeClr val="accent6">
-        <a:tint val="40000"/>
-        <a:alpha val="90000"/>
-      </a:schemeClr>
-    </dgm:fillClrLst>
-    <dgm:linClrLst meth="repeat">
-      <a:schemeClr val="accent2">
-        <a:tint val="40000"/>
-        <a:alpha val="90000"/>
-      </a:schemeClr>
-      <a:schemeClr val="accent3">
-        <a:tint val="40000"/>
-        <a:alpha val="90000"/>
-      </a:schemeClr>
-      <a:schemeClr val="accent4">
-        <a:tint val="40000"/>
-        <a:alpha val="90000"/>
-      </a:schemeClr>
-      <a:schemeClr val="accent5">
-        <a:tint val="40000"/>
-        <a:alpha val="90000"/>
-      </a:schemeClr>
-      <a:schemeClr val="accent6">
-        <a:tint val="40000"/>
-        <a:alpha val="90000"/>
-      </a:schemeClr>
-    </dgm:linClrLst>
-    <dgm:effectClrLst/>
-    <dgm:txLinClrLst/>
-    <dgm:txFillClrLst meth="repeat">
-      <a:schemeClr val="dk1"/>
-    </dgm:txFillClrLst>
-    <dgm:txEffectClrLst/>
-  </dgm:styleLbl>
-  <dgm:styleLbl name="bgAccFollowNode1">
-    <dgm:fillClrLst meth="repeat">
-      <a:schemeClr val="accent2">
-        <a:tint val="40000"/>
-        <a:alpha val="90000"/>
-      </a:schemeClr>
-      <a:schemeClr val="accent3">
-        <a:tint val="40000"/>
-        <a:alpha val="90000"/>
-      </a:schemeClr>
-      <a:schemeClr val="accent4">
-        <a:tint val="40000"/>
-        <a:alpha val="90000"/>
-      </a:schemeClr>
-      <a:schemeClr val="accent5">
-        <a:tint val="40000"/>
-        <a:alpha val="90000"/>
-      </a:schemeClr>
-      <a:schemeClr val="accent6">
-        <a:tint val="40000"/>
-        <a:alpha val="90000"/>
-      </a:schemeClr>
-    </dgm:fillClrLst>
-    <dgm:linClrLst meth="repeat">
-      <a:schemeClr val="accent2">
-        <a:tint val="40000"/>
-        <a:alpha val="90000"/>
-      </a:schemeClr>
-      <a:schemeClr val="accent3">
-        <a:tint val="40000"/>
-        <a:alpha val="90000"/>
-      </a:schemeClr>
-      <a:schemeClr val="accent4">
-        <a:tint val="40000"/>
-        <a:alpha val="90000"/>
-      </a:schemeClr>
-      <a:schemeClr val="accent5">
-        <a:tint val="40000"/>
-        <a:alpha val="90000"/>
-      </a:schemeClr>
-      <a:schemeClr val="accent6">
-        <a:tint val="40000"/>
-        <a:alpha val="90000"/>
-      </a:schemeClr>
-    </dgm:linClrLst>
-    <dgm:effectClrLst/>
-    <dgm:txLinClrLst/>
-    <dgm:txFillClrLst meth="repeat">
-      <a:schemeClr val="dk1"/>
-    </dgm:txFillClrLst>
-    <dgm:txEffectClrLst/>
-  </dgm:styleLbl>
-  <dgm:styleLbl name="fgAcc0">
-    <dgm:fillClrLst meth="repeat">
-      <a:schemeClr val="lt1">
-        <a:alpha val="90000"/>
-      </a:schemeClr>
-    </dgm:fillClrLst>
-    <dgm:linClrLst>
-      <a:schemeClr val="accent1"/>
-    </dgm:linClrLst>
-    <dgm:effectClrLst/>
-    <dgm:txLinClrLst/>
-    <dgm:txFillClrLst meth="repeat">
-      <a:schemeClr val="dk1"/>
-    </dgm:txFillClrLst>
-    <dgm:txEffectClrLst/>
-  </dgm:styleLbl>
-  <dgm:styleLbl name="fgAcc2">
-    <dgm:fillClrLst meth="repeat">
-      <a:schemeClr val="lt1">
-        <a:alpha val="90000"/>
-      </a:schemeClr>
-    </dgm:fillClrLst>
-    <dgm:linClrLst>
-      <a:schemeClr val="accent2"/>
-    </dgm:linClrLst>
-    <dgm:effectClrLst/>
-    <dgm:txLinClrLst/>
-    <dgm:txFillClrLst meth="repeat">
-      <a:schemeClr val="dk1"/>
-    </dgm:txFillClrLst>
-    <dgm:txEffectClrLst/>
-  </dgm:styleLbl>
-  <dgm:styleLbl name="fgAcc3">
-    <dgm:fillClrLst meth="repeat">
-      <a:schemeClr val="lt1">
-        <a:alpha val="90000"/>
-      </a:schemeClr>
-    </dgm:fillClrLst>
-    <dgm:linClrLst>
-      <a:schemeClr val="accent3"/>
-    </dgm:linClrLst>
-    <dgm:effectClrLst/>
-    <dgm:txLinClrLst/>
-    <dgm:txFillClrLst meth="repeat">
-      <a:schemeClr val="dk1"/>
-    </dgm:txFillClrLst>
-    <dgm:txEffectClrLst/>
-  </dgm:styleLbl>
-  <dgm:styleLbl name="fgAcc4">
-    <dgm:fillClrLst meth="repeat">
-      <a:schemeClr val="lt1">
-        <a:alpha val="90000"/>
-      </a:schemeClr>
-    </dgm:fillClrLst>
-    <dgm:linClrLst>
-      <a:schemeClr val="accent4"/>
-    </dgm:linClrLst>
-    <dgm:effectClrLst/>
-    <dgm:txLinClrLst/>
-    <dgm:txFillClrLst meth="repeat">
-      <a:schemeClr val="dk1"/>
-    </dgm:txFillClrLst>
-    <dgm:txEffectClrLst/>
-  </dgm:styleLbl>
-  <dgm:styleLbl name="bgShp">
-    <dgm:fillClrLst meth="repeat">
-      <a:schemeClr val="accent2">
-        <a:tint val="40000"/>
-      </a:schemeClr>
-    </dgm:fillClrLst>
-    <dgm:linClrLst meth="repeat">
-      <a:schemeClr val="dk1"/>
-    </dgm:linClrLst>
-    <dgm:effectClrLst/>
-    <dgm:txLinClrLst/>
-    <dgm:txFillClrLst meth="repeat">
-      <a:schemeClr val="dk1"/>
-    </dgm:txFillClrLst>
-    <dgm:txEffectClrLst/>
-  </dgm:styleLbl>
-  <dgm:styleLbl name="dkBgShp">
-    <dgm:fillClrLst meth="repeat">
-      <a:schemeClr val="accent2">
-        <a:shade val="90000"/>
-      </a:schemeClr>
-    </dgm:fillClrLst>
-    <dgm:linClrLst meth="repeat">
-      <a:schemeClr val="dk1"/>
-    </dgm:linClrLst>
-    <dgm:effectClrLst/>
-    <dgm:txLinClrLst/>
-    <dgm:txFillClrLst meth="repeat">
-      <a:schemeClr val="lt1"/>
-    </dgm:txFillClrLst>
-    <dgm:txEffectClrLst/>
-  </dgm:styleLbl>
-  <dgm:styleLbl name="trBgShp">
-    <dgm:fillClrLst meth="repeat">
-      <a:schemeClr val="accent1">
-        <a:tint val="50000"/>
-        <a:alpha val="40000"/>
-      </a:schemeClr>
-    </dgm:fillClrLst>
-    <dgm:linClrLst meth="repeat">
-      <a:schemeClr val="accent2"/>
-    </dgm:linClrLst>
-    <dgm:effectClrLst/>
-    <dgm:txLinClrLst/>
-    <dgm:txFillClrLst meth="repeat">
-      <a:schemeClr val="lt1"/>
-    </dgm:txFillClrLst>
-    <dgm:txEffectClrLst/>
-  </dgm:styleLbl>
-  <dgm:styleLbl name="fgShp">
-    <dgm:fillClrLst meth="repeat">
-      <a:schemeClr val="accent2">
-        <a:tint val="40000"/>
-      </a:schemeClr>
-    </dgm:fillClrLst>
-    <dgm:linClrLst meth="repeat">
-      <a:schemeClr val="lt1"/>
-    </dgm:linClrLst>
-    <dgm:effectClrLst/>
-    <dgm:txLinClrLst/>
-    <dgm:txFillClrLst meth="repeat">
-      <a:schemeClr val="dk1"/>
-    </dgm:txFillClrLst>
-    <dgm:txEffectClrLst/>
-  </dgm:styleLbl>
-  <dgm:styleLbl name="revTx">
-    <dgm:fillClrLst meth="repeat">
-      <a:schemeClr val="lt1">
-        <a:alpha val="0"/>
-      </a:schemeClr>
-    </dgm:fillClrLst>
-    <dgm:linClrLst meth="repeat">
-      <a:schemeClr val="dk1">
-        <a:alpha val="0"/>
-      </a:schemeClr>
-    </dgm:linClrLst>
-    <dgm:effectClrLst/>
-    <dgm:txLinClrLst/>
-    <dgm:txFillClrLst meth="repeat">
-      <a:schemeClr val="tx1"/>
-    </dgm:txFillClrLst>
-    <dgm:txEffectClrLst/>
-  </dgm:styleLbl>
-</dgm:colorsDef>
-</file>
-
 <file path=ppt/diagrams/data1.xml><?xml version="1.0" encoding="utf-8"?>
 <dgm:dataModel xmlns:dgm="http://schemas.openxmlformats.org/drawingml/2006/diagram" xmlns:a="http://schemas.openxmlformats.org/drawingml/2006/main">
   <dgm:ptLst>
@@ -2140,485 +1223,6 @@
     <dgm:cxn modelId="{6659A580-5D14-4A73-9CC5-5819F847938C}" type="presParOf" srcId="{A552A04A-3272-4908-A440-CDA9FC0D730F}" destId="{4BB95F86-B63C-4010-A0DF-DBD69C20CED4}" srcOrd="1" destOrd="0" presId="urn:microsoft.com/office/officeart/2005/8/layout/list1"/>
     <dgm:cxn modelId="{B6EF546D-FA76-49E6-A343-6D61A520EBA9}" type="presParOf" srcId="{826794AB-0338-42A7-BC5C-8633B225C720}" destId="{61DC9688-C5F1-4B02-8C05-7DB2D45DC09D}" srcOrd="9" destOrd="0" presId="urn:microsoft.com/office/officeart/2005/8/layout/list1"/>
     <dgm:cxn modelId="{5C985994-19D5-410C-961F-90034DA1FD6D}" type="presParOf" srcId="{826794AB-0338-42A7-BC5C-8633B225C720}" destId="{A3B02135-D79B-4694-AFA0-A4E62BC8B6DE}" srcOrd="10" destOrd="0" presId="urn:microsoft.com/office/officeart/2005/8/layout/list1"/>
-  </dgm:cxnLst>
-  <dgm:bg/>
-  <dgm:whole/>
-  <dgm:extLst>
-    <a:ext uri="http://schemas.microsoft.com/office/drawing/2008/diagram">
-      <dsp:dataModelExt xmlns:dsp="http://schemas.microsoft.com/office/drawing/2008/diagram" relId="rId6" minVer="http://schemas.openxmlformats.org/drawingml/2006/diagram"/>
-    </a:ext>
-  </dgm:extLst>
-</dgm:dataModel>
-</file>
-
-<file path=ppt/diagrams/data2.xml><?xml version="1.0" encoding="utf-8"?>
-<dgm:dataModel xmlns:dgm="http://schemas.openxmlformats.org/drawingml/2006/diagram" xmlns:a="http://schemas.openxmlformats.org/drawingml/2006/main">
-  <dgm:ptLst>
-    <dgm:pt modelId="{E4D822CB-6ACD-460A-B0FC-0CAFCDF0DEE0}" type="doc">
-      <dgm:prSet loTypeId="urn:microsoft.com/office/officeart/2005/8/layout/chevron1" loCatId="process" qsTypeId="urn:microsoft.com/office/officeart/2005/8/quickstyle/simple1" qsCatId="simple" csTypeId="urn:microsoft.com/office/officeart/2005/8/colors/colorful1" csCatId="colorful" phldr="1"/>
-      <dgm:spPr/>
-    </dgm:pt>
-    <dgm:pt modelId="{C0A1EF1F-F691-4EDC-B47D-9F5928C1E110}">
-      <dgm:prSet phldrT="[Text]"/>
-      <dgm:spPr/>
-      <dgm:t>
-        <a:bodyPr/>
-        <a:lstStyle/>
-        <a:p>
-          <a:r>
-            <a:rPr lang="en-US" dirty="0"/>
-            <a:t>Plan</a:t>
-          </a:r>
-        </a:p>
-      </dgm:t>
-    </dgm:pt>
-    <dgm:pt modelId="{4AC27718-D76B-4CF7-9CC7-F00FD3043AFA}" type="parTrans" cxnId="{68759D61-5B6F-460B-AF43-0975A65D49F5}">
-      <dgm:prSet/>
-      <dgm:spPr/>
-      <dgm:t>
-        <a:bodyPr/>
-        <a:lstStyle/>
-        <a:p>
-          <a:endParaRPr lang="en-US"/>
-        </a:p>
-      </dgm:t>
-    </dgm:pt>
-    <dgm:pt modelId="{6303C809-875B-4646-A50C-9FD18FA0B755}" type="sibTrans" cxnId="{68759D61-5B6F-460B-AF43-0975A65D49F5}">
-      <dgm:prSet/>
-      <dgm:spPr/>
-      <dgm:t>
-        <a:bodyPr/>
-        <a:lstStyle/>
-        <a:p>
-          <a:endParaRPr lang="en-US"/>
-        </a:p>
-      </dgm:t>
-    </dgm:pt>
-    <dgm:pt modelId="{9D8652E9-B02D-4552-A9F3-3873AEF6A867}">
-      <dgm:prSet phldrT="[Text]">
-        <dgm:style>
-          <a:lnRef idx="3">
-            <a:schemeClr val="lt1"/>
-          </a:lnRef>
-          <a:fillRef idx="1">
-            <a:schemeClr val="accent5"/>
-          </a:fillRef>
-          <a:effectRef idx="1">
-            <a:schemeClr val="accent5"/>
-          </a:effectRef>
-          <a:fontRef idx="minor">
-            <a:schemeClr val="lt1"/>
-          </a:fontRef>
-        </dgm:style>
-      </dgm:prSet>
-      <dgm:spPr/>
-      <dgm:t>
-        <a:bodyPr/>
-        <a:lstStyle/>
-        <a:p>
-          <a:r>
-            <a:rPr lang="en-US" dirty="0"/>
-            <a:t>Execute</a:t>
-          </a:r>
-        </a:p>
-      </dgm:t>
-    </dgm:pt>
-    <dgm:pt modelId="{361A3FF4-8AF7-48D4-899B-852C12A263F3}" type="parTrans" cxnId="{136072A2-B37D-4353-AE26-BEB557AB502F}">
-      <dgm:prSet/>
-      <dgm:spPr/>
-      <dgm:t>
-        <a:bodyPr/>
-        <a:lstStyle/>
-        <a:p>
-          <a:endParaRPr lang="en-US"/>
-        </a:p>
-      </dgm:t>
-    </dgm:pt>
-    <dgm:pt modelId="{289003DE-B714-42EA-BBFB-CE755CA197B4}" type="sibTrans" cxnId="{136072A2-B37D-4353-AE26-BEB557AB502F}">
-      <dgm:prSet/>
-      <dgm:spPr/>
-      <dgm:t>
-        <a:bodyPr/>
-        <a:lstStyle/>
-        <a:p>
-          <a:endParaRPr lang="en-US"/>
-        </a:p>
-      </dgm:t>
-    </dgm:pt>
-    <dgm:pt modelId="{13F6C7B3-529D-4768-8C92-DCE918CA1B5A}">
-      <dgm:prSet phldrT="[Text]"/>
-      <dgm:spPr/>
-      <dgm:t>
-        <a:bodyPr/>
-        <a:lstStyle/>
-        <a:p>
-          <a:r>
-            <a:rPr lang="en-US" dirty="0"/>
-            <a:t>Check</a:t>
-          </a:r>
-        </a:p>
-      </dgm:t>
-    </dgm:pt>
-    <dgm:pt modelId="{C3E253E7-8781-4831-8994-8C7DF9C9BF87}" type="parTrans" cxnId="{E0D7632D-6C49-4E65-AE80-73462A7E4AB2}">
-      <dgm:prSet/>
-      <dgm:spPr/>
-      <dgm:t>
-        <a:bodyPr/>
-        <a:lstStyle/>
-        <a:p>
-          <a:endParaRPr lang="en-US"/>
-        </a:p>
-      </dgm:t>
-    </dgm:pt>
-    <dgm:pt modelId="{965F99EC-168B-463D-A31D-B1B974C75F88}" type="sibTrans" cxnId="{E0D7632D-6C49-4E65-AE80-73462A7E4AB2}">
-      <dgm:prSet/>
-      <dgm:spPr/>
-      <dgm:t>
-        <a:bodyPr/>
-        <a:lstStyle/>
-        <a:p>
-          <a:endParaRPr lang="en-US"/>
-        </a:p>
-      </dgm:t>
-    </dgm:pt>
-    <dgm:pt modelId="{CFC98AD5-0442-4923-A281-2752493789ED}">
-      <dgm:prSet phldrT="[Text]">
-        <dgm:style>
-          <a:lnRef idx="3">
-            <a:schemeClr val="lt1"/>
-          </a:lnRef>
-          <a:fillRef idx="1">
-            <a:schemeClr val="accent2"/>
-          </a:fillRef>
-          <a:effectRef idx="1">
-            <a:schemeClr val="accent2"/>
-          </a:effectRef>
-          <a:fontRef idx="minor">
-            <a:schemeClr val="lt1"/>
-          </a:fontRef>
-        </dgm:style>
-      </dgm:prSet>
-      <dgm:spPr/>
-      <dgm:t>
-        <a:bodyPr/>
-        <a:lstStyle/>
-        <a:p>
-          <a:r>
-            <a:rPr lang="en-US" dirty="0"/>
-            <a:t>Replan</a:t>
-          </a:r>
-        </a:p>
-      </dgm:t>
-    </dgm:pt>
-    <dgm:pt modelId="{BA96FCFB-3B55-4C05-BFFD-ADBF63086E25}" type="parTrans" cxnId="{0B35DA32-676B-4E67-8255-EAA9F1D0E491}">
-      <dgm:prSet/>
-      <dgm:spPr/>
-      <dgm:t>
-        <a:bodyPr/>
-        <a:lstStyle/>
-        <a:p>
-          <a:endParaRPr lang="en-US"/>
-        </a:p>
-      </dgm:t>
-    </dgm:pt>
-    <dgm:pt modelId="{41D916EB-A88A-4C79-B40D-9E8CF6828FBD}" type="sibTrans" cxnId="{0B35DA32-676B-4E67-8255-EAA9F1D0E491}">
-      <dgm:prSet/>
-      <dgm:spPr/>
-      <dgm:t>
-        <a:bodyPr/>
-        <a:lstStyle/>
-        <a:p>
-          <a:endParaRPr lang="en-US"/>
-        </a:p>
-      </dgm:t>
-    </dgm:pt>
-    <dgm:pt modelId="{F4C8B2D1-0923-4F1C-8104-7E77E52E4F63}">
-      <dgm:prSet phldrT="[Text]">
-        <dgm:style>
-          <a:lnRef idx="3">
-            <a:schemeClr val="lt1"/>
-          </a:lnRef>
-          <a:fillRef idx="1">
-            <a:schemeClr val="accent5"/>
-          </a:fillRef>
-          <a:effectRef idx="1">
-            <a:schemeClr val="accent5"/>
-          </a:effectRef>
-          <a:fontRef idx="minor">
-            <a:schemeClr val="lt1"/>
-          </a:fontRef>
-        </dgm:style>
-      </dgm:prSet>
-      <dgm:spPr/>
-      <dgm:t>
-        <a:bodyPr/>
-        <a:lstStyle/>
-        <a:p>
-          <a:r>
-            <a:rPr lang="en-US" dirty="0"/>
-            <a:t>Execute</a:t>
-          </a:r>
-        </a:p>
-      </dgm:t>
-    </dgm:pt>
-    <dgm:pt modelId="{D681102E-81F3-442D-8FD4-A19F80208B3E}" type="parTrans" cxnId="{3823C53E-D53F-4450-938D-D46782A15686}">
-      <dgm:prSet/>
-      <dgm:spPr/>
-      <dgm:t>
-        <a:bodyPr/>
-        <a:lstStyle/>
-        <a:p>
-          <a:endParaRPr lang="en-US"/>
-        </a:p>
-      </dgm:t>
-    </dgm:pt>
-    <dgm:pt modelId="{1E5E7454-EE17-4911-B92B-D0973EBC8701}" type="sibTrans" cxnId="{3823C53E-D53F-4450-938D-D46782A15686}">
-      <dgm:prSet/>
-      <dgm:spPr/>
-      <dgm:t>
-        <a:bodyPr/>
-        <a:lstStyle/>
-        <a:p>
-          <a:endParaRPr lang="en-US"/>
-        </a:p>
-      </dgm:t>
-    </dgm:pt>
-    <dgm:pt modelId="{B576D270-BFDF-4EE7-9F45-0798BEA1449E}">
-      <dgm:prSet phldrT="[Text]">
-        <dgm:style>
-          <a:lnRef idx="3">
-            <a:schemeClr val="lt1"/>
-          </a:lnRef>
-          <a:fillRef idx="1">
-            <a:schemeClr val="accent4"/>
-          </a:fillRef>
-          <a:effectRef idx="1">
-            <a:schemeClr val="accent4"/>
-          </a:effectRef>
-          <a:fontRef idx="minor">
-            <a:schemeClr val="lt1"/>
-          </a:fontRef>
-        </dgm:style>
-      </dgm:prSet>
-      <dgm:spPr/>
-      <dgm:t>
-        <a:bodyPr/>
-        <a:lstStyle/>
-        <a:p>
-          <a:r>
-            <a:rPr lang="en-US" dirty="0"/>
-            <a:t>…</a:t>
-          </a:r>
-        </a:p>
-      </dgm:t>
-    </dgm:pt>
-    <dgm:pt modelId="{FC2540DE-0785-4DC8-A152-C1E30FACD815}" type="parTrans" cxnId="{B1206F36-3292-4CC8-AADA-C07A726CF86D}">
-      <dgm:prSet/>
-      <dgm:spPr/>
-      <dgm:t>
-        <a:bodyPr/>
-        <a:lstStyle/>
-        <a:p>
-          <a:endParaRPr lang="en-US"/>
-        </a:p>
-      </dgm:t>
-    </dgm:pt>
-    <dgm:pt modelId="{90C738DA-EC28-472D-B593-E8F23AAFD384}" type="sibTrans" cxnId="{B1206F36-3292-4CC8-AADA-C07A726CF86D}">
-      <dgm:prSet/>
-      <dgm:spPr/>
-      <dgm:t>
-        <a:bodyPr/>
-        <a:lstStyle/>
-        <a:p>
-          <a:endParaRPr lang="en-US"/>
-        </a:p>
-      </dgm:t>
-    </dgm:pt>
-    <dgm:pt modelId="{0F3ACFAE-A9F8-4272-B114-5C09BA337050}">
-      <dgm:prSet phldrT="[Text]">
-        <dgm:style>
-          <a:lnRef idx="3">
-            <a:schemeClr val="lt1"/>
-          </a:lnRef>
-          <a:fillRef idx="1">
-            <a:schemeClr val="accent6"/>
-          </a:fillRef>
-          <a:effectRef idx="1">
-            <a:schemeClr val="accent6"/>
-          </a:effectRef>
-          <a:fontRef idx="minor">
-            <a:schemeClr val="lt1"/>
-          </a:fontRef>
-        </dgm:style>
-      </dgm:prSet>
-      <dgm:spPr/>
-      <dgm:t>
-        <a:bodyPr/>
-        <a:lstStyle/>
-        <a:p>
-          <a:r>
-            <a:rPr lang="en-US" dirty="0"/>
-            <a:t>Goal</a:t>
-          </a:r>
-        </a:p>
-      </dgm:t>
-    </dgm:pt>
-    <dgm:pt modelId="{09FA9053-DCF2-405F-84CC-3976F8D3A6CE}" type="parTrans" cxnId="{7B690919-6C7B-4205-88A6-BB3474688010}">
-      <dgm:prSet/>
-      <dgm:spPr/>
-      <dgm:t>
-        <a:bodyPr/>
-        <a:lstStyle/>
-        <a:p>
-          <a:endParaRPr lang="en-US"/>
-        </a:p>
-      </dgm:t>
-    </dgm:pt>
-    <dgm:pt modelId="{B54E67F2-0F8B-4A13-A0BA-7BE996B34580}" type="sibTrans" cxnId="{7B690919-6C7B-4205-88A6-BB3474688010}">
-      <dgm:prSet/>
-      <dgm:spPr/>
-      <dgm:t>
-        <a:bodyPr/>
-        <a:lstStyle/>
-        <a:p>
-          <a:endParaRPr lang="en-US"/>
-        </a:p>
-      </dgm:t>
-    </dgm:pt>
-    <dgm:pt modelId="{4E7D953F-460B-4CFD-AF4D-6135CCD53761}" type="pres">
-      <dgm:prSet presAssocID="{E4D822CB-6ACD-460A-B0FC-0CAFCDF0DEE0}" presName="Name0" presStyleCnt="0">
-        <dgm:presLayoutVars>
-          <dgm:dir/>
-          <dgm:animLvl val="lvl"/>
-          <dgm:resizeHandles val="exact"/>
-        </dgm:presLayoutVars>
-      </dgm:prSet>
-      <dgm:spPr/>
-    </dgm:pt>
-    <dgm:pt modelId="{201D0ADC-86C8-4FEB-A73C-D5249AD8DF3F}" type="pres">
-      <dgm:prSet presAssocID="{C0A1EF1F-F691-4EDC-B47D-9F5928C1E110}" presName="parTxOnly" presStyleLbl="node1" presStyleIdx="0" presStyleCnt="7">
-        <dgm:presLayoutVars>
-          <dgm:chMax val="0"/>
-          <dgm:chPref val="0"/>
-          <dgm:bulletEnabled val="1"/>
-        </dgm:presLayoutVars>
-      </dgm:prSet>
-      <dgm:spPr/>
-    </dgm:pt>
-    <dgm:pt modelId="{99C690D9-5F9D-4DBA-8572-3160F7FDB1C6}" type="pres">
-      <dgm:prSet presAssocID="{6303C809-875B-4646-A50C-9FD18FA0B755}" presName="parTxOnlySpace" presStyleCnt="0"/>
-      <dgm:spPr/>
-    </dgm:pt>
-    <dgm:pt modelId="{2FA94983-A935-42C2-96A2-8700167A3F13}" type="pres">
-      <dgm:prSet presAssocID="{9D8652E9-B02D-4552-A9F3-3873AEF6A867}" presName="parTxOnly" presStyleLbl="node1" presStyleIdx="1" presStyleCnt="7">
-        <dgm:presLayoutVars>
-          <dgm:chMax val="0"/>
-          <dgm:chPref val="0"/>
-          <dgm:bulletEnabled val="1"/>
-        </dgm:presLayoutVars>
-      </dgm:prSet>
-      <dgm:spPr/>
-    </dgm:pt>
-    <dgm:pt modelId="{EFFBE12A-F185-42D2-BF6E-8D7DE6E1F0FD}" type="pres">
-      <dgm:prSet presAssocID="{289003DE-B714-42EA-BBFB-CE755CA197B4}" presName="parTxOnlySpace" presStyleCnt="0"/>
-      <dgm:spPr/>
-    </dgm:pt>
-    <dgm:pt modelId="{DA4613D2-A6DE-4BE7-8EE1-76246A606501}" type="pres">
-      <dgm:prSet presAssocID="{13F6C7B3-529D-4768-8C92-DCE918CA1B5A}" presName="parTxOnly" presStyleLbl="node1" presStyleIdx="2" presStyleCnt="7">
-        <dgm:presLayoutVars>
-          <dgm:chMax val="0"/>
-          <dgm:chPref val="0"/>
-          <dgm:bulletEnabled val="1"/>
-        </dgm:presLayoutVars>
-      </dgm:prSet>
-      <dgm:spPr/>
-    </dgm:pt>
-    <dgm:pt modelId="{C8961565-C3C2-4C30-A74F-EE6631B4685A}" type="pres">
-      <dgm:prSet presAssocID="{965F99EC-168B-463D-A31D-B1B974C75F88}" presName="parTxOnlySpace" presStyleCnt="0"/>
-      <dgm:spPr/>
-    </dgm:pt>
-    <dgm:pt modelId="{11C6A9F8-ED9F-450C-B9CD-D28089ADEEE4}" type="pres">
-      <dgm:prSet presAssocID="{CFC98AD5-0442-4923-A281-2752493789ED}" presName="parTxOnly" presStyleLbl="node1" presStyleIdx="3" presStyleCnt="7">
-        <dgm:presLayoutVars>
-          <dgm:chMax val="0"/>
-          <dgm:chPref val="0"/>
-          <dgm:bulletEnabled val="1"/>
-        </dgm:presLayoutVars>
-      </dgm:prSet>
-      <dgm:spPr/>
-    </dgm:pt>
-    <dgm:pt modelId="{CD90F57B-699D-481C-BFB6-11CB793C1003}" type="pres">
-      <dgm:prSet presAssocID="{41D916EB-A88A-4C79-B40D-9E8CF6828FBD}" presName="parTxOnlySpace" presStyleCnt="0"/>
-      <dgm:spPr/>
-    </dgm:pt>
-    <dgm:pt modelId="{7676D92C-9E73-47BA-90D2-4FDC7B9BFEB6}" type="pres">
-      <dgm:prSet presAssocID="{F4C8B2D1-0923-4F1C-8104-7E77E52E4F63}" presName="parTxOnly" presStyleLbl="node1" presStyleIdx="4" presStyleCnt="7">
-        <dgm:presLayoutVars>
-          <dgm:chMax val="0"/>
-          <dgm:chPref val="0"/>
-          <dgm:bulletEnabled val="1"/>
-        </dgm:presLayoutVars>
-      </dgm:prSet>
-      <dgm:spPr/>
-    </dgm:pt>
-    <dgm:pt modelId="{62C2230D-C0FA-4105-ADD6-078EB3220829}" type="pres">
-      <dgm:prSet presAssocID="{1E5E7454-EE17-4911-B92B-D0973EBC8701}" presName="parTxOnlySpace" presStyleCnt="0"/>
-      <dgm:spPr/>
-    </dgm:pt>
-    <dgm:pt modelId="{6603D2B1-844E-4804-8A8A-AE9CD716AFAB}" type="pres">
-      <dgm:prSet presAssocID="{B576D270-BFDF-4EE7-9F45-0798BEA1449E}" presName="parTxOnly" presStyleLbl="node1" presStyleIdx="5" presStyleCnt="7">
-        <dgm:presLayoutVars>
-          <dgm:chMax val="0"/>
-          <dgm:chPref val="0"/>
-          <dgm:bulletEnabled val="1"/>
-        </dgm:presLayoutVars>
-      </dgm:prSet>
-      <dgm:spPr/>
-    </dgm:pt>
-    <dgm:pt modelId="{B09CB882-AF8A-4B20-BF8C-323CFBEF09B3}" type="pres">
-      <dgm:prSet presAssocID="{90C738DA-EC28-472D-B593-E8F23AAFD384}" presName="parTxOnlySpace" presStyleCnt="0"/>
-      <dgm:spPr/>
-    </dgm:pt>
-    <dgm:pt modelId="{03CBB1FD-5E0C-417B-90DD-8E46DA4470FF}" type="pres">
-      <dgm:prSet presAssocID="{0F3ACFAE-A9F8-4272-B114-5C09BA337050}" presName="parTxOnly" presStyleLbl="node1" presStyleIdx="6" presStyleCnt="7">
-        <dgm:presLayoutVars>
-          <dgm:chMax val="0"/>
-          <dgm:chPref val="0"/>
-          <dgm:bulletEnabled val="1"/>
-        </dgm:presLayoutVars>
-      </dgm:prSet>
-      <dgm:spPr/>
-    </dgm:pt>
-  </dgm:ptLst>
-  <dgm:cxnLst>
-    <dgm:cxn modelId="{7B690919-6C7B-4205-88A6-BB3474688010}" srcId="{E4D822CB-6ACD-460A-B0FC-0CAFCDF0DEE0}" destId="{0F3ACFAE-A9F8-4272-B114-5C09BA337050}" srcOrd="6" destOrd="0" parTransId="{09FA9053-DCF2-405F-84CC-3976F8D3A6CE}" sibTransId="{B54E67F2-0F8B-4A13-A0BA-7BE996B34580}"/>
-    <dgm:cxn modelId="{E0D7632D-6C49-4E65-AE80-73462A7E4AB2}" srcId="{E4D822CB-6ACD-460A-B0FC-0CAFCDF0DEE0}" destId="{13F6C7B3-529D-4768-8C92-DCE918CA1B5A}" srcOrd="2" destOrd="0" parTransId="{C3E253E7-8781-4831-8994-8C7DF9C9BF87}" sibTransId="{965F99EC-168B-463D-A31D-B1B974C75F88}"/>
-    <dgm:cxn modelId="{0B35DA32-676B-4E67-8255-EAA9F1D0E491}" srcId="{E4D822CB-6ACD-460A-B0FC-0CAFCDF0DEE0}" destId="{CFC98AD5-0442-4923-A281-2752493789ED}" srcOrd="3" destOrd="0" parTransId="{BA96FCFB-3B55-4C05-BFFD-ADBF63086E25}" sibTransId="{41D916EB-A88A-4C79-B40D-9E8CF6828FBD}"/>
-    <dgm:cxn modelId="{B1206F36-3292-4CC8-AADA-C07A726CF86D}" srcId="{E4D822CB-6ACD-460A-B0FC-0CAFCDF0DEE0}" destId="{B576D270-BFDF-4EE7-9F45-0798BEA1449E}" srcOrd="5" destOrd="0" parTransId="{FC2540DE-0785-4DC8-A152-C1E30FACD815}" sibTransId="{90C738DA-EC28-472D-B593-E8F23AAFD384}"/>
-    <dgm:cxn modelId="{FB093839-0382-4A6E-9205-EF861768C832}" type="presOf" srcId="{C0A1EF1F-F691-4EDC-B47D-9F5928C1E110}" destId="{201D0ADC-86C8-4FEB-A73C-D5249AD8DF3F}" srcOrd="0" destOrd="0" presId="urn:microsoft.com/office/officeart/2005/8/layout/chevron1"/>
-    <dgm:cxn modelId="{3823C53E-D53F-4450-938D-D46782A15686}" srcId="{E4D822CB-6ACD-460A-B0FC-0CAFCDF0DEE0}" destId="{F4C8B2D1-0923-4F1C-8104-7E77E52E4F63}" srcOrd="4" destOrd="0" parTransId="{D681102E-81F3-442D-8FD4-A19F80208B3E}" sibTransId="{1E5E7454-EE17-4911-B92B-D0973EBC8701}"/>
-    <dgm:cxn modelId="{68759D61-5B6F-460B-AF43-0975A65D49F5}" srcId="{E4D822CB-6ACD-460A-B0FC-0CAFCDF0DEE0}" destId="{C0A1EF1F-F691-4EDC-B47D-9F5928C1E110}" srcOrd="0" destOrd="0" parTransId="{4AC27718-D76B-4CF7-9CC7-F00FD3043AFA}" sibTransId="{6303C809-875B-4646-A50C-9FD18FA0B755}"/>
-    <dgm:cxn modelId="{5BD81855-DBD0-4519-872A-0152C0B65B20}" type="presOf" srcId="{B576D270-BFDF-4EE7-9F45-0798BEA1449E}" destId="{6603D2B1-844E-4804-8A8A-AE9CD716AFAB}" srcOrd="0" destOrd="0" presId="urn:microsoft.com/office/officeart/2005/8/layout/chevron1"/>
-    <dgm:cxn modelId="{FC47FA7D-BAB6-4880-A395-7DDBEB7C5833}" type="presOf" srcId="{0F3ACFAE-A9F8-4272-B114-5C09BA337050}" destId="{03CBB1FD-5E0C-417B-90DD-8E46DA4470FF}" srcOrd="0" destOrd="0" presId="urn:microsoft.com/office/officeart/2005/8/layout/chevron1"/>
-    <dgm:cxn modelId="{8088F182-E370-4CCA-B48E-95F62E32BF21}" type="presOf" srcId="{13F6C7B3-529D-4768-8C92-DCE918CA1B5A}" destId="{DA4613D2-A6DE-4BE7-8EE1-76246A606501}" srcOrd="0" destOrd="0" presId="urn:microsoft.com/office/officeart/2005/8/layout/chevron1"/>
-    <dgm:cxn modelId="{0C59D186-22D3-4B8B-AC3F-61D5D0D59526}" type="presOf" srcId="{9D8652E9-B02D-4552-A9F3-3873AEF6A867}" destId="{2FA94983-A935-42C2-96A2-8700167A3F13}" srcOrd="0" destOrd="0" presId="urn:microsoft.com/office/officeart/2005/8/layout/chevron1"/>
-    <dgm:cxn modelId="{136072A2-B37D-4353-AE26-BEB557AB502F}" srcId="{E4D822CB-6ACD-460A-B0FC-0CAFCDF0DEE0}" destId="{9D8652E9-B02D-4552-A9F3-3873AEF6A867}" srcOrd="1" destOrd="0" parTransId="{361A3FF4-8AF7-48D4-899B-852C12A263F3}" sibTransId="{289003DE-B714-42EA-BBFB-CE755CA197B4}"/>
-    <dgm:cxn modelId="{735591BB-6E51-42D6-89E4-ACB89FF38D39}" type="presOf" srcId="{CFC98AD5-0442-4923-A281-2752493789ED}" destId="{11C6A9F8-ED9F-450C-B9CD-D28089ADEEE4}" srcOrd="0" destOrd="0" presId="urn:microsoft.com/office/officeart/2005/8/layout/chevron1"/>
-    <dgm:cxn modelId="{5BB683E8-4325-4852-BDC7-ECEBBFABF1B6}" type="presOf" srcId="{E4D822CB-6ACD-460A-B0FC-0CAFCDF0DEE0}" destId="{4E7D953F-460B-4CFD-AF4D-6135CCD53761}" srcOrd="0" destOrd="0" presId="urn:microsoft.com/office/officeart/2005/8/layout/chevron1"/>
-    <dgm:cxn modelId="{86E64CEA-7FB9-49CE-9FD5-347B12693CDF}" type="presOf" srcId="{F4C8B2D1-0923-4F1C-8104-7E77E52E4F63}" destId="{7676D92C-9E73-47BA-90D2-4FDC7B9BFEB6}" srcOrd="0" destOrd="0" presId="urn:microsoft.com/office/officeart/2005/8/layout/chevron1"/>
-    <dgm:cxn modelId="{96B4501F-3560-43D7-A7AA-C2FDC9351196}" type="presParOf" srcId="{4E7D953F-460B-4CFD-AF4D-6135CCD53761}" destId="{201D0ADC-86C8-4FEB-A73C-D5249AD8DF3F}" srcOrd="0" destOrd="0" presId="urn:microsoft.com/office/officeart/2005/8/layout/chevron1"/>
-    <dgm:cxn modelId="{6DE8D41C-7BC8-4A6D-B5D6-31E1AD3AC4CD}" type="presParOf" srcId="{4E7D953F-460B-4CFD-AF4D-6135CCD53761}" destId="{99C690D9-5F9D-4DBA-8572-3160F7FDB1C6}" srcOrd="1" destOrd="0" presId="urn:microsoft.com/office/officeart/2005/8/layout/chevron1"/>
-    <dgm:cxn modelId="{E981507D-35B0-498B-BF29-A4EA5AA38BF6}" type="presParOf" srcId="{4E7D953F-460B-4CFD-AF4D-6135CCD53761}" destId="{2FA94983-A935-42C2-96A2-8700167A3F13}" srcOrd="2" destOrd="0" presId="urn:microsoft.com/office/officeart/2005/8/layout/chevron1"/>
-    <dgm:cxn modelId="{EFB0DA77-4C00-4FD9-B21A-F94C331D4E1C}" type="presParOf" srcId="{4E7D953F-460B-4CFD-AF4D-6135CCD53761}" destId="{EFFBE12A-F185-42D2-BF6E-8D7DE6E1F0FD}" srcOrd="3" destOrd="0" presId="urn:microsoft.com/office/officeart/2005/8/layout/chevron1"/>
-    <dgm:cxn modelId="{60F105D9-DEAC-468A-B02D-7E91672BAF72}" type="presParOf" srcId="{4E7D953F-460B-4CFD-AF4D-6135CCD53761}" destId="{DA4613D2-A6DE-4BE7-8EE1-76246A606501}" srcOrd="4" destOrd="0" presId="urn:microsoft.com/office/officeart/2005/8/layout/chevron1"/>
-    <dgm:cxn modelId="{D95370D2-48C8-4FEB-AFCA-0AD706A438A9}" type="presParOf" srcId="{4E7D953F-460B-4CFD-AF4D-6135CCD53761}" destId="{C8961565-C3C2-4C30-A74F-EE6631B4685A}" srcOrd="5" destOrd="0" presId="urn:microsoft.com/office/officeart/2005/8/layout/chevron1"/>
-    <dgm:cxn modelId="{B3C441A3-9A78-4C09-9831-A99638B46897}" type="presParOf" srcId="{4E7D953F-460B-4CFD-AF4D-6135CCD53761}" destId="{11C6A9F8-ED9F-450C-B9CD-D28089ADEEE4}" srcOrd="6" destOrd="0" presId="urn:microsoft.com/office/officeart/2005/8/layout/chevron1"/>
-    <dgm:cxn modelId="{65A75AA7-3C6D-4E50-B84F-7CF0778AEF2B}" type="presParOf" srcId="{4E7D953F-460B-4CFD-AF4D-6135CCD53761}" destId="{CD90F57B-699D-481C-BFB6-11CB793C1003}" srcOrd="7" destOrd="0" presId="urn:microsoft.com/office/officeart/2005/8/layout/chevron1"/>
-    <dgm:cxn modelId="{3C158A7A-E16E-45B2-AE61-B6FD972E637A}" type="presParOf" srcId="{4E7D953F-460B-4CFD-AF4D-6135CCD53761}" destId="{7676D92C-9E73-47BA-90D2-4FDC7B9BFEB6}" srcOrd="8" destOrd="0" presId="urn:microsoft.com/office/officeart/2005/8/layout/chevron1"/>
-    <dgm:cxn modelId="{841DC049-B5F3-4C90-83EC-783FA0585445}" type="presParOf" srcId="{4E7D953F-460B-4CFD-AF4D-6135CCD53761}" destId="{62C2230D-C0FA-4105-ADD6-078EB3220829}" srcOrd="9" destOrd="0" presId="urn:microsoft.com/office/officeart/2005/8/layout/chevron1"/>
-    <dgm:cxn modelId="{D16190F5-1204-4379-ADFE-CDD7D04700BF}" type="presParOf" srcId="{4E7D953F-460B-4CFD-AF4D-6135CCD53761}" destId="{6603D2B1-844E-4804-8A8A-AE9CD716AFAB}" srcOrd="10" destOrd="0" presId="urn:microsoft.com/office/officeart/2005/8/layout/chevron1"/>
-    <dgm:cxn modelId="{BDBD9653-5AA5-4B1E-BF6A-90968AFDA6CA}" type="presParOf" srcId="{4E7D953F-460B-4CFD-AF4D-6135CCD53761}" destId="{B09CB882-AF8A-4B20-BF8C-323CFBEF09B3}" srcOrd="11" destOrd="0" presId="urn:microsoft.com/office/officeart/2005/8/layout/chevron1"/>
-    <dgm:cxn modelId="{5089EAA8-5737-4E12-B6D2-F8E5965D636E}" type="presParOf" srcId="{4E7D953F-460B-4CFD-AF4D-6135CCD53761}" destId="{03CBB1FD-5E0C-417B-90DD-8E46DA4470FF}" srcOrd="12" destOrd="0" presId="urn:microsoft.com/office/officeart/2005/8/layout/chevron1"/>
   </dgm:cxnLst>
   <dgm:bg/>
   <dgm:whole/>
@@ -3050,514 +1654,6 @@
 </dsp:drawing>
 </file>
 
-<file path=ppt/diagrams/drawing2.xml><?xml version="1.0" encoding="utf-8"?>
-<dsp:drawing xmlns:dgm="http://schemas.openxmlformats.org/drawingml/2006/diagram" xmlns:dsp="http://schemas.microsoft.com/office/drawing/2008/diagram" xmlns:a="http://schemas.openxmlformats.org/drawingml/2006/main">
-  <dsp:spTree>
-    <dsp:nvGrpSpPr>
-      <dsp:cNvPr id="0" name=""/>
-      <dsp:cNvGrpSpPr/>
-    </dsp:nvGrpSpPr>
-    <dsp:grpSpPr/>
-    <dsp:sp modelId="{201D0ADC-86C8-4FEB-A73C-D5249AD8DF3F}">
-      <dsp:nvSpPr>
-        <dsp:cNvPr id="0" name=""/>
-        <dsp:cNvSpPr/>
-      </dsp:nvSpPr>
-      <dsp:spPr>
-        <a:xfrm>
-          <a:off x="0" y="698500"/>
-          <a:ext cx="952499" cy="380999"/>
-        </a:xfrm>
-        <a:prstGeom prst="chevron">
-          <a:avLst/>
-        </a:prstGeom>
-        <a:solidFill>
-          <a:schemeClr val="accent2">
-            <a:hueOff val="0"/>
-            <a:satOff val="0"/>
-            <a:lumOff val="0"/>
-            <a:alphaOff val="0"/>
-          </a:schemeClr>
-        </a:solidFill>
-        <a:ln w="12700" cap="flat" cmpd="sng" algn="ctr">
-          <a:solidFill>
-            <a:schemeClr val="lt1">
-              <a:hueOff val="0"/>
-              <a:satOff val="0"/>
-              <a:lumOff val="0"/>
-              <a:alphaOff val="0"/>
-            </a:schemeClr>
-          </a:solidFill>
-          <a:prstDash val="solid"/>
-          <a:miter lim="800000"/>
-        </a:ln>
-        <a:effectLst/>
-      </dsp:spPr>
-      <dsp:style>
-        <a:lnRef idx="2">
-          <a:scrgbClr r="0" g="0" b="0"/>
-        </a:lnRef>
-        <a:fillRef idx="1">
-          <a:scrgbClr r="0" g="0" b="0"/>
-        </a:fillRef>
-        <a:effectRef idx="0">
-          <a:scrgbClr r="0" g="0" b="0"/>
-        </a:effectRef>
-        <a:fontRef idx="minor">
-          <a:schemeClr val="lt1"/>
-        </a:fontRef>
-      </dsp:style>
-      <dsp:txBody>
-        <a:bodyPr spcFirstLastPara="0" vert="horz" wrap="square" lIns="48006" tIns="16002" rIns="16002" bIns="16002" numCol="1" spcCol="1270" anchor="ctr" anchorCtr="0">
-          <a:noAutofit/>
-        </a:bodyPr>
-        <a:lstStyle/>
-        <a:p>
-          <a:pPr marL="0" lvl="0" indent="0" algn="ctr" defTabSz="533400">
-            <a:lnSpc>
-              <a:spcPct val="90000"/>
-            </a:lnSpc>
-            <a:spcBef>
-              <a:spcPct val="0"/>
-            </a:spcBef>
-            <a:spcAft>
-              <a:spcPct val="35000"/>
-            </a:spcAft>
-            <a:buNone/>
-          </a:pPr>
-          <a:r>
-            <a:rPr lang="en-US" sz="1200" kern="1200" dirty="0"/>
-            <a:t>Plan</a:t>
-          </a:r>
-        </a:p>
-      </dsp:txBody>
-      <dsp:txXfrm>
-        <a:off x="190500" y="698500"/>
-        <a:ext cx="571500" cy="380999"/>
-      </dsp:txXfrm>
-    </dsp:sp>
-    <dsp:sp modelId="{2FA94983-A935-42C2-96A2-8700167A3F13}">
-      <dsp:nvSpPr>
-        <dsp:cNvPr id="0" name=""/>
-        <dsp:cNvSpPr/>
-      </dsp:nvSpPr>
-      <dsp:spPr>
-        <a:xfrm>
-          <a:off x="857250" y="698500"/>
-          <a:ext cx="952499" cy="380999"/>
-        </a:xfrm>
-        <a:prstGeom prst="chevron">
-          <a:avLst/>
-        </a:prstGeom>
-        <a:solidFill>
-          <a:schemeClr val="accent5"/>
-        </a:solidFill>
-        <a:ln w="19050" cap="flat" cmpd="sng" algn="ctr">
-          <a:solidFill>
-            <a:schemeClr val="lt1"/>
-          </a:solidFill>
-          <a:prstDash val="solid"/>
-          <a:miter lim="800000"/>
-        </a:ln>
-        <a:effectLst/>
-      </dsp:spPr>
-      <dsp:style>
-        <a:lnRef idx="3">
-          <a:schemeClr val="lt1"/>
-        </a:lnRef>
-        <a:fillRef idx="1">
-          <a:schemeClr val="accent5"/>
-        </a:fillRef>
-        <a:effectRef idx="1">
-          <a:schemeClr val="accent5"/>
-        </a:effectRef>
-        <a:fontRef idx="minor">
-          <a:schemeClr val="lt1"/>
-        </a:fontRef>
-      </dsp:style>
-      <dsp:txBody>
-        <a:bodyPr spcFirstLastPara="0" vert="horz" wrap="square" lIns="48006" tIns="16002" rIns="16002" bIns="16002" numCol="1" spcCol="1270" anchor="ctr" anchorCtr="0">
-          <a:noAutofit/>
-        </a:bodyPr>
-        <a:lstStyle/>
-        <a:p>
-          <a:pPr marL="0" lvl="0" indent="0" algn="ctr" defTabSz="533400">
-            <a:lnSpc>
-              <a:spcPct val="90000"/>
-            </a:lnSpc>
-            <a:spcBef>
-              <a:spcPct val="0"/>
-            </a:spcBef>
-            <a:spcAft>
-              <a:spcPct val="35000"/>
-            </a:spcAft>
-            <a:buNone/>
-          </a:pPr>
-          <a:r>
-            <a:rPr lang="en-US" sz="1200" kern="1200" dirty="0"/>
-            <a:t>Execute</a:t>
-          </a:r>
-        </a:p>
-      </dsp:txBody>
-      <dsp:txXfrm>
-        <a:off x="1047750" y="698500"/>
-        <a:ext cx="571500" cy="380999"/>
-      </dsp:txXfrm>
-    </dsp:sp>
-    <dsp:sp modelId="{DA4613D2-A6DE-4BE7-8EE1-76246A606501}">
-      <dsp:nvSpPr>
-        <dsp:cNvPr id="0" name=""/>
-        <dsp:cNvSpPr/>
-      </dsp:nvSpPr>
-      <dsp:spPr>
-        <a:xfrm>
-          <a:off x="1714500" y="698500"/>
-          <a:ext cx="952499" cy="380999"/>
-        </a:xfrm>
-        <a:prstGeom prst="chevron">
-          <a:avLst/>
-        </a:prstGeom>
-        <a:solidFill>
-          <a:schemeClr val="accent4">
-            <a:hueOff val="0"/>
-            <a:satOff val="0"/>
-            <a:lumOff val="0"/>
-            <a:alphaOff val="0"/>
-          </a:schemeClr>
-        </a:solidFill>
-        <a:ln w="12700" cap="flat" cmpd="sng" algn="ctr">
-          <a:solidFill>
-            <a:schemeClr val="lt1">
-              <a:hueOff val="0"/>
-              <a:satOff val="0"/>
-              <a:lumOff val="0"/>
-              <a:alphaOff val="0"/>
-            </a:schemeClr>
-          </a:solidFill>
-          <a:prstDash val="solid"/>
-          <a:miter lim="800000"/>
-        </a:ln>
-        <a:effectLst/>
-      </dsp:spPr>
-      <dsp:style>
-        <a:lnRef idx="2">
-          <a:scrgbClr r="0" g="0" b="0"/>
-        </a:lnRef>
-        <a:fillRef idx="1">
-          <a:scrgbClr r="0" g="0" b="0"/>
-        </a:fillRef>
-        <a:effectRef idx="0">
-          <a:scrgbClr r="0" g="0" b="0"/>
-        </a:effectRef>
-        <a:fontRef idx="minor">
-          <a:schemeClr val="lt1"/>
-        </a:fontRef>
-      </dsp:style>
-      <dsp:txBody>
-        <a:bodyPr spcFirstLastPara="0" vert="horz" wrap="square" lIns="48006" tIns="16002" rIns="16002" bIns="16002" numCol="1" spcCol="1270" anchor="ctr" anchorCtr="0">
-          <a:noAutofit/>
-        </a:bodyPr>
-        <a:lstStyle/>
-        <a:p>
-          <a:pPr marL="0" lvl="0" indent="0" algn="ctr" defTabSz="533400">
-            <a:lnSpc>
-              <a:spcPct val="90000"/>
-            </a:lnSpc>
-            <a:spcBef>
-              <a:spcPct val="0"/>
-            </a:spcBef>
-            <a:spcAft>
-              <a:spcPct val="35000"/>
-            </a:spcAft>
-            <a:buNone/>
-          </a:pPr>
-          <a:r>
-            <a:rPr lang="en-US" sz="1200" kern="1200" dirty="0"/>
-            <a:t>Check</a:t>
-          </a:r>
-        </a:p>
-      </dsp:txBody>
-      <dsp:txXfrm>
-        <a:off x="1905000" y="698500"/>
-        <a:ext cx="571500" cy="380999"/>
-      </dsp:txXfrm>
-    </dsp:sp>
-    <dsp:sp modelId="{11C6A9F8-ED9F-450C-B9CD-D28089ADEEE4}">
-      <dsp:nvSpPr>
-        <dsp:cNvPr id="0" name=""/>
-        <dsp:cNvSpPr/>
-      </dsp:nvSpPr>
-      <dsp:spPr>
-        <a:xfrm>
-          <a:off x="2571750" y="698500"/>
-          <a:ext cx="952499" cy="380999"/>
-        </a:xfrm>
-        <a:prstGeom prst="chevron">
-          <a:avLst/>
-        </a:prstGeom>
-        <a:solidFill>
-          <a:schemeClr val="accent2"/>
-        </a:solidFill>
-        <a:ln w="19050" cap="flat" cmpd="sng" algn="ctr">
-          <a:solidFill>
-            <a:schemeClr val="lt1"/>
-          </a:solidFill>
-          <a:prstDash val="solid"/>
-          <a:miter lim="800000"/>
-        </a:ln>
-        <a:effectLst/>
-      </dsp:spPr>
-      <dsp:style>
-        <a:lnRef idx="3">
-          <a:schemeClr val="lt1"/>
-        </a:lnRef>
-        <a:fillRef idx="1">
-          <a:schemeClr val="accent2"/>
-        </a:fillRef>
-        <a:effectRef idx="1">
-          <a:schemeClr val="accent2"/>
-        </a:effectRef>
-        <a:fontRef idx="minor">
-          <a:schemeClr val="lt1"/>
-        </a:fontRef>
-      </dsp:style>
-      <dsp:txBody>
-        <a:bodyPr spcFirstLastPara="0" vert="horz" wrap="square" lIns="48006" tIns="16002" rIns="16002" bIns="16002" numCol="1" spcCol="1270" anchor="ctr" anchorCtr="0">
-          <a:noAutofit/>
-        </a:bodyPr>
-        <a:lstStyle/>
-        <a:p>
-          <a:pPr marL="0" lvl="0" indent="0" algn="ctr" defTabSz="533400">
-            <a:lnSpc>
-              <a:spcPct val="90000"/>
-            </a:lnSpc>
-            <a:spcBef>
-              <a:spcPct val="0"/>
-            </a:spcBef>
-            <a:spcAft>
-              <a:spcPct val="35000"/>
-            </a:spcAft>
-            <a:buNone/>
-          </a:pPr>
-          <a:r>
-            <a:rPr lang="en-US" sz="1200" kern="1200" dirty="0"/>
-            <a:t>Replan</a:t>
-          </a:r>
-        </a:p>
-      </dsp:txBody>
-      <dsp:txXfrm>
-        <a:off x="2762250" y="698500"/>
-        <a:ext cx="571500" cy="380999"/>
-      </dsp:txXfrm>
-    </dsp:sp>
-    <dsp:sp modelId="{7676D92C-9E73-47BA-90D2-4FDC7B9BFEB6}">
-      <dsp:nvSpPr>
-        <dsp:cNvPr id="0" name=""/>
-        <dsp:cNvSpPr/>
-      </dsp:nvSpPr>
-      <dsp:spPr>
-        <a:xfrm>
-          <a:off x="3429000" y="698500"/>
-          <a:ext cx="952499" cy="380999"/>
-        </a:xfrm>
-        <a:prstGeom prst="chevron">
-          <a:avLst/>
-        </a:prstGeom>
-        <a:solidFill>
-          <a:schemeClr val="accent5"/>
-        </a:solidFill>
-        <a:ln w="19050" cap="flat" cmpd="sng" algn="ctr">
-          <a:solidFill>
-            <a:schemeClr val="lt1"/>
-          </a:solidFill>
-          <a:prstDash val="solid"/>
-          <a:miter lim="800000"/>
-        </a:ln>
-        <a:effectLst/>
-      </dsp:spPr>
-      <dsp:style>
-        <a:lnRef idx="3">
-          <a:schemeClr val="lt1"/>
-        </a:lnRef>
-        <a:fillRef idx="1">
-          <a:schemeClr val="accent5"/>
-        </a:fillRef>
-        <a:effectRef idx="1">
-          <a:schemeClr val="accent5"/>
-        </a:effectRef>
-        <a:fontRef idx="minor">
-          <a:schemeClr val="lt1"/>
-        </a:fontRef>
-      </dsp:style>
-      <dsp:txBody>
-        <a:bodyPr spcFirstLastPara="0" vert="horz" wrap="square" lIns="48006" tIns="16002" rIns="16002" bIns="16002" numCol="1" spcCol="1270" anchor="ctr" anchorCtr="0">
-          <a:noAutofit/>
-        </a:bodyPr>
-        <a:lstStyle/>
-        <a:p>
-          <a:pPr marL="0" lvl="0" indent="0" algn="ctr" defTabSz="533400">
-            <a:lnSpc>
-              <a:spcPct val="90000"/>
-            </a:lnSpc>
-            <a:spcBef>
-              <a:spcPct val="0"/>
-            </a:spcBef>
-            <a:spcAft>
-              <a:spcPct val="35000"/>
-            </a:spcAft>
-            <a:buNone/>
-          </a:pPr>
-          <a:r>
-            <a:rPr lang="en-US" sz="1200" kern="1200" dirty="0"/>
-            <a:t>Execute</a:t>
-          </a:r>
-        </a:p>
-      </dsp:txBody>
-      <dsp:txXfrm>
-        <a:off x="3619500" y="698500"/>
-        <a:ext cx="571500" cy="380999"/>
-      </dsp:txXfrm>
-    </dsp:sp>
-    <dsp:sp modelId="{6603D2B1-844E-4804-8A8A-AE9CD716AFAB}">
-      <dsp:nvSpPr>
-        <dsp:cNvPr id="0" name=""/>
-        <dsp:cNvSpPr/>
-      </dsp:nvSpPr>
-      <dsp:spPr>
-        <a:xfrm>
-          <a:off x="4286250" y="698500"/>
-          <a:ext cx="952499" cy="380999"/>
-        </a:xfrm>
-        <a:prstGeom prst="chevron">
-          <a:avLst/>
-        </a:prstGeom>
-        <a:solidFill>
-          <a:schemeClr val="accent4"/>
-        </a:solidFill>
-        <a:ln w="19050" cap="flat" cmpd="sng" algn="ctr">
-          <a:solidFill>
-            <a:schemeClr val="lt1"/>
-          </a:solidFill>
-          <a:prstDash val="solid"/>
-          <a:miter lim="800000"/>
-        </a:ln>
-        <a:effectLst/>
-      </dsp:spPr>
-      <dsp:style>
-        <a:lnRef idx="3">
-          <a:schemeClr val="lt1"/>
-        </a:lnRef>
-        <a:fillRef idx="1">
-          <a:schemeClr val="accent4"/>
-        </a:fillRef>
-        <a:effectRef idx="1">
-          <a:schemeClr val="accent4"/>
-        </a:effectRef>
-        <a:fontRef idx="minor">
-          <a:schemeClr val="lt1"/>
-        </a:fontRef>
-      </dsp:style>
-      <dsp:txBody>
-        <a:bodyPr spcFirstLastPara="0" vert="horz" wrap="square" lIns="48006" tIns="16002" rIns="16002" bIns="16002" numCol="1" spcCol="1270" anchor="ctr" anchorCtr="0">
-          <a:noAutofit/>
-        </a:bodyPr>
-        <a:lstStyle/>
-        <a:p>
-          <a:pPr marL="0" lvl="0" indent="0" algn="ctr" defTabSz="533400">
-            <a:lnSpc>
-              <a:spcPct val="90000"/>
-            </a:lnSpc>
-            <a:spcBef>
-              <a:spcPct val="0"/>
-            </a:spcBef>
-            <a:spcAft>
-              <a:spcPct val="35000"/>
-            </a:spcAft>
-            <a:buNone/>
-          </a:pPr>
-          <a:r>
-            <a:rPr lang="en-US" sz="1200" kern="1200" dirty="0"/>
-            <a:t>…</a:t>
-          </a:r>
-        </a:p>
-      </dsp:txBody>
-      <dsp:txXfrm>
-        <a:off x="4476750" y="698500"/>
-        <a:ext cx="571500" cy="380999"/>
-      </dsp:txXfrm>
-    </dsp:sp>
-    <dsp:sp modelId="{03CBB1FD-5E0C-417B-90DD-8E46DA4470FF}">
-      <dsp:nvSpPr>
-        <dsp:cNvPr id="0" name=""/>
-        <dsp:cNvSpPr/>
-      </dsp:nvSpPr>
-      <dsp:spPr>
-        <a:xfrm>
-          <a:off x="5143500" y="698500"/>
-          <a:ext cx="952499" cy="380999"/>
-        </a:xfrm>
-        <a:prstGeom prst="chevron">
-          <a:avLst/>
-        </a:prstGeom>
-        <a:solidFill>
-          <a:schemeClr val="accent6"/>
-        </a:solidFill>
-        <a:ln w="19050" cap="flat" cmpd="sng" algn="ctr">
-          <a:solidFill>
-            <a:schemeClr val="lt1"/>
-          </a:solidFill>
-          <a:prstDash val="solid"/>
-          <a:miter lim="800000"/>
-        </a:ln>
-        <a:effectLst/>
-      </dsp:spPr>
-      <dsp:style>
-        <a:lnRef idx="3">
-          <a:schemeClr val="lt1"/>
-        </a:lnRef>
-        <a:fillRef idx="1">
-          <a:schemeClr val="accent6"/>
-        </a:fillRef>
-        <a:effectRef idx="1">
-          <a:schemeClr val="accent6"/>
-        </a:effectRef>
-        <a:fontRef idx="minor">
-          <a:schemeClr val="lt1"/>
-        </a:fontRef>
-      </dsp:style>
-      <dsp:txBody>
-        <a:bodyPr spcFirstLastPara="0" vert="horz" wrap="square" lIns="48006" tIns="16002" rIns="16002" bIns="16002" numCol="1" spcCol="1270" anchor="ctr" anchorCtr="0">
-          <a:noAutofit/>
-        </a:bodyPr>
-        <a:lstStyle/>
-        <a:p>
-          <a:pPr marL="0" lvl="0" indent="0" algn="ctr" defTabSz="533400">
-            <a:lnSpc>
-              <a:spcPct val="90000"/>
-            </a:lnSpc>
-            <a:spcBef>
-              <a:spcPct val="0"/>
-            </a:spcBef>
-            <a:spcAft>
-              <a:spcPct val="35000"/>
-            </a:spcAft>
-            <a:buNone/>
-          </a:pPr>
-          <a:r>
-            <a:rPr lang="en-US" sz="1200" kern="1200" dirty="0"/>
-            <a:t>Goal</a:t>
-          </a:r>
-        </a:p>
-      </dsp:txBody>
-      <dsp:txXfrm>
-        <a:off x="5334000" y="698500"/>
-        <a:ext cx="571500" cy="380999"/>
-      </dsp:txXfrm>
-    </dsp:sp>
-  </dsp:spTree>
-</dsp:drawing>
-</file>
-
 <file path=ppt/diagrams/layout1.xml><?xml version="1.0" encoding="utf-8"?>
 <dgm:layoutDef xmlns:dgm="http://schemas.openxmlformats.org/drawingml/2006/diagram" xmlns:a="http://schemas.openxmlformats.org/drawingml/2006/main" uniqueId="urn:microsoft.com/office/officeart/2005/8/layout/list1">
   <dgm:title val=""/>
@@ -3779,289 +1875,6 @@
         </dgm:layoutNode>
       </dgm:forEach>
     </dgm:forEach>
-  </dgm:layoutNode>
-</dgm:layoutDef>
-</file>
-
-<file path=ppt/diagrams/layout2.xml><?xml version="1.0" encoding="utf-8"?>
-<dgm:layoutDef xmlns:dgm="http://schemas.openxmlformats.org/drawingml/2006/diagram" xmlns:a="http://schemas.openxmlformats.org/drawingml/2006/main" uniqueId="urn:microsoft.com/office/officeart/2005/8/layout/chevron1">
-  <dgm:title val=""/>
-  <dgm:desc val=""/>
-  <dgm:catLst>
-    <dgm:cat type="process" pri="9000"/>
-  </dgm:catLst>
-  <dgm:sampData useDef="1">
-    <dgm:dataModel>
-      <dgm:ptLst/>
-      <dgm:bg/>
-      <dgm:whole/>
-    </dgm:dataModel>
-  </dgm:sampData>
-  <dgm:styleData>
-    <dgm:dataModel>
-      <dgm:ptLst>
-        <dgm:pt modelId="0" type="doc"/>
-        <dgm:pt modelId="1"/>
-        <dgm:pt modelId="2"/>
-      </dgm:ptLst>
-      <dgm:cxnLst>
-        <dgm:cxn modelId="3" srcId="0" destId="1" srcOrd="0" destOrd="0"/>
-        <dgm:cxn modelId="4" srcId="0" destId="2" srcOrd="1" destOrd="0"/>
-      </dgm:cxnLst>
-      <dgm:bg/>
-      <dgm:whole/>
-    </dgm:dataModel>
-  </dgm:styleData>
-  <dgm:clrData>
-    <dgm:dataModel>
-      <dgm:ptLst>
-        <dgm:pt modelId="0" type="doc"/>
-        <dgm:pt modelId="1"/>
-        <dgm:pt modelId="2"/>
-        <dgm:pt modelId="3"/>
-        <dgm:pt modelId="4"/>
-      </dgm:ptLst>
-      <dgm:cxnLst>
-        <dgm:cxn modelId="5" srcId="0" destId="1" srcOrd="0" destOrd="0"/>
-        <dgm:cxn modelId="6" srcId="0" destId="2" srcOrd="1" destOrd="0"/>
-        <dgm:cxn modelId="7" srcId="0" destId="3" srcOrd="2" destOrd="0"/>
-        <dgm:cxn modelId="8" srcId="0" destId="4" srcOrd="3" destOrd="0"/>
-      </dgm:cxnLst>
-      <dgm:bg/>
-      <dgm:whole/>
-    </dgm:dataModel>
-  </dgm:clrData>
-  <dgm:layoutNode name="Name0">
-    <dgm:varLst>
-      <dgm:dir/>
-      <dgm:animLvl val="lvl"/>
-      <dgm:resizeHandles val="exact"/>
-    </dgm:varLst>
-    <dgm:choose name="Name1">
-      <dgm:if name="Name2" func="var" arg="dir" op="equ" val="norm">
-        <dgm:alg type="lin"/>
-      </dgm:if>
-      <dgm:else name="Name3">
-        <dgm:alg type="lin">
-          <dgm:param type="linDir" val="fromR"/>
-        </dgm:alg>
-      </dgm:else>
-    </dgm:choose>
-    <dgm:shape xmlns:r="http://schemas.openxmlformats.org/officeDocument/2006/relationships" r:blip="">
-      <dgm:adjLst/>
-    </dgm:shape>
-    <dgm:presOf/>
-    <dgm:choose name="Name4">
-      <dgm:if name="Name5" axis="des" func="maxDepth" op="gte" val="2">
-        <dgm:constrLst>
-          <dgm:constr type="h" for="ch" forName="composite" refType="h"/>
-          <dgm:constr type="w" for="ch" forName="composite" refType="w"/>
-          <dgm:constr type="w" for="des" forName="parTx"/>
-          <dgm:constr type="h" for="des" forName="parTx" op="equ"/>
-          <dgm:constr type="w" for="des" forName="desTx"/>
-          <dgm:constr type="h" for="des" forName="desTx" op="equ"/>
-          <dgm:constr type="primFontSz" for="des" forName="parTx" val="65"/>
-          <dgm:constr type="secFontSz" for="des" forName="desTx" refType="primFontSz" refFor="des" refForName="parTx" op="equ"/>
-          <dgm:constr type="h" for="des" forName="parTx" refType="primFontSz" refFor="des" refForName="parTx" fact="1.5"/>
-          <dgm:constr type="h" for="des" forName="desTx" refType="primFontSz" refFor="des" refForName="parTx" fact="0.5"/>
-          <dgm:constr type="w" for="ch" forName="space" op="equ" val="-6"/>
-        </dgm:constrLst>
-        <dgm:ruleLst>
-          <dgm:rule type="w" for="ch" forName="composite" val="0" fact="NaN" max="NaN"/>
-          <dgm:rule type="primFontSz" for="des" forName="parTx" val="5" fact="NaN" max="NaN"/>
-        </dgm:ruleLst>
-        <dgm:forEach name="Name6" axis="ch" ptType="node">
-          <dgm:layoutNode name="composite">
-            <dgm:alg type="composite"/>
-            <dgm:shape xmlns:r="http://schemas.openxmlformats.org/officeDocument/2006/relationships" r:blip="">
-              <dgm:adjLst/>
-            </dgm:shape>
-            <dgm:presOf/>
-            <dgm:choose name="Name7">
-              <dgm:if name="Name8" func="var" arg="dir" op="equ" val="norm">
-                <dgm:constrLst>
-                  <dgm:constr type="l" for="ch" forName="parTx"/>
-                  <dgm:constr type="w" for="ch" forName="parTx" refType="w"/>
-                  <dgm:constr type="t" for="ch" forName="parTx"/>
-                  <dgm:constr type="l" for="ch" forName="desTx"/>
-                  <dgm:constr type="w" for="ch" forName="desTx" refType="w" refFor="ch" refForName="parTx" fact="0.8"/>
-                  <dgm:constr type="t" for="ch" forName="desTx" refType="h" refFor="ch" refForName="parTx" fact="1.125"/>
-                </dgm:constrLst>
-              </dgm:if>
-              <dgm:else name="Name9">
-                <dgm:constrLst>
-                  <dgm:constr type="l" for="ch" forName="parTx"/>
-                  <dgm:constr type="w" for="ch" forName="parTx" refType="w"/>
-                  <dgm:constr type="t" for="ch" forName="parTx"/>
-                  <dgm:constr type="l" for="ch" forName="desTx" refType="w" fact="0.2"/>
-                  <dgm:constr type="w" for="ch" forName="desTx" refType="w" refFor="ch" refForName="parTx" fact="0.8"/>
-                  <dgm:constr type="t" for="ch" forName="desTx" refType="h" refFor="ch" refForName="parTx" fact="1.125"/>
-                </dgm:constrLst>
-              </dgm:else>
-            </dgm:choose>
-            <dgm:ruleLst>
-              <dgm:rule type="h" val="INF" fact="NaN" max="NaN"/>
-            </dgm:ruleLst>
-            <dgm:layoutNode name="parTx">
-              <dgm:varLst>
-                <dgm:chMax val="0"/>
-                <dgm:chPref val="0"/>
-                <dgm:bulletEnabled val="1"/>
-              </dgm:varLst>
-              <dgm:alg type="tx"/>
-              <dgm:choose name="Name10">
-                <dgm:if name="Name11" func="var" arg="dir" op="equ" val="norm">
-                  <dgm:shape xmlns:r="http://schemas.openxmlformats.org/officeDocument/2006/relationships" type="chevron" r:blip="">
-                    <dgm:adjLst/>
-                  </dgm:shape>
-                </dgm:if>
-                <dgm:else name="Name12">
-                  <dgm:shape xmlns:r="http://schemas.openxmlformats.org/officeDocument/2006/relationships" rot="180" type="chevron" r:blip="">
-                    <dgm:adjLst/>
-                  </dgm:shape>
-                </dgm:else>
-              </dgm:choose>
-              <dgm:presOf axis="self" ptType="node"/>
-              <dgm:choose name="Name13">
-                <dgm:if name="Name14" func="var" arg="dir" op="equ" val="norm">
-                  <dgm:constrLst>
-                    <dgm:constr type="h" refType="w" op="lte" fact="0.4"/>
-                    <dgm:constr type="h"/>
-                    <dgm:constr type="tMarg" refType="primFontSz" fact="0.105"/>
-                    <dgm:constr type="bMarg" refType="primFontSz" fact="0.105"/>
-                    <dgm:constr type="lMarg" refType="primFontSz" fact="0.315"/>
-                    <dgm:constr type="rMarg" refType="primFontSz" fact="0.105"/>
-                  </dgm:constrLst>
-                </dgm:if>
-                <dgm:else name="Name15">
-                  <dgm:constrLst>
-                    <dgm:constr type="h" refType="w" op="lte" fact="0.4"/>
-                    <dgm:constr type="h"/>
-                    <dgm:constr type="tMarg" refType="primFontSz" fact="0.105"/>
-                    <dgm:constr type="bMarg" refType="primFontSz" fact="0.105"/>
-                    <dgm:constr type="lMarg" refType="primFontSz" fact="0.105"/>
-                    <dgm:constr type="rMarg" refType="primFontSz" fact="0.315"/>
-                  </dgm:constrLst>
-                </dgm:else>
-              </dgm:choose>
-              <dgm:ruleLst>
-                <dgm:rule type="h" val="INF" fact="NaN" max="NaN"/>
-              </dgm:ruleLst>
-            </dgm:layoutNode>
-            <dgm:layoutNode name="desTx" styleLbl="revTx">
-              <dgm:varLst>
-                <dgm:bulletEnabled val="1"/>
-              </dgm:varLst>
-              <dgm:alg type="tx">
-                <dgm:param type="stBulletLvl" val="1"/>
-              </dgm:alg>
-              <dgm:choose name="Name16">
-                <dgm:if name="Name17" axis="ch" ptType="node" func="cnt" op="gte" val="1">
-                  <dgm:shape xmlns:r="http://schemas.openxmlformats.org/officeDocument/2006/relationships" type="rect" r:blip="">
-                    <dgm:adjLst/>
-                  </dgm:shape>
-                </dgm:if>
-                <dgm:else name="Name18">
-                  <dgm:shape xmlns:r="http://schemas.openxmlformats.org/officeDocument/2006/relationships" type="rect" r:blip="" hideGeom="1">
-                    <dgm:adjLst/>
-                  </dgm:shape>
-                </dgm:else>
-              </dgm:choose>
-              <dgm:presOf axis="des" ptType="node"/>
-              <dgm:constrLst>
-                <dgm:constr type="secFontSz" val="65"/>
-                <dgm:constr type="primFontSz" refType="secFontSz"/>
-                <dgm:constr type="h"/>
-                <dgm:constr type="tMarg"/>
-                <dgm:constr type="bMarg"/>
-                <dgm:constr type="rMarg"/>
-                <dgm:constr type="lMarg"/>
-              </dgm:constrLst>
-              <dgm:ruleLst>
-                <dgm:rule type="h" val="INF" fact="NaN" max="NaN"/>
-              </dgm:ruleLst>
-            </dgm:layoutNode>
-          </dgm:layoutNode>
-          <dgm:forEach name="Name19" axis="followSib" ptType="sibTrans" cnt="1">
-            <dgm:layoutNode name="space">
-              <dgm:alg type="sp"/>
-              <dgm:shape xmlns:r="http://schemas.openxmlformats.org/officeDocument/2006/relationships" r:blip="">
-                <dgm:adjLst/>
-              </dgm:shape>
-              <dgm:presOf/>
-              <dgm:constrLst/>
-              <dgm:ruleLst/>
-            </dgm:layoutNode>
-          </dgm:forEach>
-        </dgm:forEach>
-      </dgm:if>
-      <dgm:else name="Name20">
-        <dgm:constrLst>
-          <dgm:constr type="w" for="ch" forName="parTxOnly" refType="w"/>
-          <dgm:constr type="h" for="des" forName="parTxOnly" op="equ"/>
-          <dgm:constr type="primFontSz" for="des" forName="parTxOnly" op="equ" val="65"/>
-          <dgm:constr type="w" for="ch" forName="parTxOnlySpace" refType="w" refFor="ch" refForName="parTxOnly" fact="-0.1"/>
-        </dgm:constrLst>
-        <dgm:ruleLst/>
-        <dgm:forEach name="Name21" axis="ch" ptType="node">
-          <dgm:layoutNode name="parTxOnly">
-            <dgm:varLst>
-              <dgm:chMax val="0"/>
-              <dgm:chPref val="0"/>
-              <dgm:bulletEnabled val="1"/>
-            </dgm:varLst>
-            <dgm:alg type="tx"/>
-            <dgm:choose name="Name22">
-              <dgm:if name="Name23" func="var" arg="dir" op="equ" val="norm">
-                <dgm:shape xmlns:r="http://schemas.openxmlformats.org/officeDocument/2006/relationships" type="chevron" r:blip="">
-                  <dgm:adjLst/>
-                </dgm:shape>
-              </dgm:if>
-              <dgm:else name="Name24">
-                <dgm:shape xmlns:r="http://schemas.openxmlformats.org/officeDocument/2006/relationships" rot="180" type="chevron" r:blip="">
-                  <dgm:adjLst/>
-                </dgm:shape>
-              </dgm:else>
-            </dgm:choose>
-            <dgm:presOf axis="self" ptType="node"/>
-            <dgm:choose name="Name25">
-              <dgm:if name="Name26" func="var" arg="dir" op="equ" val="norm">
-                <dgm:constrLst>
-                  <dgm:constr type="h" refType="w" op="equ" fact="0.4"/>
-                  <dgm:constr type="tMarg" refType="primFontSz" fact="0.105"/>
-                  <dgm:constr type="bMarg" refType="primFontSz" fact="0.105"/>
-                  <dgm:constr type="lMarg" refType="primFontSz" fact="0.315"/>
-                  <dgm:constr type="rMarg" refType="primFontSz" fact="0.105"/>
-                </dgm:constrLst>
-              </dgm:if>
-              <dgm:else name="Name27">
-                <dgm:constrLst>
-                  <dgm:constr type="h" refType="w" op="equ" fact="0.4"/>
-                  <dgm:constr type="tMarg" refType="primFontSz" fact="0.105"/>
-                  <dgm:constr type="bMarg" refType="primFontSz" fact="0.105"/>
-                  <dgm:constr type="lMarg" refType="primFontSz" fact="0.105"/>
-                  <dgm:constr type="rMarg" refType="primFontSz" fact="0.315"/>
-                </dgm:constrLst>
-              </dgm:else>
-            </dgm:choose>
-            <dgm:ruleLst>
-              <dgm:rule type="primFontSz" val="5" fact="NaN" max="NaN"/>
-            </dgm:ruleLst>
-          </dgm:layoutNode>
-          <dgm:forEach name="Name28" axis="followSib" ptType="sibTrans" cnt="1">
-            <dgm:layoutNode name="parTxOnlySpace">
-              <dgm:alg type="sp"/>
-              <dgm:shape xmlns:r="http://schemas.openxmlformats.org/officeDocument/2006/relationships" r:blip="">
-                <dgm:adjLst/>
-              </dgm:shape>
-              <dgm:presOf/>
-              <dgm:constrLst/>
-              <dgm:ruleLst/>
-            </dgm:layoutNode>
-          </dgm:forEach>
-        </dgm:forEach>
-      </dgm:else>
-    </dgm:choose>
   </dgm:layoutNode>
 </dgm:layoutDef>
 </file>
@@ -5100,1038 +2913,60 @@
 </dgm:styleDef>
 </file>
 
-<file path=ppt/diagrams/quickStyle2.xml><?xml version="1.0" encoding="utf-8"?>
-<dgm:styleDef xmlns:dgm="http://schemas.openxmlformats.org/drawingml/2006/diagram" xmlns:a="http://schemas.openxmlformats.org/drawingml/2006/main" uniqueId="urn:microsoft.com/office/officeart/2005/8/quickstyle/simple1">
-  <dgm:title val=""/>
-  <dgm:desc val=""/>
-  <dgm:catLst>
-    <dgm:cat type="simple" pri="10100"/>
-  </dgm:catLst>
-  <dgm:scene3d>
-    <a:camera prst="orthographicFront"/>
-    <a:lightRig rig="threePt" dir="t"/>
-  </dgm:scene3d>
-  <dgm:styleLbl name="node0">
-    <dgm:scene3d>
-      <a:camera prst="orthographicFront"/>
-      <a:lightRig rig="threePt" dir="t"/>
-    </dgm:scene3d>
-    <dgm:sp3d/>
-    <dgm:txPr/>
-    <dgm:style>
-      <a:lnRef idx="2">
-        <a:scrgbClr r="0" g="0" b="0"/>
-      </a:lnRef>
-      <a:fillRef idx="1">
-        <a:scrgbClr r="0" g="0" b="0"/>
-      </a:fillRef>
-      <a:effectRef idx="0">
-        <a:scrgbClr r="0" g="0" b="0"/>
-      </a:effectRef>
-      <a:fontRef idx="minor">
-        <a:schemeClr val="lt1"/>
-      </a:fontRef>
-    </dgm:style>
-  </dgm:styleLbl>
-  <dgm:styleLbl name="lnNode1">
-    <dgm:scene3d>
-      <a:camera prst="orthographicFront"/>
-      <a:lightRig rig="threePt" dir="t"/>
-    </dgm:scene3d>
-    <dgm:sp3d/>
-    <dgm:txPr/>
-    <dgm:style>
-      <a:lnRef idx="2">
-        <a:scrgbClr r="0" g="0" b="0"/>
-      </a:lnRef>
-      <a:fillRef idx="1">
-        <a:scrgbClr r="0" g="0" b="0"/>
-      </a:fillRef>
-      <a:effectRef idx="0">
-        <a:scrgbClr r="0" g="0" b="0"/>
-      </a:effectRef>
-      <a:fontRef idx="minor">
-        <a:schemeClr val="lt1"/>
-      </a:fontRef>
-    </dgm:style>
-  </dgm:styleLbl>
-  <dgm:styleLbl name="vennNode1">
-    <dgm:scene3d>
-      <a:camera prst="orthographicFront"/>
-      <a:lightRig rig="threePt" dir="t"/>
-    </dgm:scene3d>
-    <dgm:sp3d/>
-    <dgm:txPr/>
-    <dgm:style>
-      <a:lnRef idx="2">
-        <a:scrgbClr r="0" g="0" b="0"/>
-      </a:lnRef>
-      <a:fillRef idx="1">
-        <a:scrgbClr r="0" g="0" b="0"/>
-      </a:fillRef>
-      <a:effectRef idx="0">
-        <a:scrgbClr r="0" g="0" b="0"/>
-      </a:effectRef>
-      <a:fontRef idx="minor">
-        <a:schemeClr val="tx1"/>
-      </a:fontRef>
-    </dgm:style>
-  </dgm:styleLbl>
-  <dgm:styleLbl name="alignNode1">
-    <dgm:scene3d>
-      <a:camera prst="orthographicFront"/>
-      <a:lightRig rig="threePt" dir="t"/>
-    </dgm:scene3d>
-    <dgm:sp3d/>
-    <dgm:txPr/>
-    <dgm:style>
-      <a:lnRef idx="2">
-        <a:scrgbClr r="0" g="0" b="0"/>
-      </a:lnRef>
-      <a:fillRef idx="1">
-        <a:scrgbClr r="0" g="0" b="0"/>
-      </a:fillRef>
-      <a:effectRef idx="0">
-        <a:scrgbClr r="0" g="0" b="0"/>
-      </a:effectRef>
-      <a:fontRef idx="minor">
-        <a:schemeClr val="lt1"/>
-      </a:fontRef>
-    </dgm:style>
-  </dgm:styleLbl>
-  <dgm:styleLbl name="node1">
-    <dgm:scene3d>
-      <a:camera prst="orthographicFront"/>
-      <a:lightRig rig="threePt" dir="t"/>
-    </dgm:scene3d>
-    <dgm:sp3d/>
-    <dgm:txPr/>
-    <dgm:style>
-      <a:lnRef idx="2">
-        <a:scrgbClr r="0" g="0" b="0"/>
-      </a:lnRef>
-      <a:fillRef idx="1">
-        <a:scrgbClr r="0" g="0" b="0"/>
-      </a:fillRef>
-      <a:effectRef idx="0">
-        <a:scrgbClr r="0" g="0" b="0"/>
-      </a:effectRef>
-      <a:fontRef idx="minor">
-        <a:schemeClr val="lt1"/>
-      </a:fontRef>
-    </dgm:style>
-  </dgm:styleLbl>
-  <dgm:styleLbl name="node2">
-    <dgm:scene3d>
-      <a:camera prst="orthographicFront"/>
-      <a:lightRig rig="threePt" dir="t"/>
-    </dgm:scene3d>
-    <dgm:sp3d/>
-    <dgm:txPr/>
-    <dgm:style>
-      <a:lnRef idx="2">
-        <a:scrgbClr r="0" g="0" b="0"/>
-      </a:lnRef>
-      <a:fillRef idx="1">
-        <a:scrgbClr r="0" g="0" b="0"/>
-      </a:fillRef>
-      <a:effectRef idx="0">
-        <a:scrgbClr r="0" g="0" b="0"/>
-      </a:effectRef>
-      <a:fontRef idx="minor">
-        <a:schemeClr val="lt1"/>
-      </a:fontRef>
-    </dgm:style>
-  </dgm:styleLbl>
-  <dgm:styleLbl name="node3">
-    <dgm:scene3d>
-      <a:camera prst="orthographicFront"/>
-      <a:lightRig rig="threePt" dir="t"/>
-    </dgm:scene3d>
-    <dgm:sp3d/>
-    <dgm:txPr/>
-    <dgm:style>
-      <a:lnRef idx="2">
-        <a:scrgbClr r="0" g="0" b="0"/>
-      </a:lnRef>
-      <a:fillRef idx="1">
-        <a:scrgbClr r="0" g="0" b="0"/>
-      </a:fillRef>
-      <a:effectRef idx="0">
-        <a:scrgbClr r="0" g="0" b="0"/>
-      </a:effectRef>
-      <a:fontRef idx="minor">
-        <a:schemeClr val="lt1"/>
-      </a:fontRef>
-    </dgm:style>
-  </dgm:styleLbl>
-  <dgm:styleLbl name="node4">
-    <dgm:scene3d>
-      <a:camera prst="orthographicFront"/>
-      <a:lightRig rig="threePt" dir="t"/>
-    </dgm:scene3d>
-    <dgm:sp3d/>
-    <dgm:txPr/>
-    <dgm:style>
-      <a:lnRef idx="2">
-        <a:scrgbClr r="0" g="0" b="0"/>
-      </a:lnRef>
-      <a:fillRef idx="1">
-        <a:scrgbClr r="0" g="0" b="0"/>
-      </a:fillRef>
-      <a:effectRef idx="0">
-        <a:scrgbClr r="0" g="0" b="0"/>
-      </a:effectRef>
-      <a:fontRef idx="minor">
-        <a:schemeClr val="lt1"/>
-      </a:fontRef>
-    </dgm:style>
-  </dgm:styleLbl>
-  <dgm:styleLbl name="fgImgPlace1">
-    <dgm:scene3d>
-      <a:camera prst="orthographicFront"/>
-      <a:lightRig rig="threePt" dir="t"/>
-    </dgm:scene3d>
-    <dgm:sp3d/>
-    <dgm:txPr/>
-    <dgm:style>
-      <a:lnRef idx="2">
-        <a:scrgbClr r="0" g="0" b="0"/>
-      </a:lnRef>
-      <a:fillRef idx="1">
-        <a:scrgbClr r="0" g="0" b="0"/>
-      </a:fillRef>
-      <a:effectRef idx="0">
-        <a:scrgbClr r="0" g="0" b="0"/>
-      </a:effectRef>
-      <a:fontRef idx="minor"/>
-    </dgm:style>
-  </dgm:styleLbl>
-  <dgm:styleLbl name="alignImgPlace1">
-    <dgm:scene3d>
-      <a:camera prst="orthographicFront"/>
-      <a:lightRig rig="threePt" dir="t"/>
-    </dgm:scene3d>
-    <dgm:sp3d/>
-    <dgm:txPr/>
-    <dgm:style>
-      <a:lnRef idx="2">
-        <a:scrgbClr r="0" g="0" b="0"/>
-      </a:lnRef>
-      <a:fillRef idx="1">
-        <a:scrgbClr r="0" g="0" b="0"/>
-      </a:fillRef>
-      <a:effectRef idx="0">
-        <a:scrgbClr r="0" g="0" b="0"/>
-      </a:effectRef>
-      <a:fontRef idx="minor"/>
-    </dgm:style>
-  </dgm:styleLbl>
-  <dgm:styleLbl name="bgImgPlace1">
-    <dgm:scene3d>
-      <a:camera prst="orthographicFront"/>
-      <a:lightRig rig="threePt" dir="t"/>
-    </dgm:scene3d>
-    <dgm:sp3d/>
-    <dgm:txPr/>
-    <dgm:style>
-      <a:lnRef idx="2">
-        <a:scrgbClr r="0" g="0" b="0"/>
-      </a:lnRef>
-      <a:fillRef idx="1">
-        <a:scrgbClr r="0" g="0" b="0"/>
-      </a:fillRef>
-      <a:effectRef idx="0">
-        <a:scrgbClr r="0" g="0" b="0"/>
-      </a:effectRef>
-      <a:fontRef idx="minor"/>
-    </dgm:style>
-  </dgm:styleLbl>
-  <dgm:styleLbl name="sibTrans2D1">
-    <dgm:scene3d>
-      <a:camera prst="orthographicFront"/>
-      <a:lightRig rig="threePt" dir="t"/>
-    </dgm:scene3d>
-    <dgm:sp3d/>
-    <dgm:txPr/>
-    <dgm:style>
-      <a:lnRef idx="0">
-        <a:scrgbClr r="0" g="0" b="0"/>
-      </a:lnRef>
-      <a:fillRef idx="1">
-        <a:scrgbClr r="0" g="0" b="0"/>
-      </a:fillRef>
-      <a:effectRef idx="0">
-        <a:scrgbClr r="0" g="0" b="0"/>
-      </a:effectRef>
-      <a:fontRef idx="minor">
-        <a:schemeClr val="lt1"/>
-      </a:fontRef>
-    </dgm:style>
-  </dgm:styleLbl>
-  <dgm:styleLbl name="fgSibTrans2D1">
-    <dgm:scene3d>
-      <a:camera prst="orthographicFront"/>
-      <a:lightRig rig="threePt" dir="t"/>
-    </dgm:scene3d>
-    <dgm:sp3d/>
-    <dgm:txPr/>
-    <dgm:style>
-      <a:lnRef idx="0">
-        <a:scrgbClr r="0" g="0" b="0"/>
-      </a:lnRef>
-      <a:fillRef idx="1">
-        <a:scrgbClr r="0" g="0" b="0"/>
-      </a:fillRef>
-      <a:effectRef idx="0">
-        <a:scrgbClr r="0" g="0" b="0"/>
-      </a:effectRef>
-      <a:fontRef idx="minor">
-        <a:schemeClr val="lt1"/>
-      </a:fontRef>
-    </dgm:style>
-  </dgm:styleLbl>
-  <dgm:styleLbl name="bgSibTrans2D1">
-    <dgm:scene3d>
-      <a:camera prst="orthographicFront"/>
-      <a:lightRig rig="threePt" dir="t"/>
-    </dgm:scene3d>
-    <dgm:sp3d/>
-    <dgm:txPr/>
-    <dgm:style>
-      <a:lnRef idx="0">
-        <a:scrgbClr r="0" g="0" b="0"/>
-      </a:lnRef>
-      <a:fillRef idx="1">
-        <a:scrgbClr r="0" g="0" b="0"/>
-      </a:fillRef>
-      <a:effectRef idx="0">
-        <a:scrgbClr r="0" g="0" b="0"/>
-      </a:effectRef>
-      <a:fontRef idx="minor">
-        <a:schemeClr val="lt1"/>
-      </a:fontRef>
-    </dgm:style>
-  </dgm:styleLbl>
-  <dgm:styleLbl name="sibTrans1D1">
-    <dgm:scene3d>
-      <a:camera prst="orthographicFront"/>
-      <a:lightRig rig="threePt" dir="t"/>
-    </dgm:scene3d>
-    <dgm:sp3d/>
-    <dgm:txPr/>
-    <dgm:style>
-      <a:lnRef idx="1">
-        <a:scrgbClr r="0" g="0" b="0"/>
-      </a:lnRef>
-      <a:fillRef idx="0">
-        <a:scrgbClr r="0" g="0" b="0"/>
-      </a:fillRef>
-      <a:effectRef idx="0">
-        <a:scrgbClr r="0" g="0" b="0"/>
-      </a:effectRef>
-      <a:fontRef idx="minor"/>
-    </dgm:style>
-  </dgm:styleLbl>
-  <dgm:styleLbl name="callout">
-    <dgm:scene3d>
-      <a:camera prst="orthographicFront"/>
-      <a:lightRig rig="threePt" dir="t"/>
-    </dgm:scene3d>
-    <dgm:sp3d/>
-    <dgm:txPr/>
-    <dgm:style>
-      <a:lnRef idx="2">
-        <a:scrgbClr r="0" g="0" b="0"/>
-      </a:lnRef>
-      <a:fillRef idx="1">
-        <a:scrgbClr r="0" g="0" b="0"/>
-      </a:fillRef>
-      <a:effectRef idx="0">
-        <a:scrgbClr r="0" g="0" b="0"/>
-      </a:effectRef>
-      <a:fontRef idx="minor"/>
-    </dgm:style>
-  </dgm:styleLbl>
-  <dgm:styleLbl name="asst0">
-    <dgm:scene3d>
-      <a:camera prst="orthographicFront"/>
-      <a:lightRig rig="threePt" dir="t"/>
-    </dgm:scene3d>
-    <dgm:sp3d/>
-    <dgm:txPr/>
-    <dgm:style>
-      <a:lnRef idx="2">
-        <a:scrgbClr r="0" g="0" b="0"/>
-      </a:lnRef>
-      <a:fillRef idx="1">
-        <a:scrgbClr r="0" g="0" b="0"/>
-      </a:fillRef>
-      <a:effectRef idx="0">
-        <a:scrgbClr r="0" g="0" b="0"/>
-      </a:effectRef>
-      <a:fontRef idx="minor">
-        <a:schemeClr val="lt1"/>
-      </a:fontRef>
-    </dgm:style>
-  </dgm:styleLbl>
-  <dgm:styleLbl name="asst1">
-    <dgm:scene3d>
-      <a:camera prst="orthographicFront"/>
-      <a:lightRig rig="threePt" dir="t"/>
-    </dgm:scene3d>
-    <dgm:sp3d/>
-    <dgm:txPr/>
-    <dgm:style>
-      <a:lnRef idx="2">
-        <a:scrgbClr r="0" g="0" b="0"/>
-      </a:lnRef>
-      <a:fillRef idx="1">
-        <a:scrgbClr r="0" g="0" b="0"/>
-      </a:fillRef>
-      <a:effectRef idx="0">
-        <a:scrgbClr r="0" g="0" b="0"/>
-      </a:effectRef>
-      <a:fontRef idx="minor">
-        <a:schemeClr val="lt1"/>
-      </a:fontRef>
-    </dgm:style>
-  </dgm:styleLbl>
-  <dgm:styleLbl name="asst2">
-    <dgm:scene3d>
-      <a:camera prst="orthographicFront"/>
-      <a:lightRig rig="threePt" dir="t"/>
-    </dgm:scene3d>
-    <dgm:sp3d/>
-    <dgm:txPr/>
-    <dgm:style>
-      <a:lnRef idx="2">
-        <a:scrgbClr r="0" g="0" b="0"/>
-      </a:lnRef>
-      <a:fillRef idx="1">
-        <a:scrgbClr r="0" g="0" b="0"/>
-      </a:fillRef>
-      <a:effectRef idx="0">
-        <a:scrgbClr r="0" g="0" b="0"/>
-      </a:effectRef>
-      <a:fontRef idx="minor">
-        <a:schemeClr val="lt1"/>
-      </a:fontRef>
-    </dgm:style>
-  </dgm:styleLbl>
-  <dgm:styleLbl name="asst3">
-    <dgm:scene3d>
-      <a:camera prst="orthographicFront"/>
-      <a:lightRig rig="threePt" dir="t"/>
-    </dgm:scene3d>
-    <dgm:sp3d/>
-    <dgm:txPr/>
-    <dgm:style>
-      <a:lnRef idx="2">
-        <a:scrgbClr r="0" g="0" b="0"/>
-      </a:lnRef>
-      <a:fillRef idx="1">
-        <a:scrgbClr r="0" g="0" b="0"/>
-      </a:fillRef>
-      <a:effectRef idx="0">
-        <a:scrgbClr r="0" g="0" b="0"/>
-      </a:effectRef>
-      <a:fontRef idx="minor">
-        <a:schemeClr val="lt1"/>
-      </a:fontRef>
-    </dgm:style>
-  </dgm:styleLbl>
-  <dgm:styleLbl name="asst4">
-    <dgm:scene3d>
-      <a:camera prst="orthographicFront"/>
-      <a:lightRig rig="threePt" dir="t"/>
-    </dgm:scene3d>
-    <dgm:sp3d/>
-    <dgm:txPr/>
-    <dgm:style>
-      <a:lnRef idx="2">
-        <a:scrgbClr r="0" g="0" b="0"/>
-      </a:lnRef>
-      <a:fillRef idx="1">
-        <a:scrgbClr r="0" g="0" b="0"/>
-      </a:fillRef>
-      <a:effectRef idx="0">
-        <a:scrgbClr r="0" g="0" b="0"/>
-      </a:effectRef>
-      <a:fontRef idx="minor">
-        <a:schemeClr val="lt1"/>
-      </a:fontRef>
-    </dgm:style>
-  </dgm:styleLbl>
-  <dgm:styleLbl name="parChTrans2D1">
-    <dgm:scene3d>
-      <a:camera prst="orthographicFront"/>
-      <a:lightRig rig="threePt" dir="t"/>
-    </dgm:scene3d>
-    <dgm:sp3d/>
-    <dgm:txPr/>
-    <dgm:style>
-      <a:lnRef idx="2">
-        <a:scrgbClr r="0" g="0" b="0"/>
-      </a:lnRef>
-      <a:fillRef idx="1">
-        <a:scrgbClr r="0" g="0" b="0"/>
-      </a:fillRef>
-      <a:effectRef idx="0">
-        <a:scrgbClr r="0" g="0" b="0"/>
-      </a:effectRef>
-      <a:fontRef idx="minor">
-        <a:schemeClr val="lt1"/>
-      </a:fontRef>
-    </dgm:style>
-  </dgm:styleLbl>
-  <dgm:styleLbl name="parChTrans2D2">
-    <dgm:scene3d>
-      <a:camera prst="orthographicFront"/>
-      <a:lightRig rig="threePt" dir="t"/>
-    </dgm:scene3d>
-    <dgm:sp3d/>
-    <dgm:txPr/>
-    <dgm:style>
-      <a:lnRef idx="2">
-        <a:scrgbClr r="0" g="0" b="0"/>
-      </a:lnRef>
-      <a:fillRef idx="1">
-        <a:scrgbClr r="0" g="0" b="0"/>
-      </a:fillRef>
-      <a:effectRef idx="0">
-        <a:scrgbClr r="0" g="0" b="0"/>
-      </a:effectRef>
-      <a:fontRef idx="minor">
-        <a:schemeClr val="lt1"/>
-      </a:fontRef>
-    </dgm:style>
-  </dgm:styleLbl>
-  <dgm:styleLbl name="parChTrans2D3">
-    <dgm:scene3d>
-      <a:camera prst="orthographicFront"/>
-      <a:lightRig rig="threePt" dir="t"/>
-    </dgm:scene3d>
-    <dgm:sp3d/>
-    <dgm:txPr/>
-    <dgm:style>
-      <a:lnRef idx="2">
-        <a:scrgbClr r="0" g="0" b="0"/>
-      </a:lnRef>
-      <a:fillRef idx="1">
-        <a:scrgbClr r="0" g="0" b="0"/>
-      </a:fillRef>
-      <a:effectRef idx="0">
-        <a:scrgbClr r="0" g="0" b="0"/>
-      </a:effectRef>
-      <a:fontRef idx="minor">
-        <a:schemeClr val="lt1"/>
-      </a:fontRef>
-    </dgm:style>
-  </dgm:styleLbl>
-  <dgm:styleLbl name="parChTrans2D4">
-    <dgm:scene3d>
-      <a:camera prst="orthographicFront"/>
-      <a:lightRig rig="threePt" dir="t"/>
-    </dgm:scene3d>
-    <dgm:sp3d/>
-    <dgm:txPr/>
-    <dgm:style>
-      <a:lnRef idx="2">
-        <a:scrgbClr r="0" g="0" b="0"/>
-      </a:lnRef>
-      <a:fillRef idx="1">
-        <a:scrgbClr r="0" g="0" b="0"/>
-      </a:fillRef>
-      <a:effectRef idx="0">
-        <a:scrgbClr r="0" g="0" b="0"/>
-      </a:effectRef>
-      <a:fontRef idx="minor">
-        <a:schemeClr val="lt1"/>
-      </a:fontRef>
-    </dgm:style>
-  </dgm:styleLbl>
-  <dgm:styleLbl name="parChTrans1D1">
-    <dgm:scene3d>
-      <a:camera prst="orthographicFront"/>
-      <a:lightRig rig="threePt" dir="t"/>
-    </dgm:scene3d>
-    <dgm:sp3d/>
-    <dgm:txPr/>
-    <dgm:style>
-      <a:lnRef idx="2">
-        <a:scrgbClr r="0" g="0" b="0"/>
-      </a:lnRef>
-      <a:fillRef idx="0">
-        <a:scrgbClr r="0" g="0" b="0"/>
-      </a:fillRef>
-      <a:effectRef idx="0">
-        <a:scrgbClr r="0" g="0" b="0"/>
-      </a:effectRef>
-      <a:fontRef idx="minor"/>
-    </dgm:style>
-  </dgm:styleLbl>
-  <dgm:styleLbl name="parChTrans1D2">
-    <dgm:scene3d>
-      <a:camera prst="orthographicFront"/>
-      <a:lightRig rig="threePt" dir="t"/>
-    </dgm:scene3d>
-    <dgm:sp3d/>
-    <dgm:txPr/>
-    <dgm:style>
-      <a:lnRef idx="2">
-        <a:scrgbClr r="0" g="0" b="0"/>
-      </a:lnRef>
-      <a:fillRef idx="0">
-        <a:scrgbClr r="0" g="0" b="0"/>
-      </a:fillRef>
-      <a:effectRef idx="0">
-        <a:scrgbClr r="0" g="0" b="0"/>
-      </a:effectRef>
-      <a:fontRef idx="minor"/>
-    </dgm:style>
-  </dgm:styleLbl>
-  <dgm:styleLbl name="parChTrans1D3">
-    <dgm:scene3d>
-      <a:camera prst="orthographicFront"/>
-      <a:lightRig rig="threePt" dir="t"/>
-    </dgm:scene3d>
-    <dgm:sp3d/>
-    <dgm:txPr/>
-    <dgm:style>
-      <a:lnRef idx="2">
-        <a:scrgbClr r="0" g="0" b="0"/>
-      </a:lnRef>
-      <a:fillRef idx="0">
-        <a:scrgbClr r="0" g="0" b="0"/>
-      </a:fillRef>
-      <a:effectRef idx="0">
-        <a:scrgbClr r="0" g="0" b="0"/>
-      </a:effectRef>
-      <a:fontRef idx="minor"/>
-    </dgm:style>
-  </dgm:styleLbl>
-  <dgm:styleLbl name="parChTrans1D4">
-    <dgm:scene3d>
-      <a:camera prst="orthographicFront"/>
-      <a:lightRig rig="threePt" dir="t"/>
-    </dgm:scene3d>
-    <dgm:sp3d/>
-    <dgm:txPr/>
-    <dgm:style>
-      <a:lnRef idx="2">
-        <a:scrgbClr r="0" g="0" b="0"/>
-      </a:lnRef>
-      <a:fillRef idx="0">
-        <a:scrgbClr r="0" g="0" b="0"/>
-      </a:fillRef>
-      <a:effectRef idx="0">
-        <a:scrgbClr r="0" g="0" b="0"/>
-      </a:effectRef>
-      <a:fontRef idx="minor"/>
-    </dgm:style>
-  </dgm:styleLbl>
-  <dgm:styleLbl name="fgAcc1">
-    <dgm:scene3d>
-      <a:camera prst="orthographicFront"/>
-      <a:lightRig rig="threePt" dir="t"/>
-    </dgm:scene3d>
-    <dgm:sp3d/>
-    <dgm:txPr/>
-    <dgm:style>
-      <a:lnRef idx="2">
-        <a:scrgbClr r="0" g="0" b="0"/>
-      </a:lnRef>
-      <a:fillRef idx="1">
-        <a:scrgbClr r="0" g="0" b="0"/>
-      </a:fillRef>
-      <a:effectRef idx="0">
-        <a:scrgbClr r="0" g="0" b="0"/>
-      </a:effectRef>
-      <a:fontRef idx="minor"/>
-    </dgm:style>
-  </dgm:styleLbl>
-  <dgm:styleLbl name="conFgAcc1">
-    <dgm:scene3d>
-      <a:camera prst="orthographicFront"/>
-      <a:lightRig rig="threePt" dir="t"/>
-    </dgm:scene3d>
-    <dgm:sp3d/>
-    <dgm:txPr/>
-    <dgm:style>
-      <a:lnRef idx="2">
-        <a:scrgbClr r="0" g="0" b="0"/>
-      </a:lnRef>
-      <a:fillRef idx="1">
-        <a:scrgbClr r="0" g="0" b="0"/>
-      </a:fillRef>
-      <a:effectRef idx="0">
-        <a:scrgbClr r="0" g="0" b="0"/>
-      </a:effectRef>
-      <a:fontRef idx="minor"/>
-    </dgm:style>
-  </dgm:styleLbl>
-  <dgm:styleLbl name="alignAcc1">
-    <dgm:scene3d>
-      <a:camera prst="orthographicFront"/>
-      <a:lightRig rig="threePt" dir="t"/>
-    </dgm:scene3d>
-    <dgm:sp3d/>
-    <dgm:txPr/>
-    <dgm:style>
-      <a:lnRef idx="2">
-        <a:scrgbClr r="0" g="0" b="0"/>
-      </a:lnRef>
-      <a:fillRef idx="1">
-        <a:scrgbClr r="0" g="0" b="0"/>
-      </a:fillRef>
-      <a:effectRef idx="0">
-        <a:scrgbClr r="0" g="0" b="0"/>
-      </a:effectRef>
-      <a:fontRef idx="minor"/>
-    </dgm:style>
-  </dgm:styleLbl>
-  <dgm:styleLbl name="trAlignAcc1">
-    <dgm:scene3d>
-      <a:camera prst="orthographicFront"/>
-      <a:lightRig rig="threePt" dir="t"/>
-    </dgm:scene3d>
-    <dgm:sp3d/>
-    <dgm:txPr/>
-    <dgm:style>
-      <a:lnRef idx="1">
-        <a:scrgbClr r="0" g="0" b="0"/>
-      </a:lnRef>
-      <a:fillRef idx="1">
-        <a:scrgbClr r="0" g="0" b="0"/>
-      </a:fillRef>
-      <a:effectRef idx="0">
-        <a:scrgbClr r="0" g="0" b="0"/>
-      </a:effectRef>
-      <a:fontRef idx="minor"/>
-    </dgm:style>
-  </dgm:styleLbl>
-  <dgm:styleLbl name="bgAcc1">
-    <dgm:scene3d>
-      <a:camera prst="orthographicFront"/>
-      <a:lightRig rig="threePt" dir="t"/>
-    </dgm:scene3d>
-    <dgm:sp3d/>
-    <dgm:txPr/>
-    <dgm:style>
-      <a:lnRef idx="2">
-        <a:scrgbClr r="0" g="0" b="0"/>
-      </a:lnRef>
-      <a:fillRef idx="1">
-        <a:scrgbClr r="0" g="0" b="0"/>
-      </a:fillRef>
-      <a:effectRef idx="0">
-        <a:scrgbClr r="0" g="0" b="0"/>
-      </a:effectRef>
-      <a:fontRef idx="minor"/>
-    </dgm:style>
-  </dgm:styleLbl>
-  <dgm:styleLbl name="solidFgAcc1">
-    <dgm:scene3d>
-      <a:camera prst="orthographicFront"/>
-      <a:lightRig rig="threePt" dir="t"/>
-    </dgm:scene3d>
-    <dgm:sp3d/>
-    <dgm:txPr/>
-    <dgm:style>
-      <a:lnRef idx="2">
-        <a:scrgbClr r="0" g="0" b="0"/>
-      </a:lnRef>
-      <a:fillRef idx="1">
-        <a:scrgbClr r="0" g="0" b="0"/>
-      </a:fillRef>
-      <a:effectRef idx="0">
-        <a:scrgbClr r="0" g="0" b="0"/>
-      </a:effectRef>
-      <a:fontRef idx="minor"/>
-    </dgm:style>
-  </dgm:styleLbl>
-  <dgm:styleLbl name="solidAlignAcc1">
-    <dgm:scene3d>
-      <a:camera prst="orthographicFront"/>
-      <a:lightRig rig="threePt" dir="t"/>
-    </dgm:scene3d>
-    <dgm:sp3d/>
-    <dgm:txPr/>
-    <dgm:style>
-      <a:lnRef idx="2">
-        <a:scrgbClr r="0" g="0" b="0"/>
-      </a:lnRef>
-      <a:fillRef idx="1">
-        <a:scrgbClr r="0" g="0" b="0"/>
-      </a:fillRef>
-      <a:effectRef idx="0">
-        <a:scrgbClr r="0" g="0" b="0"/>
-      </a:effectRef>
-      <a:fontRef idx="minor"/>
-    </dgm:style>
-  </dgm:styleLbl>
-  <dgm:styleLbl name="solidBgAcc1">
-    <dgm:scene3d>
-      <a:camera prst="orthographicFront"/>
-      <a:lightRig rig="threePt" dir="t"/>
-    </dgm:scene3d>
-    <dgm:sp3d/>
-    <dgm:txPr/>
-    <dgm:style>
-      <a:lnRef idx="2">
-        <a:scrgbClr r="0" g="0" b="0"/>
-      </a:lnRef>
-      <a:fillRef idx="1">
-        <a:scrgbClr r="0" g="0" b="0"/>
-      </a:fillRef>
-      <a:effectRef idx="0">
-        <a:scrgbClr r="0" g="0" b="0"/>
-      </a:effectRef>
-      <a:fontRef idx="minor"/>
-    </dgm:style>
-  </dgm:styleLbl>
-  <dgm:styleLbl name="fgAccFollowNode1">
-    <dgm:scene3d>
-      <a:camera prst="orthographicFront"/>
-      <a:lightRig rig="threePt" dir="t"/>
-    </dgm:scene3d>
-    <dgm:sp3d/>
-    <dgm:txPr/>
-    <dgm:style>
-      <a:lnRef idx="2">
-        <a:scrgbClr r="0" g="0" b="0"/>
-      </a:lnRef>
-      <a:fillRef idx="1">
-        <a:scrgbClr r="0" g="0" b="0"/>
-      </a:fillRef>
-      <a:effectRef idx="0">
-        <a:scrgbClr r="0" g="0" b="0"/>
-      </a:effectRef>
-      <a:fontRef idx="minor"/>
-    </dgm:style>
-  </dgm:styleLbl>
-  <dgm:styleLbl name="alignAccFollowNode1">
-    <dgm:scene3d>
-      <a:camera prst="orthographicFront"/>
-      <a:lightRig rig="threePt" dir="t"/>
-    </dgm:scene3d>
-    <dgm:sp3d/>
-    <dgm:txPr/>
-    <dgm:style>
-      <a:lnRef idx="2">
-        <a:scrgbClr r="0" g="0" b="0"/>
-      </a:lnRef>
-      <a:fillRef idx="1">
-        <a:scrgbClr r="0" g="0" b="0"/>
-      </a:fillRef>
-      <a:effectRef idx="0">
-        <a:scrgbClr r="0" g="0" b="0"/>
-      </a:effectRef>
-      <a:fontRef idx="minor"/>
-    </dgm:style>
-  </dgm:styleLbl>
-  <dgm:styleLbl name="bgAccFollowNode1">
-    <dgm:scene3d>
-      <a:camera prst="orthographicFront"/>
-      <a:lightRig rig="threePt" dir="t"/>
-    </dgm:scene3d>
-    <dgm:sp3d/>
-    <dgm:txPr/>
-    <dgm:style>
-      <a:lnRef idx="2">
-        <a:scrgbClr r="0" g="0" b="0"/>
-      </a:lnRef>
-      <a:fillRef idx="1">
-        <a:scrgbClr r="0" g="0" b="0"/>
-      </a:fillRef>
-      <a:effectRef idx="0">
-        <a:scrgbClr r="0" g="0" b="0"/>
-      </a:effectRef>
-      <a:fontRef idx="minor"/>
-    </dgm:style>
-  </dgm:styleLbl>
-  <dgm:styleLbl name="fgAcc0">
-    <dgm:scene3d>
-      <a:camera prst="orthographicFront"/>
-      <a:lightRig rig="threePt" dir="t"/>
-    </dgm:scene3d>
-    <dgm:sp3d/>
-    <dgm:txPr/>
-    <dgm:style>
-      <a:lnRef idx="2">
-        <a:scrgbClr r="0" g="0" b="0"/>
-      </a:lnRef>
-      <a:fillRef idx="1">
-        <a:scrgbClr r="0" g="0" b="0"/>
-      </a:fillRef>
-      <a:effectRef idx="0">
-        <a:scrgbClr r="0" g="0" b="0"/>
-      </a:effectRef>
-      <a:fontRef idx="minor"/>
-    </dgm:style>
-  </dgm:styleLbl>
-  <dgm:styleLbl name="fgAcc2">
-    <dgm:scene3d>
-      <a:camera prst="orthographicFront"/>
-      <a:lightRig rig="threePt" dir="t"/>
-    </dgm:scene3d>
-    <dgm:sp3d/>
-    <dgm:txPr/>
-    <dgm:style>
-      <a:lnRef idx="2">
-        <a:scrgbClr r="0" g="0" b="0"/>
-      </a:lnRef>
-      <a:fillRef idx="1">
-        <a:scrgbClr r="0" g="0" b="0"/>
-      </a:fillRef>
-      <a:effectRef idx="0">
-        <a:scrgbClr r="0" g="0" b="0"/>
-      </a:effectRef>
-      <a:fontRef idx="minor"/>
-    </dgm:style>
-  </dgm:styleLbl>
-  <dgm:styleLbl name="fgAcc3">
-    <dgm:scene3d>
-      <a:camera prst="orthographicFront"/>
-      <a:lightRig rig="threePt" dir="t"/>
-    </dgm:scene3d>
-    <dgm:sp3d/>
-    <dgm:txPr/>
-    <dgm:style>
-      <a:lnRef idx="2">
-        <a:scrgbClr r="0" g="0" b="0"/>
-      </a:lnRef>
-      <a:fillRef idx="1">
-        <a:scrgbClr r="0" g="0" b="0"/>
-      </a:fillRef>
-      <a:effectRef idx="0">
-        <a:scrgbClr r="0" g="0" b="0"/>
-      </a:effectRef>
-      <a:fontRef idx="minor"/>
-    </dgm:style>
-  </dgm:styleLbl>
-  <dgm:styleLbl name="fgAcc4">
-    <dgm:scene3d>
-      <a:camera prst="orthographicFront"/>
-      <a:lightRig rig="threePt" dir="t"/>
-    </dgm:scene3d>
-    <dgm:sp3d/>
-    <dgm:txPr/>
-    <dgm:style>
-      <a:lnRef idx="2">
-        <a:scrgbClr r="0" g="0" b="0"/>
-      </a:lnRef>
-      <a:fillRef idx="1">
-        <a:scrgbClr r="0" g="0" b="0"/>
-      </a:fillRef>
-      <a:effectRef idx="0">
-        <a:scrgbClr r="0" g="0" b="0"/>
-      </a:effectRef>
-      <a:fontRef idx="minor"/>
-    </dgm:style>
-  </dgm:styleLbl>
-  <dgm:styleLbl name="bgShp">
-    <dgm:scene3d>
-      <a:camera prst="orthographicFront"/>
-      <a:lightRig rig="threePt" dir="t"/>
-    </dgm:scene3d>
-    <dgm:sp3d/>
-    <dgm:txPr/>
-    <dgm:style>
-      <a:lnRef idx="0">
-        <a:scrgbClr r="0" g="0" b="0"/>
-      </a:lnRef>
-      <a:fillRef idx="1">
-        <a:scrgbClr r="0" g="0" b="0"/>
-      </a:fillRef>
-      <a:effectRef idx="0">
-        <a:scrgbClr r="0" g="0" b="0"/>
-      </a:effectRef>
-      <a:fontRef idx="minor"/>
-    </dgm:style>
-  </dgm:styleLbl>
-  <dgm:styleLbl name="dkBgShp">
-    <dgm:scene3d>
-      <a:camera prst="orthographicFront"/>
-      <a:lightRig rig="threePt" dir="t"/>
-    </dgm:scene3d>
-    <dgm:sp3d/>
-    <dgm:txPr/>
-    <dgm:style>
-      <a:lnRef idx="0">
-        <a:scrgbClr r="0" g="0" b="0"/>
-      </a:lnRef>
-      <a:fillRef idx="1">
-        <a:scrgbClr r="0" g="0" b="0"/>
-      </a:fillRef>
-      <a:effectRef idx="0">
-        <a:scrgbClr r="0" g="0" b="0"/>
-      </a:effectRef>
-      <a:fontRef idx="minor"/>
-    </dgm:style>
-  </dgm:styleLbl>
-  <dgm:styleLbl name="trBgShp">
-    <dgm:scene3d>
-      <a:camera prst="orthographicFront"/>
-      <a:lightRig rig="threePt" dir="t"/>
-    </dgm:scene3d>
-    <dgm:sp3d/>
-    <dgm:txPr/>
-    <dgm:style>
-      <a:lnRef idx="0">
-        <a:scrgbClr r="0" g="0" b="0"/>
-      </a:lnRef>
-      <a:fillRef idx="1">
-        <a:scrgbClr r="0" g="0" b="0"/>
-      </a:fillRef>
-      <a:effectRef idx="0">
-        <a:scrgbClr r="0" g="0" b="0"/>
-      </a:effectRef>
-      <a:fontRef idx="minor"/>
-    </dgm:style>
-  </dgm:styleLbl>
-  <dgm:styleLbl name="fgShp">
-    <dgm:scene3d>
-      <a:camera prst="orthographicFront"/>
-      <a:lightRig rig="threePt" dir="t"/>
-    </dgm:scene3d>
-    <dgm:sp3d/>
-    <dgm:txPr/>
-    <dgm:style>
-      <a:lnRef idx="2">
-        <a:scrgbClr r="0" g="0" b="0"/>
-      </a:lnRef>
-      <a:fillRef idx="1">
-        <a:scrgbClr r="0" g="0" b="0"/>
-      </a:fillRef>
-      <a:effectRef idx="0">
-        <a:scrgbClr r="0" g="0" b="0"/>
-      </a:effectRef>
-      <a:fontRef idx="minor"/>
-    </dgm:style>
-  </dgm:styleLbl>
-  <dgm:styleLbl name="revTx">
-    <dgm:scene3d>
-      <a:camera prst="orthographicFront"/>
-      <a:lightRig rig="threePt" dir="t"/>
-    </dgm:scene3d>
-    <dgm:sp3d/>
-    <dgm:txPr/>
-    <dgm:style>
-      <a:lnRef idx="0">
-        <a:scrgbClr r="0" g="0" b="0"/>
-      </a:lnRef>
-      <a:fillRef idx="0">
-        <a:scrgbClr r="0" g="0" b="0"/>
-      </a:fillRef>
-      <a:effectRef idx="0">
-        <a:scrgbClr r="0" g="0" b="0"/>
-      </a:effectRef>
-      <a:fontRef idx="minor"/>
-    </dgm:style>
-  </dgm:styleLbl>
-</dgm:styleDef>
+<file path=ppt/ink/ink1.xml><?xml version="1.0" encoding="utf-8"?>
+<inkml:ink xmlns:inkml="http://www.w3.org/2003/InkML">
+  <inkml:definitions>
+    <inkml:context xml:id="ctx0">
+      <inkml:inkSource xml:id="inkSrc0">
+        <inkml:traceFormat>
+          <inkml:channel name="X" type="integer" min="-2.14748E9" max="2.14748E9" units="cm"/>
+          <inkml:channel name="Y" type="integer" min="-2.14748E9" max="2.14748E9" units="cm"/>
+          <inkml:channel name="F" type="integer" max="32767" units="dev"/>
+        </inkml:traceFormat>
+        <inkml:channelProperties>
+          <inkml:channelProperty channel="X" name="resolution" value="1000" units="1/cm"/>
+          <inkml:channelProperty channel="Y" name="resolution" value="1000" units="1/cm"/>
+          <inkml:channelProperty channel="F" name="resolution" value="0" units="1/dev"/>
+        </inkml:channelProperties>
+      </inkml:inkSource>
+      <inkml:timestamp xml:id="ts0" timeString="2025-06-05T16:58:41.740"/>
+    </inkml:context>
+    <inkml:brush xml:id="br0">
+      <inkml:brushProperty name="width" value="0.1" units="cm"/>
+      <inkml:brushProperty name="height" value="0.1" units="cm"/>
+      <inkml:brushProperty name="color" value="#E71224"/>
+    </inkml:brush>
+  </inkml:definitions>
+  <inkml:trace contextRef="#ctx0" brushRef="#br0">28 1073 2208,'-27'-5'18379,"37"17"-17926,-4-8-331,0-1-1,0 1 0,0-1 0,1-1 0,-1 1 1,1-1-1,7 2 0,51 6 321,-50-8-365,148 26 319,-118-23-319,0-3 1,54-3-1,-23-1 8,111-8 19,-2 0-60,11 2 26,-183 7-69,13 1 106,4 1 131,-23-3-143,-10-3-54,0 3-36,0-1 0,0 0 0,0 0 0,1 0 0,-1 0 0,1 0 0,0-1 1,0 1-1,0-1 0,0 1 0,1-1 0,-1 0 0,1 1 0,0-1 0,0 0 0,0 0 0,1 0 0,-1-5 0,0-11 2,1-1 0,4-28 0,-2 16 4,0-45 2,0 11-4,11-80 0,6 35-7,18-121 20,-31 201-23,15-51 0,-2 15-5,-15 40 23,-3 22-15,0-1 0,0 1 0,1-1 0,-1 1 0,1 0-1,1 0 1,2-6 0,-2 6-4,-3 5 3,0 1 1,0-1-1,0 1 0,0-1 1,1 1-1,-1-1 0,0 1 1,0-1-1,1 1 1,-1 0-1,0-1 0,0 1 1,1-1-1,-1 1 1,0 0-1,1-1 0,-1 1 1,1 0-1,-1-1 0,1 1 1,-1 0-1,0 0 1,1-1-1,-1 1 0,1 0 1,-1 0-1,1 0 0,-1 0 1,1-1-1,-1 1 1,1 0-1,-1 0 0,1 0 1,-1 0-1,1 0 1,-1 0-1,1 1 0,0-1 1,-1 0-1,0 0 0,1 0 1,-1 0-1,1 1 1,-1-1-1,1 0 0,-1 0 1,1 1-1,30 10 4,1-2-1,0-2 1,0-1 0,63 5-1,26 4 5,21 6 3,191 4 0,-314-24-10,345 0 78,-328-2-56,47 5 1,-33 0-10,8-3 8,0-3 0,88-14 0,-67 3-11,-24 3 19,107-5 1,-123 20 856,-50-5-577,-63 13-4058,53-9 2060</inkml:trace>
+</inkml:ink>
+</file>
+
+<file path=ppt/ink/ink2.xml><?xml version="1.0" encoding="utf-8"?>
+<inkml:ink xmlns:inkml="http://www.w3.org/2003/InkML">
+  <inkml:definitions>
+    <inkml:context xml:id="ctx0">
+      <inkml:inkSource xml:id="inkSrc0">
+        <inkml:traceFormat>
+          <inkml:channel name="X" type="integer" min="-2.14748E9" max="2.14748E9" units="cm"/>
+          <inkml:channel name="Y" type="integer" min="-2.14748E9" max="2.14748E9" units="cm"/>
+          <inkml:channel name="F" type="integer" max="32767" units="dev"/>
+        </inkml:traceFormat>
+        <inkml:channelProperties>
+          <inkml:channelProperty channel="X" name="resolution" value="1000" units="1/cm"/>
+          <inkml:channelProperty channel="Y" name="resolution" value="1000" units="1/cm"/>
+          <inkml:channelProperty channel="F" name="resolution" value="0" units="1/dev"/>
+        </inkml:channelProperties>
+      </inkml:inkSource>
+      <inkml:timestamp xml:id="ts0" timeString="2025-06-05T16:58:42.813"/>
+    </inkml:context>
+    <inkml:brush xml:id="br0">
+      <inkml:brushProperty name="width" value="0.1" units="cm"/>
+      <inkml:brushProperty name="height" value="0.1" units="cm"/>
+      <inkml:brushProperty name="color" value="#E71224"/>
+    </inkml:brush>
+  </inkml:definitions>
+  <inkml:trace contextRef="#ctx0" brushRef="#br0">96 11 2577,'-11'-1'971,"-28"-9"13311,63 21-11656,-1-3-1973,-11-4-451,-1 0 0,0 0-1,0 2 1,18 9 0,79 49 447,-45-29-422,-49-26-168,-1 0 1,-1 1-1,0 0 0,0 1 0,-1 1 0,0 0 0,-1 0 1,0 1-1,-1 0 0,15 29 443,-26-41-488,1 0 0,-1 0 0,1 0 0,-1-1 0,1 1 1,-1 0-1,0-1 0,1 1 0,-4-1 0,-28 14 150,1 0 0,0 3 0,-35 24 0,-82 66 378,70-37-331,19-16-51,56-49-112,9-6-6,11-8-277,39-27-4899,-20 18 3219</inkml:trace>
+</inkml:ink>
 </file>
 
 <file path=ppt/notesMasters/notesMaster1.xml><?xml version="1.0" encoding="utf-8"?>
@@ -6217,7 +3052,7 @@
             <a:fld id="{7D6F2994-ACE5-4A1A-B35E-4EB264D0F2D5}" type="datetimeFigureOut">
               <a:rPr lang="en-US" smtClean="0"/>
               <a:pPr/>
-              <a:t>4/10/2025</a:t>
+              <a:t>6/5/2025</a:t>
             </a:fld>
             <a:endParaRPr lang="en-US"/>
           </a:p>
@@ -9938,7 +6773,7 @@
         <p:spPr>
           <a:xfrm>
             <a:off x="714170" y="743447"/>
-            <a:ext cx="3172029" cy="3066553"/>
+            <a:ext cx="3476830" cy="3066553"/>
           </a:xfrm>
           <a:noFill/>
         </p:spPr>
@@ -9950,40 +6785,47 @@
           <a:p>
             <a:pPr algn="l"/>
             <a:r>
-              <a:rPr lang="en-US" sz="3200" b="1" dirty="0"/>
+              <a:rPr lang="en-US" sz="2800" b="1" dirty="0"/>
               <a:t>CS 5/7320 </a:t>
-            </a:r>
-            <a:br>
-              <a:rPr lang="en-US" sz="3200" dirty="0"/>
-            </a:br>
-            <a:r>
-              <a:rPr lang="en-US" sz="2800" dirty="0"/>
-              <a:t>Artificial Intelligence</a:t>
             </a:r>
             <a:br>
               <a:rPr lang="en-US" sz="2800" dirty="0"/>
             </a:br>
+            <a:r>
+              <a:rPr lang="en-US" sz="2400" b="1" dirty="0"/>
+              <a:t>Artificial Intelligence</a:t>
+            </a:r>
             <a:br>
-              <a:rPr lang="en-US" sz="2800" dirty="0"/>
+              <a:rPr lang="en-US" sz="2400" dirty="0"/>
             </a:br>
             <a:br>
-              <a:rPr lang="en-US" sz="2800" dirty="0"/>
+              <a:rPr lang="en-US" sz="2400" dirty="0"/>
             </a:br>
             <a:br>
-              <a:rPr lang="en-US" sz="2800" dirty="0"/>
+              <a:rPr lang="en-US" sz="2400" dirty="0"/>
             </a:br>
             <a:r>
-              <a:rPr lang="en-US" sz="2800" b="1" dirty="0"/>
-              <a:t>Automated Planning</a:t>
+              <a:rPr lang="en-US" sz="2400" b="1" dirty="0"/>
+              <a:t>Automated Planning:</a:t>
             </a:r>
             <a:br>
-              <a:rPr lang="en-US" sz="2800" dirty="0"/>
+              <a:rPr lang="en-US" sz="2400" b="1" dirty="0"/>
             </a:br>
             <a:r>
+              <a:rPr lang="en-US" sz="2000" b="1" dirty="0"/>
+              <a:t>Hierarchical Planning and Monitoring </a:t>
+            </a:r>
+            <a:br>
+              <a:rPr lang="en-US" sz="2400" b="1" dirty="0"/>
+            </a:br>
+            <a:br>
               <a:rPr lang="en-US" sz="2400" dirty="0"/>
+            </a:br>
+            <a:r>
+              <a:rPr lang="en-US" sz="2000" dirty="0"/>
               <a:t>AIMA Chapter 11</a:t>
             </a:r>
-            <a:endParaRPr lang="en-US" sz="2800" dirty="0"/>
+            <a:endParaRPr lang="en-US" sz="2400" dirty="0"/>
           </a:p>
         </p:txBody>
       </p:sp>
@@ -10633,8 +7475,8 @@
           </a:p>
         </p:txBody>
       </p:sp>
-      <mc:AlternateContent xmlns:mc="http://schemas.openxmlformats.org/markup-compatibility/2006" xmlns:a14="http://schemas.microsoft.com/office/drawing/2010/main">
-        <mc:Choice Requires="a14">
+      <mc:AlternateContent xmlns:mc="http://schemas.openxmlformats.org/markup-compatibility/2006">
+        <mc:Choice xmlns:a14="http://schemas.microsoft.com/office/drawing/2010/main" Requires="a14">
           <p:sp>
             <p:nvSpPr>
               <p:cNvPr id="6" name="Content Placeholder 5">
@@ -10729,7 +7571,7 @@
               <a:p>
                 <a:r>
                   <a:rPr lang="en-US" dirty="0"/>
-                  <a:t>The agent can choose which implementation of the HLA to use.</a:t>
+                  <a:t>Since both refinements achieve the goal, the agent can choose which implementation of the HLA to use.</a:t>
                 </a:r>
               </a:p>
               <a:p>
@@ -10741,7 +7583,7 @@
             </p:txBody>
           </p:sp>
         </mc:Choice>
-        <mc:Fallback xmlns="">
+        <mc:Fallback>
           <p:sp>
             <p:nvSpPr>
               <p:cNvPr id="6" name="Content Placeholder 5">
@@ -10762,7 +7604,7 @@
               <a:blipFill>
                 <a:blip r:embed="rId2"/>
                 <a:stretch>
-                  <a:fillRect l="-773" t="-1541"/>
+                  <a:fillRect l="-773" t="-1541" r="-850"/>
                 </a:stretch>
               </a:blipFill>
             </p:spPr>
@@ -10929,13 +7771,13 @@
           <a:p>
             <a:r>
               <a:rPr lang="en-US" dirty="0"/>
-              <a:t>Search for Primitive Solutions</a:t>
+              <a:t>Option 1: Search for Primitive Solutions</a:t>
             </a:r>
           </a:p>
         </p:txBody>
       </p:sp>
-      <mc:AlternateContent xmlns:mc="http://schemas.openxmlformats.org/markup-compatibility/2006" xmlns:a14="http://schemas.microsoft.com/office/drawing/2010/main">
-        <mc:Choice Requires="a14">
+      <mc:AlternateContent xmlns:mc="http://schemas.openxmlformats.org/markup-compatibility/2006">
+        <mc:Choice xmlns:a14="http://schemas.microsoft.com/office/drawing/2010/main" Requires="a14">
           <p:sp>
             <p:nvSpPr>
               <p:cNvPr id="3" name="Content Placeholder 2">
@@ -11094,7 +7936,7 @@
                 </a:r>
                 <a:r>
                   <a:rPr lang="en-US" dirty="0"/>
-                  <a:t>: This approach has to search through all possible sequences!</a:t>
+                  <a:t>: This approach must search through all possible sequences!</a:t>
                 </a:r>
               </a:p>
               <a:p>
@@ -11127,7 +7969,7 @@
             </p:txBody>
           </p:sp>
         </mc:Choice>
-        <mc:Fallback xmlns="">
+        <mc:Fallback>
           <p:sp>
             <p:nvSpPr>
               <p:cNvPr id="3" name="Content Placeholder 2">
@@ -11392,7 +8234,14 @@
           <a:p>
             <a:r>
               <a:rPr lang="en-US" dirty="0"/>
-              <a:t>Search for Primitive Solutions - Implementation</a:t>
+              <a:t>Option 1: Search for Primitive Solutions – </a:t>
+            </a:r>
+            <a:br>
+              <a:rPr lang="en-US" dirty="0"/>
+            </a:br>
+            <a:r>
+              <a:rPr lang="en-US" dirty="0"/>
+              <a:t>BFS Implementation</a:t>
             </a:r>
           </a:p>
         </p:txBody>
@@ -11525,13 +8374,13 @@
           <a:p>
             <a:r>
               <a:rPr lang="en-US" dirty="0"/>
-              <a:t>Searching for Abstract Solutions </a:t>
+              <a:t>Option 2: Searching for Abstract Solutions </a:t>
             </a:r>
           </a:p>
         </p:txBody>
       </p:sp>
-      <mc:AlternateContent xmlns:mc="http://schemas.openxmlformats.org/markup-compatibility/2006" xmlns:a14="http://schemas.microsoft.com/office/drawing/2010/main">
-        <mc:Choice Requires="a14">
+      <mc:AlternateContent xmlns:mc="http://schemas.openxmlformats.org/markup-compatibility/2006">
+        <mc:Choice xmlns:a14="http://schemas.microsoft.com/office/drawing/2010/main" Requires="a14">
           <p:sp>
             <p:nvSpPr>
               <p:cNvPr id="3" name="Content Placeholder 2">
@@ -11556,8 +8405,12 @@
               <a:lstStyle/>
               <a:p>
                 <a:r>
+                  <a:rPr lang="en-US" b="1" dirty="0"/>
+                  <a:t>Issue</a:t>
+                </a:r>
+                <a:r>
                   <a:rPr lang="en-US" dirty="0"/>
-                  <a:t>Search for primitive solutions has to refine all HLAs all the way to primitive actions to determine if a plan is workable.</a:t>
+                  <a:t>: Search for primitive solutions has to refine all HLAs all the way to primitive actions to determine if a plan is workable.</a:t>
                 </a:r>
               </a:p>
               <a:p>
@@ -11566,11 +8419,7 @@
               <a:p>
                 <a:r>
                   <a:rPr lang="en-US" b="1" dirty="0"/>
-                  <a:t>Idea</a:t>
-                </a:r>
-                <a:r>
-                  <a:rPr lang="en-US" dirty="0"/>
-                  <a:t>: Determine what HLAs do.</a:t>
+                  <a:t>Idea: Determine what HLAs do.</a:t>
                 </a:r>
               </a:p>
               <a:p>
@@ -11980,9 +8829,12 @@
                     </m:nary>
                   </m:oMath>
                 </a14:m>
-                <a:endParaRPr lang="en-US" dirty="0"/>
-              </a:p>
-              <a:p>
+                <a:br>
+                  <a:rPr lang="en-US" dirty="0"/>
+                </a:br>
+                <a:br>
+                  <a:rPr lang="en-US" dirty="0"/>
+                </a:br>
                 <a:r>
                   <a:rPr lang="en-US" dirty="0"/>
                   <a:t>A sequence of HLAs achieves the goal if its reachable set intersects the goal set.</a:t>
@@ -12017,7 +8869,7 @@
             </p:txBody>
           </p:sp>
         </mc:Choice>
-        <mc:Fallback xmlns="">
+        <mc:Fallback>
           <p:sp>
             <p:nvSpPr>
               <p:cNvPr id="3" name="Content Placeholder 2">
@@ -12038,7 +8890,7 @@
               <a:blipFill>
                 <a:blip r:embed="rId2"/>
                 <a:stretch>
-                  <a:fillRect l="-464" t="-2241"/>
+                  <a:fillRect l="-464" t="-2241" r="-773"/>
                 </a:stretch>
               </a:blipFill>
             </p:spPr>
@@ -12071,6 +8923,423 @@
 </file>
 
 <file path=ppt/slides/slide14.xml><?xml version="1.0" encoding="utf-8"?>
+<p:sld xmlns:a="http://schemas.openxmlformats.org/drawingml/2006/main" xmlns:r="http://schemas.openxmlformats.org/officeDocument/2006/relationships" xmlns:p="http://schemas.openxmlformats.org/presentationml/2006/main">
+  <p:cSld>
+    <p:spTree>
+      <p:nvGrpSpPr>
+        <p:cNvPr id="1" name=""/>
+        <p:cNvGrpSpPr/>
+        <p:nvPr/>
+      </p:nvGrpSpPr>
+      <p:grpSpPr>
+        <a:xfrm>
+          <a:off x="0" y="0"/>
+          <a:ext cx="0" cy="0"/>
+          <a:chOff x="0" y="0"/>
+          <a:chExt cx="0" cy="0"/>
+        </a:xfrm>
+      </p:grpSpPr>
+      <p:sp>
+        <p:nvSpPr>
+          <p:cNvPr id="2" name="Title 1">
+            <a:extLst>
+              <a:ext uri="{FF2B5EF4-FFF2-40B4-BE49-F238E27FC236}">
+                <a16:creationId xmlns:a16="http://schemas.microsoft.com/office/drawing/2014/main" id="{E44A5237-705E-5D07-CA77-834DC9694F63}"/>
+              </a:ext>
+            </a:extLst>
+          </p:cNvPr>
+          <p:cNvSpPr>
+            <a:spLocks noGrp="1"/>
+          </p:cNvSpPr>
+          <p:nvPr>
+            <p:ph type="title"/>
+          </p:nvPr>
+        </p:nvSpPr>
+        <p:spPr/>
+        <p:txBody>
+          <a:bodyPr/>
+          <a:lstStyle/>
+          <a:p>
+            <a:r>
+              <a:rPr lang="en-US" dirty="0"/>
+              <a:t>Conclusion</a:t>
+            </a:r>
+          </a:p>
+        </p:txBody>
+      </p:sp>
+      <p:sp>
+        <p:nvSpPr>
+          <p:cNvPr id="3" name="Content Placeholder 2">
+            <a:extLst>
+              <a:ext uri="{FF2B5EF4-FFF2-40B4-BE49-F238E27FC236}">
+                <a16:creationId xmlns:a16="http://schemas.microsoft.com/office/drawing/2014/main" id="{FFFEC2E6-54A3-029D-4167-3B7B364652CE}"/>
+              </a:ext>
+            </a:extLst>
+          </p:cNvPr>
+          <p:cNvSpPr>
+            <a:spLocks noGrp="1"/>
+          </p:cNvSpPr>
+          <p:nvPr>
+            <p:ph idx="1"/>
+          </p:nvPr>
+        </p:nvSpPr>
+        <p:spPr>
+          <a:xfrm>
+            <a:off x="628650" y="1524001"/>
+            <a:ext cx="7886700" cy="1219200"/>
+          </a:xfrm>
+        </p:spPr>
+        <p:txBody>
+          <a:bodyPr>
+            <a:normAutofit/>
+          </a:bodyPr>
+          <a:lstStyle/>
+          <a:p>
+            <a:r>
+              <a:rPr lang="en-US" dirty="0"/>
+              <a:t> High-level actions are a powerful concept for dealing with large search spaces/search trees.</a:t>
+            </a:r>
+          </a:p>
+          <a:p>
+            <a:r>
+              <a:rPr lang="en-US" dirty="0"/>
+              <a:t>Example:</a:t>
+            </a:r>
+          </a:p>
+          <a:p>
+            <a:endParaRPr lang="en-US" dirty="0"/>
+          </a:p>
+        </p:txBody>
+      </p:sp>
+      <p:sp>
+        <p:nvSpPr>
+          <p:cNvPr id="76" name="TextBox 75">
+            <a:extLst>
+              <a:ext uri="{FF2B5EF4-FFF2-40B4-BE49-F238E27FC236}">
+                <a16:creationId xmlns:a16="http://schemas.microsoft.com/office/drawing/2014/main" id="{0E7D33FB-31F6-BDDD-F4A8-672084B7ADD7}"/>
+              </a:ext>
+            </a:extLst>
+          </p:cNvPr>
+          <p:cNvSpPr txBox="1"/>
+          <p:nvPr/>
+        </p:nvSpPr>
+        <p:spPr>
+          <a:xfrm>
+            <a:off x="5242320" y="2784936"/>
+            <a:ext cx="2962432" cy="3416320"/>
+          </a:xfrm>
+          <a:prstGeom prst="rect">
+            <a:avLst/>
+          </a:prstGeom>
+          <a:noFill/>
+        </p:spPr>
+        <p:txBody>
+          <a:bodyPr wrap="square" rtlCol="0">
+            <a:spAutoFit/>
+          </a:bodyPr>
+          <a:lstStyle/>
+          <a:p>
+            <a:r>
+              <a:rPr lang="en-US" dirty="0"/>
+              <a:t>Top high-level action:</a:t>
+            </a:r>
+          </a:p>
+          <a:p>
+            <a:r>
+              <a:rPr lang="en-US" dirty="0"/>
+              <a:t>A sequence of second-level HLAs. </a:t>
+            </a:r>
+          </a:p>
+          <a:p>
+            <a:endParaRPr lang="en-US" dirty="0"/>
+          </a:p>
+          <a:p>
+            <a:r>
+              <a:rPr lang="en-US" dirty="0"/>
+              <a:t>Second-level HLA: </a:t>
+            </a:r>
+            <a:br>
+              <a:rPr lang="en-US" dirty="0"/>
+            </a:br>
+            <a:r>
+              <a:rPr lang="en-US" b="1" dirty="0"/>
+              <a:t>Go to the next intersection</a:t>
+            </a:r>
+          </a:p>
+          <a:p>
+            <a:endParaRPr lang="en-US" dirty="0"/>
+          </a:p>
+          <a:p>
+            <a:r>
+              <a:rPr lang="en-US" dirty="0"/>
+              <a:t>Example Implementation: </a:t>
+            </a:r>
+            <a:br>
+              <a:rPr lang="en-US" dirty="0"/>
+            </a:br>
+            <a:r>
+              <a:rPr lang="en-US" b="1" dirty="0"/>
+              <a:t>[E, E, N, N, E, E, E]</a:t>
+            </a:r>
+          </a:p>
+          <a:p>
+            <a:endParaRPr lang="en-US" dirty="0"/>
+          </a:p>
+          <a:p>
+            <a:r>
+              <a:rPr lang="en-US" dirty="0"/>
+              <a:t>This leads to a much smaller state space and search tree!</a:t>
+            </a:r>
+          </a:p>
+        </p:txBody>
+      </p:sp>
+      <p:grpSp>
+        <p:nvGrpSpPr>
+          <p:cNvPr id="81" name="Group 80">
+            <a:extLst>
+              <a:ext uri="{FF2B5EF4-FFF2-40B4-BE49-F238E27FC236}">
+                <a16:creationId xmlns:a16="http://schemas.microsoft.com/office/drawing/2014/main" id="{A74B5776-1792-226F-3917-4FEC2CD763E9}"/>
+              </a:ext>
+            </a:extLst>
+          </p:cNvPr>
+          <p:cNvGrpSpPr/>
+          <p:nvPr/>
+        </p:nvGrpSpPr>
+        <p:grpSpPr>
+          <a:xfrm>
+            <a:off x="1219200" y="2462676"/>
+            <a:ext cx="4061220" cy="3996605"/>
+            <a:chOff x="1219200" y="2462676"/>
+            <a:chExt cx="4061220" cy="3996605"/>
+          </a:xfrm>
+        </p:grpSpPr>
+        <p:pic>
+          <p:nvPicPr>
+            <p:cNvPr id="4" name="Picture 2">
+              <a:extLst>
+                <a:ext uri="{FF2B5EF4-FFF2-40B4-BE49-F238E27FC236}">
+                  <a16:creationId xmlns:a16="http://schemas.microsoft.com/office/drawing/2014/main" id="{F7772791-8F8F-0057-33AC-2C66FFEAB672}"/>
+                </a:ext>
+              </a:extLst>
+            </p:cNvPr>
+            <p:cNvPicPr>
+              <a:picLocks noChangeAspect="1" noChangeArrowheads="1"/>
+            </p:cNvPicPr>
+            <p:nvPr/>
+          </p:nvPicPr>
+          <p:blipFill>
+            <a:blip r:embed="rId2" cstate="print">
+              <a:extLst>
+                <a:ext uri="{BEBA8EAE-BF5A-486C-A8C5-ECC9F3942E4B}">
+                  <a14:imgProps xmlns:a14="http://schemas.microsoft.com/office/drawing/2010/main">
+                    <a14:imgLayer r:embed="rId3">
+                      <a14:imgEffect>
+                        <a14:artisticPencilSketch/>
+                      </a14:imgEffect>
+                    </a14:imgLayer>
+                  </a14:imgProps>
+                </a:ext>
+              </a:extLst>
+            </a:blip>
+            <a:srcRect/>
+            <a:stretch>
+              <a:fillRect/>
+            </a:stretch>
+          </p:blipFill>
+          <p:spPr bwMode="auto">
+            <a:xfrm>
+              <a:off x="1219200" y="2833747"/>
+              <a:ext cx="3572524" cy="3625534"/>
+            </a:xfrm>
+            <a:prstGeom prst="rect">
+              <a:avLst/>
+            </a:prstGeom>
+            <a:noFill/>
+            <a:ln w="9525">
+              <a:noFill/>
+              <a:miter lim="800000"/>
+              <a:headEnd/>
+              <a:tailEnd/>
+            </a:ln>
+          </p:spPr>
+        </p:pic>
+        <p:sp>
+          <p:nvSpPr>
+            <p:cNvPr id="77" name="TextBox 76">
+              <a:extLst>
+                <a:ext uri="{FF2B5EF4-FFF2-40B4-BE49-F238E27FC236}">
+                  <a16:creationId xmlns:a16="http://schemas.microsoft.com/office/drawing/2014/main" id="{19A122B4-F2CB-E9A2-389E-080D84DD6A94}"/>
+                </a:ext>
+              </a:extLst>
+            </p:cNvPr>
+            <p:cNvSpPr txBox="1"/>
+            <p:nvPr/>
+          </p:nvSpPr>
+          <p:spPr>
+            <a:xfrm>
+              <a:off x="2819400" y="2462676"/>
+              <a:ext cx="2461020" cy="369332"/>
+            </a:xfrm>
+            <a:prstGeom prst="rect">
+              <a:avLst/>
+            </a:prstGeom>
+            <a:noFill/>
+          </p:spPr>
+          <p:txBody>
+            <a:bodyPr wrap="square" rtlCol="0">
+              <a:spAutoFit/>
+            </a:bodyPr>
+            <a:lstStyle/>
+            <a:p>
+              <a:r>
+                <a:rPr lang="en-US" dirty="0">
+                  <a:solidFill>
+                    <a:srgbClr val="0070C0"/>
+                  </a:solidFill>
+                </a:rPr>
+                <a:t>Actions: {N, E, S, W}</a:t>
+              </a:r>
+            </a:p>
+          </p:txBody>
+        </p:sp>
+        <p:grpSp>
+          <p:nvGrpSpPr>
+            <p:cNvPr id="80" name="Group 79">
+              <a:extLst>
+                <a:ext uri="{FF2B5EF4-FFF2-40B4-BE49-F238E27FC236}">
+                  <a16:creationId xmlns:a16="http://schemas.microsoft.com/office/drawing/2014/main" id="{8E484DFD-B24D-255E-80B6-06BF72D2C971}"/>
+                </a:ext>
+              </a:extLst>
+            </p:cNvPr>
+            <p:cNvGrpSpPr/>
+            <p:nvPr/>
+          </p:nvGrpSpPr>
+          <p:grpSpPr>
+            <a:xfrm>
+              <a:off x="1497663" y="3064492"/>
+              <a:ext cx="1193760" cy="486360"/>
+              <a:chOff x="1497663" y="3064492"/>
+              <a:chExt cx="1193760" cy="486360"/>
+            </a:xfrm>
+          </p:grpSpPr>
+          <mc:AlternateContent xmlns:mc="http://schemas.openxmlformats.org/markup-compatibility/2006">
+            <mc:Choice xmlns:p14="http://schemas.microsoft.com/office/powerpoint/2010/main" Requires="p14">
+              <p:contentPart p14:bwMode="auto" r:id="rId4">
+                <p14:nvContentPartPr>
+                  <p14:cNvPr id="78" name="Ink 77">
+                    <a:extLst>
+                      <a:ext uri="{FF2B5EF4-FFF2-40B4-BE49-F238E27FC236}">
+                        <a16:creationId xmlns:a16="http://schemas.microsoft.com/office/drawing/2014/main" id="{B5237A00-5B58-F399-D03A-33E8D701ADC0}"/>
+                      </a:ext>
+                    </a:extLst>
+                  </p14:cNvPr>
+                  <p14:cNvContentPartPr/>
+                  <p14:nvPr/>
+                </p14:nvContentPartPr>
+                <p14:xfrm>
+                  <a:off x="1497663" y="3135772"/>
+                  <a:ext cx="1193760" cy="415080"/>
+                </p14:xfrm>
+              </p:contentPart>
+            </mc:Choice>
+            <mc:Fallback>
+              <p:pic>
+                <p:nvPicPr>
+                  <p:cNvPr id="78" name="Ink 77">
+                    <a:extLst>
+                      <a:ext uri="{FF2B5EF4-FFF2-40B4-BE49-F238E27FC236}">
+                        <a16:creationId xmlns:a16="http://schemas.microsoft.com/office/drawing/2014/main" id="{B5237A00-5B58-F399-D03A-33E8D701ADC0}"/>
+                      </a:ext>
+                    </a:extLst>
+                  </p:cNvPr>
+                  <p:cNvPicPr/>
+                  <p:nvPr/>
+                </p:nvPicPr>
+                <p:blipFill>
+                  <a:blip r:embed="rId5"/>
+                  <a:stretch>
+                    <a:fillRect/>
+                  </a:stretch>
+                </p:blipFill>
+                <p:spPr>
+                  <a:xfrm>
+                    <a:off x="1480023" y="3117772"/>
+                    <a:ext cx="1229400" cy="450720"/>
+                  </a:xfrm>
+                  <a:prstGeom prst="rect">
+                    <a:avLst/>
+                  </a:prstGeom>
+                </p:spPr>
+              </p:pic>
+            </mc:Fallback>
+          </mc:AlternateContent>
+          <mc:AlternateContent xmlns:mc="http://schemas.openxmlformats.org/markup-compatibility/2006">
+            <mc:Choice xmlns:p14="http://schemas.microsoft.com/office/powerpoint/2010/main" Requires="p14">
+              <p:contentPart p14:bwMode="auto" r:id="rId6">
+                <p14:nvContentPartPr>
+                  <p14:cNvPr id="79" name="Ink 78">
+                    <a:extLst>
+                      <a:ext uri="{FF2B5EF4-FFF2-40B4-BE49-F238E27FC236}">
+                        <a16:creationId xmlns:a16="http://schemas.microsoft.com/office/drawing/2014/main" id="{83B2A788-5C9B-274C-EA83-E1CEF37B1C00}"/>
+                      </a:ext>
+                    </a:extLst>
+                  </p14:cNvPr>
+                  <p14:cNvContentPartPr/>
+                  <p14:nvPr/>
+                </p14:nvContentPartPr>
+                <p14:xfrm>
+                  <a:off x="2512143" y="3064492"/>
+                  <a:ext cx="171360" cy="228240"/>
+                </p14:xfrm>
+              </p:contentPart>
+            </mc:Choice>
+            <mc:Fallback>
+              <p:pic>
+                <p:nvPicPr>
+                  <p:cNvPr id="79" name="Ink 78">
+                    <a:extLst>
+                      <a:ext uri="{FF2B5EF4-FFF2-40B4-BE49-F238E27FC236}">
+                        <a16:creationId xmlns:a16="http://schemas.microsoft.com/office/drawing/2014/main" id="{83B2A788-5C9B-274C-EA83-E1CEF37B1C00}"/>
+                      </a:ext>
+                    </a:extLst>
+                  </p:cNvPr>
+                  <p:cNvPicPr/>
+                  <p:nvPr/>
+                </p:nvPicPr>
+                <p:blipFill>
+                  <a:blip r:embed="rId7"/>
+                  <a:stretch>
+                    <a:fillRect/>
+                  </a:stretch>
+                </p:blipFill>
+                <p:spPr>
+                  <a:xfrm>
+                    <a:off x="2494503" y="3046492"/>
+                    <a:ext cx="207000" cy="263880"/>
+                  </a:xfrm>
+                  <a:prstGeom prst="rect">
+                    <a:avLst/>
+                  </a:prstGeom>
+                </p:spPr>
+              </p:pic>
+            </mc:Fallback>
+          </mc:AlternateContent>
+        </p:grpSp>
+      </p:grpSp>
+    </p:spTree>
+    <p:extLst>
+      <p:ext uri="{BB962C8B-B14F-4D97-AF65-F5344CB8AC3E}">
+        <p14:creationId xmlns:p14="http://schemas.microsoft.com/office/powerpoint/2010/main" val="1397475403"/>
+      </p:ext>
+    </p:extLst>
+  </p:cSld>
+  <p:clrMapOvr>
+    <a:masterClrMapping/>
+  </p:clrMapOvr>
+</p:sld>
+</file>
+
+<file path=ppt/slides/slide15.xml><?xml version="1.0" encoding="utf-8"?>
 <p:sld xmlns:a="http://schemas.openxmlformats.org/drawingml/2006/main" xmlns:r="http://schemas.openxmlformats.org/officeDocument/2006/relationships" xmlns:p="http://schemas.openxmlformats.org/presentationml/2006/main">
   <p:cSld>
     <p:bg>
@@ -12450,199 +9719,6 @@
 </p:sld>
 </file>
 
-<file path=ppt/slides/slide15.xml><?xml version="1.0" encoding="utf-8"?>
-<p:sld xmlns:a="http://schemas.openxmlformats.org/drawingml/2006/main" xmlns:r="http://schemas.openxmlformats.org/officeDocument/2006/relationships" xmlns:p="http://schemas.openxmlformats.org/presentationml/2006/main">
-  <p:cSld>
-    <p:spTree>
-      <p:nvGrpSpPr>
-        <p:cNvPr id="1" name=""/>
-        <p:cNvGrpSpPr/>
-        <p:nvPr/>
-      </p:nvGrpSpPr>
-      <p:grpSpPr>
-        <a:xfrm>
-          <a:off x="0" y="0"/>
-          <a:ext cx="0" cy="0"/>
-          <a:chOff x="0" y="0"/>
-          <a:chExt cx="0" cy="0"/>
-        </a:xfrm>
-      </p:grpSpPr>
-      <p:sp>
-        <p:nvSpPr>
-          <p:cNvPr id="4" name="Title 3">
-            <a:extLst>
-              <a:ext uri="{FF2B5EF4-FFF2-40B4-BE49-F238E27FC236}">
-                <a16:creationId xmlns:a16="http://schemas.microsoft.com/office/drawing/2014/main" id="{6E3BD35D-5921-3A12-2ABC-F9A3D7E555AF}"/>
-              </a:ext>
-            </a:extLst>
-          </p:cNvPr>
-          <p:cNvSpPr>
-            <a:spLocks noGrp="1"/>
-          </p:cNvSpPr>
-          <p:nvPr>
-            <p:ph type="title"/>
-          </p:nvPr>
-        </p:nvSpPr>
-        <p:spPr/>
-        <p:txBody>
-          <a:bodyPr/>
-          <a:lstStyle/>
-          <a:p>
-            <a:r>
-              <a:rPr lang="en-US" dirty="0"/>
-              <a:t>Determinism &amp; Observability - </a:t>
-            </a:r>
-            <a:br>
-              <a:rPr lang="en-US" dirty="0"/>
-            </a:br>
-            <a:r>
-              <a:rPr lang="en-US" dirty="0"/>
-              <a:t>Belief States</a:t>
-            </a:r>
-          </a:p>
-        </p:txBody>
-      </p:sp>
-      <p:sp>
-        <p:nvSpPr>
-          <p:cNvPr id="5" name="Content Placeholder 4">
-            <a:extLst>
-              <a:ext uri="{FF2B5EF4-FFF2-40B4-BE49-F238E27FC236}">
-                <a16:creationId xmlns:a16="http://schemas.microsoft.com/office/drawing/2014/main" id="{6E474C42-AF9B-B0B5-DF2C-047E669BF544}"/>
-              </a:ext>
-            </a:extLst>
-          </p:cNvPr>
-          <p:cNvSpPr>
-            <a:spLocks noGrp="1"/>
-          </p:cNvSpPr>
-          <p:nvPr>
-            <p:ph idx="1"/>
-          </p:nvPr>
-        </p:nvSpPr>
-        <p:spPr/>
-        <p:txBody>
-          <a:bodyPr>
-            <a:normAutofit fontScale="92500" lnSpcReduction="10000"/>
-          </a:bodyPr>
-          <a:lstStyle/>
-          <a:p>
-            <a:r>
-              <a:rPr lang="en-US" dirty="0"/>
-              <a:t>For </a:t>
-            </a:r>
-            <a:r>
-              <a:rPr lang="en-US" b="1" dirty="0"/>
-              <a:t>nondeterministic</a:t>
-            </a:r>
-            <a:r>
-              <a:rPr lang="en-US" dirty="0"/>
-              <a:t> or </a:t>
-            </a:r>
-            <a:r>
-              <a:rPr lang="en-US" b="1" dirty="0"/>
-              <a:t>partially observable </a:t>
-            </a:r>
-            <a:r>
-              <a:rPr lang="en-US" dirty="0"/>
-              <a:t>environments we need belief states.</a:t>
-            </a:r>
-          </a:p>
-          <a:p>
-            <a:endParaRPr lang="en-US" dirty="0"/>
-          </a:p>
-          <a:p>
-            <a:r>
-              <a:rPr lang="en-US" dirty="0"/>
-              <a:t>A belief state is a set of possible physical states the agent might be in given its current knowledge.</a:t>
-            </a:r>
-          </a:p>
-          <a:p>
-            <a:endParaRPr lang="en-US" dirty="0"/>
-          </a:p>
-          <a:p>
-            <a:r>
-              <a:rPr lang="en-US" dirty="0"/>
-              <a:t>The belief state concept needs to be extended to the factored state representation.</a:t>
-            </a:r>
-          </a:p>
-          <a:p>
-            <a:pPr lvl="1"/>
-            <a:r>
-              <a:rPr lang="en-US" dirty="0"/>
-              <a:t>A belief state becomes a logical formula of </a:t>
-            </a:r>
-            <a:r>
-              <a:rPr lang="en-US" dirty="0" err="1"/>
-              <a:t>fluents</a:t>
-            </a:r>
-            <a:r>
-              <a:rPr lang="en-US" dirty="0"/>
-              <a:t>.</a:t>
-            </a:r>
-          </a:p>
-          <a:p>
-            <a:pPr lvl="1"/>
-            <a:r>
-              <a:rPr lang="en-US" dirty="0" err="1"/>
-              <a:t>Fluents</a:t>
-            </a:r>
-            <a:r>
-              <a:rPr lang="en-US" dirty="0"/>
-              <a:t> that do not appear in the formula are unknow.</a:t>
-            </a:r>
-          </a:p>
-          <a:p>
-            <a:pPr lvl="1"/>
-            <a:endParaRPr lang="en-US" dirty="0"/>
-          </a:p>
-          <a:p>
-            <a:endParaRPr lang="en-US" sz="1800" dirty="0"/>
-          </a:p>
-          <a:p>
-            <a:pPr marL="0" indent="0">
-              <a:buNone/>
-            </a:pPr>
-            <a:r>
-              <a:rPr lang="en-US" sz="1800" dirty="0"/>
-              <a:t>Technical note: If we manage to keep the belief state in 1-CNF (1-conjunctive normal form, i.e., </a:t>
-            </a:r>
-            <a:r>
-              <a:rPr lang="en-US" sz="1800" dirty="0" err="1"/>
-              <a:t>fluents</a:t>
-            </a:r>
-            <a:r>
-              <a:rPr lang="en-US" sz="1800" dirty="0"/>
-              <a:t> are combined with ANDs), then the complexity is reduced from being exponential in the number of </a:t>
-            </a:r>
-            <a:r>
-              <a:rPr lang="en-US" sz="1800" dirty="0" err="1"/>
-              <a:t>fluents</a:t>
-            </a:r>
-            <a:r>
-              <a:rPr lang="en-US" sz="1800" dirty="0"/>
-              <a:t> to linear! </a:t>
-            </a:r>
-          </a:p>
-          <a:p>
-            <a:pPr marL="0" indent="0">
-              <a:buNone/>
-            </a:pPr>
-            <a:endParaRPr lang="en-US" dirty="0"/>
-          </a:p>
-        </p:txBody>
-      </p:sp>
-    </p:spTree>
-    <p:extLst>
-      <p:ext uri="{BB962C8B-B14F-4D97-AF65-F5344CB8AC3E}">
-        <p14:creationId xmlns:p14="http://schemas.microsoft.com/office/powerpoint/2010/main" val="583072592"/>
-      </p:ext>
-    </p:extLst>
-  </p:cSld>
-  <p:clrMapOvr>
-    <a:masterClrMapping/>
-  </p:clrMapOvr>
-</p:sld>
-</file>
-
 <file path=ppt/slides/slide16.xml><?xml version="1.0" encoding="utf-8"?>
 <p:sld xmlns:a="http://schemas.openxmlformats.org/drawingml/2006/main" xmlns:r="http://schemas.openxmlformats.org/officeDocument/2006/relationships" xmlns:p="http://schemas.openxmlformats.org/presentationml/2006/main">
   <p:cSld>
@@ -12683,14 +9759,7 @@
           <a:p>
             <a:r>
               <a:rPr lang="en-US" dirty="0"/>
-              <a:t>Observability -</a:t>
-            </a:r>
-            <a:br>
-              <a:rPr lang="en-US" dirty="0"/>
-            </a:br>
-            <a:r>
-              <a:rPr lang="en-US" dirty="0"/>
-              <a:t>Percept Schema</a:t>
+              <a:t>Belief States</a:t>
             </a:r>
           </a:p>
         </p:txBody>
@@ -12724,17 +9793,203 @@
             </a:r>
             <a:r>
               <a:rPr lang="en-US" b="1" dirty="0"/>
+              <a:t>nondeterministic</a:t>
+            </a:r>
+            <a:r>
+              <a:rPr lang="en-US" dirty="0"/>
+              <a:t> or </a:t>
+            </a:r>
+            <a:r>
+              <a:rPr lang="en-US" b="1" dirty="0"/>
               <a:t>partially observable </a:t>
             </a:r>
             <a:r>
               <a:rPr lang="en-US" dirty="0"/>
-              <a:t>environments we need to be able to define what percepts the agent can get when.</a:t>
-            </a:r>
+              <a:t>environments we need belief states.</a:t>
+            </a:r>
+          </a:p>
+          <a:p>
+            <a:endParaRPr lang="en-US" dirty="0"/>
           </a:p>
           <a:p>
             <a:r>
               <a:rPr lang="en-US" dirty="0"/>
-              <a:t>The agent uses a percept schema to reason about percepts that it can obtains during executing a plan. </a:t>
+              <a:t>A belief state is a set of possible physical states the agent might be in given its current knowledge.</a:t>
+            </a:r>
+          </a:p>
+          <a:p>
+            <a:endParaRPr lang="en-US" dirty="0"/>
+          </a:p>
+          <a:p>
+            <a:r>
+              <a:rPr lang="en-US" dirty="0"/>
+              <a:t>The belief state concept needs to be extended to the factored state representation.</a:t>
+            </a:r>
+          </a:p>
+          <a:p>
+            <a:pPr lvl="1"/>
+            <a:r>
+              <a:rPr lang="en-US" dirty="0"/>
+              <a:t>A belief state becomes a logical formula of </a:t>
+            </a:r>
+            <a:r>
+              <a:rPr lang="en-US" dirty="0" err="1"/>
+              <a:t>fluents</a:t>
+            </a:r>
+            <a:r>
+              <a:rPr lang="en-US" dirty="0"/>
+              <a:t>.</a:t>
+            </a:r>
+          </a:p>
+          <a:p>
+            <a:pPr lvl="1"/>
+            <a:r>
+              <a:rPr lang="en-US" dirty="0" err="1"/>
+              <a:t>Fluents</a:t>
+            </a:r>
+            <a:r>
+              <a:rPr lang="en-US" dirty="0"/>
+              <a:t> that do not appear in the formula are unknow.</a:t>
+            </a:r>
+          </a:p>
+          <a:p>
+            <a:pPr lvl="1"/>
+            <a:endParaRPr lang="en-US" dirty="0"/>
+          </a:p>
+          <a:p>
+            <a:endParaRPr lang="en-US" sz="1800" dirty="0"/>
+          </a:p>
+          <a:p>
+            <a:pPr marL="0" indent="0">
+              <a:buNone/>
+            </a:pPr>
+            <a:r>
+              <a:rPr lang="en-US" sz="1800" dirty="0"/>
+              <a:t>Technical note: If we manage to keep the belief state in 1-CNF (1-conjunctive normal form, i.e., </a:t>
+            </a:r>
+            <a:r>
+              <a:rPr lang="en-US" sz="1800" dirty="0" err="1"/>
+              <a:t>fluents</a:t>
+            </a:r>
+            <a:r>
+              <a:rPr lang="en-US" sz="1800" dirty="0"/>
+              <a:t> are combined with ANDs), then the complexity is reduced from being exponential in the number of </a:t>
+            </a:r>
+            <a:r>
+              <a:rPr lang="en-US" sz="1800" dirty="0" err="1"/>
+              <a:t>fluents</a:t>
+            </a:r>
+            <a:r>
+              <a:rPr lang="en-US" sz="1800" dirty="0"/>
+              <a:t> to linear! </a:t>
+            </a:r>
+          </a:p>
+          <a:p>
+            <a:pPr marL="0" indent="0">
+              <a:buNone/>
+            </a:pPr>
+            <a:endParaRPr lang="en-US" dirty="0"/>
+          </a:p>
+        </p:txBody>
+      </p:sp>
+    </p:spTree>
+    <p:extLst>
+      <p:ext uri="{BB962C8B-B14F-4D97-AF65-F5344CB8AC3E}">
+        <p14:creationId xmlns:p14="http://schemas.microsoft.com/office/powerpoint/2010/main" val="583072592"/>
+      </p:ext>
+    </p:extLst>
+  </p:cSld>
+  <p:clrMapOvr>
+    <a:masterClrMapping/>
+  </p:clrMapOvr>
+</p:sld>
+</file>
+
+<file path=ppt/slides/slide17.xml><?xml version="1.0" encoding="utf-8"?>
+<p:sld xmlns:a="http://schemas.openxmlformats.org/drawingml/2006/main" xmlns:r="http://schemas.openxmlformats.org/officeDocument/2006/relationships" xmlns:p="http://schemas.openxmlformats.org/presentationml/2006/main">
+  <p:cSld>
+    <p:spTree>
+      <p:nvGrpSpPr>
+        <p:cNvPr id="1" name=""/>
+        <p:cNvGrpSpPr/>
+        <p:nvPr/>
+      </p:nvGrpSpPr>
+      <p:grpSpPr>
+        <a:xfrm>
+          <a:off x="0" y="0"/>
+          <a:ext cx="0" cy="0"/>
+          <a:chOff x="0" y="0"/>
+          <a:chExt cx="0" cy="0"/>
+        </a:xfrm>
+      </p:grpSpPr>
+      <p:sp>
+        <p:nvSpPr>
+          <p:cNvPr id="4" name="Title 3">
+            <a:extLst>
+              <a:ext uri="{FF2B5EF4-FFF2-40B4-BE49-F238E27FC236}">
+                <a16:creationId xmlns:a16="http://schemas.microsoft.com/office/drawing/2014/main" id="{6E3BD35D-5921-3A12-2ABC-F9A3D7E555AF}"/>
+              </a:ext>
+            </a:extLst>
+          </p:cNvPr>
+          <p:cNvSpPr>
+            <a:spLocks noGrp="1"/>
+          </p:cNvSpPr>
+          <p:nvPr>
+            <p:ph type="title"/>
+          </p:nvPr>
+        </p:nvSpPr>
+        <p:spPr/>
+        <p:txBody>
+          <a:bodyPr/>
+          <a:lstStyle/>
+          <a:p>
+            <a:r>
+              <a:rPr lang="en-US" dirty="0"/>
+              <a:t>Observability: Percept Schema</a:t>
+            </a:r>
+          </a:p>
+        </p:txBody>
+      </p:sp>
+      <p:sp>
+        <p:nvSpPr>
+          <p:cNvPr id="5" name="Content Placeholder 4">
+            <a:extLst>
+              <a:ext uri="{FF2B5EF4-FFF2-40B4-BE49-F238E27FC236}">
+                <a16:creationId xmlns:a16="http://schemas.microsoft.com/office/drawing/2014/main" id="{6E474C42-AF9B-B0B5-DF2C-047E669BF544}"/>
+              </a:ext>
+            </a:extLst>
+          </p:cNvPr>
+          <p:cNvSpPr>
+            <a:spLocks noGrp="1"/>
+          </p:cNvSpPr>
+          <p:nvPr>
+            <p:ph idx="1"/>
+          </p:nvPr>
+        </p:nvSpPr>
+        <p:spPr/>
+        <p:txBody>
+          <a:bodyPr>
+            <a:normAutofit fontScale="92500" lnSpcReduction="10000"/>
+          </a:bodyPr>
+          <a:lstStyle/>
+          <a:p>
+            <a:r>
+              <a:rPr lang="en-US" dirty="0"/>
+              <a:t>For </a:t>
+            </a:r>
+            <a:r>
+              <a:rPr lang="en-US" b="1" dirty="0"/>
+              <a:t>partially observable </a:t>
+            </a:r>
+            <a:r>
+              <a:rPr lang="en-US" dirty="0"/>
+              <a:t>environments, we need to be able to define what percepts the agent can get when.</a:t>
+            </a:r>
+          </a:p>
+          <a:p>
+            <a:r>
+              <a:rPr lang="en-US" dirty="0"/>
+              <a:t>The agent uses a percept schema to reason about percepts that it can obtain during executing a plan. </a:t>
             </a:r>
           </a:p>
           <a:p>
@@ -12785,26 +10040,38 @@
           <a:p>
             <a:pPr lvl="1"/>
             <a:r>
+              <a:rPr lang="en-US" b="1" dirty="0"/>
+              <a:t>Fully observable</a:t>
+            </a:r>
+            <a:r>
               <a:rPr lang="en-US" dirty="0"/>
-              <a:t>Fully observable: Percept schemas have no preconditions.</a:t>
+              <a:t>: Percept schemas have no preconditions.</a:t>
             </a:r>
           </a:p>
           <a:p>
             <a:pPr lvl="1"/>
             <a:r>
+              <a:rPr lang="en-US" b="1" dirty="0"/>
+              <a:t>Partially observable</a:t>
+            </a:r>
+            <a:r>
               <a:rPr lang="en-US" dirty="0"/>
-              <a:t>Partially observable: Some percepts have preconditions.</a:t>
+              <a:t>: Some percepts have preconditions.</a:t>
             </a:r>
           </a:p>
           <a:p>
             <a:pPr lvl="1"/>
             <a:r>
-              <a:rPr lang="en-US" dirty="0" err="1"/>
+              <a:rPr lang="en-US" b="1" dirty="0" err="1"/>
               <a:t>Sensorless</a:t>
             </a:r>
             <a:r>
+              <a:rPr lang="en-US" b="1" dirty="0"/>
+              <a:t> agent</a:t>
+            </a:r>
+            <a:r>
               <a:rPr lang="en-US" dirty="0"/>
-              <a:t> agent: has no percept schemas.</a:t>
+              <a:t>: has no percept schemas.</a:t>
             </a:r>
           </a:p>
         </p:txBody>
@@ -13037,7 +10304,7 @@
 </p:sld>
 </file>
 
-<file path=ppt/slides/slide17.xml><?xml version="1.0" encoding="utf-8"?>
+<file path=ppt/slides/slide18.xml><?xml version="1.0" encoding="utf-8"?>
 <p:sld xmlns:a="http://schemas.openxmlformats.org/drawingml/2006/main" xmlns:r="http://schemas.openxmlformats.org/officeDocument/2006/relationships" xmlns:p="http://schemas.openxmlformats.org/presentationml/2006/main">
   <p:cSld>
     <p:spTree>
@@ -13077,18 +10344,15 @@
           <a:p>
             <a:r>
               <a:rPr lang="en-US" dirty="0"/>
-              <a:t>Observability -</a:t>
-            </a:r>
-            <a:br>
-              <a:rPr lang="en-US" dirty="0"/>
-            </a:br>
+              <a:t>Observability: </a:t>
+            </a:r>
             <a:r>
               <a:rPr lang="en-US" dirty="0" err="1"/>
               <a:t>Sensorless</a:t>
             </a:r>
             <a:r>
               <a:rPr lang="en-US" dirty="0"/>
-              <a:t> Planning (Conformant planning)</a:t>
+              <a:t> Planning</a:t>
             </a:r>
           </a:p>
         </p:txBody>
@@ -13540,7 +10804,7 @@
 </p:sld>
 </file>
 
-<file path=ppt/slides/slide18.xml><?xml version="1.0" encoding="utf-8"?>
+<file path=ppt/slides/slide19.xml><?xml version="1.0" encoding="utf-8"?>
 <p:sld xmlns:a="http://schemas.openxmlformats.org/drawingml/2006/main" xmlns:r="http://schemas.openxmlformats.org/officeDocument/2006/relationships" xmlns:p="http://schemas.openxmlformats.org/presentationml/2006/main">
   <p:cSld>
     <p:spTree>
@@ -13580,7 +10844,7 @@
           <a:p>
             <a:r>
               <a:rPr lang="en-US" dirty="0"/>
-              <a:t>Determinism &amp; Observability -</a:t>
+              <a:t>Determinism &amp; Observability: </a:t>
             </a:r>
             <a:br>
               <a:rPr lang="en-US" dirty="0"/>
@@ -13779,186 +11043,6 @@
     <p:extLst>
       <p:ext uri="{BB962C8B-B14F-4D97-AF65-F5344CB8AC3E}">
         <p14:creationId xmlns:p14="http://schemas.microsoft.com/office/powerpoint/2010/main" val="2230596221"/>
-      </p:ext>
-    </p:extLst>
-  </p:cSld>
-  <p:clrMapOvr>
-    <a:masterClrMapping/>
-  </p:clrMapOvr>
-</p:sld>
-</file>
-
-<file path=ppt/slides/slide19.xml><?xml version="1.0" encoding="utf-8"?>
-<p:sld xmlns:a="http://schemas.openxmlformats.org/drawingml/2006/main" xmlns:r="http://schemas.openxmlformats.org/officeDocument/2006/relationships" xmlns:p="http://schemas.openxmlformats.org/presentationml/2006/main">
-  <p:cSld>
-    <p:spTree>
-      <p:nvGrpSpPr>
-        <p:cNvPr id="1" name=""/>
-        <p:cNvGrpSpPr/>
-        <p:nvPr/>
-      </p:nvGrpSpPr>
-      <p:grpSpPr>
-        <a:xfrm>
-          <a:off x="0" y="0"/>
-          <a:ext cx="0" cy="0"/>
-          <a:chOff x="0" y="0"/>
-          <a:chExt cx="0" cy="0"/>
-        </a:xfrm>
-      </p:grpSpPr>
-      <p:sp>
-        <p:nvSpPr>
-          <p:cNvPr id="2" name="Title 1">
-            <a:extLst>
-              <a:ext uri="{FF2B5EF4-FFF2-40B4-BE49-F238E27FC236}">
-                <a16:creationId xmlns:a16="http://schemas.microsoft.com/office/drawing/2014/main" id="{67E3F69F-5BB1-2B5D-6B48-162517543F22}"/>
-              </a:ext>
-            </a:extLst>
-          </p:cNvPr>
-          <p:cNvSpPr>
-            <a:spLocks noGrp="1"/>
-          </p:cNvSpPr>
-          <p:nvPr>
-            <p:ph type="title"/>
-          </p:nvPr>
-        </p:nvSpPr>
-        <p:spPr/>
-        <p:txBody>
-          <a:bodyPr/>
-          <a:lstStyle/>
-          <a:p>
-            <a:r>
-              <a:rPr lang="en-US" dirty="0"/>
-              <a:t>Execution Monitoring and Replanning</a:t>
-            </a:r>
-          </a:p>
-        </p:txBody>
-      </p:sp>
-      <p:sp>
-        <p:nvSpPr>
-          <p:cNvPr id="3" name="Content Placeholder 2">
-            <a:extLst>
-              <a:ext uri="{FF2B5EF4-FFF2-40B4-BE49-F238E27FC236}">
-                <a16:creationId xmlns:a16="http://schemas.microsoft.com/office/drawing/2014/main" id="{386036A4-06FF-6D99-46B2-B231728F2243}"/>
-              </a:ext>
-            </a:extLst>
-          </p:cNvPr>
-          <p:cNvSpPr>
-            <a:spLocks noGrp="1"/>
-          </p:cNvSpPr>
-          <p:nvPr>
-            <p:ph idx="1"/>
-          </p:nvPr>
-        </p:nvSpPr>
-        <p:spPr>
-          <a:xfrm>
-            <a:off x="628650" y="1825625"/>
-            <a:ext cx="7886700" cy="3965575"/>
-          </a:xfrm>
-        </p:spPr>
-        <p:txBody>
-          <a:bodyPr>
-            <a:normAutofit/>
-          </a:bodyPr>
-          <a:lstStyle/>
-          <a:p>
-            <a:r>
-              <a:rPr lang="en-US" dirty="0"/>
-              <a:t>Online planning = </a:t>
-            </a:r>
-            <a:r>
-              <a:rPr lang="en-US" b="1" dirty="0"/>
-              <a:t>replan during execution</a:t>
-            </a:r>
-            <a:r>
-              <a:rPr lang="en-US" dirty="0"/>
-              <a:t> when necessary.</a:t>
-            </a:r>
-          </a:p>
-          <a:p>
-            <a:r>
-              <a:rPr lang="en-US" dirty="0"/>
-              <a:t>Requires </a:t>
-            </a:r>
-            <a:r>
-              <a:rPr lang="en-US" b="1" dirty="0"/>
-              <a:t>execution monitoring </a:t>
-            </a:r>
-            <a:r>
-              <a:rPr lang="en-US" dirty="0"/>
-              <a:t>to determine the need for replanning. The agent can perform:</a:t>
-            </a:r>
-          </a:p>
-          <a:p>
-            <a:pPr lvl="1"/>
-            <a:r>
-              <a:rPr lang="en-US" dirty="0"/>
-              <a:t>Action monitoring: Only execute action if the preconditions are met.</a:t>
-            </a:r>
-          </a:p>
-          <a:p>
-            <a:pPr lvl="1"/>
-            <a:r>
-              <a:rPr lang="en-US" dirty="0"/>
-              <a:t>Plan monitoring: Verify that the remaining plan will still succeed.</a:t>
-            </a:r>
-          </a:p>
-          <a:p>
-            <a:pPr lvl="1"/>
-            <a:r>
-              <a:rPr lang="en-US" dirty="0"/>
-              <a:t>Goal monitoring: Check if a better set of goals has become available.</a:t>
-            </a:r>
-          </a:p>
-          <a:p>
-            <a:pPr lvl="1"/>
-            <a:endParaRPr lang="en-US" dirty="0"/>
-          </a:p>
-          <a:p>
-            <a:r>
-              <a:rPr lang="en-US" dirty="0"/>
-              <a:t>Contingency plans can often be made simpler by having unlikely branches just say “REPLAN.”</a:t>
-            </a:r>
-          </a:p>
-          <a:p>
-            <a:r>
-              <a:rPr lang="en-US" dirty="0"/>
-              <a:t>Process:</a:t>
-            </a:r>
-          </a:p>
-        </p:txBody>
-      </p:sp>
-      <p:graphicFrame>
-        <p:nvGraphicFramePr>
-          <p:cNvPr id="4" name="Diagram 3">
-            <a:extLst>
-              <a:ext uri="{FF2B5EF4-FFF2-40B4-BE49-F238E27FC236}">
-                <a16:creationId xmlns:a16="http://schemas.microsoft.com/office/drawing/2014/main" id="{48CC52C0-0570-AEAC-ADD5-59E30B83EC81}"/>
-              </a:ext>
-            </a:extLst>
-          </p:cNvPr>
-          <p:cNvGraphicFramePr/>
-          <p:nvPr>
-            <p:extLst>
-              <p:ext uri="{D42A27DB-BD31-4B8C-83A1-F6EECF244321}">
-                <p14:modId xmlns:p14="http://schemas.microsoft.com/office/powerpoint/2010/main" val="4004873693"/>
-              </p:ext>
-            </p:extLst>
-          </p:nvPr>
-        </p:nvGraphicFramePr>
-        <p:xfrm>
-          <a:off x="1524000" y="4681007"/>
-          <a:ext cx="6096000" cy="1778000"/>
-        </p:xfrm>
-        <a:graphic>
-          <a:graphicData uri="http://schemas.openxmlformats.org/drawingml/2006/diagram">
-            <dgm:relIds xmlns:dgm="http://schemas.openxmlformats.org/drawingml/2006/diagram" xmlns:r="http://schemas.openxmlformats.org/officeDocument/2006/relationships" r:dm="rId2" r:lo="rId3" r:qs="rId4" r:cs="rId5"/>
-          </a:graphicData>
-        </a:graphic>
-      </p:graphicFrame>
-    </p:spTree>
-    <p:extLst>
-      <p:ext uri="{BB962C8B-B14F-4D97-AF65-F5344CB8AC3E}">
-        <p14:creationId xmlns:p14="http://schemas.microsoft.com/office/powerpoint/2010/main" val="2388588175"/>
       </p:ext>
     </p:extLst>
   </p:cSld>
@@ -14058,6 +11142,443 @@
 </file>
 
 <file path=ppt/slides/slide20.xml><?xml version="1.0" encoding="utf-8"?>
+<p:sld xmlns:a="http://schemas.openxmlformats.org/drawingml/2006/main" xmlns:r="http://schemas.openxmlformats.org/officeDocument/2006/relationships" xmlns:p="http://schemas.openxmlformats.org/presentationml/2006/main">
+  <p:cSld>
+    <p:spTree>
+      <p:nvGrpSpPr>
+        <p:cNvPr id="1" name=""/>
+        <p:cNvGrpSpPr/>
+        <p:nvPr/>
+      </p:nvGrpSpPr>
+      <p:grpSpPr>
+        <a:xfrm>
+          <a:off x="0" y="0"/>
+          <a:ext cx="0" cy="0"/>
+          <a:chOff x="0" y="0"/>
+          <a:chExt cx="0" cy="0"/>
+        </a:xfrm>
+      </p:grpSpPr>
+      <p:sp>
+        <p:nvSpPr>
+          <p:cNvPr id="2" name="Title 1">
+            <a:extLst>
+              <a:ext uri="{FF2B5EF4-FFF2-40B4-BE49-F238E27FC236}">
+                <a16:creationId xmlns:a16="http://schemas.microsoft.com/office/drawing/2014/main" id="{67E3F69F-5BB1-2B5D-6B48-162517543F22}"/>
+              </a:ext>
+            </a:extLst>
+          </p:cNvPr>
+          <p:cNvSpPr>
+            <a:spLocks noGrp="1"/>
+          </p:cNvSpPr>
+          <p:nvPr>
+            <p:ph type="title"/>
+          </p:nvPr>
+        </p:nvSpPr>
+        <p:spPr/>
+        <p:txBody>
+          <a:bodyPr/>
+          <a:lstStyle/>
+          <a:p>
+            <a:r>
+              <a:rPr lang="en-US" dirty="0"/>
+              <a:t>Execution Monitoring and Replanning</a:t>
+            </a:r>
+          </a:p>
+        </p:txBody>
+      </p:sp>
+      <p:sp>
+        <p:nvSpPr>
+          <p:cNvPr id="3" name="Content Placeholder 2">
+            <a:extLst>
+              <a:ext uri="{FF2B5EF4-FFF2-40B4-BE49-F238E27FC236}">
+                <a16:creationId xmlns:a16="http://schemas.microsoft.com/office/drawing/2014/main" id="{386036A4-06FF-6D99-46B2-B231728F2243}"/>
+              </a:ext>
+            </a:extLst>
+          </p:cNvPr>
+          <p:cNvSpPr>
+            <a:spLocks noGrp="1"/>
+          </p:cNvSpPr>
+          <p:nvPr>
+            <p:ph idx="1"/>
+          </p:nvPr>
+        </p:nvSpPr>
+        <p:spPr>
+          <a:xfrm>
+            <a:off x="628650" y="1700214"/>
+            <a:ext cx="7886700" cy="4167186"/>
+          </a:xfrm>
+        </p:spPr>
+        <p:txBody>
+          <a:bodyPr>
+            <a:normAutofit/>
+          </a:bodyPr>
+          <a:lstStyle/>
+          <a:p>
+            <a:r>
+              <a:rPr lang="en-US" dirty="0"/>
+              <a:t> Perform regular planning, but </a:t>
+            </a:r>
+            <a:r>
+              <a:rPr lang="en-US" b="1" dirty="0"/>
+              <a:t>replan</a:t>
+            </a:r>
+            <a:r>
+              <a:rPr lang="en-US" dirty="0"/>
+              <a:t> when plan execution fails.</a:t>
+            </a:r>
+          </a:p>
+          <a:p>
+            <a:endParaRPr lang="en-US" dirty="0"/>
+          </a:p>
+          <a:p>
+            <a:r>
+              <a:rPr lang="en-US" dirty="0"/>
+              <a:t>Requires </a:t>
+            </a:r>
+            <a:r>
+              <a:rPr lang="en-US" b="1" dirty="0"/>
+              <a:t>execution monitoring </a:t>
+            </a:r>
+            <a:r>
+              <a:rPr lang="en-US" dirty="0"/>
+              <a:t>to determine the need for replanning. The agent can perform:</a:t>
+            </a:r>
+          </a:p>
+          <a:p>
+            <a:pPr lvl="1"/>
+            <a:r>
+              <a:rPr lang="en-US" b="1" dirty="0"/>
+              <a:t>Action monitoring</a:t>
+            </a:r>
+            <a:r>
+              <a:rPr lang="en-US" dirty="0"/>
+              <a:t>: Only execute the action if the preconditions are met.</a:t>
+            </a:r>
+          </a:p>
+          <a:p>
+            <a:pPr lvl="1"/>
+            <a:r>
+              <a:rPr lang="en-US" b="1" dirty="0"/>
+              <a:t>Plan monitoring</a:t>
+            </a:r>
+            <a:r>
+              <a:rPr lang="en-US" dirty="0"/>
+              <a:t>: Verify that the remaining plan will still succeed.</a:t>
+            </a:r>
+          </a:p>
+          <a:p>
+            <a:pPr lvl="1"/>
+            <a:r>
+              <a:rPr lang="en-US" b="1" dirty="0"/>
+              <a:t>Goal monitoring</a:t>
+            </a:r>
+            <a:r>
+              <a:rPr lang="en-US" dirty="0"/>
+              <a:t>: Check if a better set of goals has become available.</a:t>
+            </a:r>
+          </a:p>
+          <a:p>
+            <a:endParaRPr lang="en-US" dirty="0"/>
+          </a:p>
+          <a:p>
+            <a:r>
+              <a:rPr lang="en-US" dirty="0"/>
+              <a:t>Large contingency plans can often be made simpler by having unlikely branches just say “REPLAN.” </a:t>
+            </a:r>
+            <a:br>
+              <a:rPr lang="en-US" dirty="0"/>
+            </a:br>
+            <a:r>
+              <a:rPr lang="en-US" dirty="0"/>
+              <a:t>E.g., Chess: don’t plan for very unlikely moves of the opponent.</a:t>
+            </a:r>
+          </a:p>
+        </p:txBody>
+      </p:sp>
+    </p:spTree>
+    <p:extLst>
+      <p:ext uri="{BB962C8B-B14F-4D97-AF65-F5344CB8AC3E}">
+        <p14:creationId xmlns:p14="http://schemas.microsoft.com/office/powerpoint/2010/main" val="2388588175"/>
+      </p:ext>
+    </p:extLst>
+  </p:cSld>
+  <p:clrMapOvr>
+    <a:masterClrMapping/>
+  </p:clrMapOvr>
+  <p:timing>
+    <p:tnLst>
+      <p:par>
+        <p:cTn id="1" dur="indefinite" restart="never" nodeType="tmRoot">
+          <p:childTnLst>
+            <p:seq concurrent="1" nextAc="seek">
+              <p:cTn id="2" dur="indefinite" nodeType="mainSeq">
+                <p:childTnLst>
+                  <p:par>
+                    <p:cTn id="3" fill="hold">
+                      <p:stCondLst>
+                        <p:cond delay="indefinite"/>
+                      </p:stCondLst>
+                      <p:childTnLst>
+                        <p:par>
+                          <p:cTn id="4" fill="hold">
+                            <p:stCondLst>
+                              <p:cond delay="0"/>
+                            </p:stCondLst>
+                            <p:childTnLst>
+                              <p:par>
+                                <p:cTn id="5" presetID="1" presetClass="entr" presetSubtype="0" fill="hold" nodeType="clickEffect">
+                                  <p:stCondLst>
+                                    <p:cond delay="0"/>
+                                  </p:stCondLst>
+                                  <p:childTnLst>
+                                    <p:set>
+                                      <p:cBhvr>
+                                        <p:cTn id="6" dur="1" fill="hold">
+                                          <p:stCondLst>
+                                            <p:cond delay="0"/>
+                                          </p:stCondLst>
+                                        </p:cTn>
+                                        <p:tgtEl>
+                                          <p:spTgt spid="3">
+                                            <p:txEl>
+                                              <p:pRg st="0" end="0"/>
+                                            </p:txEl>
+                                          </p:spTgt>
+                                        </p:tgtEl>
+                                        <p:attrNameLst>
+                                          <p:attrName>style.visibility</p:attrName>
+                                        </p:attrNameLst>
+                                      </p:cBhvr>
+                                      <p:to>
+                                        <p:strVal val="visible"/>
+                                      </p:to>
+                                    </p:set>
+                                  </p:childTnLst>
+                                </p:cTn>
+                              </p:par>
+                            </p:childTnLst>
+                          </p:cTn>
+                        </p:par>
+                      </p:childTnLst>
+                    </p:cTn>
+                  </p:par>
+                  <p:par>
+                    <p:cTn id="7" fill="hold">
+                      <p:stCondLst>
+                        <p:cond delay="indefinite"/>
+                      </p:stCondLst>
+                      <p:childTnLst>
+                        <p:par>
+                          <p:cTn id="8" fill="hold">
+                            <p:stCondLst>
+                              <p:cond delay="0"/>
+                            </p:stCondLst>
+                            <p:childTnLst>
+                              <p:par>
+                                <p:cTn id="9" presetID="1" presetClass="entr" presetSubtype="0" fill="hold" nodeType="clickEffect">
+                                  <p:stCondLst>
+                                    <p:cond delay="0"/>
+                                  </p:stCondLst>
+                                  <p:childTnLst>
+                                    <p:set>
+                                      <p:cBhvr>
+                                        <p:cTn id="10" dur="1" fill="hold">
+                                          <p:stCondLst>
+                                            <p:cond delay="0"/>
+                                          </p:stCondLst>
+                                        </p:cTn>
+                                        <p:tgtEl>
+                                          <p:spTgt spid="3">
+                                            <p:txEl>
+                                              <p:pRg st="2" end="2"/>
+                                            </p:txEl>
+                                          </p:spTgt>
+                                        </p:tgtEl>
+                                        <p:attrNameLst>
+                                          <p:attrName>style.visibility</p:attrName>
+                                        </p:attrNameLst>
+                                      </p:cBhvr>
+                                      <p:to>
+                                        <p:strVal val="visible"/>
+                                      </p:to>
+                                    </p:set>
+                                  </p:childTnLst>
+                                </p:cTn>
+                              </p:par>
+                              <p:par>
+                                <p:cTn id="11" presetID="1" presetClass="entr" presetSubtype="0" fill="hold" nodeType="withEffect">
+                                  <p:stCondLst>
+                                    <p:cond delay="0"/>
+                                  </p:stCondLst>
+                                  <p:childTnLst>
+                                    <p:set>
+                                      <p:cBhvr>
+                                        <p:cTn id="12" dur="1" fill="hold">
+                                          <p:stCondLst>
+                                            <p:cond delay="0"/>
+                                          </p:stCondLst>
+                                        </p:cTn>
+                                        <p:tgtEl>
+                                          <p:spTgt spid="3">
+                                            <p:txEl>
+                                              <p:pRg st="3" end="3"/>
+                                            </p:txEl>
+                                          </p:spTgt>
+                                        </p:tgtEl>
+                                        <p:attrNameLst>
+                                          <p:attrName>style.visibility</p:attrName>
+                                        </p:attrNameLst>
+                                      </p:cBhvr>
+                                      <p:to>
+                                        <p:strVal val="visible"/>
+                                      </p:to>
+                                    </p:set>
+                                  </p:childTnLst>
+                                </p:cTn>
+                              </p:par>
+                              <p:par>
+                                <p:cTn id="13" presetID="1" presetClass="entr" presetSubtype="0" fill="hold" nodeType="withEffect">
+                                  <p:stCondLst>
+                                    <p:cond delay="0"/>
+                                  </p:stCondLst>
+                                  <p:childTnLst>
+                                    <p:set>
+                                      <p:cBhvr>
+                                        <p:cTn id="14" dur="1" fill="hold">
+                                          <p:stCondLst>
+                                            <p:cond delay="0"/>
+                                          </p:stCondLst>
+                                        </p:cTn>
+                                        <p:tgtEl>
+                                          <p:spTgt spid="3">
+                                            <p:txEl>
+                                              <p:pRg st="4" end="4"/>
+                                            </p:txEl>
+                                          </p:spTgt>
+                                        </p:tgtEl>
+                                        <p:attrNameLst>
+                                          <p:attrName>style.visibility</p:attrName>
+                                        </p:attrNameLst>
+                                      </p:cBhvr>
+                                      <p:to>
+                                        <p:strVal val="visible"/>
+                                      </p:to>
+                                    </p:set>
+                                  </p:childTnLst>
+                                </p:cTn>
+                              </p:par>
+                              <p:par>
+                                <p:cTn id="15" presetID="1" presetClass="entr" presetSubtype="0" fill="hold" nodeType="withEffect">
+                                  <p:stCondLst>
+                                    <p:cond delay="0"/>
+                                  </p:stCondLst>
+                                  <p:childTnLst>
+                                    <p:set>
+                                      <p:cBhvr>
+                                        <p:cTn id="16" dur="1" fill="hold">
+                                          <p:stCondLst>
+                                            <p:cond delay="0"/>
+                                          </p:stCondLst>
+                                        </p:cTn>
+                                        <p:tgtEl>
+                                          <p:spTgt spid="3">
+                                            <p:txEl>
+                                              <p:pRg st="5" end="5"/>
+                                            </p:txEl>
+                                          </p:spTgt>
+                                        </p:tgtEl>
+                                        <p:attrNameLst>
+                                          <p:attrName>style.visibility</p:attrName>
+                                        </p:attrNameLst>
+                                      </p:cBhvr>
+                                      <p:to>
+                                        <p:strVal val="visible"/>
+                                      </p:to>
+                                    </p:set>
+                                  </p:childTnLst>
+                                </p:cTn>
+                              </p:par>
+                            </p:childTnLst>
+                          </p:cTn>
+                        </p:par>
+                      </p:childTnLst>
+                    </p:cTn>
+                  </p:par>
+                  <p:par>
+                    <p:cTn id="17" fill="hold">
+                      <p:stCondLst>
+                        <p:cond delay="indefinite"/>
+                      </p:stCondLst>
+                      <p:childTnLst>
+                        <p:par>
+                          <p:cTn id="18" fill="hold">
+                            <p:stCondLst>
+                              <p:cond delay="0"/>
+                            </p:stCondLst>
+                            <p:childTnLst>
+                              <p:par>
+                                <p:cTn id="19" presetID="1" presetClass="entr" presetSubtype="0" fill="hold" nodeType="clickEffect">
+                                  <p:stCondLst>
+                                    <p:cond delay="0"/>
+                                  </p:stCondLst>
+                                  <p:childTnLst>
+                                    <p:set>
+                                      <p:cBhvr>
+                                        <p:cTn id="20" dur="1" fill="hold">
+                                          <p:stCondLst>
+                                            <p:cond delay="0"/>
+                                          </p:stCondLst>
+                                        </p:cTn>
+                                        <p:tgtEl>
+                                          <p:spTgt spid="3">
+                                            <p:txEl>
+                                              <p:pRg st="7" end="7"/>
+                                            </p:txEl>
+                                          </p:spTgt>
+                                        </p:tgtEl>
+                                        <p:attrNameLst>
+                                          <p:attrName>style.visibility</p:attrName>
+                                        </p:attrNameLst>
+                                      </p:cBhvr>
+                                      <p:to>
+                                        <p:strVal val="visible"/>
+                                      </p:to>
+                                    </p:set>
+                                  </p:childTnLst>
+                                </p:cTn>
+                              </p:par>
+                            </p:childTnLst>
+                          </p:cTn>
+                        </p:par>
+                      </p:childTnLst>
+                    </p:cTn>
+                  </p:par>
+                </p:childTnLst>
+              </p:cTn>
+              <p:prevCondLst>
+                <p:cond evt="onPrev" delay="0">
+                  <p:tgtEl>
+                    <p:sldTgt/>
+                  </p:tgtEl>
+                </p:cond>
+              </p:prevCondLst>
+              <p:nextCondLst>
+                <p:cond evt="onNext" delay="0">
+                  <p:tgtEl>
+                    <p:sldTgt/>
+                  </p:tgtEl>
+                </p:cond>
+              </p:nextCondLst>
+            </p:seq>
+          </p:childTnLst>
+        </p:cTn>
+      </p:par>
+    </p:tnLst>
+  </p:timing>
+</p:sld>
+</file>
+
+<file path=ppt/slides/slide21.xml><?xml version="1.0" encoding="utf-8"?>
 <p:sld xmlns:a="http://schemas.openxmlformats.org/drawingml/2006/main" xmlns:r="http://schemas.openxmlformats.org/officeDocument/2006/relationships" xmlns:p="http://schemas.openxmlformats.org/presentationml/2006/main">
   <p:cSld>
     <p:spTree>
@@ -14231,7 +11752,7 @@
             <a:pPr algn="ctr"/>
             <a:r>
               <a:rPr lang="en-US" dirty="0"/>
-              <a:t>2. Failure detected: Should be in E. Remaining plan will not work.</a:t>
+              <a:t>2. Failure detected: Should be in state E. Remaining plan will not work.</a:t>
             </a:r>
           </a:p>
         </p:txBody>
@@ -14251,7 +11772,7 @@
         <p:spPr>
           <a:xfrm>
             <a:off x="6466636" y="4038600"/>
-            <a:ext cx="1292087" cy="388937"/>
+            <a:ext cx="1686764" cy="388937"/>
           </a:xfrm>
           <a:prstGeom prst="wedgeRectCallout">
             <a:avLst>
@@ -14283,7 +11804,7 @@
             <a:pPr algn="ctr"/>
             <a:r>
               <a:rPr lang="en-US" dirty="0"/>
-              <a:t>+ Replan</a:t>
+              <a:t>+ Continuation</a:t>
             </a:r>
           </a:p>
         </p:txBody>
@@ -14394,12 +11915,12 @@
         <p:spPr>
           <a:xfrm>
             <a:off x="5029201" y="4038600"/>
-            <a:ext cx="1292087" cy="388938"/>
+            <a:ext cx="1292087" cy="388936"/>
           </a:xfrm>
           <a:prstGeom prst="wedgeRectCallout">
             <a:avLst>
-              <a:gd name="adj1" fmla="val -111725"/>
-              <a:gd name="adj2" fmla="val -65355"/>
+              <a:gd name="adj1" fmla="val -114636"/>
+              <a:gd name="adj2" fmla="val -68901"/>
             </a:avLst>
           </a:prstGeom>
         </p:spPr>
@@ -14595,34 +12116,7 @@
                                           </p:stCondLst>
                                         </p:cTn>
                                         <p:tgtEl>
-                                          <p:spTgt spid="13"/>
-                                        </p:tgtEl>
-                                        <p:attrNameLst>
-                                          <p:attrName>style.visibility</p:attrName>
-                                        </p:attrNameLst>
-                                      </p:cBhvr>
-                                      <p:to>
-                                        <p:strVal val="visible"/>
-                                      </p:to>
-                                    </p:set>
-                                  </p:childTnLst>
-                                </p:cTn>
-                              </p:par>
-                              <p:par>
-                                <p:cTn id="7" presetID="1" presetClass="entr" presetSubtype="0" fill="hold" grpId="0" nodeType="withEffect">
-                                  <p:stCondLst>
-                                    <p:cond delay="0"/>
-                                  </p:stCondLst>
-                                  <p:childTnLst>
-                                    <p:set>
-                                      <p:cBhvr>
-                                        <p:cTn id="8" dur="1" fill="hold">
-                                          <p:stCondLst>
-                                            <p:cond delay="0"/>
-                                          </p:stCondLst>
-                                        </p:cTn>
-                                        <p:tgtEl>
-                                          <p:spTgt spid="14"/>
+                                          <p:spTgt spid="8"/>
                                         </p:tgtEl>
                                         <p:attrNameLst>
                                           <p:attrName>style.visibility</p:attrName>
@@ -14642,19 +12136,46 @@
                     </p:cTn>
                   </p:par>
                   <p:par>
-                    <p:cTn id="9" fill="hold">
+                    <p:cTn id="7" fill="hold">
                       <p:stCondLst>
                         <p:cond delay="indefinite"/>
                       </p:stCondLst>
                       <p:childTnLst>
                         <p:par>
-                          <p:cTn id="10" fill="hold">
+                          <p:cTn id="8" fill="hold">
                             <p:stCondLst>
                               <p:cond delay="0"/>
                             </p:stCondLst>
                             <p:childTnLst>
                               <p:par>
-                                <p:cTn id="11" presetID="1" presetClass="entr" presetSubtype="0" fill="hold" grpId="0" nodeType="clickEffect">
+                                <p:cTn id="9" presetID="1" presetClass="entr" presetSubtype="0" fill="hold" grpId="0" nodeType="clickEffect">
+                                  <p:stCondLst>
+                                    <p:cond delay="0"/>
+                                  </p:stCondLst>
+                                  <p:childTnLst>
+                                    <p:set>
+                                      <p:cBhvr>
+                                        <p:cTn id="10" dur="1" fill="hold">
+                                          <p:stCondLst>
+                                            <p:cond delay="0"/>
+                                          </p:stCondLst>
+                                        </p:cTn>
+                                        <p:tgtEl>
+                                          <p:spTgt spid="13"/>
+                                        </p:tgtEl>
+                                        <p:attrNameLst>
+                                          <p:attrName>style.visibility</p:attrName>
+                                        </p:attrNameLst>
+                                      </p:cBhvr>
+                                      <p:to>
+                                        <p:strVal val="visible"/>
+                                      </p:to>
+                                    </p:set>
+                                  </p:childTnLst>
+                                </p:cTn>
+                              </p:par>
+                              <p:par>
+                                <p:cTn id="11" presetID="1" presetClass="entr" presetSubtype="0" fill="hold" grpId="0" nodeType="withEffect">
                                   <p:stCondLst>
                                     <p:cond delay="0"/>
                                   </p:stCondLst>
@@ -14667,7 +12188,7 @@
                                           </p:stCondLst>
                                         </p:cTn>
                                         <p:tgtEl>
-                                          <p:spTgt spid="9"/>
+                                          <p:spTgt spid="14"/>
                                         </p:tgtEl>
                                         <p:attrNameLst>
                                           <p:attrName>style.visibility</p:attrName>
@@ -14699,7 +12220,7 @@
                             </p:stCondLst>
                             <p:childTnLst>
                               <p:par>
-                                <p:cTn id="15" presetID="1" presetClass="entr" presetSubtype="0" fill="hold" nodeType="clickEffect">
+                                <p:cTn id="15" presetID="1" presetClass="entr" presetSubtype="0" fill="hold" grpId="0" nodeType="clickEffect">
                                   <p:stCondLst>
                                     <p:cond delay="0"/>
                                   </p:stCondLst>
@@ -14707,6 +12228,51 @@
                                     <p:set>
                                       <p:cBhvr>
                                         <p:cTn id="16" dur="1" fill="hold">
+                                          <p:stCondLst>
+                                            <p:cond delay="0"/>
+                                          </p:stCondLst>
+                                        </p:cTn>
+                                        <p:tgtEl>
+                                          <p:spTgt spid="9"/>
+                                        </p:tgtEl>
+                                        <p:attrNameLst>
+                                          <p:attrName>style.visibility</p:attrName>
+                                        </p:attrNameLst>
+                                      </p:cBhvr>
+                                      <p:to>
+                                        <p:strVal val="visible"/>
+                                      </p:to>
+                                    </p:set>
+                                  </p:childTnLst>
+                                </p:cTn>
+                              </p:par>
+                            </p:childTnLst>
+                          </p:cTn>
+                        </p:par>
+                      </p:childTnLst>
+                    </p:cTn>
+                  </p:par>
+                  <p:par>
+                    <p:cTn id="17" fill="hold">
+                      <p:stCondLst>
+                        <p:cond delay="indefinite"/>
+                      </p:stCondLst>
+                      <p:childTnLst>
+                        <p:par>
+                          <p:cTn id="18" fill="hold">
+                            <p:stCondLst>
+                              <p:cond delay="0"/>
+                            </p:stCondLst>
+                            <p:childTnLst>
+                              <p:par>
+                                <p:cTn id="19" presetID="1" presetClass="entr" presetSubtype="0" fill="hold" nodeType="clickEffect">
+                                  <p:stCondLst>
+                                    <p:cond delay="0"/>
+                                  </p:stCondLst>
+                                  <p:childTnLst>
+                                    <p:set>
+                                      <p:cBhvr>
+                                        <p:cTn id="20" dur="1" fill="hold">
                                           <p:stCondLst>
                                             <p:cond delay="0"/>
                                           </p:stCondLst>
@@ -14726,47 +12292,20 @@
                                 </p:cTn>
                               </p:par>
                               <p:par>
-                                <p:cTn id="17" presetID="1" presetClass="entr" presetSubtype="0" fill="hold" grpId="0" nodeType="withEffect">
+                                <p:cTn id="21" presetID="1" presetClass="entr" presetSubtype="0" fill="hold" grpId="0" nodeType="withEffect">
                                   <p:stCondLst>
                                     <p:cond delay="0"/>
                                   </p:stCondLst>
                                   <p:childTnLst>
                                     <p:set>
                                       <p:cBhvr>
-                                        <p:cTn id="18" dur="1" fill="hold">
+                                        <p:cTn id="22" dur="1" fill="hold">
                                           <p:stCondLst>
                                             <p:cond delay="0"/>
                                           </p:stCondLst>
                                         </p:cTn>
                                         <p:tgtEl>
                                           <p:spTgt spid="3"/>
-                                        </p:tgtEl>
-                                        <p:attrNameLst>
-                                          <p:attrName>style.visibility</p:attrName>
-                                        </p:attrNameLst>
-                                      </p:cBhvr>
-                                      <p:to>
-                                        <p:strVal val="visible"/>
-                                      </p:to>
-                                    </p:set>
-                                  </p:childTnLst>
-                                </p:cTn>
-                              </p:par>
-                              <p:par>
-                                <p:cTn id="19" presetID="1" presetClass="entr" presetSubtype="0" fill="hold" grpId="0" nodeType="withEffect">
-                                  <p:stCondLst>
-                                    <p:cond delay="0"/>
-                                  </p:stCondLst>
-                                  <p:childTnLst>
-                                    <p:set>
-                                      <p:cBhvr>
-                                        <p:cTn id="20" dur="1" fill="hold">
-                                          <p:stCondLst>
-                                            <p:cond delay="0"/>
-                                          </p:stCondLst>
-                                        </p:cTn>
-                                        <p:tgtEl>
-                                          <p:spTgt spid="10"/>
                                         </p:tgtEl>
                                         <p:attrNameLst>
                                           <p:attrName>style.visibility</p:attrName>
@@ -14786,32 +12325,59 @@
                     </p:cTn>
                   </p:par>
                   <p:par>
-                    <p:cTn id="21" fill="hold">
+                    <p:cTn id="23" fill="hold">
                       <p:stCondLst>
                         <p:cond delay="indefinite"/>
                       </p:stCondLst>
                       <p:childTnLst>
                         <p:par>
-                          <p:cTn id="22" fill="hold">
+                          <p:cTn id="24" fill="hold">
                             <p:stCondLst>
                               <p:cond delay="0"/>
                             </p:stCondLst>
                             <p:childTnLst>
                               <p:par>
-                                <p:cTn id="23" presetID="1" presetClass="entr" presetSubtype="0" fill="hold" nodeType="clickEffect">
+                                <p:cTn id="25" presetID="1" presetClass="entr" presetSubtype="0" fill="hold" nodeType="clickEffect">
                                   <p:stCondLst>
                                     <p:cond delay="0"/>
                                   </p:stCondLst>
                                   <p:childTnLst>
                                     <p:set>
                                       <p:cBhvr>
-                                        <p:cTn id="24" dur="1" fill="hold">
+                                        <p:cTn id="26" dur="1" fill="hold">
                                           <p:stCondLst>
                                             <p:cond delay="0"/>
                                           </p:stCondLst>
                                         </p:cTn>
                                         <p:tgtEl>
                                           <p:spTgt spid="6"/>
+                                        </p:tgtEl>
+                                        <p:attrNameLst>
+                                          <p:attrName>style.visibility</p:attrName>
+                                        </p:attrNameLst>
+                                      </p:cBhvr>
+                                      <p:to>
+                                        <p:strVal val="visible"/>
+                                      </p:to>
+                                    </p:set>
+                                  </p:childTnLst>
+                                </p:cTn>
+                              </p:par>
+                              <p:par>
+                                <p:cTn id="27" presetID="1" presetClass="entr" presetSubtype="0" fill="hold" grpId="0" nodeType="withEffect">
+                                  <p:stCondLst>
+                                    <p:cond delay="0"/>
+                                  </p:stCondLst>
+                                  <p:childTnLst>
+                                    <p:set>
+                                      <p:cBhvr>
+                                        <p:cTn id="28" dur="1" fill="hold">
+                                          <p:stCondLst>
+                                            <p:cond delay="0"/>
+                                          </p:stCondLst>
+                                        </p:cTn>
+                                        <p:tgtEl>
+                                          <p:spTgt spid="10"/>
                                         </p:tgtEl>
                                         <p:attrNameLst>
                                           <p:attrName>style.visibility</p:attrName>
@@ -14852,6 +12418,7 @@
       </p:par>
     </p:tnLst>
     <p:bldLst>
+      <p:bldP spid="8" grpId="0" animBg="1"/>
       <p:bldP spid="9" grpId="0" animBg="1"/>
       <p:bldP spid="10" grpId="0" animBg="1"/>
       <p:bldP spid="13" grpId="0" animBg="1"/>
@@ -14862,7 +12429,7 @@
 </p:sld>
 </file>
 
-<file path=ppt/slides/slide21.xml><?xml version="1.0" encoding="utf-8"?>
+<file path=ppt/slides/slide22.xml><?xml version="1.0" encoding="utf-8"?>
 <p:sld xmlns:a="http://schemas.openxmlformats.org/drawingml/2006/main" xmlns:r="http://schemas.openxmlformats.org/officeDocument/2006/relationships" xmlns:p="http://schemas.openxmlformats.org/presentationml/2006/main">
   <p:cSld>
     <p:bg>
@@ -15620,7 +13187,9 @@
         </p:nvSpPr>
         <p:spPr/>
         <p:txBody>
-          <a:bodyPr/>
+          <a:bodyPr>
+            <a:normAutofit/>
+          </a:bodyPr>
           <a:lstStyle/>
           <a:p>
             <a:r>
@@ -15641,7 +13210,7 @@
             <a:pPr lvl="1"/>
             <a:r>
               <a:rPr lang="en-US" dirty="0"/>
-              <a:t>Chapter 3 : </a:t>
+              <a:t>Chapter 3: </a:t>
             </a:r>
             <a:r>
               <a:rPr lang="en-US" b="1" dirty="0"/>
@@ -15649,7 +13218,7 @@
             </a:r>
             <a:r>
               <a:rPr lang="en-US" dirty="0"/>
-              <a:t> with a custom heuristic evaluation function. </a:t>
+              <a:t> with a heuristic for informed search. </a:t>
             </a:r>
           </a:p>
           <a:p>
@@ -15672,8 +13241,12 @@
           </a:p>
           <a:p>
             <a:r>
+              <a:rPr lang="en-US" b="1" dirty="0"/>
+              <a:t>Issue</a:t>
+            </a:r>
+            <a:r>
               <a:rPr lang="en-US" dirty="0"/>
-              <a:t>Issue: Large state space.</a:t>
+              <a:t>: Large state space.</a:t>
             </a:r>
           </a:p>
           <a:p>
@@ -15681,8 +13254,12 @@
           </a:p>
           <a:p>
             <a:r>
+              <a:rPr lang="en-US" b="1" dirty="0"/>
+              <a:t>Solution</a:t>
+            </a:r>
+            <a:r>
               <a:rPr lang="en-US" dirty="0"/>
-              <a:t>Solution: Factored state representation using a Planning Domain Definition Language (PDDL) + Action schemas</a:t>
+              <a:t>: Factored state representation using a Planning Domain Definition Language (PDDL) + Action schemas</a:t>
             </a:r>
           </a:p>
         </p:txBody>
@@ -15750,8 +13327,8 @@
           </a:p>
         </p:txBody>
       </p:sp>
-      <mc:AlternateContent xmlns:mc="http://schemas.openxmlformats.org/markup-compatibility/2006" xmlns:a14="http://schemas.microsoft.com/office/drawing/2010/main">
-        <mc:Choice Requires="a14">
+      <mc:AlternateContent xmlns:mc="http://schemas.openxmlformats.org/markup-compatibility/2006">
+        <mc:Choice xmlns:a14="http://schemas.microsoft.com/office/drawing/2010/main" Requires="a14">
           <p:sp>
             <p:nvSpPr>
               <p:cNvPr id="3" name="Content Placeholder 2">
@@ -15782,7 +13359,7 @@
               <a:p>
                 <a:r>
                   <a:rPr lang="en-US" b="1" dirty="0"/>
-                  <a:t>State</a:t>
+                  <a:t>Factored state description</a:t>
                 </a:r>
                 <a:r>
                   <a:rPr lang="en-US" dirty="0"/>
@@ -16239,7 +13816,7 @@
             </p:txBody>
           </p:sp>
         </mc:Choice>
-        <mc:Fallback xmlns="">
+        <mc:Fallback>
           <p:sp>
             <p:nvSpPr>
               <p:cNvPr id="3" name="Content Placeholder 2">
@@ -17138,7 +14715,7 @@
         </p:blipFill>
         <p:spPr>
           <a:xfrm>
-            <a:off x="2209800" y="838200"/>
+            <a:off x="1278307" y="952500"/>
             <a:ext cx="6587383" cy="2286000"/>
           </a:xfrm>
           <a:prstGeom prst="rect">
@@ -17306,7 +14883,7 @@
           <a:p>
             <a:r>
               <a:rPr lang="en-US" dirty="0"/>
-              <a:t>Algorithms</a:t>
+              <a:t>Algorithm Options</a:t>
             </a:r>
           </a:p>
         </p:txBody>
@@ -17335,20 +14912,28 @@
         </p:spPr>
         <p:txBody>
           <a:bodyPr>
-            <a:normAutofit fontScale="92500"/>
+            <a:normAutofit fontScale="77500" lnSpcReduction="20000"/>
           </a:bodyPr>
           <a:lstStyle/>
           <a:p>
+            <a:pPr marL="457200" indent="-457200">
+              <a:buFont typeface="+mj-lt"/>
+              <a:buAutoNum type="alphaLcParenR"/>
+            </a:pPr>
             <a:r>
               <a:rPr lang="en-US" b="1" dirty="0"/>
               <a:t>Forward state-space search</a:t>
             </a:r>
             <a:r>
               <a:rPr lang="en-US" dirty="0"/>
-              <a:t>: Needs heuristics* to deal with the state space.</a:t>
-            </a:r>
-          </a:p>
-          <a:p>
+              <a:t>: Action schema represents the transition model. Perform regular BFS/DFS search. Often A* with a heuristics is used to deal with the state space size.</a:t>
+            </a:r>
+          </a:p>
+          <a:p>
+            <a:pPr marL="457200" indent="-457200">
+              <a:buFont typeface="+mj-lt"/>
+              <a:buAutoNum type="alphaLcParenR"/>
+            </a:pPr>
             <a:r>
               <a:rPr lang="en-US" b="1" dirty="0"/>
               <a:t>Backward search </a:t>
@@ -17359,9 +14944,13 @@
             </a:r>
           </a:p>
           <a:p>
+            <a:pPr marL="457200" indent="-457200">
+              <a:buFont typeface="+mj-lt"/>
+              <a:buAutoNum type="alphaLcParenR"/>
+            </a:pPr>
             <a:r>
               <a:rPr lang="en-US" dirty="0"/>
-              <a:t>Convert the PDDL description into propositional form and use an efficient solvers for the </a:t>
+              <a:t>Convert the PDDL description into propositional form and use an efficient solver for the </a:t>
             </a:r>
             <a:r>
               <a:rPr lang="en-US" b="1" dirty="0"/>
@@ -17377,8 +14966,8 @@
           </a:p>
         </p:txBody>
       </p:sp>
-      <mc:AlternateContent xmlns:mc="http://schemas.openxmlformats.org/markup-compatibility/2006" xmlns:a14="http://schemas.microsoft.com/office/drawing/2010/main">
-        <mc:Choice Requires="a14">
+      <mc:AlternateContent xmlns:mc="http://schemas.openxmlformats.org/markup-compatibility/2006">
+        <mc:Choice xmlns:a14="http://schemas.microsoft.com/office/drawing/2010/main" Requires="a14">
           <p:sp>
             <p:nvSpPr>
               <p:cNvPr id="4" name="TextBox 3">
@@ -17394,7 +14983,7 @@
             <p:spPr>
               <a:xfrm>
                 <a:off x="6172905" y="2907276"/>
-                <a:ext cx="2437695" cy="1323439"/>
+                <a:ext cx="2437695" cy="1569660"/>
               </a:xfrm>
               <a:prstGeom prst="rect">
                 <a:avLst/>
@@ -17496,13 +15085,13 @@
               <a:p>
                 <a:r>
                   <a:rPr lang="en-US" sz="1600" dirty="0"/>
-                  <a:t>Ignore-precondition that checks for walls</a:t>
+                  <a:t>Heuristic: Ignore precondition that checks for walls</a:t>
                 </a:r>
               </a:p>
             </p:txBody>
           </p:sp>
         </mc:Choice>
-        <mc:Fallback xmlns="">
+        <mc:Fallback>
           <p:sp>
             <p:nvSpPr>
               <p:cNvPr id="4" name="TextBox 3">
@@ -17520,7 +15109,7 @@
             <p:spPr>
               <a:xfrm>
                 <a:off x="6172905" y="2907276"/>
-                <a:ext cx="2437695" cy="1323439"/>
+                <a:ext cx="2437695" cy="1569660"/>
               </a:xfrm>
               <a:prstGeom prst="rect">
                 <a:avLst/>
@@ -17528,7 +15117,7 @@
               <a:blipFill>
                 <a:blip r:embed="rId2"/>
                 <a:stretch>
-                  <a:fillRect l="-1244" t="-913" b="-4566"/>
+                  <a:fillRect l="-1244" t="-772" b="-3861"/>
                 </a:stretch>
               </a:blipFill>
             </p:spPr>
@@ -17547,8 +15136,8 @@
           </p:sp>
         </mc:Fallback>
       </mc:AlternateContent>
-      <mc:AlternateContent xmlns:mc="http://schemas.openxmlformats.org/markup-compatibility/2006" xmlns:a14="http://schemas.microsoft.com/office/drawing/2010/main">
-        <mc:Choice Requires="a14">
+      <mc:AlternateContent xmlns:mc="http://schemas.openxmlformats.org/markup-compatibility/2006">
+        <mc:Choice xmlns:a14="http://schemas.microsoft.com/office/drawing/2010/main" Requires="a14">
           <p:sp>
             <p:nvSpPr>
               <p:cNvPr id="6" name="TextBox 5">
@@ -17595,7 +15184,7 @@
                 <a:pPr lvl="1" indent="-457200"/>
                 <a:r>
                   <a:rPr lang="en-US" sz="1900" b="1" dirty="0"/>
-                  <a:t>*Heuristics for Planning</a:t>
+                  <a:t>A* Heuristics for Planning</a:t>
                 </a:r>
                 <a:br>
                   <a:rPr lang="en-US" sz="1900" dirty="0"/>
@@ -17648,7 +15237,7 @@
                 </a14:m>
                 <a:r>
                   <a:rPr lang="en-US" sz="1600" dirty="0"/>
-                  <a:t> to the goal. If it is admissible (does not overestimate the distance) then A* can be used.</a:t>
+                  <a:t> to the goal. If it is admissible (does not overestimate the distance), then A* can be used.</a:t>
                 </a:r>
               </a:p>
               <a:p>
@@ -17664,7 +15253,7 @@
                 </a:pPr>
                 <a:r>
                   <a:rPr lang="en-US" sz="1600" dirty="0"/>
-                  <a:t>Ignore-preconditions: any action can be used in any state</a:t>
+                  <a:t> Ignore preconditions: any action can be used in any state</a:t>
                 </a:r>
               </a:p>
               <a:p>
@@ -17674,7 +15263,7 @@
                 </a:pPr>
                 <a:r>
                   <a:rPr lang="en-US" sz="1600" dirty="0"/>
-                  <a:t>Ignore delete-list: no negative effects, problem progresses monotonic towards the goal.</a:t>
+                  <a:t>Ignore delete-list: no negative effects, problem progresses monotonically towards the goal.</a:t>
                 </a:r>
               </a:p>
               <a:p>
@@ -17708,7 +15297,7 @@
             </p:txBody>
           </p:sp>
         </mc:Choice>
-        <mc:Fallback xmlns="">
+        <mc:Fallback>
           <p:sp>
             <p:nvSpPr>
               <p:cNvPr id="6" name="TextBox 5">
@@ -18188,7 +15777,12 @@
             <p:ph idx="1"/>
           </p:nvPr>
         </p:nvSpPr>
-        <p:spPr/>
+        <p:spPr>
+          <a:xfrm>
+            <a:off x="628650" y="1701145"/>
+            <a:ext cx="7886700" cy="1015664"/>
+          </a:xfrm>
+        </p:spPr>
         <p:txBody>
           <a:bodyPr>
             <a:normAutofit lnSpcReduction="10000"/>
@@ -18196,46 +15790,22 @@
           <a:lstStyle/>
           <a:p>
             <a:r>
-              <a:rPr lang="en-US" dirty="0"/>
+              <a:rPr lang="en-US" sz="2000" dirty="0"/>
               <a:t>A </a:t>
             </a:r>
             <a:r>
-              <a:rPr lang="en-US" b="1" dirty="0"/>
-              <a:t>high-level action (HLA) </a:t>
-            </a:r>
-            <a:r>
-              <a:rPr lang="en-US" dirty="0"/>
-              <a:t>have one or several refinements into a sequence of HLAs or primitive actions. </a:t>
-            </a:r>
-          </a:p>
-          <a:p>
-            <a:endParaRPr lang="en-US" dirty="0"/>
-          </a:p>
-          <a:p>
-            <a:endParaRPr lang="en-US" dirty="0"/>
-          </a:p>
-          <a:p>
-            <a:endParaRPr lang="en-US" dirty="0"/>
-          </a:p>
-          <a:p>
-            <a:endParaRPr lang="en-US" dirty="0"/>
-          </a:p>
-          <a:p>
-            <a:endParaRPr lang="en-US" dirty="0"/>
-          </a:p>
-          <a:p>
-            <a:endParaRPr lang="en-US" dirty="0"/>
-          </a:p>
-          <a:p>
-            <a:endParaRPr lang="en-US" dirty="0"/>
-          </a:p>
-          <a:p>
-            <a:endParaRPr lang="en-US" dirty="0"/>
-          </a:p>
-          <a:p>
-            <a:r>
-              <a:rPr lang="en-US" dirty="0"/>
-              <a:t>An HLA achieves the goal if at least one implementation achieves the goal.</a:t>
+              <a:rPr lang="en-US" sz="2000" b="1" dirty="0"/>
+              <a:t>high-level action (HLA)</a:t>
+            </a:r>
+            <a:r>
+              <a:rPr lang="en-US" sz="2000" dirty="0"/>
+              <a:t> solves a problem or a subproblem in one step.</a:t>
+            </a:r>
+          </a:p>
+          <a:p>
+            <a:r>
+              <a:rPr lang="en-US" sz="2000" dirty="0"/>
+              <a:t> An HLA has one or several refinements into a sequence of HLAs or primitive actions. </a:t>
             </a:r>
           </a:p>
         </p:txBody>
@@ -18254,7 +15824,7 @@
         </p:nvGrpSpPr>
         <p:grpSpPr>
           <a:xfrm>
-            <a:off x="1117424" y="2743200"/>
+            <a:off x="1081794" y="2895600"/>
             <a:ext cx="7481181" cy="2041150"/>
             <a:chOff x="1117424" y="2743200"/>
             <a:chExt cx="7481181" cy="2041150"/>
@@ -19540,6 +17110,55 @@
           </p:txBody>
         </p:sp>
       </p:grpSp>
+      <p:sp>
+        <p:nvSpPr>
+          <p:cNvPr id="3" name="TextBox 2">
+            <a:extLst>
+              <a:ext uri="{FF2B5EF4-FFF2-40B4-BE49-F238E27FC236}">
+                <a16:creationId xmlns:a16="http://schemas.microsoft.com/office/drawing/2014/main" id="{945B6ED1-644E-675A-8627-79AEEC0CFF25}"/>
+              </a:ext>
+            </a:extLst>
+          </p:cNvPr>
+          <p:cNvSpPr txBox="1"/>
+          <p:nvPr/>
+        </p:nvSpPr>
+        <p:spPr>
+          <a:xfrm>
+            <a:off x="546452" y="5156079"/>
+            <a:ext cx="7968898" cy="1015663"/>
+          </a:xfrm>
+          <a:prstGeom prst="rect">
+            <a:avLst/>
+          </a:prstGeom>
+          <a:noFill/>
+        </p:spPr>
+        <p:txBody>
+          <a:bodyPr wrap="square">
+            <a:spAutoFit/>
+          </a:bodyPr>
+          <a:lstStyle/>
+          <a:p>
+            <a:pPr marL="285750" indent="-285750">
+              <a:buFont typeface="Arial" panose="020B0604020202020204" pitchFamily="34" charset="0"/>
+              <a:buChar char="•"/>
+            </a:pPr>
+            <a:r>
+              <a:rPr lang="en-US" sz="2000" dirty="0"/>
+              <a:t>Reasoning and search for HLAs reduces the search space.</a:t>
+            </a:r>
+          </a:p>
+          <a:p>
+            <a:pPr marL="285750" indent="-285750">
+              <a:buFont typeface="Arial" panose="020B0604020202020204" pitchFamily="34" charset="0"/>
+              <a:buChar char="•"/>
+            </a:pPr>
+            <a:r>
+              <a:rPr lang="en-US" sz="2000" dirty="0"/>
+              <a:t>A top-level HLA achieves the goal if at least one implementation achieves the goal.</a:t>
+            </a:r>
+          </a:p>
+        </p:txBody>
+      </p:sp>
     </p:spTree>
     <p:extLst>
       <p:ext uri="{BB962C8B-B14F-4D97-AF65-F5344CB8AC3E}">
